--- a/CSCE658-S24/L21.pptx
+++ b/CSCE658-S24/L21.pptx
@@ -5,7 +5,7 @@
     <p:sldMasterId id="2147483648" r:id="rId1"/>
   </p:sldMasterIdLst>
   <p:notesMasterIdLst>
-    <p:notesMasterId r:id="rId20"/>
+    <p:notesMasterId r:id="rId35"/>
   </p:notesMasterIdLst>
   <p:sldIdLst>
     <p:sldId id="788" r:id="rId2"/>
@@ -18,14 +18,29 @@
     <p:sldId id="1305" r:id="rId9"/>
     <p:sldId id="1278" r:id="rId10"/>
     <p:sldId id="1280" r:id="rId11"/>
-    <p:sldId id="1286" r:id="rId12"/>
+    <p:sldId id="1311" r:id="rId12"/>
     <p:sldId id="1282" r:id="rId13"/>
-    <p:sldId id="1281" r:id="rId14"/>
-    <p:sldId id="1307" r:id="rId15"/>
-    <p:sldId id="1308" r:id="rId16"/>
-    <p:sldId id="1309" r:id="rId17"/>
-    <p:sldId id="1310" r:id="rId18"/>
-    <p:sldId id="1279" r:id="rId19"/>
+    <p:sldId id="1286" r:id="rId14"/>
+    <p:sldId id="1281" r:id="rId15"/>
+    <p:sldId id="1312" r:id="rId16"/>
+    <p:sldId id="1313" r:id="rId17"/>
+    <p:sldId id="1307" r:id="rId18"/>
+    <p:sldId id="1308" r:id="rId19"/>
+    <p:sldId id="1309" r:id="rId20"/>
+    <p:sldId id="1310" r:id="rId21"/>
+    <p:sldId id="1279" r:id="rId22"/>
+    <p:sldId id="1315" r:id="rId23"/>
+    <p:sldId id="1317" r:id="rId24"/>
+    <p:sldId id="1316" r:id="rId25"/>
+    <p:sldId id="1318" r:id="rId26"/>
+    <p:sldId id="1314" r:id="rId27"/>
+    <p:sldId id="1319" r:id="rId28"/>
+    <p:sldId id="1321" r:id="rId29"/>
+    <p:sldId id="1320" r:id="rId30"/>
+    <p:sldId id="1322" r:id="rId31"/>
+    <p:sldId id="1323" r:id="rId32"/>
+    <p:sldId id="1324" r:id="rId33"/>
+    <p:sldId id="1325" r:id="rId34"/>
   </p:sldIdLst>
   <p:sldSz cx="12192000" cy="6858000"/>
   <p:notesSz cx="6858000" cy="9144000"/>
@@ -132,6 +147,388 @@
 </p:presentation>
 </file>
 
+<file path=ppt/revisionInfo.xml><?xml version="1.0" encoding="utf-8"?>
+<p1510:revInfo xmlns:a="http://schemas.openxmlformats.org/drawingml/2006/main" xmlns:r="http://schemas.openxmlformats.org/officeDocument/2006/relationships" xmlns:p1510="http://schemas.microsoft.com/office/powerpoint/2015/10/main">
+  <p1510:revLst>
+    <p1510:client id="{B9ED1275-8595-46D3-B0E3-8452F93970F7}" v="1260" dt="2024-04-16T21:49:49.979"/>
+  </p1510:revLst>
+</p1510:revInfo>
+</file>
+
+<file path=ppt/changesInfos/changesInfo1.xml><?xml version="1.0" encoding="utf-8"?>
+<pc:chgInfo xmlns:a="http://schemas.openxmlformats.org/drawingml/2006/main" xmlns:r="http://schemas.openxmlformats.org/officeDocument/2006/relationships" xmlns:ac="http://schemas.microsoft.com/office/drawing/2013/main/command" xmlns:pc="http://schemas.microsoft.com/office/powerpoint/2013/main/command">
+  <pc:docChgLst>
+    <pc:chgData name="Samson Zhou" userId="be955f33642ecbf5" providerId="LiveId" clId="{B9ED1275-8595-46D3-B0E3-8452F93970F7}"/>
+    <pc:docChg chg="undo custSel addSld delSld modSld sldOrd">
+      <pc:chgData name="Samson Zhou" userId="be955f33642ecbf5" providerId="LiveId" clId="{B9ED1275-8595-46D3-B0E3-8452F93970F7}" dt="2024-04-16T21:50:31.473" v="2651" actId="20577"/>
+      <pc:docMkLst>
+        <pc:docMk/>
+      </pc:docMkLst>
+      <pc:sldChg chg="modSp mod">
+        <pc:chgData name="Samson Zhou" userId="be955f33642ecbf5" providerId="LiveId" clId="{B9ED1275-8595-46D3-B0E3-8452F93970F7}" dt="2024-04-16T19:29:03.233" v="336" actId="20577"/>
+        <pc:sldMkLst>
+          <pc:docMk/>
+          <pc:sldMk cId="2899717349" sldId="1279"/>
+        </pc:sldMkLst>
+        <pc:spChg chg="mod">
+          <ac:chgData name="Samson Zhou" userId="be955f33642ecbf5" providerId="LiveId" clId="{B9ED1275-8595-46D3-B0E3-8452F93970F7}" dt="2024-04-16T19:29:03.233" v="336" actId="20577"/>
+          <ac:spMkLst>
+            <pc:docMk/>
+            <pc:sldMk cId="2899717349" sldId="1279"/>
+            <ac:spMk id="5" creationId="{46EDD9D9-1338-4BC5-9D28-964A84C143C2}"/>
+          </ac:spMkLst>
+        </pc:spChg>
+      </pc:sldChg>
+      <pc:sldChg chg="modSp mod">
+        <pc:chgData name="Samson Zhou" userId="be955f33642ecbf5" providerId="LiveId" clId="{B9ED1275-8595-46D3-B0E3-8452F93970F7}" dt="2024-04-16T18:23:41.992" v="19" actId="20577"/>
+        <pc:sldMkLst>
+          <pc:docMk/>
+          <pc:sldMk cId="1761393567" sldId="1280"/>
+        </pc:sldMkLst>
+        <pc:spChg chg="mod">
+          <ac:chgData name="Samson Zhou" userId="be955f33642ecbf5" providerId="LiveId" clId="{B9ED1275-8595-46D3-B0E3-8452F93970F7}" dt="2024-04-16T18:23:41.992" v="19" actId="20577"/>
+          <ac:spMkLst>
+            <pc:docMk/>
+            <pc:sldMk cId="1761393567" sldId="1280"/>
+            <ac:spMk id="2" creationId="{B17419AC-DCE6-4371-8DE2-D617E99D653D}"/>
+          </ac:spMkLst>
+        </pc:spChg>
+        <pc:spChg chg="mod">
+          <ac:chgData name="Samson Zhou" userId="be955f33642ecbf5" providerId="LiveId" clId="{B9ED1275-8595-46D3-B0E3-8452F93970F7}" dt="2024-04-16T18:23:27.524" v="18" actId="6549"/>
+          <ac:spMkLst>
+            <pc:docMk/>
+            <pc:sldMk cId="1761393567" sldId="1280"/>
+            <ac:spMk id="5" creationId="{46EDD9D9-1338-4BC5-9D28-964A84C143C2}"/>
+          </ac:spMkLst>
+        </pc:spChg>
+      </pc:sldChg>
+      <pc:sldChg chg="ord">
+        <pc:chgData name="Samson Zhou" userId="be955f33642ecbf5" providerId="LiveId" clId="{B9ED1275-8595-46D3-B0E3-8452F93970F7}" dt="2024-04-16T19:05:50.487" v="143"/>
+        <pc:sldMkLst>
+          <pc:docMk/>
+          <pc:sldMk cId="905233082" sldId="1282"/>
+        </pc:sldMkLst>
+      </pc:sldChg>
+      <pc:sldChg chg="modSp mod">
+        <pc:chgData name="Samson Zhou" userId="be955f33642ecbf5" providerId="LiveId" clId="{B9ED1275-8595-46D3-B0E3-8452F93970F7}" dt="2024-04-16T19:03:07.411" v="85" actId="21"/>
+        <pc:sldMkLst>
+          <pc:docMk/>
+          <pc:sldMk cId="3798815518" sldId="1286"/>
+        </pc:sldMkLst>
+        <pc:spChg chg="mod">
+          <ac:chgData name="Samson Zhou" userId="be955f33642ecbf5" providerId="LiveId" clId="{B9ED1275-8595-46D3-B0E3-8452F93970F7}" dt="2024-04-16T19:03:07.411" v="85" actId="21"/>
+          <ac:spMkLst>
+            <pc:docMk/>
+            <pc:sldMk cId="3798815518" sldId="1286"/>
+            <ac:spMk id="5" creationId="{46EDD9D9-1338-4BC5-9D28-964A84C143C2}"/>
+          </ac:spMkLst>
+        </pc:spChg>
+      </pc:sldChg>
+      <pc:sldChg chg="modSp mod">
+        <pc:chgData name="Samson Zhou" userId="be955f33642ecbf5" providerId="LiveId" clId="{B9ED1275-8595-46D3-B0E3-8452F93970F7}" dt="2024-04-16T21:50:31.473" v="2651" actId="20577"/>
+        <pc:sldMkLst>
+          <pc:docMk/>
+          <pc:sldMk cId="3080056289" sldId="1291"/>
+        </pc:sldMkLst>
+        <pc:spChg chg="mod">
+          <ac:chgData name="Samson Zhou" userId="be955f33642ecbf5" providerId="LiveId" clId="{B9ED1275-8595-46D3-B0E3-8452F93970F7}" dt="2024-04-16T21:50:31.473" v="2651" actId="20577"/>
+          <ac:spMkLst>
+            <pc:docMk/>
+            <pc:sldMk cId="3080056289" sldId="1291"/>
+            <ac:spMk id="3" creationId="{25EE93E1-E7F8-AF25-6F87-6F078FDBFB60}"/>
+          </ac:spMkLst>
+        </pc:spChg>
+      </pc:sldChg>
+      <pc:sldChg chg="add del">
+        <pc:chgData name="Samson Zhou" userId="be955f33642ecbf5" providerId="LiveId" clId="{B9ED1275-8595-46D3-B0E3-8452F93970F7}" dt="2024-04-16T20:08:32.328" v="891" actId="47"/>
+        <pc:sldMkLst>
+          <pc:docMk/>
+          <pc:sldMk cId="1726492844" sldId="1301"/>
+        </pc:sldMkLst>
+      </pc:sldChg>
+      <pc:sldChg chg="add del">
+        <pc:chgData name="Samson Zhou" userId="be955f33642ecbf5" providerId="LiveId" clId="{B9ED1275-8595-46D3-B0E3-8452F93970F7}" dt="2024-04-16T20:08:32.328" v="891" actId="47"/>
+        <pc:sldMkLst>
+          <pc:docMk/>
+          <pc:sldMk cId="825004227" sldId="1302"/>
+        </pc:sldMkLst>
+      </pc:sldChg>
+      <pc:sldChg chg="modSp add mod ord">
+        <pc:chgData name="Samson Zhou" userId="be955f33642ecbf5" providerId="LiveId" clId="{B9ED1275-8595-46D3-B0E3-8452F93970F7}" dt="2024-04-16T19:10:03.843" v="145" actId="20577"/>
+        <pc:sldMkLst>
+          <pc:docMk/>
+          <pc:sldMk cId="3051485560" sldId="1311"/>
+        </pc:sldMkLst>
+        <pc:spChg chg="mod">
+          <ac:chgData name="Samson Zhou" userId="be955f33642ecbf5" providerId="LiveId" clId="{B9ED1275-8595-46D3-B0E3-8452F93970F7}" dt="2024-04-16T19:10:03.843" v="145" actId="20577"/>
+          <ac:spMkLst>
+            <pc:docMk/>
+            <pc:sldMk cId="3051485560" sldId="1311"/>
+            <ac:spMk id="5" creationId="{46EDD9D9-1338-4BC5-9D28-964A84C143C2}"/>
+          </ac:spMkLst>
+        </pc:spChg>
+      </pc:sldChg>
+      <pc:sldChg chg="modSp add mod">
+        <pc:chgData name="Samson Zhou" userId="be955f33642ecbf5" providerId="LiveId" clId="{B9ED1275-8595-46D3-B0E3-8452F93970F7}" dt="2024-04-16T19:10:29.780" v="169" actId="20577"/>
+        <pc:sldMkLst>
+          <pc:docMk/>
+          <pc:sldMk cId="1158316235" sldId="1312"/>
+        </pc:sldMkLst>
+        <pc:spChg chg="mod">
+          <ac:chgData name="Samson Zhou" userId="be955f33642ecbf5" providerId="LiveId" clId="{B9ED1275-8595-46D3-B0E3-8452F93970F7}" dt="2024-04-16T19:10:29.780" v="169" actId="20577"/>
+          <ac:spMkLst>
+            <pc:docMk/>
+            <pc:sldMk cId="1158316235" sldId="1312"/>
+            <ac:spMk id="5" creationId="{46EDD9D9-1338-4BC5-9D28-964A84C143C2}"/>
+          </ac:spMkLst>
+        </pc:spChg>
+      </pc:sldChg>
+      <pc:sldChg chg="add">
+        <pc:chgData name="Samson Zhou" userId="be955f33642ecbf5" providerId="LiveId" clId="{B9ED1275-8595-46D3-B0E3-8452F93970F7}" dt="2024-04-16T19:10:10.811" v="146"/>
+        <pc:sldMkLst>
+          <pc:docMk/>
+          <pc:sldMk cId="1965121507" sldId="1313"/>
+        </pc:sldMkLst>
+      </pc:sldChg>
+      <pc:sldChg chg="add del">
+        <pc:chgData name="Samson Zhou" userId="be955f33642ecbf5" providerId="LiveId" clId="{B9ED1275-8595-46D3-B0E3-8452F93970F7}" dt="2024-04-16T19:11:03.825" v="170" actId="47"/>
+        <pc:sldMkLst>
+          <pc:docMk/>
+          <pc:sldMk cId="752574524" sldId="1314"/>
+        </pc:sldMkLst>
+      </pc:sldChg>
+      <pc:sldChg chg="modSp add mod">
+        <pc:chgData name="Samson Zhou" userId="be955f33642ecbf5" providerId="LiveId" clId="{B9ED1275-8595-46D3-B0E3-8452F93970F7}" dt="2024-04-16T20:12:16.096" v="939" actId="20577"/>
+        <pc:sldMkLst>
+          <pc:docMk/>
+          <pc:sldMk cId="4281656272" sldId="1314"/>
+        </pc:sldMkLst>
+        <pc:spChg chg="mod">
+          <ac:chgData name="Samson Zhou" userId="be955f33642ecbf5" providerId="LiveId" clId="{B9ED1275-8595-46D3-B0E3-8452F93970F7}" dt="2024-04-16T20:11:59.876" v="901" actId="20577"/>
+          <ac:spMkLst>
+            <pc:docMk/>
+            <pc:sldMk cId="4281656272" sldId="1314"/>
+            <ac:spMk id="2" creationId="{B17419AC-DCE6-4371-8DE2-D617E99D653D}"/>
+          </ac:spMkLst>
+        </pc:spChg>
+        <pc:spChg chg="mod">
+          <ac:chgData name="Samson Zhou" userId="be955f33642ecbf5" providerId="LiveId" clId="{B9ED1275-8595-46D3-B0E3-8452F93970F7}" dt="2024-04-16T20:12:16.096" v="939" actId="20577"/>
+          <ac:spMkLst>
+            <pc:docMk/>
+            <pc:sldMk cId="4281656272" sldId="1314"/>
+            <ac:spMk id="5" creationId="{46EDD9D9-1338-4BC5-9D28-964A84C143C2}"/>
+          </ac:spMkLst>
+        </pc:spChg>
+      </pc:sldChg>
+      <pc:sldChg chg="modSp add mod">
+        <pc:chgData name="Samson Zhou" userId="be955f33642ecbf5" providerId="LiveId" clId="{B9ED1275-8595-46D3-B0E3-8452F93970F7}" dt="2024-04-16T19:53:40.289" v="463"/>
+        <pc:sldMkLst>
+          <pc:docMk/>
+          <pc:sldMk cId="3191427531" sldId="1315"/>
+        </pc:sldMkLst>
+        <pc:spChg chg="mod">
+          <ac:chgData name="Samson Zhou" userId="be955f33642ecbf5" providerId="LiveId" clId="{B9ED1275-8595-46D3-B0E3-8452F93970F7}" dt="2024-04-16T19:29:51.147" v="454" actId="20577"/>
+          <ac:spMkLst>
+            <pc:docMk/>
+            <pc:sldMk cId="3191427531" sldId="1315"/>
+            <ac:spMk id="2" creationId="{B17419AC-DCE6-4371-8DE2-D617E99D653D}"/>
+          </ac:spMkLst>
+        </pc:spChg>
+        <pc:spChg chg="mod">
+          <ac:chgData name="Samson Zhou" userId="be955f33642ecbf5" providerId="LiveId" clId="{B9ED1275-8595-46D3-B0E3-8452F93970F7}" dt="2024-04-16T19:53:40.289" v="463"/>
+          <ac:spMkLst>
+            <pc:docMk/>
+            <pc:sldMk cId="3191427531" sldId="1315"/>
+            <ac:spMk id="5" creationId="{46EDD9D9-1338-4BC5-9D28-964A84C143C2}"/>
+          </ac:spMkLst>
+        </pc:spChg>
+      </pc:sldChg>
+      <pc:sldChg chg="modSp add mod">
+        <pc:chgData name="Samson Zhou" userId="be955f33642ecbf5" providerId="LiveId" clId="{B9ED1275-8595-46D3-B0E3-8452F93970F7}" dt="2024-04-16T20:06:29.029" v="679" actId="20577"/>
+        <pc:sldMkLst>
+          <pc:docMk/>
+          <pc:sldMk cId="2449795326" sldId="1316"/>
+        </pc:sldMkLst>
+        <pc:spChg chg="mod">
+          <ac:chgData name="Samson Zhou" userId="be955f33642ecbf5" providerId="LiveId" clId="{B9ED1275-8595-46D3-B0E3-8452F93970F7}" dt="2024-04-16T20:06:29.029" v="679" actId="20577"/>
+          <ac:spMkLst>
+            <pc:docMk/>
+            <pc:sldMk cId="2449795326" sldId="1316"/>
+            <ac:spMk id="5" creationId="{46EDD9D9-1338-4BC5-9D28-964A84C143C2}"/>
+          </ac:spMkLst>
+        </pc:spChg>
+      </pc:sldChg>
+      <pc:sldChg chg="modSp add mod">
+        <pc:chgData name="Samson Zhou" userId="be955f33642ecbf5" providerId="LiveId" clId="{B9ED1275-8595-46D3-B0E3-8452F93970F7}" dt="2024-04-16T20:04:13.721" v="608" actId="20577"/>
+        <pc:sldMkLst>
+          <pc:docMk/>
+          <pc:sldMk cId="1390484112" sldId="1317"/>
+        </pc:sldMkLst>
+        <pc:spChg chg="mod">
+          <ac:chgData name="Samson Zhou" userId="be955f33642ecbf5" providerId="LiveId" clId="{B9ED1275-8595-46D3-B0E3-8452F93970F7}" dt="2024-04-16T20:04:13.721" v="608" actId="20577"/>
+          <ac:spMkLst>
+            <pc:docMk/>
+            <pc:sldMk cId="1390484112" sldId="1317"/>
+            <ac:spMk id="5" creationId="{46EDD9D9-1338-4BC5-9D28-964A84C143C2}"/>
+          </ac:spMkLst>
+        </pc:spChg>
+      </pc:sldChg>
+      <pc:sldChg chg="modSp add mod">
+        <pc:chgData name="Samson Zhou" userId="be955f33642ecbf5" providerId="LiveId" clId="{B9ED1275-8595-46D3-B0E3-8452F93970F7}" dt="2024-04-16T20:08:26.781" v="890" actId="20577"/>
+        <pc:sldMkLst>
+          <pc:docMk/>
+          <pc:sldMk cId="1137695535" sldId="1318"/>
+        </pc:sldMkLst>
+        <pc:spChg chg="mod">
+          <ac:chgData name="Samson Zhou" userId="be955f33642ecbf5" providerId="LiveId" clId="{B9ED1275-8595-46D3-B0E3-8452F93970F7}" dt="2024-04-16T20:08:26.781" v="890" actId="20577"/>
+          <ac:spMkLst>
+            <pc:docMk/>
+            <pc:sldMk cId="1137695535" sldId="1318"/>
+            <ac:spMk id="5" creationId="{46EDD9D9-1338-4BC5-9D28-964A84C143C2}"/>
+          </ac:spMkLst>
+        </pc:spChg>
+      </pc:sldChg>
+      <pc:sldChg chg="modSp add mod">
+        <pc:chgData name="Samson Zhou" userId="be955f33642ecbf5" providerId="LiveId" clId="{B9ED1275-8595-46D3-B0E3-8452F93970F7}" dt="2024-04-16T20:42:40.685" v="1832" actId="20577"/>
+        <pc:sldMkLst>
+          <pc:docMk/>
+          <pc:sldMk cId="1961927999" sldId="1319"/>
+        </pc:sldMkLst>
+        <pc:spChg chg="mod">
+          <ac:chgData name="Samson Zhou" userId="be955f33642ecbf5" providerId="LiveId" clId="{B9ED1275-8595-46D3-B0E3-8452F93970F7}" dt="2024-04-16T20:13:54.936" v="976" actId="20577"/>
+          <ac:spMkLst>
+            <pc:docMk/>
+            <pc:sldMk cId="1961927999" sldId="1319"/>
+            <ac:spMk id="2" creationId="{B17419AC-DCE6-4371-8DE2-D617E99D653D}"/>
+          </ac:spMkLst>
+        </pc:spChg>
+        <pc:spChg chg="mod">
+          <ac:chgData name="Samson Zhou" userId="be955f33642ecbf5" providerId="LiveId" clId="{B9ED1275-8595-46D3-B0E3-8452F93970F7}" dt="2024-04-16T20:42:40.685" v="1832" actId="20577"/>
+          <ac:spMkLst>
+            <pc:docMk/>
+            <pc:sldMk cId="1961927999" sldId="1319"/>
+            <ac:spMk id="5" creationId="{46EDD9D9-1338-4BC5-9D28-964A84C143C2}"/>
+          </ac:spMkLst>
+        </pc:spChg>
+      </pc:sldChg>
+      <pc:sldChg chg="modSp add mod ord">
+        <pc:chgData name="Samson Zhou" userId="be955f33642ecbf5" providerId="LiveId" clId="{B9ED1275-8595-46D3-B0E3-8452F93970F7}" dt="2024-04-16T20:33:07.024" v="1449"/>
+        <pc:sldMkLst>
+          <pc:docMk/>
+          <pc:sldMk cId="977995406" sldId="1320"/>
+        </pc:sldMkLst>
+        <pc:spChg chg="mod">
+          <ac:chgData name="Samson Zhou" userId="be955f33642ecbf5" providerId="LiveId" clId="{B9ED1275-8595-46D3-B0E3-8452F93970F7}" dt="2024-04-16T20:26:29.682" v="1316" actId="207"/>
+          <ac:spMkLst>
+            <pc:docMk/>
+            <pc:sldMk cId="977995406" sldId="1320"/>
+            <ac:spMk id="5" creationId="{46EDD9D9-1338-4BC5-9D28-964A84C143C2}"/>
+          </ac:spMkLst>
+        </pc:spChg>
+      </pc:sldChg>
+      <pc:sldChg chg="modSp add mod">
+        <pc:chgData name="Samson Zhou" userId="be955f33642ecbf5" providerId="LiveId" clId="{B9ED1275-8595-46D3-B0E3-8452F93970F7}" dt="2024-04-16T20:42:35.967" v="1828" actId="20577"/>
+        <pc:sldMkLst>
+          <pc:docMk/>
+          <pc:sldMk cId="475254735" sldId="1321"/>
+        </pc:sldMkLst>
+        <pc:spChg chg="mod">
+          <ac:chgData name="Samson Zhou" userId="be955f33642ecbf5" providerId="LiveId" clId="{B9ED1275-8595-46D3-B0E3-8452F93970F7}" dt="2024-04-16T20:26:33.854" v="1323" actId="20577"/>
+          <ac:spMkLst>
+            <pc:docMk/>
+            <pc:sldMk cId="475254735" sldId="1321"/>
+            <ac:spMk id="2" creationId="{B17419AC-DCE6-4371-8DE2-D617E99D653D}"/>
+          </ac:spMkLst>
+        </pc:spChg>
+        <pc:spChg chg="mod">
+          <ac:chgData name="Samson Zhou" userId="be955f33642ecbf5" providerId="LiveId" clId="{B9ED1275-8595-46D3-B0E3-8452F93970F7}" dt="2024-04-16T20:42:35.967" v="1828" actId="20577"/>
+          <ac:spMkLst>
+            <pc:docMk/>
+            <pc:sldMk cId="475254735" sldId="1321"/>
+            <ac:spMk id="5" creationId="{46EDD9D9-1338-4BC5-9D28-964A84C143C2}"/>
+          </ac:spMkLst>
+        </pc:spChg>
+      </pc:sldChg>
+      <pc:sldChg chg="modSp add mod">
+        <pc:chgData name="Samson Zhou" userId="be955f33642ecbf5" providerId="LiveId" clId="{B9ED1275-8595-46D3-B0E3-8452F93970F7}" dt="2024-04-16T20:42:27.592" v="1821" actId="20577"/>
+        <pc:sldMkLst>
+          <pc:docMk/>
+          <pc:sldMk cId="3246753668" sldId="1322"/>
+        </pc:sldMkLst>
+        <pc:spChg chg="mod">
+          <ac:chgData name="Samson Zhou" userId="be955f33642ecbf5" providerId="LiveId" clId="{B9ED1275-8595-46D3-B0E3-8452F93970F7}" dt="2024-04-16T20:42:27.592" v="1821" actId="20577"/>
+          <ac:spMkLst>
+            <pc:docMk/>
+            <pc:sldMk cId="3246753668" sldId="1322"/>
+            <ac:spMk id="5" creationId="{46EDD9D9-1338-4BC5-9D28-964A84C143C2}"/>
+          </ac:spMkLst>
+        </pc:spChg>
+      </pc:sldChg>
+      <pc:sldChg chg="modSp add mod">
+        <pc:chgData name="Samson Zhou" userId="be955f33642ecbf5" providerId="LiveId" clId="{B9ED1275-8595-46D3-B0E3-8452F93970F7}" dt="2024-04-16T21:41:18.259" v="2311" actId="114"/>
+        <pc:sldMkLst>
+          <pc:docMk/>
+          <pc:sldMk cId="593783092" sldId="1323"/>
+        </pc:sldMkLst>
+        <pc:spChg chg="mod">
+          <ac:chgData name="Samson Zhou" userId="be955f33642ecbf5" providerId="LiveId" clId="{B9ED1275-8595-46D3-B0E3-8452F93970F7}" dt="2024-04-16T21:41:18.259" v="2311" actId="114"/>
+          <ac:spMkLst>
+            <pc:docMk/>
+            <pc:sldMk cId="593783092" sldId="1323"/>
+            <ac:spMk id="5" creationId="{46EDD9D9-1338-4BC5-9D28-964A84C143C2}"/>
+          </ac:spMkLst>
+        </pc:spChg>
+      </pc:sldChg>
+      <pc:sldChg chg="modSp add mod">
+        <pc:chgData name="Samson Zhou" userId="be955f33642ecbf5" providerId="LiveId" clId="{B9ED1275-8595-46D3-B0E3-8452F93970F7}" dt="2024-04-16T21:41:46.774" v="2362" actId="20577"/>
+        <pc:sldMkLst>
+          <pc:docMk/>
+          <pc:sldMk cId="3651195227" sldId="1324"/>
+        </pc:sldMkLst>
+        <pc:spChg chg="mod">
+          <ac:chgData name="Samson Zhou" userId="be955f33642ecbf5" providerId="LiveId" clId="{B9ED1275-8595-46D3-B0E3-8452F93970F7}" dt="2024-04-16T21:41:46.774" v="2362" actId="20577"/>
+          <ac:spMkLst>
+            <pc:docMk/>
+            <pc:sldMk cId="3651195227" sldId="1324"/>
+            <ac:spMk id="5" creationId="{46EDD9D9-1338-4BC5-9D28-964A84C143C2}"/>
+          </ac:spMkLst>
+        </pc:spChg>
+      </pc:sldChg>
+      <pc:sldChg chg="modSp add mod">
+        <pc:chgData name="Samson Zhou" userId="be955f33642ecbf5" providerId="LiveId" clId="{B9ED1275-8595-46D3-B0E3-8452F93970F7}" dt="2024-04-16T21:49:49.979" v="2648" actId="20577"/>
+        <pc:sldMkLst>
+          <pc:docMk/>
+          <pc:sldMk cId="498842623" sldId="1325"/>
+        </pc:sldMkLst>
+        <pc:spChg chg="mod">
+          <ac:chgData name="Samson Zhou" userId="be955f33642ecbf5" providerId="LiveId" clId="{B9ED1275-8595-46D3-B0E3-8452F93970F7}" dt="2024-04-16T21:41:55.852" v="2398" actId="20577"/>
+          <ac:spMkLst>
+            <pc:docMk/>
+            <pc:sldMk cId="498842623" sldId="1325"/>
+            <ac:spMk id="2" creationId="{B17419AC-DCE6-4371-8DE2-D617E99D653D}"/>
+          </ac:spMkLst>
+        </pc:spChg>
+        <pc:spChg chg="mod">
+          <ac:chgData name="Samson Zhou" userId="be955f33642ecbf5" providerId="LiveId" clId="{B9ED1275-8595-46D3-B0E3-8452F93970F7}" dt="2024-04-16T21:49:49.979" v="2648" actId="20577"/>
+          <ac:spMkLst>
+            <pc:docMk/>
+            <pc:sldMk cId="498842623" sldId="1325"/>
+            <ac:spMk id="5" creationId="{46EDD9D9-1338-4BC5-9D28-964A84C143C2}"/>
+          </ac:spMkLst>
+        </pc:spChg>
+      </pc:sldChg>
+      <pc:sldChg chg="add del">
+        <pc:chgData name="Samson Zhou" userId="be955f33642ecbf5" providerId="LiveId" clId="{B9ED1275-8595-46D3-B0E3-8452F93970F7}" dt="2024-04-16T21:43:11.986" v="2405"/>
+        <pc:sldMkLst>
+          <pc:docMk/>
+          <pc:sldMk cId="2084166209" sldId="1326"/>
+        </pc:sldMkLst>
+      </pc:sldChg>
+    </pc:docChg>
+  </pc:docChgLst>
+</pc:chgInfo>
+</file>
+
 <file path=ppt/notesMasters/notesMaster1.xml><?xml version="1.0" encoding="utf-8"?>
 <p:notesMaster xmlns:a="http://schemas.openxmlformats.org/drawingml/2006/main" xmlns:r="http://schemas.openxmlformats.org/officeDocument/2006/relationships" xmlns:p="http://schemas.openxmlformats.org/presentationml/2006/main">
   <p:cSld>
@@ -214,7 +611,7 @@
           <a:p>
             <a:fld id="{382C6927-1282-4E55-8BC5-034230537889}" type="datetimeFigureOut">
               <a:rPr lang="en-US" smtClean="0"/>
-              <a:t>4/12/2024</a:t>
+              <a:t>4/16/2024</a:t>
             </a:fld>
             <a:endParaRPr lang="en-US"/>
           </a:p>
@@ -768,7 +1165,7 @@
     </p:spTree>
     <p:extLst>
       <p:ext uri="{BB962C8B-B14F-4D97-AF65-F5344CB8AC3E}">
-        <p14:creationId xmlns:p14="http://schemas.microsoft.com/office/powerpoint/2010/main" val="3840116268"/>
+        <p14:creationId xmlns:p14="http://schemas.microsoft.com/office/powerpoint/2010/main" val="1748213556"/>
       </p:ext>
     </p:extLst>
   </p:cSld>
@@ -867,7 +1264,7 @@
     </p:spTree>
     <p:extLst>
       <p:ext uri="{BB962C8B-B14F-4D97-AF65-F5344CB8AC3E}">
-        <p14:creationId xmlns:p14="http://schemas.microsoft.com/office/powerpoint/2010/main" val="3928805099"/>
+        <p14:creationId xmlns:p14="http://schemas.microsoft.com/office/powerpoint/2010/main" val="3840116268"/>
       </p:ext>
     </p:extLst>
   </p:cSld>
@@ -966,7 +1363,7 @@
     </p:spTree>
     <p:extLst>
       <p:ext uri="{BB962C8B-B14F-4D97-AF65-F5344CB8AC3E}">
-        <p14:creationId xmlns:p14="http://schemas.microsoft.com/office/powerpoint/2010/main" val="1649187350"/>
+        <p14:creationId xmlns:p14="http://schemas.microsoft.com/office/powerpoint/2010/main" val="2020358764"/>
       </p:ext>
     </p:extLst>
   </p:cSld>
@@ -1065,7 +1462,7 @@
     </p:spTree>
     <p:extLst>
       <p:ext uri="{BB962C8B-B14F-4D97-AF65-F5344CB8AC3E}">
-        <p14:creationId xmlns:p14="http://schemas.microsoft.com/office/powerpoint/2010/main" val="3127665046"/>
+        <p14:creationId xmlns:p14="http://schemas.microsoft.com/office/powerpoint/2010/main" val="2411124844"/>
       </p:ext>
     </p:extLst>
   </p:cSld>
@@ -1164,7 +1561,7 @@
     </p:spTree>
     <p:extLst>
       <p:ext uri="{BB962C8B-B14F-4D97-AF65-F5344CB8AC3E}">
-        <p14:creationId xmlns:p14="http://schemas.microsoft.com/office/powerpoint/2010/main" val="3864708300"/>
+        <p14:creationId xmlns:p14="http://schemas.microsoft.com/office/powerpoint/2010/main" val="3928805099"/>
       </p:ext>
     </p:extLst>
   </p:cSld>
@@ -1255,6 +1652,303 @@
             <a:fld id="{E2226E65-ADC9-4F29-BA00-34B3E2F9B8F0}" type="slidenum">
               <a:rPr lang="en-US" smtClean="0"/>
               <a:t>18</a:t>
+            </a:fld>
+            <a:endParaRPr lang="en-US"/>
+          </a:p>
+        </p:txBody>
+      </p:sp>
+    </p:spTree>
+    <p:extLst>
+      <p:ext uri="{BB962C8B-B14F-4D97-AF65-F5344CB8AC3E}">
+        <p14:creationId xmlns:p14="http://schemas.microsoft.com/office/powerpoint/2010/main" val="1649187350"/>
+      </p:ext>
+    </p:extLst>
+  </p:cSld>
+  <p:clrMapOvr>
+    <a:masterClrMapping/>
+  </p:clrMapOvr>
+</p:notes>
+</file>
+
+<file path=ppt/notesSlides/notesSlide17.xml><?xml version="1.0" encoding="utf-8"?>
+<p:notes xmlns:a="http://schemas.openxmlformats.org/drawingml/2006/main" xmlns:r="http://schemas.openxmlformats.org/officeDocument/2006/relationships" xmlns:p="http://schemas.openxmlformats.org/presentationml/2006/main">
+  <p:cSld>
+    <p:spTree>
+      <p:nvGrpSpPr>
+        <p:cNvPr id="1" name=""/>
+        <p:cNvGrpSpPr/>
+        <p:nvPr/>
+      </p:nvGrpSpPr>
+      <p:grpSpPr>
+        <a:xfrm>
+          <a:off x="0" y="0"/>
+          <a:ext cx="0" cy="0"/>
+          <a:chOff x="0" y="0"/>
+          <a:chExt cx="0" cy="0"/>
+        </a:xfrm>
+      </p:grpSpPr>
+      <p:sp>
+        <p:nvSpPr>
+          <p:cNvPr id="2" name="Slide Image Placeholder 1"/>
+          <p:cNvSpPr>
+            <a:spLocks noGrp="1" noRot="1" noChangeAspect="1"/>
+          </p:cNvSpPr>
+          <p:nvPr>
+            <p:ph type="sldImg"/>
+          </p:nvPr>
+        </p:nvSpPr>
+        <p:spPr/>
+      </p:sp>
+      <p:sp>
+        <p:nvSpPr>
+          <p:cNvPr id="3" name="Notes Placeholder 2"/>
+          <p:cNvSpPr>
+            <a:spLocks noGrp="1"/>
+          </p:cNvSpPr>
+          <p:nvPr>
+            <p:ph type="body" idx="1"/>
+          </p:nvPr>
+        </p:nvSpPr>
+        <p:spPr/>
+        <p:txBody>
+          <a:bodyPr/>
+          <a:lstStyle/>
+          <a:p>
+            <a:r>
+              <a:rPr lang="en-US" dirty="0"/>
+              <a:t> </a:t>
+            </a:r>
+            <a:r>
+              <a:rPr lang="en-US" dirty="0">
+                <a:solidFill>
+                  <a:srgbClr val="0070C0"/>
+                </a:solidFill>
+              </a:rPr>
+              <a:t>[DworkMcSherryNissimSmith06]</a:t>
+            </a:r>
+            <a:r>
+              <a:rPr lang="en-US" dirty="0"/>
+              <a:t> </a:t>
+            </a:r>
+          </a:p>
+        </p:txBody>
+      </p:sp>
+      <p:sp>
+        <p:nvSpPr>
+          <p:cNvPr id="4" name="Slide Number Placeholder 3"/>
+          <p:cNvSpPr>
+            <a:spLocks noGrp="1"/>
+          </p:cNvSpPr>
+          <p:nvPr>
+            <p:ph type="sldNum" sz="quarter" idx="5"/>
+          </p:nvPr>
+        </p:nvSpPr>
+        <p:spPr/>
+        <p:txBody>
+          <a:bodyPr/>
+          <a:lstStyle/>
+          <a:p>
+            <a:fld id="{E2226E65-ADC9-4F29-BA00-34B3E2F9B8F0}" type="slidenum">
+              <a:rPr lang="en-US" smtClean="0"/>
+              <a:t>19</a:t>
+            </a:fld>
+            <a:endParaRPr lang="en-US"/>
+          </a:p>
+        </p:txBody>
+      </p:sp>
+    </p:spTree>
+    <p:extLst>
+      <p:ext uri="{BB962C8B-B14F-4D97-AF65-F5344CB8AC3E}">
+        <p14:creationId xmlns:p14="http://schemas.microsoft.com/office/powerpoint/2010/main" val="3127665046"/>
+      </p:ext>
+    </p:extLst>
+  </p:cSld>
+  <p:clrMapOvr>
+    <a:masterClrMapping/>
+  </p:clrMapOvr>
+</p:notes>
+</file>
+
+<file path=ppt/notesSlides/notesSlide18.xml><?xml version="1.0" encoding="utf-8"?>
+<p:notes xmlns:a="http://schemas.openxmlformats.org/drawingml/2006/main" xmlns:r="http://schemas.openxmlformats.org/officeDocument/2006/relationships" xmlns:p="http://schemas.openxmlformats.org/presentationml/2006/main">
+  <p:cSld>
+    <p:spTree>
+      <p:nvGrpSpPr>
+        <p:cNvPr id="1" name=""/>
+        <p:cNvGrpSpPr/>
+        <p:nvPr/>
+      </p:nvGrpSpPr>
+      <p:grpSpPr>
+        <a:xfrm>
+          <a:off x="0" y="0"/>
+          <a:ext cx="0" cy="0"/>
+          <a:chOff x="0" y="0"/>
+          <a:chExt cx="0" cy="0"/>
+        </a:xfrm>
+      </p:grpSpPr>
+      <p:sp>
+        <p:nvSpPr>
+          <p:cNvPr id="2" name="Slide Image Placeholder 1"/>
+          <p:cNvSpPr>
+            <a:spLocks noGrp="1" noRot="1" noChangeAspect="1"/>
+          </p:cNvSpPr>
+          <p:nvPr>
+            <p:ph type="sldImg"/>
+          </p:nvPr>
+        </p:nvSpPr>
+        <p:spPr/>
+      </p:sp>
+      <p:sp>
+        <p:nvSpPr>
+          <p:cNvPr id="3" name="Notes Placeholder 2"/>
+          <p:cNvSpPr>
+            <a:spLocks noGrp="1"/>
+          </p:cNvSpPr>
+          <p:nvPr>
+            <p:ph type="body" idx="1"/>
+          </p:nvPr>
+        </p:nvSpPr>
+        <p:spPr/>
+        <p:txBody>
+          <a:bodyPr/>
+          <a:lstStyle/>
+          <a:p>
+            <a:r>
+              <a:rPr lang="en-US" dirty="0"/>
+              <a:t> </a:t>
+            </a:r>
+            <a:r>
+              <a:rPr lang="en-US" dirty="0">
+                <a:solidFill>
+                  <a:srgbClr val="0070C0"/>
+                </a:solidFill>
+              </a:rPr>
+              <a:t>[DworkMcSherryNissimSmith06]</a:t>
+            </a:r>
+            <a:r>
+              <a:rPr lang="en-US" dirty="0"/>
+              <a:t> </a:t>
+            </a:r>
+          </a:p>
+        </p:txBody>
+      </p:sp>
+      <p:sp>
+        <p:nvSpPr>
+          <p:cNvPr id="4" name="Slide Number Placeholder 3"/>
+          <p:cNvSpPr>
+            <a:spLocks noGrp="1"/>
+          </p:cNvSpPr>
+          <p:nvPr>
+            <p:ph type="sldNum" sz="quarter" idx="5"/>
+          </p:nvPr>
+        </p:nvSpPr>
+        <p:spPr/>
+        <p:txBody>
+          <a:bodyPr/>
+          <a:lstStyle/>
+          <a:p>
+            <a:fld id="{E2226E65-ADC9-4F29-BA00-34B3E2F9B8F0}" type="slidenum">
+              <a:rPr lang="en-US" smtClean="0"/>
+              <a:t>20</a:t>
+            </a:fld>
+            <a:endParaRPr lang="en-US"/>
+          </a:p>
+        </p:txBody>
+      </p:sp>
+    </p:spTree>
+    <p:extLst>
+      <p:ext uri="{BB962C8B-B14F-4D97-AF65-F5344CB8AC3E}">
+        <p14:creationId xmlns:p14="http://schemas.microsoft.com/office/powerpoint/2010/main" val="3864708300"/>
+      </p:ext>
+    </p:extLst>
+  </p:cSld>
+  <p:clrMapOvr>
+    <a:masterClrMapping/>
+  </p:clrMapOvr>
+</p:notes>
+</file>
+
+<file path=ppt/notesSlides/notesSlide19.xml><?xml version="1.0" encoding="utf-8"?>
+<p:notes xmlns:a="http://schemas.openxmlformats.org/drawingml/2006/main" xmlns:r="http://schemas.openxmlformats.org/officeDocument/2006/relationships" xmlns:p="http://schemas.openxmlformats.org/presentationml/2006/main">
+  <p:cSld>
+    <p:spTree>
+      <p:nvGrpSpPr>
+        <p:cNvPr id="1" name=""/>
+        <p:cNvGrpSpPr/>
+        <p:nvPr/>
+      </p:nvGrpSpPr>
+      <p:grpSpPr>
+        <a:xfrm>
+          <a:off x="0" y="0"/>
+          <a:ext cx="0" cy="0"/>
+          <a:chOff x="0" y="0"/>
+          <a:chExt cx="0" cy="0"/>
+        </a:xfrm>
+      </p:grpSpPr>
+      <p:sp>
+        <p:nvSpPr>
+          <p:cNvPr id="2" name="Slide Image Placeholder 1"/>
+          <p:cNvSpPr>
+            <a:spLocks noGrp="1" noRot="1" noChangeAspect="1"/>
+          </p:cNvSpPr>
+          <p:nvPr>
+            <p:ph type="sldImg"/>
+          </p:nvPr>
+        </p:nvSpPr>
+        <p:spPr/>
+      </p:sp>
+      <p:sp>
+        <p:nvSpPr>
+          <p:cNvPr id="3" name="Notes Placeholder 2"/>
+          <p:cNvSpPr>
+            <a:spLocks noGrp="1"/>
+          </p:cNvSpPr>
+          <p:nvPr>
+            <p:ph type="body" idx="1"/>
+          </p:nvPr>
+        </p:nvSpPr>
+        <p:spPr/>
+        <p:txBody>
+          <a:bodyPr/>
+          <a:lstStyle/>
+          <a:p>
+            <a:r>
+              <a:rPr lang="en-US" dirty="0"/>
+              <a:t> </a:t>
+            </a:r>
+            <a:r>
+              <a:rPr lang="en-US" dirty="0">
+                <a:solidFill>
+                  <a:srgbClr val="0070C0"/>
+                </a:solidFill>
+              </a:rPr>
+              <a:t>[DworkMcSherryNissimSmith06]</a:t>
+            </a:r>
+            <a:r>
+              <a:rPr lang="en-US" dirty="0"/>
+              <a:t> </a:t>
+            </a:r>
+          </a:p>
+        </p:txBody>
+      </p:sp>
+      <p:sp>
+        <p:nvSpPr>
+          <p:cNvPr id="4" name="Slide Number Placeholder 3"/>
+          <p:cNvSpPr>
+            <a:spLocks noGrp="1"/>
+          </p:cNvSpPr>
+          <p:nvPr>
+            <p:ph type="sldNum" sz="quarter" idx="5"/>
+          </p:nvPr>
+        </p:nvSpPr>
+        <p:spPr/>
+        <p:txBody>
+          <a:bodyPr/>
+          <a:lstStyle/>
+          <a:p>
+            <a:fld id="{E2226E65-ADC9-4F29-BA00-34B3E2F9B8F0}" type="slidenum">
+              <a:rPr lang="en-US" smtClean="0"/>
+              <a:t>21</a:t>
             </a:fld>
             <a:endParaRPr lang="en-US"/>
           </a:p>
@@ -1372,6 +2066,996 @@
 </p:notes>
 </file>
 
+<file path=ppt/notesSlides/notesSlide20.xml><?xml version="1.0" encoding="utf-8"?>
+<p:notes xmlns:a="http://schemas.openxmlformats.org/drawingml/2006/main" xmlns:r="http://schemas.openxmlformats.org/officeDocument/2006/relationships" xmlns:p="http://schemas.openxmlformats.org/presentationml/2006/main">
+  <p:cSld>
+    <p:spTree>
+      <p:nvGrpSpPr>
+        <p:cNvPr id="1" name=""/>
+        <p:cNvGrpSpPr/>
+        <p:nvPr/>
+      </p:nvGrpSpPr>
+      <p:grpSpPr>
+        <a:xfrm>
+          <a:off x="0" y="0"/>
+          <a:ext cx="0" cy="0"/>
+          <a:chOff x="0" y="0"/>
+          <a:chExt cx="0" cy="0"/>
+        </a:xfrm>
+      </p:grpSpPr>
+      <p:sp>
+        <p:nvSpPr>
+          <p:cNvPr id="2" name="Slide Image Placeholder 1"/>
+          <p:cNvSpPr>
+            <a:spLocks noGrp="1" noRot="1" noChangeAspect="1"/>
+          </p:cNvSpPr>
+          <p:nvPr>
+            <p:ph type="sldImg"/>
+          </p:nvPr>
+        </p:nvSpPr>
+        <p:spPr/>
+      </p:sp>
+      <p:sp>
+        <p:nvSpPr>
+          <p:cNvPr id="3" name="Notes Placeholder 2"/>
+          <p:cNvSpPr>
+            <a:spLocks noGrp="1"/>
+          </p:cNvSpPr>
+          <p:nvPr>
+            <p:ph type="body" idx="1"/>
+          </p:nvPr>
+        </p:nvSpPr>
+        <p:spPr/>
+        <p:txBody>
+          <a:bodyPr/>
+          <a:lstStyle/>
+          <a:p>
+            <a:r>
+              <a:rPr lang="en-US" dirty="0"/>
+              <a:t> </a:t>
+            </a:r>
+            <a:r>
+              <a:rPr lang="en-US" dirty="0">
+                <a:solidFill>
+                  <a:srgbClr val="0070C0"/>
+                </a:solidFill>
+              </a:rPr>
+              <a:t>[DworkMcSherryNissimSmith06]</a:t>
+            </a:r>
+            <a:r>
+              <a:rPr lang="en-US" dirty="0"/>
+              <a:t> </a:t>
+            </a:r>
+          </a:p>
+        </p:txBody>
+      </p:sp>
+      <p:sp>
+        <p:nvSpPr>
+          <p:cNvPr id="4" name="Slide Number Placeholder 3"/>
+          <p:cNvSpPr>
+            <a:spLocks noGrp="1"/>
+          </p:cNvSpPr>
+          <p:nvPr>
+            <p:ph type="sldNum" sz="quarter" idx="5"/>
+          </p:nvPr>
+        </p:nvSpPr>
+        <p:spPr/>
+        <p:txBody>
+          <a:bodyPr/>
+          <a:lstStyle/>
+          <a:p>
+            <a:fld id="{E2226E65-ADC9-4F29-BA00-34B3E2F9B8F0}" type="slidenum">
+              <a:rPr lang="en-US" smtClean="0"/>
+              <a:t>22</a:t>
+            </a:fld>
+            <a:endParaRPr lang="en-US"/>
+          </a:p>
+        </p:txBody>
+      </p:sp>
+    </p:spTree>
+    <p:extLst>
+      <p:ext uri="{BB962C8B-B14F-4D97-AF65-F5344CB8AC3E}">
+        <p14:creationId xmlns:p14="http://schemas.microsoft.com/office/powerpoint/2010/main" val="2641392109"/>
+      </p:ext>
+    </p:extLst>
+  </p:cSld>
+  <p:clrMapOvr>
+    <a:masterClrMapping/>
+  </p:clrMapOvr>
+</p:notes>
+</file>
+
+<file path=ppt/notesSlides/notesSlide21.xml><?xml version="1.0" encoding="utf-8"?>
+<p:notes xmlns:a="http://schemas.openxmlformats.org/drawingml/2006/main" xmlns:r="http://schemas.openxmlformats.org/officeDocument/2006/relationships" xmlns:p="http://schemas.openxmlformats.org/presentationml/2006/main">
+  <p:cSld>
+    <p:spTree>
+      <p:nvGrpSpPr>
+        <p:cNvPr id="1" name=""/>
+        <p:cNvGrpSpPr/>
+        <p:nvPr/>
+      </p:nvGrpSpPr>
+      <p:grpSpPr>
+        <a:xfrm>
+          <a:off x="0" y="0"/>
+          <a:ext cx="0" cy="0"/>
+          <a:chOff x="0" y="0"/>
+          <a:chExt cx="0" cy="0"/>
+        </a:xfrm>
+      </p:grpSpPr>
+      <p:sp>
+        <p:nvSpPr>
+          <p:cNvPr id="2" name="Slide Image Placeholder 1"/>
+          <p:cNvSpPr>
+            <a:spLocks noGrp="1" noRot="1" noChangeAspect="1"/>
+          </p:cNvSpPr>
+          <p:nvPr>
+            <p:ph type="sldImg"/>
+          </p:nvPr>
+        </p:nvSpPr>
+        <p:spPr/>
+      </p:sp>
+      <p:sp>
+        <p:nvSpPr>
+          <p:cNvPr id="3" name="Notes Placeholder 2"/>
+          <p:cNvSpPr>
+            <a:spLocks noGrp="1"/>
+          </p:cNvSpPr>
+          <p:nvPr>
+            <p:ph type="body" idx="1"/>
+          </p:nvPr>
+        </p:nvSpPr>
+        <p:spPr/>
+        <p:txBody>
+          <a:bodyPr/>
+          <a:lstStyle/>
+          <a:p>
+            <a:r>
+              <a:rPr lang="en-US" dirty="0"/>
+              <a:t> </a:t>
+            </a:r>
+            <a:r>
+              <a:rPr lang="en-US" dirty="0">
+                <a:solidFill>
+                  <a:srgbClr val="0070C0"/>
+                </a:solidFill>
+              </a:rPr>
+              <a:t>[DworkMcSherryNissimSmith06]</a:t>
+            </a:r>
+            <a:r>
+              <a:rPr lang="en-US" dirty="0"/>
+              <a:t> </a:t>
+            </a:r>
+          </a:p>
+        </p:txBody>
+      </p:sp>
+      <p:sp>
+        <p:nvSpPr>
+          <p:cNvPr id="4" name="Slide Number Placeholder 3"/>
+          <p:cNvSpPr>
+            <a:spLocks noGrp="1"/>
+          </p:cNvSpPr>
+          <p:nvPr>
+            <p:ph type="sldNum" sz="quarter" idx="5"/>
+          </p:nvPr>
+        </p:nvSpPr>
+        <p:spPr/>
+        <p:txBody>
+          <a:bodyPr/>
+          <a:lstStyle/>
+          <a:p>
+            <a:fld id="{E2226E65-ADC9-4F29-BA00-34B3E2F9B8F0}" type="slidenum">
+              <a:rPr lang="en-US" smtClean="0"/>
+              <a:t>23</a:t>
+            </a:fld>
+            <a:endParaRPr lang="en-US"/>
+          </a:p>
+        </p:txBody>
+      </p:sp>
+    </p:spTree>
+    <p:extLst>
+      <p:ext uri="{BB962C8B-B14F-4D97-AF65-F5344CB8AC3E}">
+        <p14:creationId xmlns:p14="http://schemas.microsoft.com/office/powerpoint/2010/main" val="1803026581"/>
+      </p:ext>
+    </p:extLst>
+  </p:cSld>
+  <p:clrMapOvr>
+    <a:masterClrMapping/>
+  </p:clrMapOvr>
+</p:notes>
+</file>
+
+<file path=ppt/notesSlides/notesSlide22.xml><?xml version="1.0" encoding="utf-8"?>
+<p:notes xmlns:a="http://schemas.openxmlformats.org/drawingml/2006/main" xmlns:r="http://schemas.openxmlformats.org/officeDocument/2006/relationships" xmlns:p="http://schemas.openxmlformats.org/presentationml/2006/main">
+  <p:cSld>
+    <p:spTree>
+      <p:nvGrpSpPr>
+        <p:cNvPr id="1" name=""/>
+        <p:cNvGrpSpPr/>
+        <p:nvPr/>
+      </p:nvGrpSpPr>
+      <p:grpSpPr>
+        <a:xfrm>
+          <a:off x="0" y="0"/>
+          <a:ext cx="0" cy="0"/>
+          <a:chOff x="0" y="0"/>
+          <a:chExt cx="0" cy="0"/>
+        </a:xfrm>
+      </p:grpSpPr>
+      <p:sp>
+        <p:nvSpPr>
+          <p:cNvPr id="2" name="Slide Image Placeholder 1"/>
+          <p:cNvSpPr>
+            <a:spLocks noGrp="1" noRot="1" noChangeAspect="1"/>
+          </p:cNvSpPr>
+          <p:nvPr>
+            <p:ph type="sldImg"/>
+          </p:nvPr>
+        </p:nvSpPr>
+        <p:spPr/>
+      </p:sp>
+      <p:sp>
+        <p:nvSpPr>
+          <p:cNvPr id="3" name="Notes Placeholder 2"/>
+          <p:cNvSpPr>
+            <a:spLocks noGrp="1"/>
+          </p:cNvSpPr>
+          <p:nvPr>
+            <p:ph type="body" idx="1"/>
+          </p:nvPr>
+        </p:nvSpPr>
+        <p:spPr/>
+        <p:txBody>
+          <a:bodyPr/>
+          <a:lstStyle/>
+          <a:p>
+            <a:r>
+              <a:rPr lang="en-US" dirty="0"/>
+              <a:t> </a:t>
+            </a:r>
+            <a:r>
+              <a:rPr lang="en-US" dirty="0">
+                <a:solidFill>
+                  <a:srgbClr val="0070C0"/>
+                </a:solidFill>
+              </a:rPr>
+              <a:t>[DworkMcSherryNissimSmith06]</a:t>
+            </a:r>
+            <a:r>
+              <a:rPr lang="en-US" dirty="0"/>
+              <a:t> </a:t>
+            </a:r>
+          </a:p>
+        </p:txBody>
+      </p:sp>
+      <p:sp>
+        <p:nvSpPr>
+          <p:cNvPr id="4" name="Slide Number Placeholder 3"/>
+          <p:cNvSpPr>
+            <a:spLocks noGrp="1"/>
+          </p:cNvSpPr>
+          <p:nvPr>
+            <p:ph type="sldNum" sz="quarter" idx="5"/>
+          </p:nvPr>
+        </p:nvSpPr>
+        <p:spPr/>
+        <p:txBody>
+          <a:bodyPr/>
+          <a:lstStyle/>
+          <a:p>
+            <a:fld id="{E2226E65-ADC9-4F29-BA00-34B3E2F9B8F0}" type="slidenum">
+              <a:rPr lang="en-US" smtClean="0"/>
+              <a:t>24</a:t>
+            </a:fld>
+            <a:endParaRPr lang="en-US"/>
+          </a:p>
+        </p:txBody>
+      </p:sp>
+    </p:spTree>
+    <p:extLst>
+      <p:ext uri="{BB962C8B-B14F-4D97-AF65-F5344CB8AC3E}">
+        <p14:creationId xmlns:p14="http://schemas.microsoft.com/office/powerpoint/2010/main" val="3981142344"/>
+      </p:ext>
+    </p:extLst>
+  </p:cSld>
+  <p:clrMapOvr>
+    <a:masterClrMapping/>
+  </p:clrMapOvr>
+</p:notes>
+</file>
+
+<file path=ppt/notesSlides/notesSlide23.xml><?xml version="1.0" encoding="utf-8"?>
+<p:notes xmlns:a="http://schemas.openxmlformats.org/drawingml/2006/main" xmlns:r="http://schemas.openxmlformats.org/officeDocument/2006/relationships" xmlns:p="http://schemas.openxmlformats.org/presentationml/2006/main">
+  <p:cSld>
+    <p:spTree>
+      <p:nvGrpSpPr>
+        <p:cNvPr id="1" name=""/>
+        <p:cNvGrpSpPr/>
+        <p:nvPr/>
+      </p:nvGrpSpPr>
+      <p:grpSpPr>
+        <a:xfrm>
+          <a:off x="0" y="0"/>
+          <a:ext cx="0" cy="0"/>
+          <a:chOff x="0" y="0"/>
+          <a:chExt cx="0" cy="0"/>
+        </a:xfrm>
+      </p:grpSpPr>
+      <p:sp>
+        <p:nvSpPr>
+          <p:cNvPr id="2" name="Slide Image Placeholder 1"/>
+          <p:cNvSpPr>
+            <a:spLocks noGrp="1" noRot="1" noChangeAspect="1"/>
+          </p:cNvSpPr>
+          <p:nvPr>
+            <p:ph type="sldImg"/>
+          </p:nvPr>
+        </p:nvSpPr>
+        <p:spPr/>
+      </p:sp>
+      <p:sp>
+        <p:nvSpPr>
+          <p:cNvPr id="3" name="Notes Placeholder 2"/>
+          <p:cNvSpPr>
+            <a:spLocks noGrp="1"/>
+          </p:cNvSpPr>
+          <p:nvPr>
+            <p:ph type="body" idx="1"/>
+          </p:nvPr>
+        </p:nvSpPr>
+        <p:spPr/>
+        <p:txBody>
+          <a:bodyPr/>
+          <a:lstStyle/>
+          <a:p>
+            <a:r>
+              <a:rPr lang="en-US" dirty="0"/>
+              <a:t> </a:t>
+            </a:r>
+            <a:r>
+              <a:rPr lang="en-US" dirty="0">
+                <a:solidFill>
+                  <a:srgbClr val="0070C0"/>
+                </a:solidFill>
+              </a:rPr>
+              <a:t>[DworkMcSherryNissimSmith06]</a:t>
+            </a:r>
+            <a:r>
+              <a:rPr lang="en-US" dirty="0"/>
+              <a:t> </a:t>
+            </a:r>
+          </a:p>
+        </p:txBody>
+      </p:sp>
+      <p:sp>
+        <p:nvSpPr>
+          <p:cNvPr id="4" name="Slide Number Placeholder 3"/>
+          <p:cNvSpPr>
+            <a:spLocks noGrp="1"/>
+          </p:cNvSpPr>
+          <p:nvPr>
+            <p:ph type="sldNum" sz="quarter" idx="5"/>
+          </p:nvPr>
+        </p:nvSpPr>
+        <p:spPr/>
+        <p:txBody>
+          <a:bodyPr/>
+          <a:lstStyle/>
+          <a:p>
+            <a:fld id="{E2226E65-ADC9-4F29-BA00-34B3E2F9B8F0}" type="slidenum">
+              <a:rPr lang="en-US" smtClean="0"/>
+              <a:t>25</a:t>
+            </a:fld>
+            <a:endParaRPr lang="en-US"/>
+          </a:p>
+        </p:txBody>
+      </p:sp>
+    </p:spTree>
+    <p:extLst>
+      <p:ext uri="{BB962C8B-B14F-4D97-AF65-F5344CB8AC3E}">
+        <p14:creationId xmlns:p14="http://schemas.microsoft.com/office/powerpoint/2010/main" val="1575641782"/>
+      </p:ext>
+    </p:extLst>
+  </p:cSld>
+  <p:clrMapOvr>
+    <a:masterClrMapping/>
+  </p:clrMapOvr>
+</p:notes>
+</file>
+
+<file path=ppt/notesSlides/notesSlide24.xml><?xml version="1.0" encoding="utf-8"?>
+<p:notes xmlns:a="http://schemas.openxmlformats.org/drawingml/2006/main" xmlns:r="http://schemas.openxmlformats.org/officeDocument/2006/relationships" xmlns:p="http://schemas.openxmlformats.org/presentationml/2006/main">
+  <p:cSld>
+    <p:spTree>
+      <p:nvGrpSpPr>
+        <p:cNvPr id="1" name=""/>
+        <p:cNvGrpSpPr/>
+        <p:nvPr/>
+      </p:nvGrpSpPr>
+      <p:grpSpPr>
+        <a:xfrm>
+          <a:off x="0" y="0"/>
+          <a:ext cx="0" cy="0"/>
+          <a:chOff x="0" y="0"/>
+          <a:chExt cx="0" cy="0"/>
+        </a:xfrm>
+      </p:grpSpPr>
+      <p:sp>
+        <p:nvSpPr>
+          <p:cNvPr id="2" name="Slide Image Placeholder 1"/>
+          <p:cNvSpPr>
+            <a:spLocks noGrp="1" noRot="1" noChangeAspect="1"/>
+          </p:cNvSpPr>
+          <p:nvPr>
+            <p:ph type="sldImg"/>
+          </p:nvPr>
+        </p:nvSpPr>
+        <p:spPr/>
+      </p:sp>
+      <p:sp>
+        <p:nvSpPr>
+          <p:cNvPr id="3" name="Notes Placeholder 2"/>
+          <p:cNvSpPr>
+            <a:spLocks noGrp="1"/>
+          </p:cNvSpPr>
+          <p:nvPr>
+            <p:ph type="body" idx="1"/>
+          </p:nvPr>
+        </p:nvSpPr>
+        <p:spPr/>
+        <p:txBody>
+          <a:bodyPr/>
+          <a:lstStyle/>
+          <a:p>
+            <a:r>
+              <a:rPr lang="en-US" dirty="0"/>
+              <a:t> </a:t>
+            </a:r>
+            <a:r>
+              <a:rPr lang="en-US" dirty="0">
+                <a:solidFill>
+                  <a:srgbClr val="0070C0"/>
+                </a:solidFill>
+              </a:rPr>
+              <a:t>[DworkMcSherryNissimSmith06]</a:t>
+            </a:r>
+            <a:r>
+              <a:rPr lang="en-US" dirty="0"/>
+              <a:t> </a:t>
+            </a:r>
+          </a:p>
+        </p:txBody>
+      </p:sp>
+      <p:sp>
+        <p:nvSpPr>
+          <p:cNvPr id="4" name="Slide Number Placeholder 3"/>
+          <p:cNvSpPr>
+            <a:spLocks noGrp="1"/>
+          </p:cNvSpPr>
+          <p:nvPr>
+            <p:ph type="sldNum" sz="quarter" idx="5"/>
+          </p:nvPr>
+        </p:nvSpPr>
+        <p:spPr/>
+        <p:txBody>
+          <a:bodyPr/>
+          <a:lstStyle/>
+          <a:p>
+            <a:fld id="{E2226E65-ADC9-4F29-BA00-34B3E2F9B8F0}" type="slidenum">
+              <a:rPr lang="en-US" smtClean="0"/>
+              <a:t>26</a:t>
+            </a:fld>
+            <a:endParaRPr lang="en-US"/>
+          </a:p>
+        </p:txBody>
+      </p:sp>
+    </p:spTree>
+    <p:extLst>
+      <p:ext uri="{BB962C8B-B14F-4D97-AF65-F5344CB8AC3E}">
+        <p14:creationId xmlns:p14="http://schemas.microsoft.com/office/powerpoint/2010/main" val="1010441723"/>
+      </p:ext>
+    </p:extLst>
+  </p:cSld>
+  <p:clrMapOvr>
+    <a:masterClrMapping/>
+  </p:clrMapOvr>
+</p:notes>
+</file>
+
+<file path=ppt/notesSlides/notesSlide25.xml><?xml version="1.0" encoding="utf-8"?>
+<p:notes xmlns:a="http://schemas.openxmlformats.org/drawingml/2006/main" xmlns:r="http://schemas.openxmlformats.org/officeDocument/2006/relationships" xmlns:p="http://schemas.openxmlformats.org/presentationml/2006/main">
+  <p:cSld>
+    <p:spTree>
+      <p:nvGrpSpPr>
+        <p:cNvPr id="1" name=""/>
+        <p:cNvGrpSpPr/>
+        <p:nvPr/>
+      </p:nvGrpSpPr>
+      <p:grpSpPr>
+        <a:xfrm>
+          <a:off x="0" y="0"/>
+          <a:ext cx="0" cy="0"/>
+          <a:chOff x="0" y="0"/>
+          <a:chExt cx="0" cy="0"/>
+        </a:xfrm>
+      </p:grpSpPr>
+      <p:sp>
+        <p:nvSpPr>
+          <p:cNvPr id="2" name="Slide Image Placeholder 1"/>
+          <p:cNvSpPr>
+            <a:spLocks noGrp="1" noRot="1" noChangeAspect="1"/>
+          </p:cNvSpPr>
+          <p:nvPr>
+            <p:ph type="sldImg"/>
+          </p:nvPr>
+        </p:nvSpPr>
+        <p:spPr/>
+      </p:sp>
+      <p:sp>
+        <p:nvSpPr>
+          <p:cNvPr id="3" name="Notes Placeholder 2"/>
+          <p:cNvSpPr>
+            <a:spLocks noGrp="1"/>
+          </p:cNvSpPr>
+          <p:nvPr>
+            <p:ph type="body" idx="1"/>
+          </p:nvPr>
+        </p:nvSpPr>
+        <p:spPr/>
+        <p:txBody>
+          <a:bodyPr/>
+          <a:lstStyle/>
+          <a:p>
+            <a:r>
+              <a:rPr lang="en-US" dirty="0"/>
+              <a:t> </a:t>
+            </a:r>
+            <a:r>
+              <a:rPr lang="en-US" dirty="0">
+                <a:solidFill>
+                  <a:srgbClr val="0070C0"/>
+                </a:solidFill>
+              </a:rPr>
+              <a:t>[DworkMcSherryNissimSmith06]</a:t>
+            </a:r>
+            <a:r>
+              <a:rPr lang="en-US" dirty="0"/>
+              <a:t> </a:t>
+            </a:r>
+          </a:p>
+        </p:txBody>
+      </p:sp>
+      <p:sp>
+        <p:nvSpPr>
+          <p:cNvPr id="4" name="Slide Number Placeholder 3"/>
+          <p:cNvSpPr>
+            <a:spLocks noGrp="1"/>
+          </p:cNvSpPr>
+          <p:nvPr>
+            <p:ph type="sldNum" sz="quarter" idx="5"/>
+          </p:nvPr>
+        </p:nvSpPr>
+        <p:spPr/>
+        <p:txBody>
+          <a:bodyPr/>
+          <a:lstStyle/>
+          <a:p>
+            <a:fld id="{E2226E65-ADC9-4F29-BA00-34B3E2F9B8F0}" type="slidenum">
+              <a:rPr lang="en-US" smtClean="0"/>
+              <a:t>27</a:t>
+            </a:fld>
+            <a:endParaRPr lang="en-US"/>
+          </a:p>
+        </p:txBody>
+      </p:sp>
+    </p:spTree>
+    <p:extLst>
+      <p:ext uri="{BB962C8B-B14F-4D97-AF65-F5344CB8AC3E}">
+        <p14:creationId xmlns:p14="http://schemas.microsoft.com/office/powerpoint/2010/main" val="3013907370"/>
+      </p:ext>
+    </p:extLst>
+  </p:cSld>
+  <p:clrMapOvr>
+    <a:masterClrMapping/>
+  </p:clrMapOvr>
+</p:notes>
+</file>
+
+<file path=ppt/notesSlides/notesSlide26.xml><?xml version="1.0" encoding="utf-8"?>
+<p:notes xmlns:a="http://schemas.openxmlformats.org/drawingml/2006/main" xmlns:r="http://schemas.openxmlformats.org/officeDocument/2006/relationships" xmlns:p="http://schemas.openxmlformats.org/presentationml/2006/main">
+  <p:cSld>
+    <p:spTree>
+      <p:nvGrpSpPr>
+        <p:cNvPr id="1" name=""/>
+        <p:cNvGrpSpPr/>
+        <p:nvPr/>
+      </p:nvGrpSpPr>
+      <p:grpSpPr>
+        <a:xfrm>
+          <a:off x="0" y="0"/>
+          <a:ext cx="0" cy="0"/>
+          <a:chOff x="0" y="0"/>
+          <a:chExt cx="0" cy="0"/>
+        </a:xfrm>
+      </p:grpSpPr>
+      <p:sp>
+        <p:nvSpPr>
+          <p:cNvPr id="2" name="Slide Image Placeholder 1"/>
+          <p:cNvSpPr>
+            <a:spLocks noGrp="1" noRot="1" noChangeAspect="1"/>
+          </p:cNvSpPr>
+          <p:nvPr>
+            <p:ph type="sldImg"/>
+          </p:nvPr>
+        </p:nvSpPr>
+        <p:spPr/>
+      </p:sp>
+      <p:sp>
+        <p:nvSpPr>
+          <p:cNvPr id="3" name="Notes Placeholder 2"/>
+          <p:cNvSpPr>
+            <a:spLocks noGrp="1"/>
+          </p:cNvSpPr>
+          <p:nvPr>
+            <p:ph type="body" idx="1"/>
+          </p:nvPr>
+        </p:nvSpPr>
+        <p:spPr/>
+        <p:txBody>
+          <a:bodyPr/>
+          <a:lstStyle/>
+          <a:p>
+            <a:r>
+              <a:rPr lang="en-US" dirty="0"/>
+              <a:t> </a:t>
+            </a:r>
+            <a:r>
+              <a:rPr lang="en-US" dirty="0">
+                <a:solidFill>
+                  <a:srgbClr val="0070C0"/>
+                </a:solidFill>
+              </a:rPr>
+              <a:t>[DworkMcSherryNissimSmith06]</a:t>
+            </a:r>
+            <a:r>
+              <a:rPr lang="en-US" dirty="0"/>
+              <a:t> </a:t>
+            </a:r>
+          </a:p>
+        </p:txBody>
+      </p:sp>
+      <p:sp>
+        <p:nvSpPr>
+          <p:cNvPr id="4" name="Slide Number Placeholder 3"/>
+          <p:cNvSpPr>
+            <a:spLocks noGrp="1"/>
+          </p:cNvSpPr>
+          <p:nvPr>
+            <p:ph type="sldNum" sz="quarter" idx="5"/>
+          </p:nvPr>
+        </p:nvSpPr>
+        <p:spPr/>
+        <p:txBody>
+          <a:bodyPr/>
+          <a:lstStyle/>
+          <a:p>
+            <a:fld id="{E2226E65-ADC9-4F29-BA00-34B3E2F9B8F0}" type="slidenum">
+              <a:rPr lang="en-US" smtClean="0"/>
+              <a:t>28</a:t>
+            </a:fld>
+            <a:endParaRPr lang="en-US"/>
+          </a:p>
+        </p:txBody>
+      </p:sp>
+    </p:spTree>
+    <p:extLst>
+      <p:ext uri="{BB962C8B-B14F-4D97-AF65-F5344CB8AC3E}">
+        <p14:creationId xmlns:p14="http://schemas.microsoft.com/office/powerpoint/2010/main" val="454434025"/>
+      </p:ext>
+    </p:extLst>
+  </p:cSld>
+  <p:clrMapOvr>
+    <a:masterClrMapping/>
+  </p:clrMapOvr>
+</p:notes>
+</file>
+
+<file path=ppt/notesSlides/notesSlide27.xml><?xml version="1.0" encoding="utf-8"?>
+<p:notes xmlns:a="http://schemas.openxmlformats.org/drawingml/2006/main" xmlns:r="http://schemas.openxmlformats.org/officeDocument/2006/relationships" xmlns:p="http://schemas.openxmlformats.org/presentationml/2006/main">
+  <p:cSld>
+    <p:spTree>
+      <p:nvGrpSpPr>
+        <p:cNvPr id="1" name=""/>
+        <p:cNvGrpSpPr/>
+        <p:nvPr/>
+      </p:nvGrpSpPr>
+      <p:grpSpPr>
+        <a:xfrm>
+          <a:off x="0" y="0"/>
+          <a:ext cx="0" cy="0"/>
+          <a:chOff x="0" y="0"/>
+          <a:chExt cx="0" cy="0"/>
+        </a:xfrm>
+      </p:grpSpPr>
+      <p:sp>
+        <p:nvSpPr>
+          <p:cNvPr id="2" name="Slide Image Placeholder 1"/>
+          <p:cNvSpPr>
+            <a:spLocks noGrp="1" noRot="1" noChangeAspect="1"/>
+          </p:cNvSpPr>
+          <p:nvPr>
+            <p:ph type="sldImg"/>
+          </p:nvPr>
+        </p:nvSpPr>
+        <p:spPr/>
+      </p:sp>
+      <p:sp>
+        <p:nvSpPr>
+          <p:cNvPr id="3" name="Notes Placeholder 2"/>
+          <p:cNvSpPr>
+            <a:spLocks noGrp="1"/>
+          </p:cNvSpPr>
+          <p:nvPr>
+            <p:ph type="body" idx="1"/>
+          </p:nvPr>
+        </p:nvSpPr>
+        <p:spPr/>
+        <p:txBody>
+          <a:bodyPr/>
+          <a:lstStyle/>
+          <a:p>
+            <a:r>
+              <a:rPr lang="en-US" dirty="0"/>
+              <a:t> </a:t>
+            </a:r>
+            <a:r>
+              <a:rPr lang="en-US" dirty="0">
+                <a:solidFill>
+                  <a:srgbClr val="0070C0"/>
+                </a:solidFill>
+              </a:rPr>
+              <a:t>[DworkMcSherryNissimSmith06]</a:t>
+            </a:r>
+            <a:r>
+              <a:rPr lang="en-US" dirty="0"/>
+              <a:t> </a:t>
+            </a:r>
+          </a:p>
+        </p:txBody>
+      </p:sp>
+      <p:sp>
+        <p:nvSpPr>
+          <p:cNvPr id="4" name="Slide Number Placeholder 3"/>
+          <p:cNvSpPr>
+            <a:spLocks noGrp="1"/>
+          </p:cNvSpPr>
+          <p:nvPr>
+            <p:ph type="sldNum" sz="quarter" idx="5"/>
+          </p:nvPr>
+        </p:nvSpPr>
+        <p:spPr/>
+        <p:txBody>
+          <a:bodyPr/>
+          <a:lstStyle/>
+          <a:p>
+            <a:fld id="{E2226E65-ADC9-4F29-BA00-34B3E2F9B8F0}" type="slidenum">
+              <a:rPr lang="en-US" smtClean="0"/>
+              <a:t>29</a:t>
+            </a:fld>
+            <a:endParaRPr lang="en-US"/>
+          </a:p>
+        </p:txBody>
+      </p:sp>
+    </p:spTree>
+    <p:extLst>
+      <p:ext uri="{BB962C8B-B14F-4D97-AF65-F5344CB8AC3E}">
+        <p14:creationId xmlns:p14="http://schemas.microsoft.com/office/powerpoint/2010/main" val="3063565347"/>
+      </p:ext>
+    </p:extLst>
+  </p:cSld>
+  <p:clrMapOvr>
+    <a:masterClrMapping/>
+  </p:clrMapOvr>
+</p:notes>
+</file>
+
+<file path=ppt/notesSlides/notesSlide28.xml><?xml version="1.0" encoding="utf-8"?>
+<p:notes xmlns:a="http://schemas.openxmlformats.org/drawingml/2006/main" xmlns:r="http://schemas.openxmlformats.org/officeDocument/2006/relationships" xmlns:p="http://schemas.openxmlformats.org/presentationml/2006/main">
+  <p:cSld>
+    <p:spTree>
+      <p:nvGrpSpPr>
+        <p:cNvPr id="1" name=""/>
+        <p:cNvGrpSpPr/>
+        <p:nvPr/>
+      </p:nvGrpSpPr>
+      <p:grpSpPr>
+        <a:xfrm>
+          <a:off x="0" y="0"/>
+          <a:ext cx="0" cy="0"/>
+          <a:chOff x="0" y="0"/>
+          <a:chExt cx="0" cy="0"/>
+        </a:xfrm>
+      </p:grpSpPr>
+      <p:sp>
+        <p:nvSpPr>
+          <p:cNvPr id="2" name="Slide Image Placeholder 1"/>
+          <p:cNvSpPr>
+            <a:spLocks noGrp="1" noRot="1" noChangeAspect="1"/>
+          </p:cNvSpPr>
+          <p:nvPr>
+            <p:ph type="sldImg"/>
+          </p:nvPr>
+        </p:nvSpPr>
+        <p:spPr/>
+      </p:sp>
+      <p:sp>
+        <p:nvSpPr>
+          <p:cNvPr id="3" name="Notes Placeholder 2"/>
+          <p:cNvSpPr>
+            <a:spLocks noGrp="1"/>
+          </p:cNvSpPr>
+          <p:nvPr>
+            <p:ph type="body" idx="1"/>
+          </p:nvPr>
+        </p:nvSpPr>
+        <p:spPr/>
+        <p:txBody>
+          <a:bodyPr/>
+          <a:lstStyle/>
+          <a:p>
+            <a:r>
+              <a:rPr lang="en-US" dirty="0"/>
+              <a:t> </a:t>
+            </a:r>
+            <a:r>
+              <a:rPr lang="en-US" dirty="0">
+                <a:solidFill>
+                  <a:srgbClr val="0070C0"/>
+                </a:solidFill>
+              </a:rPr>
+              <a:t>[DworkMcSherryNissimSmith06]</a:t>
+            </a:r>
+            <a:r>
+              <a:rPr lang="en-US" dirty="0"/>
+              <a:t> </a:t>
+            </a:r>
+          </a:p>
+        </p:txBody>
+      </p:sp>
+      <p:sp>
+        <p:nvSpPr>
+          <p:cNvPr id="4" name="Slide Number Placeholder 3"/>
+          <p:cNvSpPr>
+            <a:spLocks noGrp="1"/>
+          </p:cNvSpPr>
+          <p:nvPr>
+            <p:ph type="sldNum" sz="quarter" idx="5"/>
+          </p:nvPr>
+        </p:nvSpPr>
+        <p:spPr/>
+        <p:txBody>
+          <a:bodyPr/>
+          <a:lstStyle/>
+          <a:p>
+            <a:fld id="{E2226E65-ADC9-4F29-BA00-34B3E2F9B8F0}" type="slidenum">
+              <a:rPr lang="en-US" smtClean="0"/>
+              <a:t>30</a:t>
+            </a:fld>
+            <a:endParaRPr lang="en-US"/>
+          </a:p>
+        </p:txBody>
+      </p:sp>
+    </p:spTree>
+    <p:extLst>
+      <p:ext uri="{BB962C8B-B14F-4D97-AF65-F5344CB8AC3E}">
+        <p14:creationId xmlns:p14="http://schemas.microsoft.com/office/powerpoint/2010/main" val="2550431291"/>
+      </p:ext>
+    </p:extLst>
+  </p:cSld>
+  <p:clrMapOvr>
+    <a:masterClrMapping/>
+  </p:clrMapOvr>
+</p:notes>
+</file>
+
+<file path=ppt/notesSlides/notesSlide29.xml><?xml version="1.0" encoding="utf-8"?>
+<p:notes xmlns:a="http://schemas.openxmlformats.org/drawingml/2006/main" xmlns:r="http://schemas.openxmlformats.org/officeDocument/2006/relationships" xmlns:p="http://schemas.openxmlformats.org/presentationml/2006/main">
+  <p:cSld>
+    <p:spTree>
+      <p:nvGrpSpPr>
+        <p:cNvPr id="1" name=""/>
+        <p:cNvGrpSpPr/>
+        <p:nvPr/>
+      </p:nvGrpSpPr>
+      <p:grpSpPr>
+        <a:xfrm>
+          <a:off x="0" y="0"/>
+          <a:ext cx="0" cy="0"/>
+          <a:chOff x="0" y="0"/>
+          <a:chExt cx="0" cy="0"/>
+        </a:xfrm>
+      </p:grpSpPr>
+      <p:sp>
+        <p:nvSpPr>
+          <p:cNvPr id="2" name="Slide Image Placeholder 1"/>
+          <p:cNvSpPr>
+            <a:spLocks noGrp="1" noRot="1" noChangeAspect="1"/>
+          </p:cNvSpPr>
+          <p:nvPr>
+            <p:ph type="sldImg"/>
+          </p:nvPr>
+        </p:nvSpPr>
+        <p:spPr/>
+      </p:sp>
+      <p:sp>
+        <p:nvSpPr>
+          <p:cNvPr id="3" name="Notes Placeholder 2"/>
+          <p:cNvSpPr>
+            <a:spLocks noGrp="1"/>
+          </p:cNvSpPr>
+          <p:nvPr>
+            <p:ph type="body" idx="1"/>
+          </p:nvPr>
+        </p:nvSpPr>
+        <p:spPr/>
+        <p:txBody>
+          <a:bodyPr/>
+          <a:lstStyle/>
+          <a:p>
+            <a:r>
+              <a:rPr lang="en-US" dirty="0"/>
+              <a:t> </a:t>
+            </a:r>
+            <a:r>
+              <a:rPr lang="en-US" dirty="0">
+                <a:solidFill>
+                  <a:srgbClr val="0070C0"/>
+                </a:solidFill>
+              </a:rPr>
+              <a:t>[DworkMcSherryNissimSmith06]</a:t>
+            </a:r>
+            <a:r>
+              <a:rPr lang="en-US" dirty="0"/>
+              <a:t> </a:t>
+            </a:r>
+          </a:p>
+        </p:txBody>
+      </p:sp>
+      <p:sp>
+        <p:nvSpPr>
+          <p:cNvPr id="4" name="Slide Number Placeholder 3"/>
+          <p:cNvSpPr>
+            <a:spLocks noGrp="1"/>
+          </p:cNvSpPr>
+          <p:nvPr>
+            <p:ph type="sldNum" sz="quarter" idx="5"/>
+          </p:nvPr>
+        </p:nvSpPr>
+        <p:spPr/>
+        <p:txBody>
+          <a:bodyPr/>
+          <a:lstStyle/>
+          <a:p>
+            <a:fld id="{E2226E65-ADC9-4F29-BA00-34B3E2F9B8F0}" type="slidenum">
+              <a:rPr lang="en-US" smtClean="0"/>
+              <a:t>31</a:t>
+            </a:fld>
+            <a:endParaRPr lang="en-US"/>
+          </a:p>
+        </p:txBody>
+      </p:sp>
+    </p:spTree>
+    <p:extLst>
+      <p:ext uri="{BB962C8B-B14F-4D97-AF65-F5344CB8AC3E}">
+        <p14:creationId xmlns:p14="http://schemas.microsoft.com/office/powerpoint/2010/main" val="775175185"/>
+      </p:ext>
+    </p:extLst>
+  </p:cSld>
+  <p:clrMapOvr>
+    <a:masterClrMapping/>
+  </p:clrMapOvr>
+</p:notes>
+</file>
+
 <file path=ppt/notesSlides/notesSlide3.xml><?xml version="1.0" encoding="utf-8"?>
 <p:notes xmlns:a="http://schemas.openxmlformats.org/drawingml/2006/main" xmlns:r="http://schemas.openxmlformats.org/officeDocument/2006/relationships" xmlns:p="http://schemas.openxmlformats.org/presentationml/2006/main">
   <p:cSld>
@@ -1462,6 +3146,204 @@
     <p:extLst>
       <p:ext uri="{BB962C8B-B14F-4D97-AF65-F5344CB8AC3E}">
         <p14:creationId xmlns:p14="http://schemas.microsoft.com/office/powerpoint/2010/main" val="938880225"/>
+      </p:ext>
+    </p:extLst>
+  </p:cSld>
+  <p:clrMapOvr>
+    <a:masterClrMapping/>
+  </p:clrMapOvr>
+</p:notes>
+</file>
+
+<file path=ppt/notesSlides/notesSlide30.xml><?xml version="1.0" encoding="utf-8"?>
+<p:notes xmlns:a="http://schemas.openxmlformats.org/drawingml/2006/main" xmlns:r="http://schemas.openxmlformats.org/officeDocument/2006/relationships" xmlns:p="http://schemas.openxmlformats.org/presentationml/2006/main">
+  <p:cSld>
+    <p:spTree>
+      <p:nvGrpSpPr>
+        <p:cNvPr id="1" name=""/>
+        <p:cNvGrpSpPr/>
+        <p:nvPr/>
+      </p:nvGrpSpPr>
+      <p:grpSpPr>
+        <a:xfrm>
+          <a:off x="0" y="0"/>
+          <a:ext cx="0" cy="0"/>
+          <a:chOff x="0" y="0"/>
+          <a:chExt cx="0" cy="0"/>
+        </a:xfrm>
+      </p:grpSpPr>
+      <p:sp>
+        <p:nvSpPr>
+          <p:cNvPr id="2" name="Slide Image Placeholder 1"/>
+          <p:cNvSpPr>
+            <a:spLocks noGrp="1" noRot="1" noChangeAspect="1"/>
+          </p:cNvSpPr>
+          <p:nvPr>
+            <p:ph type="sldImg"/>
+          </p:nvPr>
+        </p:nvSpPr>
+        <p:spPr/>
+      </p:sp>
+      <p:sp>
+        <p:nvSpPr>
+          <p:cNvPr id="3" name="Notes Placeholder 2"/>
+          <p:cNvSpPr>
+            <a:spLocks noGrp="1"/>
+          </p:cNvSpPr>
+          <p:nvPr>
+            <p:ph type="body" idx="1"/>
+          </p:nvPr>
+        </p:nvSpPr>
+        <p:spPr/>
+        <p:txBody>
+          <a:bodyPr/>
+          <a:lstStyle/>
+          <a:p>
+            <a:r>
+              <a:rPr lang="en-US" dirty="0"/>
+              <a:t> </a:t>
+            </a:r>
+            <a:r>
+              <a:rPr lang="en-US" dirty="0">
+                <a:solidFill>
+                  <a:srgbClr val="0070C0"/>
+                </a:solidFill>
+              </a:rPr>
+              <a:t>[DworkMcSherryNissimSmith06]</a:t>
+            </a:r>
+            <a:r>
+              <a:rPr lang="en-US" dirty="0"/>
+              <a:t> </a:t>
+            </a:r>
+          </a:p>
+        </p:txBody>
+      </p:sp>
+      <p:sp>
+        <p:nvSpPr>
+          <p:cNvPr id="4" name="Slide Number Placeholder 3"/>
+          <p:cNvSpPr>
+            <a:spLocks noGrp="1"/>
+          </p:cNvSpPr>
+          <p:nvPr>
+            <p:ph type="sldNum" sz="quarter" idx="5"/>
+          </p:nvPr>
+        </p:nvSpPr>
+        <p:spPr/>
+        <p:txBody>
+          <a:bodyPr/>
+          <a:lstStyle/>
+          <a:p>
+            <a:fld id="{E2226E65-ADC9-4F29-BA00-34B3E2F9B8F0}" type="slidenum">
+              <a:rPr lang="en-US" smtClean="0"/>
+              <a:t>32</a:t>
+            </a:fld>
+            <a:endParaRPr lang="en-US"/>
+          </a:p>
+        </p:txBody>
+      </p:sp>
+    </p:spTree>
+    <p:extLst>
+      <p:ext uri="{BB962C8B-B14F-4D97-AF65-F5344CB8AC3E}">
+        <p14:creationId xmlns:p14="http://schemas.microsoft.com/office/powerpoint/2010/main" val="1208741574"/>
+      </p:ext>
+    </p:extLst>
+  </p:cSld>
+  <p:clrMapOvr>
+    <a:masterClrMapping/>
+  </p:clrMapOvr>
+</p:notes>
+</file>
+
+<file path=ppt/notesSlides/notesSlide31.xml><?xml version="1.0" encoding="utf-8"?>
+<p:notes xmlns:a="http://schemas.openxmlformats.org/drawingml/2006/main" xmlns:r="http://schemas.openxmlformats.org/officeDocument/2006/relationships" xmlns:p="http://schemas.openxmlformats.org/presentationml/2006/main">
+  <p:cSld>
+    <p:spTree>
+      <p:nvGrpSpPr>
+        <p:cNvPr id="1" name=""/>
+        <p:cNvGrpSpPr/>
+        <p:nvPr/>
+      </p:nvGrpSpPr>
+      <p:grpSpPr>
+        <a:xfrm>
+          <a:off x="0" y="0"/>
+          <a:ext cx="0" cy="0"/>
+          <a:chOff x="0" y="0"/>
+          <a:chExt cx="0" cy="0"/>
+        </a:xfrm>
+      </p:grpSpPr>
+      <p:sp>
+        <p:nvSpPr>
+          <p:cNvPr id="2" name="Slide Image Placeholder 1"/>
+          <p:cNvSpPr>
+            <a:spLocks noGrp="1" noRot="1" noChangeAspect="1"/>
+          </p:cNvSpPr>
+          <p:nvPr>
+            <p:ph type="sldImg"/>
+          </p:nvPr>
+        </p:nvSpPr>
+        <p:spPr/>
+      </p:sp>
+      <p:sp>
+        <p:nvSpPr>
+          <p:cNvPr id="3" name="Notes Placeholder 2"/>
+          <p:cNvSpPr>
+            <a:spLocks noGrp="1"/>
+          </p:cNvSpPr>
+          <p:nvPr>
+            <p:ph type="body" idx="1"/>
+          </p:nvPr>
+        </p:nvSpPr>
+        <p:spPr/>
+        <p:txBody>
+          <a:bodyPr/>
+          <a:lstStyle/>
+          <a:p>
+            <a:r>
+              <a:rPr lang="en-US" dirty="0"/>
+              <a:t> </a:t>
+            </a:r>
+            <a:r>
+              <a:rPr lang="en-US" dirty="0">
+                <a:solidFill>
+                  <a:srgbClr val="0070C0"/>
+                </a:solidFill>
+              </a:rPr>
+              <a:t>[DworkMcSherryNissimSmith06]</a:t>
+            </a:r>
+            <a:r>
+              <a:rPr lang="en-US" dirty="0"/>
+              <a:t> </a:t>
+            </a:r>
+          </a:p>
+        </p:txBody>
+      </p:sp>
+      <p:sp>
+        <p:nvSpPr>
+          <p:cNvPr id="4" name="Slide Number Placeholder 3"/>
+          <p:cNvSpPr>
+            <a:spLocks noGrp="1"/>
+          </p:cNvSpPr>
+          <p:nvPr>
+            <p:ph type="sldNum" sz="quarter" idx="5"/>
+          </p:nvPr>
+        </p:nvSpPr>
+        <p:spPr/>
+        <p:txBody>
+          <a:bodyPr/>
+          <a:lstStyle/>
+          <a:p>
+            <a:fld id="{E2226E65-ADC9-4F29-BA00-34B3E2F9B8F0}" type="slidenum">
+              <a:rPr lang="en-US" smtClean="0"/>
+              <a:t>33</a:t>
+            </a:fld>
+            <a:endParaRPr lang="en-US"/>
+          </a:p>
+        </p:txBody>
+      </p:sp>
+    </p:spTree>
+    <p:extLst>
+      <p:ext uri="{BB962C8B-B14F-4D97-AF65-F5344CB8AC3E}">
+        <p14:creationId xmlns:p14="http://schemas.microsoft.com/office/powerpoint/2010/main" val="3456499951"/>
       </p:ext>
     </p:extLst>
   </p:cSld>
@@ -2055,7 +3937,7 @@
     </p:spTree>
     <p:extLst>
       <p:ext uri="{BB962C8B-B14F-4D97-AF65-F5344CB8AC3E}">
-        <p14:creationId xmlns:p14="http://schemas.microsoft.com/office/powerpoint/2010/main" val="1748213556"/>
+        <p14:creationId xmlns:p14="http://schemas.microsoft.com/office/powerpoint/2010/main" val="4155690961"/>
       </p:ext>
     </p:extLst>
   </p:cSld>
@@ -2212,7 +4094,7 @@
           <a:p>
             <a:fld id="{75D225AB-BC95-4FD4-9F54-7F646EA6F8D8}" type="datetimeFigureOut">
               <a:rPr lang="en-US" smtClean="0"/>
-              <a:t>4/12/2024</a:t>
+              <a:t>4/16/2024</a:t>
             </a:fld>
             <a:endParaRPr lang="en-US"/>
           </a:p>
@@ -2410,7 +4292,7 @@
           <a:p>
             <a:fld id="{75D225AB-BC95-4FD4-9F54-7F646EA6F8D8}" type="datetimeFigureOut">
               <a:rPr lang="en-US" smtClean="0"/>
-              <a:t>4/12/2024</a:t>
+              <a:t>4/16/2024</a:t>
             </a:fld>
             <a:endParaRPr lang="en-US"/>
           </a:p>
@@ -2618,7 +4500,7 @@
           <a:p>
             <a:fld id="{75D225AB-BC95-4FD4-9F54-7F646EA6F8D8}" type="datetimeFigureOut">
               <a:rPr lang="en-US" smtClean="0"/>
-              <a:t>4/12/2024</a:t>
+              <a:t>4/16/2024</a:t>
             </a:fld>
             <a:endParaRPr lang="en-US"/>
           </a:p>
@@ -2816,7 +4698,7 @@
           <a:p>
             <a:fld id="{75D225AB-BC95-4FD4-9F54-7F646EA6F8D8}" type="datetimeFigureOut">
               <a:rPr lang="en-US" smtClean="0"/>
-              <a:t>4/12/2024</a:t>
+              <a:t>4/16/2024</a:t>
             </a:fld>
             <a:endParaRPr lang="en-US"/>
           </a:p>
@@ -3091,7 +4973,7 @@
           <a:p>
             <a:fld id="{75D225AB-BC95-4FD4-9F54-7F646EA6F8D8}" type="datetimeFigureOut">
               <a:rPr lang="en-US" smtClean="0"/>
-              <a:t>4/12/2024</a:t>
+              <a:t>4/16/2024</a:t>
             </a:fld>
             <a:endParaRPr lang="en-US"/>
           </a:p>
@@ -3356,7 +5238,7 @@
           <a:p>
             <a:fld id="{75D225AB-BC95-4FD4-9F54-7F646EA6F8D8}" type="datetimeFigureOut">
               <a:rPr lang="en-US" smtClean="0"/>
-              <a:t>4/12/2024</a:t>
+              <a:t>4/16/2024</a:t>
             </a:fld>
             <a:endParaRPr lang="en-US"/>
           </a:p>
@@ -3768,7 +5650,7 @@
           <a:p>
             <a:fld id="{75D225AB-BC95-4FD4-9F54-7F646EA6F8D8}" type="datetimeFigureOut">
               <a:rPr lang="en-US" smtClean="0"/>
-              <a:t>4/12/2024</a:t>
+              <a:t>4/16/2024</a:t>
             </a:fld>
             <a:endParaRPr lang="en-US"/>
           </a:p>
@@ -3909,7 +5791,7 @@
           <a:p>
             <a:fld id="{75D225AB-BC95-4FD4-9F54-7F646EA6F8D8}" type="datetimeFigureOut">
               <a:rPr lang="en-US" smtClean="0"/>
-              <a:t>4/12/2024</a:t>
+              <a:t>4/16/2024</a:t>
             </a:fld>
             <a:endParaRPr lang="en-US"/>
           </a:p>
@@ -4022,7 +5904,7 @@
           <a:p>
             <a:fld id="{75D225AB-BC95-4FD4-9F54-7F646EA6F8D8}" type="datetimeFigureOut">
               <a:rPr lang="en-US" smtClean="0"/>
-              <a:t>4/12/2024</a:t>
+              <a:t>4/16/2024</a:t>
             </a:fld>
             <a:endParaRPr lang="en-US"/>
           </a:p>
@@ -4333,7 +6215,7 @@
           <a:p>
             <a:fld id="{75D225AB-BC95-4FD4-9F54-7F646EA6F8D8}" type="datetimeFigureOut">
               <a:rPr lang="en-US" smtClean="0"/>
-              <a:t>4/12/2024</a:t>
+              <a:t>4/16/2024</a:t>
             </a:fld>
             <a:endParaRPr lang="en-US"/>
           </a:p>
@@ -4621,7 +6503,7 @@
           <a:p>
             <a:fld id="{75D225AB-BC95-4FD4-9F54-7F646EA6F8D8}" type="datetimeFigureOut">
               <a:rPr lang="en-US" smtClean="0"/>
-              <a:t>4/12/2024</a:t>
+              <a:t>4/16/2024</a:t>
             </a:fld>
             <a:endParaRPr lang="en-US"/>
           </a:p>
@@ -4862,7 +6744,7 @@
           <a:p>
             <a:fld id="{75D225AB-BC95-4FD4-9F54-7F646EA6F8D8}" type="datetimeFigureOut">
               <a:rPr lang="en-US" smtClean="0"/>
-              <a:t>4/12/2024</a:t>
+              <a:t>4/16/2024</a:t>
             </a:fld>
             <a:endParaRPr lang="en-US"/>
           </a:p>
@@ -5419,7 +7301,7 @@
                   <a:srgbClr val="C00000"/>
                 </a:solidFill>
               </a:rPr>
-              <a:t>Last Time: Laplace Mechanism</a:t>
+              <a:t>Laplace Mechanism</a:t>
             </a:r>
           </a:p>
         </p:txBody>
@@ -5511,7 +7393,10 @@
                     <a:schemeClr val="tx1"/>
                   </a:buClr>
                 </a:pPr>
-                <a:endParaRPr lang="en-US" sz="3200" dirty="0"/>
+                <a:r>
+                  <a:rPr lang="en-US" sz="3200" dirty="0"/>
+                  <a:t>What is the algorithm for the private counting problem by the Laplace mechanism?</a:t>
+                </a:r>
               </a:p>
               <a:p>
                 <a:pPr>
@@ -5668,8 +7553,26 @@
             </a:pPr>
             <a:r>
               <a:rPr lang="en-US" sz="3200" dirty="0"/>
-              <a:t>What if we want to output the “best” answer, but noise can significantly destroy the answer?</a:t>
+              <a:t>How do we answer non-numeric queries, e.g., selection?</a:t>
             </a:r>
+          </a:p>
+          <a:p>
+            <a:pPr marL="0" indent="0">
+              <a:buClr>
+                <a:schemeClr val="tx1"/>
+              </a:buClr>
+              <a:buNone/>
+            </a:pPr>
+            <a:endParaRPr lang="en-US" sz="3200" dirty="0"/>
+          </a:p>
+          <a:p>
+            <a:pPr marL="0" indent="0">
+              <a:buClr>
+                <a:schemeClr val="tx1"/>
+              </a:buClr>
+              <a:buNone/>
+            </a:pPr>
+            <a:endParaRPr lang="en-US" sz="3200" dirty="0"/>
           </a:p>
           <a:p>
             <a:pPr marL="0" indent="0">
@@ -5696,18 +7599,7 @@
             </a:r>
             <a:r>
               <a:rPr lang="en-US" sz="3200" dirty="0"/>
-              <a:t>: Suppose we have a large number of apples, and A, B, C each bid $1.00 and D bids $4.01. What is the optimal price? </a:t>
-            </a:r>
-          </a:p>
-          <a:p>
-            <a:pPr>
-              <a:buClr>
-                <a:schemeClr val="tx1"/>
-              </a:buClr>
-            </a:pPr>
-            <a:r>
-              <a:rPr lang="en-US" sz="3200" dirty="0"/>
-              <a:t>At $4.01 the revenue, the revenue is $4.01, at $4.00 and at $1.00 the revenue is $4.00, but at $3.02 the revenue is zero!</a:t>
+              <a:t>: What is the most common eye color in the room?</a:t>
             </a:r>
           </a:p>
         </p:txBody>
@@ -5715,7 +7607,7 @@
     </p:spTree>
     <p:extLst>
       <p:ext uri="{BB962C8B-B14F-4D97-AF65-F5344CB8AC3E}">
-        <p14:creationId xmlns:p14="http://schemas.microsoft.com/office/powerpoint/2010/main" val="3798815518"/>
+        <p14:creationId xmlns:p14="http://schemas.microsoft.com/office/powerpoint/2010/main" val="3051485560"/>
       </p:ext>
     </p:extLst>
   </p:cSld>
@@ -5863,6 +7755,147 @@
 </file>
 
 <file path=ppt/slides/slide13.xml><?xml version="1.0" encoding="utf-8"?>
+<p:sld xmlns:a="http://schemas.openxmlformats.org/drawingml/2006/main" xmlns:r="http://schemas.openxmlformats.org/officeDocument/2006/relationships" xmlns:p="http://schemas.openxmlformats.org/presentationml/2006/main">
+  <p:cSld>
+    <p:spTree>
+      <p:nvGrpSpPr>
+        <p:cNvPr id="1" name=""/>
+        <p:cNvGrpSpPr/>
+        <p:nvPr/>
+      </p:nvGrpSpPr>
+      <p:grpSpPr>
+        <a:xfrm>
+          <a:off x="0" y="0"/>
+          <a:ext cx="0" cy="0"/>
+          <a:chOff x="0" y="0"/>
+          <a:chExt cx="0" cy="0"/>
+        </a:xfrm>
+      </p:grpSpPr>
+      <p:sp>
+        <p:nvSpPr>
+          <p:cNvPr id="2" name="Title 1">
+            <a:extLst>
+              <a:ext uri="{FF2B5EF4-FFF2-40B4-BE49-F238E27FC236}">
+                <a16:creationId xmlns:a16="http://schemas.microsoft.com/office/drawing/2014/main" id="{B17419AC-DCE6-4371-8DE2-D617E99D653D}"/>
+              </a:ext>
+            </a:extLst>
+          </p:cNvPr>
+          <p:cNvSpPr>
+            <a:spLocks noGrp="1"/>
+          </p:cNvSpPr>
+          <p:nvPr>
+            <p:ph type="title"/>
+          </p:nvPr>
+        </p:nvSpPr>
+        <p:spPr/>
+        <p:txBody>
+          <a:bodyPr/>
+          <a:lstStyle/>
+          <a:p>
+            <a:r>
+              <a:rPr lang="en-US" dirty="0">
+                <a:solidFill>
+                  <a:srgbClr val="C00000"/>
+                </a:solidFill>
+              </a:rPr>
+              <a:t>Beyond Laplace Mechanism</a:t>
+            </a:r>
+          </a:p>
+        </p:txBody>
+      </p:sp>
+      <p:sp>
+        <p:nvSpPr>
+          <p:cNvPr id="5" name="Content Placeholder 3">
+            <a:extLst>
+              <a:ext uri="{FF2B5EF4-FFF2-40B4-BE49-F238E27FC236}">
+                <a16:creationId xmlns:a16="http://schemas.microsoft.com/office/drawing/2014/main" id="{46EDD9D9-1338-4BC5-9D28-964A84C143C2}"/>
+              </a:ext>
+            </a:extLst>
+          </p:cNvPr>
+          <p:cNvSpPr>
+            <a:spLocks noGrp="1"/>
+          </p:cNvSpPr>
+          <p:nvPr>
+            <p:ph idx="1"/>
+          </p:nvPr>
+        </p:nvSpPr>
+        <p:spPr>
+          <a:xfrm>
+            <a:off x="838200" y="1825624"/>
+            <a:ext cx="10242755" cy="4342094"/>
+          </a:xfrm>
+        </p:spPr>
+        <p:txBody>
+          <a:bodyPr>
+            <a:noAutofit/>
+          </a:bodyPr>
+          <a:lstStyle/>
+          <a:p>
+            <a:pPr>
+              <a:buClr>
+                <a:schemeClr val="tx1"/>
+              </a:buClr>
+            </a:pPr>
+            <a:r>
+              <a:rPr lang="en-US" sz="3200" dirty="0"/>
+              <a:t>What if we want to output the “best” answer, but noise can significantly destroy the answer?</a:t>
+            </a:r>
+          </a:p>
+          <a:p>
+            <a:pPr marL="0" indent="0">
+              <a:buClr>
+                <a:schemeClr val="tx1"/>
+              </a:buClr>
+              <a:buNone/>
+            </a:pPr>
+            <a:endParaRPr lang="en-US" sz="3200" dirty="0"/>
+          </a:p>
+          <a:p>
+            <a:pPr>
+              <a:buClr>
+                <a:schemeClr val="tx1"/>
+              </a:buClr>
+            </a:pPr>
+            <a:r>
+              <a:rPr lang="en-US" sz="3200" dirty="0">
+                <a:solidFill>
+                  <a:srgbClr val="00B050"/>
+                </a:solidFill>
+              </a:rPr>
+              <a:t>Example</a:t>
+            </a:r>
+            <a:r>
+              <a:rPr lang="en-US" sz="3200" dirty="0"/>
+              <a:t>: Suppose we have a large number of apples, and A, B, C each bid $1.00 and D bids $4.01. What is the optimal price? </a:t>
+            </a:r>
+          </a:p>
+          <a:p>
+            <a:pPr>
+              <a:buClr>
+                <a:schemeClr val="tx1"/>
+              </a:buClr>
+            </a:pPr>
+            <a:r>
+              <a:rPr lang="en-US" sz="3200" dirty="0"/>
+              <a:t>At $4.01 the revenue, the revenue is $4.01, at $4.00 and at $1.00 the revenue is $4.00, but at $3.02 the revenue is zero!</a:t>
+            </a:r>
+          </a:p>
+        </p:txBody>
+      </p:sp>
+    </p:spTree>
+    <p:extLst>
+      <p:ext uri="{BB962C8B-B14F-4D97-AF65-F5344CB8AC3E}">
+        <p14:creationId xmlns:p14="http://schemas.microsoft.com/office/powerpoint/2010/main" val="3798815518"/>
+      </p:ext>
+    </p:extLst>
+  </p:cSld>
+  <p:clrMapOvr>
+    <a:masterClrMapping/>
+  </p:clrMapOvr>
+</p:sld>
+</file>
+
+<file path=ppt/slides/slide14.xml><?xml version="1.0" encoding="utf-8"?>
 <p:sld xmlns:a="http://schemas.openxmlformats.org/drawingml/2006/main" xmlns:r="http://schemas.openxmlformats.org/officeDocument/2006/relationships" xmlns:p="http://schemas.openxmlformats.org/presentationml/2006/main">
   <p:cSld>
     <p:spTree>
@@ -6332,7 +8365,292 @@
 </p:sld>
 </file>
 
-<file path=ppt/slides/slide14.xml><?xml version="1.0" encoding="utf-8"?>
+<file path=ppt/slides/slide15.xml><?xml version="1.0" encoding="utf-8"?>
+<p:sld xmlns:a="http://schemas.openxmlformats.org/drawingml/2006/main" xmlns:r="http://schemas.openxmlformats.org/officeDocument/2006/relationships" xmlns:p="http://schemas.openxmlformats.org/presentationml/2006/main">
+  <p:cSld>
+    <p:spTree>
+      <p:nvGrpSpPr>
+        <p:cNvPr id="1" name=""/>
+        <p:cNvGrpSpPr/>
+        <p:nvPr/>
+      </p:nvGrpSpPr>
+      <p:grpSpPr>
+        <a:xfrm>
+          <a:off x="0" y="0"/>
+          <a:ext cx="0" cy="0"/>
+          <a:chOff x="0" y="0"/>
+          <a:chExt cx="0" cy="0"/>
+        </a:xfrm>
+      </p:grpSpPr>
+      <p:sp>
+        <p:nvSpPr>
+          <p:cNvPr id="2" name="Title 1">
+            <a:extLst>
+              <a:ext uri="{FF2B5EF4-FFF2-40B4-BE49-F238E27FC236}">
+                <a16:creationId xmlns:a16="http://schemas.microsoft.com/office/drawing/2014/main" id="{B17419AC-DCE6-4371-8DE2-D617E99D653D}"/>
+              </a:ext>
+            </a:extLst>
+          </p:cNvPr>
+          <p:cNvSpPr>
+            <a:spLocks noGrp="1"/>
+          </p:cNvSpPr>
+          <p:nvPr>
+            <p:ph type="title"/>
+          </p:nvPr>
+        </p:nvSpPr>
+        <p:spPr/>
+        <p:txBody>
+          <a:bodyPr/>
+          <a:lstStyle/>
+          <a:p>
+            <a:r>
+              <a:rPr lang="en-US" dirty="0">
+                <a:solidFill>
+                  <a:srgbClr val="C00000"/>
+                </a:solidFill>
+              </a:rPr>
+              <a:t>Beyond Laplace Mechanism</a:t>
+            </a:r>
+          </a:p>
+        </p:txBody>
+      </p:sp>
+      <p:sp>
+        <p:nvSpPr>
+          <p:cNvPr id="5" name="Content Placeholder 3">
+            <a:extLst>
+              <a:ext uri="{FF2B5EF4-FFF2-40B4-BE49-F238E27FC236}">
+                <a16:creationId xmlns:a16="http://schemas.microsoft.com/office/drawing/2014/main" id="{46EDD9D9-1338-4BC5-9D28-964A84C143C2}"/>
+              </a:ext>
+            </a:extLst>
+          </p:cNvPr>
+          <p:cNvSpPr>
+            <a:spLocks noGrp="1"/>
+          </p:cNvSpPr>
+          <p:nvPr>
+            <p:ph idx="1"/>
+          </p:nvPr>
+        </p:nvSpPr>
+        <p:spPr>
+          <a:xfrm>
+            <a:off x="838200" y="1825624"/>
+            <a:ext cx="10242755" cy="4342094"/>
+          </a:xfrm>
+        </p:spPr>
+        <p:txBody>
+          <a:bodyPr>
+            <a:noAutofit/>
+          </a:bodyPr>
+          <a:lstStyle/>
+          <a:p>
+            <a:pPr>
+              <a:buClr>
+                <a:schemeClr val="tx1"/>
+              </a:buClr>
+            </a:pPr>
+            <a:r>
+              <a:rPr lang="en-US" sz="3200" dirty="0"/>
+              <a:t>How do we answer non-numeric queries, e.g., selection?</a:t>
+            </a:r>
+          </a:p>
+          <a:p>
+            <a:pPr marL="0" indent="0">
+              <a:buClr>
+                <a:schemeClr val="tx1"/>
+              </a:buClr>
+              <a:buNone/>
+            </a:pPr>
+            <a:endParaRPr lang="en-US" sz="3200" dirty="0"/>
+          </a:p>
+          <a:p>
+            <a:pPr marL="0" indent="0">
+              <a:buClr>
+                <a:schemeClr val="tx1"/>
+              </a:buClr>
+              <a:buNone/>
+            </a:pPr>
+            <a:endParaRPr lang="en-US" sz="3200" dirty="0"/>
+          </a:p>
+          <a:p>
+            <a:pPr marL="0" indent="0">
+              <a:buClr>
+                <a:schemeClr val="tx1"/>
+              </a:buClr>
+              <a:buNone/>
+            </a:pPr>
+            <a:endParaRPr lang="en-US" sz="3200" dirty="0"/>
+          </a:p>
+          <a:p>
+            <a:pPr>
+              <a:buClr>
+                <a:schemeClr val="tx1"/>
+              </a:buClr>
+            </a:pPr>
+            <a:r>
+              <a:rPr lang="en-US" sz="3200" dirty="0">
+                <a:solidFill>
+                  <a:srgbClr val="00B050"/>
+                </a:solidFill>
+              </a:rPr>
+              <a:t>Example</a:t>
+            </a:r>
+            <a:r>
+              <a:rPr lang="en-US" sz="3200" dirty="0"/>
+              <a:t>: What is the most common eye color in the room?</a:t>
+            </a:r>
+          </a:p>
+        </p:txBody>
+      </p:sp>
+    </p:spTree>
+    <p:extLst>
+      <p:ext uri="{BB962C8B-B14F-4D97-AF65-F5344CB8AC3E}">
+        <p14:creationId xmlns:p14="http://schemas.microsoft.com/office/powerpoint/2010/main" val="1158316235"/>
+      </p:ext>
+    </p:extLst>
+  </p:cSld>
+  <p:clrMapOvr>
+    <a:masterClrMapping/>
+  </p:clrMapOvr>
+</p:sld>
+</file>
+
+<file path=ppt/slides/slide16.xml><?xml version="1.0" encoding="utf-8"?>
+<p:sld xmlns:a="http://schemas.openxmlformats.org/drawingml/2006/main" xmlns:r="http://schemas.openxmlformats.org/officeDocument/2006/relationships" xmlns:p="http://schemas.openxmlformats.org/presentationml/2006/main">
+  <p:cSld>
+    <p:spTree>
+      <p:nvGrpSpPr>
+        <p:cNvPr id="1" name=""/>
+        <p:cNvGrpSpPr/>
+        <p:nvPr/>
+      </p:nvGrpSpPr>
+      <p:grpSpPr>
+        <a:xfrm>
+          <a:off x="0" y="0"/>
+          <a:ext cx="0" cy="0"/>
+          <a:chOff x="0" y="0"/>
+          <a:chExt cx="0" cy="0"/>
+        </a:xfrm>
+      </p:grpSpPr>
+      <p:sp>
+        <p:nvSpPr>
+          <p:cNvPr id="2" name="Title 1">
+            <a:extLst>
+              <a:ext uri="{FF2B5EF4-FFF2-40B4-BE49-F238E27FC236}">
+                <a16:creationId xmlns:a16="http://schemas.microsoft.com/office/drawing/2014/main" id="{B17419AC-DCE6-4371-8DE2-D617E99D653D}"/>
+              </a:ext>
+            </a:extLst>
+          </p:cNvPr>
+          <p:cNvSpPr>
+            <a:spLocks noGrp="1"/>
+          </p:cNvSpPr>
+          <p:nvPr>
+            <p:ph type="title"/>
+          </p:nvPr>
+        </p:nvSpPr>
+        <p:spPr/>
+        <p:txBody>
+          <a:bodyPr/>
+          <a:lstStyle/>
+          <a:p>
+            <a:r>
+              <a:rPr lang="en-US" dirty="0">
+                <a:solidFill>
+                  <a:srgbClr val="C00000"/>
+                </a:solidFill>
+              </a:rPr>
+              <a:t>Beyond Laplace Mechanism</a:t>
+            </a:r>
+          </a:p>
+        </p:txBody>
+      </p:sp>
+      <p:sp>
+        <p:nvSpPr>
+          <p:cNvPr id="5" name="Content Placeholder 3">
+            <a:extLst>
+              <a:ext uri="{FF2B5EF4-FFF2-40B4-BE49-F238E27FC236}">
+                <a16:creationId xmlns:a16="http://schemas.microsoft.com/office/drawing/2014/main" id="{46EDD9D9-1338-4BC5-9D28-964A84C143C2}"/>
+              </a:ext>
+            </a:extLst>
+          </p:cNvPr>
+          <p:cNvSpPr>
+            <a:spLocks noGrp="1"/>
+          </p:cNvSpPr>
+          <p:nvPr>
+            <p:ph idx="1"/>
+          </p:nvPr>
+        </p:nvSpPr>
+        <p:spPr>
+          <a:xfrm>
+            <a:off x="838200" y="1825624"/>
+            <a:ext cx="10242755" cy="4342094"/>
+          </a:xfrm>
+        </p:spPr>
+        <p:txBody>
+          <a:bodyPr>
+            <a:noAutofit/>
+          </a:bodyPr>
+          <a:lstStyle/>
+          <a:p>
+            <a:pPr>
+              <a:buClr>
+                <a:schemeClr val="tx1"/>
+              </a:buClr>
+            </a:pPr>
+            <a:r>
+              <a:rPr lang="en-US" sz="3200" dirty="0">
+                <a:solidFill>
+                  <a:srgbClr val="00B050"/>
+                </a:solidFill>
+              </a:rPr>
+              <a:t>Example</a:t>
+            </a:r>
+            <a:r>
+              <a:rPr lang="en-US" sz="3200" dirty="0"/>
+              <a:t>: Suppose a study is conducted that finds the current location of individuals, in the two-dimensional plane</a:t>
+            </a:r>
+          </a:p>
+          <a:p>
+            <a:pPr>
+              <a:buClr>
+                <a:schemeClr val="tx1"/>
+              </a:buClr>
+            </a:pPr>
+            <a:endParaRPr lang="en-US" sz="3200" dirty="0"/>
+          </a:p>
+          <a:p>
+            <a:pPr>
+              <a:buClr>
+                <a:schemeClr val="tx1"/>
+              </a:buClr>
+            </a:pPr>
+            <a:endParaRPr lang="en-US" sz="3200" dirty="0"/>
+          </a:p>
+          <a:p>
+            <a:pPr>
+              <a:buClr>
+                <a:schemeClr val="tx1"/>
+              </a:buClr>
+            </a:pPr>
+            <a:r>
+              <a:rPr lang="en-US" sz="3200" dirty="0"/>
+              <a:t>Who is the closest individual to a query location?</a:t>
+            </a:r>
+          </a:p>
+        </p:txBody>
+      </p:sp>
+    </p:spTree>
+    <p:extLst>
+      <p:ext uri="{BB962C8B-B14F-4D97-AF65-F5344CB8AC3E}">
+        <p14:creationId xmlns:p14="http://schemas.microsoft.com/office/powerpoint/2010/main" val="1965121507"/>
+      </p:ext>
+    </p:extLst>
+  </p:cSld>
+  <p:clrMapOvr>
+    <a:masterClrMapping/>
+  </p:clrMapOvr>
+</p:sld>
+</file>
+
+<file path=ppt/slides/slide17.xml><?xml version="1.0" encoding="utf-8"?>
 <p:sld xmlns:a="http://schemas.openxmlformats.org/drawingml/2006/main" xmlns:r="http://schemas.openxmlformats.org/officeDocument/2006/relationships" xmlns:p="http://schemas.openxmlformats.org/presentationml/2006/main">
   <p:cSld>
     <p:spTree>
@@ -6737,7 +9055,7 @@
 </p:sld>
 </file>
 
-<file path=ppt/slides/slide15.xml><?xml version="1.0" encoding="utf-8"?>
+<file path=ppt/slides/slide18.xml><?xml version="1.0" encoding="utf-8"?>
 <p:sld xmlns:a="http://schemas.openxmlformats.org/drawingml/2006/main" xmlns:r="http://schemas.openxmlformats.org/officeDocument/2006/relationships" xmlns:p="http://schemas.openxmlformats.org/presentationml/2006/main">
   <p:cSld>
     <p:spTree>
@@ -8183,7 +10501,7 @@
 </p:sld>
 </file>
 
-<file path=ppt/slides/slide16.xml><?xml version="1.0" encoding="utf-8"?>
+<file path=ppt/slides/slide19.xml><?xml version="1.0" encoding="utf-8"?>
 <p:sld xmlns:a="http://schemas.openxmlformats.org/drawingml/2006/main" xmlns:r="http://schemas.openxmlformats.org/officeDocument/2006/relationships" xmlns:p="http://schemas.openxmlformats.org/presentationml/2006/main">
   <p:cSld>
     <p:spTree>
@@ -9525,7 +11843,148 @@
 </p:sld>
 </file>
 
-<file path=ppt/slides/slide17.xml><?xml version="1.0" encoding="utf-8"?>
+<file path=ppt/slides/slide2.xml><?xml version="1.0" encoding="utf-8"?>
+<p:sld xmlns:a="http://schemas.openxmlformats.org/drawingml/2006/main" xmlns:r="http://schemas.openxmlformats.org/officeDocument/2006/relationships" xmlns:p="http://schemas.openxmlformats.org/presentationml/2006/main">
+  <p:cSld>
+    <p:spTree>
+      <p:nvGrpSpPr>
+        <p:cNvPr id="1" name="">
+          <a:extLst>
+            <a:ext uri="{FF2B5EF4-FFF2-40B4-BE49-F238E27FC236}">
+              <a16:creationId xmlns:a16="http://schemas.microsoft.com/office/drawing/2014/main" id="{376BAFF5-86DA-E2B8-6FFA-1808A42C7525}"/>
+            </a:ext>
+          </a:extLst>
+        </p:cNvPr>
+        <p:cNvGrpSpPr/>
+        <p:nvPr/>
+      </p:nvGrpSpPr>
+      <p:grpSpPr>
+        <a:xfrm>
+          <a:off x="0" y="0"/>
+          <a:ext cx="0" cy="0"/>
+          <a:chOff x="0" y="0"/>
+          <a:chExt cx="0" cy="0"/>
+        </a:xfrm>
+      </p:grpSpPr>
+      <p:sp>
+        <p:nvSpPr>
+          <p:cNvPr id="2" name="Title 1">
+            <a:extLst>
+              <a:ext uri="{FF2B5EF4-FFF2-40B4-BE49-F238E27FC236}">
+                <a16:creationId xmlns:a16="http://schemas.microsoft.com/office/drawing/2014/main" id="{A28A4435-41D1-837B-ADB5-FFA456FE52BE}"/>
+              </a:ext>
+            </a:extLst>
+          </p:cNvPr>
+          <p:cNvSpPr>
+            <a:spLocks noGrp="1"/>
+          </p:cNvSpPr>
+          <p:nvPr>
+            <p:ph type="title"/>
+          </p:nvPr>
+        </p:nvSpPr>
+        <p:spPr>
+          <a:xfrm>
+            <a:off x="838199" y="365125"/>
+            <a:ext cx="10780059" cy="1325563"/>
+          </a:xfrm>
+        </p:spPr>
+        <p:txBody>
+          <a:bodyPr/>
+          <a:lstStyle/>
+          <a:p>
+            <a:r>
+              <a:rPr lang="en-US" dirty="0">
+                <a:solidFill>
+                  <a:srgbClr val="C00000"/>
+                </a:solidFill>
+              </a:rPr>
+              <a:t>Relevant Supplementary Material</a:t>
+            </a:r>
+          </a:p>
+        </p:txBody>
+      </p:sp>
+      <p:sp>
+        <p:nvSpPr>
+          <p:cNvPr id="3" name="Content Placeholder 2">
+            <a:extLst>
+              <a:ext uri="{FF2B5EF4-FFF2-40B4-BE49-F238E27FC236}">
+                <a16:creationId xmlns:a16="http://schemas.microsoft.com/office/drawing/2014/main" id="{25EE93E1-E7F8-AF25-6F87-6F078FDBFB60}"/>
+              </a:ext>
+            </a:extLst>
+          </p:cNvPr>
+          <p:cNvSpPr>
+            <a:spLocks noGrp="1"/>
+          </p:cNvSpPr>
+          <p:nvPr>
+            <p:ph idx="1"/>
+          </p:nvPr>
+        </p:nvSpPr>
+        <p:spPr>
+          <a:xfrm>
+            <a:off x="838200" y="1825624"/>
+            <a:ext cx="10515600" cy="4422775"/>
+          </a:xfrm>
+        </p:spPr>
+        <p:txBody>
+          <a:bodyPr>
+            <a:normAutofit/>
+          </a:bodyPr>
+          <a:lstStyle/>
+          <a:p>
+            <a:pPr>
+              <a:buClr>
+                <a:schemeClr val="tx1"/>
+              </a:buClr>
+            </a:pPr>
+            <a:r>
+              <a:rPr lang="en-US" sz="3200" dirty="0">
+                <a:solidFill>
+                  <a:srgbClr val="00B050"/>
+                </a:solidFill>
+              </a:rPr>
+              <a:t>Chapter 3-4 </a:t>
+            </a:r>
+            <a:r>
+              <a:rPr lang="en-US" sz="3200" dirty="0"/>
+              <a:t>of</a:t>
+            </a:r>
+            <a:r>
+              <a:rPr lang="en-US" sz="3200" dirty="0">
+                <a:solidFill>
+                  <a:srgbClr val="00B050"/>
+                </a:solidFill>
+              </a:rPr>
+              <a:t> “The Algorithmic Foundations of Differential Privacy”</a:t>
+            </a:r>
+            <a:r>
+              <a:rPr lang="en-US" sz="3200" dirty="0"/>
+              <a:t>, by Cynthia </a:t>
+            </a:r>
+            <a:r>
+              <a:rPr lang="en-US" sz="3200" dirty="0" err="1"/>
+              <a:t>Dwork</a:t>
+            </a:r>
+            <a:r>
+              <a:rPr lang="en-US" sz="3200" dirty="0"/>
+              <a:t> and Aaron Roth (https://www.cis.upenn.edu/~aaroth/Papers/privacybook.pdf)</a:t>
+            </a:r>
+          </a:p>
+        </p:txBody>
+      </p:sp>
+    </p:spTree>
+    <p:extLst>
+      <p:ext uri="{BB962C8B-B14F-4D97-AF65-F5344CB8AC3E}">
+        <p14:creationId xmlns:p14="http://schemas.microsoft.com/office/powerpoint/2010/main" val="3080056289"/>
+      </p:ext>
+    </p:extLst>
+  </p:cSld>
+  <p:clrMapOvr>
+    <a:masterClrMapping/>
+  </p:clrMapOvr>
+</p:sld>
+</file>
+
+<file path=ppt/slides/slide20.xml><?xml version="1.0" encoding="utf-8"?>
 <p:sld xmlns:a="http://schemas.openxmlformats.org/drawingml/2006/main" xmlns:r="http://schemas.openxmlformats.org/officeDocument/2006/relationships" xmlns:p="http://schemas.openxmlformats.org/presentationml/2006/main">
   <p:cSld>
     <p:spTree>
@@ -10898,7 +13357,7 @@
 </p:sld>
 </file>
 
-<file path=ppt/slides/slide18.xml><?xml version="1.0" encoding="utf-8"?>
+<file path=ppt/slides/slide21.xml><?xml version="1.0" encoding="utf-8"?>
 <p:sld xmlns:a="http://schemas.openxmlformats.org/drawingml/2006/main" xmlns:r="http://schemas.openxmlformats.org/officeDocument/2006/relationships" xmlns:p="http://schemas.openxmlformats.org/presentationml/2006/main">
   <p:cSld>
     <p:spTree>
@@ -10947,8 +13406,8 @@
           </a:p>
         </p:txBody>
       </p:sp>
-      <mc:AlternateContent xmlns:mc="http://schemas.openxmlformats.org/markup-compatibility/2006" xmlns:a14="http://schemas.microsoft.com/office/drawing/2010/main">
-        <mc:Choice Requires="a14">
+      <mc:AlternateContent xmlns:mc="http://schemas.openxmlformats.org/markup-compatibility/2006">
+        <mc:Choice xmlns:a14="http://schemas.microsoft.com/office/drawing/2010/main" Requires="a14">
           <p:sp>
             <p:nvSpPr>
               <p:cNvPr id="5" name="Content Placeholder 3">
@@ -11029,7 +13488,7 @@
                 </a:pPr>
                 <a:r>
                   <a:rPr lang="en-US" sz="3200" dirty="0"/>
-                  <a:t>In fact, when </a:t>
+                  <a:t>Note we can still apply exponential mechanism when </a:t>
                 </a:r>
                 <a14:m>
                   <m:oMath xmlns:m="http://schemas.openxmlformats.org/officeDocument/2006/math">
@@ -11046,24 +13505,7 @@
                 </a14:m>
                 <a:r>
                   <a:rPr lang="en-US" sz="3200" dirty="0"/>
-                  <a:t> is the set of the real numbers, there is a setting of the score function </a:t>
-                </a:r>
-                <a14:m>
-                  <m:oMath xmlns:m="http://schemas.openxmlformats.org/officeDocument/2006/math">
-                    <m:r>
-                      <a:rPr lang="en-US" sz="3200" b="0" i="1" smtClean="0">
-                        <a:solidFill>
-                          <a:srgbClr val="C00000"/>
-                        </a:solidFill>
-                        <a:latin typeface="Cambria Math" panose="02040503050406030204" pitchFamily="18" charset="0"/>
-                      </a:rPr>
-                      <m:t>𝑆</m:t>
-                    </m:r>
-                  </m:oMath>
-                </a14:m>
-                <a:r>
-                  <a:rPr lang="en-US" sz="3200" dirty="0"/>
-                  <a:t> for which the exponential mechanism reduces down to the Laplace mechanism</a:t>
+                  <a:t> is the set of the real numbers</a:t>
                 </a:r>
               </a:p>
               <a:p>
@@ -11081,22 +13523,14 @@
                   </a:buClr>
                 </a:pPr>
                 <a:r>
-                  <a:rPr lang="en-US" sz="3200" dirty="0">
-                    <a:solidFill>
-                      <a:srgbClr val="FF0000"/>
-                    </a:solidFill>
-                  </a:rPr>
-                  <a:t>Downside</a:t>
-                </a:r>
-                <a:r>
                   <a:rPr lang="en-US" sz="3200" dirty="0"/>
-                  <a:t>: sampling process may be inefficient</a:t>
+                  <a:t>How does it compare to the Laplace mechanism?</a:t>
                 </a:r>
               </a:p>
             </p:txBody>
           </p:sp>
         </mc:Choice>
-        <mc:Fallback xmlns="">
+        <mc:Fallback>
           <p:sp>
             <p:nvSpPr>
               <p:cNvPr id="5" name="Content Placeholder 3">
@@ -11153,18 +13587,12 @@
 </p:sld>
 </file>
 
-<file path=ppt/slides/slide2.xml><?xml version="1.0" encoding="utf-8"?>
+<file path=ppt/slides/slide22.xml><?xml version="1.0" encoding="utf-8"?>
 <p:sld xmlns:a="http://schemas.openxmlformats.org/drawingml/2006/main" xmlns:r="http://schemas.openxmlformats.org/officeDocument/2006/relationships" xmlns:p="http://schemas.openxmlformats.org/presentationml/2006/main">
   <p:cSld>
     <p:spTree>
       <p:nvGrpSpPr>
-        <p:cNvPr id="1" name="">
-          <a:extLst>
-            <a:ext uri="{FF2B5EF4-FFF2-40B4-BE49-F238E27FC236}">
-              <a16:creationId xmlns:a16="http://schemas.microsoft.com/office/drawing/2014/main" id="{376BAFF5-86DA-E2B8-6FFA-1808A42C7525}"/>
-            </a:ext>
-          </a:extLst>
-        </p:cNvPr>
+        <p:cNvPr id="1" name=""/>
         <p:cNvGrpSpPr/>
         <p:nvPr/>
       </p:nvGrpSpPr>
@@ -11181,7 +13609,7 @@
           <p:cNvPr id="2" name="Title 1">
             <a:extLst>
               <a:ext uri="{FF2B5EF4-FFF2-40B4-BE49-F238E27FC236}">
-                <a16:creationId xmlns:a16="http://schemas.microsoft.com/office/drawing/2014/main" id="{A28A4435-41D1-837B-ADB5-FFA456FE52BE}"/>
+                <a16:creationId xmlns:a16="http://schemas.microsoft.com/office/drawing/2014/main" id="{B17419AC-DCE6-4371-8DE2-D617E99D653D}"/>
               </a:ext>
             </a:extLst>
           </p:cNvPr>
@@ -11192,12 +13620,7 @@
             <p:ph type="title"/>
           </p:nvPr>
         </p:nvSpPr>
-        <p:spPr>
-          <a:xfrm>
-            <a:off x="838199" y="365125"/>
-            <a:ext cx="10780059" cy="1325563"/>
-          </a:xfrm>
-        </p:spPr>
+        <p:spPr/>
         <p:txBody>
           <a:bodyPr/>
           <a:lstStyle/>
@@ -11208,17 +13631,2635 @@
                   <a:srgbClr val="C00000"/>
                 </a:solidFill>
               </a:rPr>
-              <a:t>Relevant Supplementary Material</a:t>
+              <a:t>Mechanisms: Exponential vs. Laplace</a:t>
+            </a:r>
+          </a:p>
+        </p:txBody>
+      </p:sp>
+      <mc:AlternateContent xmlns:mc="http://schemas.openxmlformats.org/markup-compatibility/2006">
+        <mc:Choice xmlns:a14="http://schemas.microsoft.com/office/drawing/2010/main" Requires="a14">
+          <p:sp>
+            <p:nvSpPr>
+              <p:cNvPr id="5" name="Content Placeholder 3">
+                <a:extLst>
+                  <a:ext uri="{FF2B5EF4-FFF2-40B4-BE49-F238E27FC236}">
+                    <a16:creationId xmlns:a16="http://schemas.microsoft.com/office/drawing/2014/main" id="{46EDD9D9-1338-4BC5-9D28-964A84C143C2}"/>
+                  </a:ext>
+                </a:extLst>
+              </p:cNvPr>
+              <p:cNvSpPr>
+                <a:spLocks noGrp="1"/>
+              </p:cNvSpPr>
+              <p:nvPr>
+                <p:ph idx="1"/>
+              </p:nvPr>
+            </p:nvSpPr>
+            <p:spPr>
+              <a:xfrm>
+                <a:off x="838200" y="1825624"/>
+                <a:ext cx="10242755" cy="4342094"/>
+              </a:xfrm>
+            </p:spPr>
+            <p:txBody>
+              <a:bodyPr>
+                <a:noAutofit/>
+              </a:bodyPr>
+              <a:lstStyle/>
+              <a:p>
+                <a:pPr>
+                  <a:buClr>
+                    <a:schemeClr val="tx1"/>
+                  </a:buClr>
+                </a:pPr>
+                <a:r>
+                  <a:rPr lang="en-US" sz="3200" dirty="0"/>
+                  <a:t>Consider a query with sensitivity </a:t>
+                </a:r>
+                <a14:m>
+                  <m:oMath xmlns:m="http://schemas.openxmlformats.org/officeDocument/2006/math">
+                    <m:sSub>
+                      <m:sSubPr>
+                        <m:ctrlPr>
+                          <a:rPr lang="en-US" sz="3200" i="1" smtClean="0">
+                            <a:solidFill>
+                              <a:srgbClr val="C00000"/>
+                            </a:solidFill>
+                            <a:latin typeface="Cambria Math" panose="02040503050406030204" pitchFamily="18" charset="0"/>
+                          </a:rPr>
+                        </m:ctrlPr>
+                      </m:sSubPr>
+                      <m:e>
+                        <m:r>
+                          <a:rPr lang="en-US" sz="3200" i="1">
+                            <a:solidFill>
+                              <a:srgbClr val="C00000"/>
+                            </a:solidFill>
+                            <a:latin typeface="Cambria Math" panose="02040503050406030204" pitchFamily="18" charset="0"/>
+                          </a:rPr>
+                          <m:t>𝜎</m:t>
+                        </m:r>
+                      </m:e>
+                      <m:sub>
+                        <m:r>
+                          <a:rPr lang="en-US" sz="3200" i="1">
+                            <a:solidFill>
+                              <a:srgbClr val="C00000"/>
+                            </a:solidFill>
+                            <a:latin typeface="Cambria Math" panose="02040503050406030204" pitchFamily="18" charset="0"/>
+                          </a:rPr>
+                          <m:t>𝑓</m:t>
+                        </m:r>
+                      </m:sub>
+                    </m:sSub>
+                  </m:oMath>
+                </a14:m>
+                <a:endParaRPr lang="en-US" sz="3200" dirty="0"/>
+              </a:p>
+              <a:p>
+                <a:pPr>
+                  <a:buClr>
+                    <a:schemeClr val="tx1"/>
+                  </a:buClr>
+                </a:pPr>
+                <a:r>
+                  <a:rPr lang="en-US" sz="3200" dirty="0"/>
+                  <a:t>Suppose the “answer” for dataset </a:t>
+                </a:r>
+                <a14:m>
+                  <m:oMath xmlns:m="http://schemas.openxmlformats.org/officeDocument/2006/math">
+                    <m:r>
+                      <a:rPr lang="en-US" sz="3200" i="1" smtClean="0">
+                        <a:solidFill>
+                          <a:srgbClr val="C00000"/>
+                        </a:solidFill>
+                        <a:latin typeface="Cambria Math" panose="02040503050406030204" pitchFamily="18" charset="0"/>
+                      </a:rPr>
+                      <m:t>𝐷</m:t>
+                    </m:r>
+                  </m:oMath>
+                </a14:m>
+                <a:r>
+                  <a:rPr lang="en-US" sz="3200" dirty="0">
+                    <a:solidFill>
+                      <a:srgbClr val="C00000"/>
+                    </a:solidFill>
+                    <a:latin typeface="Cambria Math" panose="02040503050406030204" pitchFamily="18" charset="0"/>
+                  </a:rPr>
+                  <a:t> </a:t>
+                </a:r>
+                <a:r>
+                  <a:rPr lang="en-US" sz="3200" dirty="0"/>
+                  <a:t>is </a:t>
+                </a:r>
+                <a14:m>
+                  <m:oMath xmlns:m="http://schemas.openxmlformats.org/officeDocument/2006/math">
+                    <m:r>
+                      <a:rPr lang="en-US" sz="3200" b="0" i="1" smtClean="0">
+                        <a:solidFill>
+                          <a:srgbClr val="C00000"/>
+                        </a:solidFill>
+                        <a:latin typeface="Cambria Math" panose="02040503050406030204" pitchFamily="18" charset="0"/>
+                      </a:rPr>
+                      <m:t>𝑧</m:t>
+                    </m:r>
+                  </m:oMath>
+                </a14:m>
+                <a:r>
+                  <a:rPr lang="en-US" sz="3200" dirty="0"/>
+                  <a:t> and the “answer” for dataset </a:t>
+                </a:r>
+                <a14:m>
+                  <m:oMath xmlns:m="http://schemas.openxmlformats.org/officeDocument/2006/math">
+                    <m:r>
+                      <a:rPr lang="en-US" sz="3200" i="1">
+                        <a:solidFill>
+                          <a:srgbClr val="C00000"/>
+                        </a:solidFill>
+                        <a:latin typeface="Cambria Math" panose="02040503050406030204" pitchFamily="18" charset="0"/>
+                      </a:rPr>
+                      <m:t>𝐷</m:t>
+                    </m:r>
+                  </m:oMath>
+                </a14:m>
+                <a:r>
+                  <a:rPr lang="en-US" sz="3200" dirty="0">
+                    <a:solidFill>
+                      <a:srgbClr val="C00000"/>
+                    </a:solidFill>
+                    <a:latin typeface="Cambria Math" panose="02040503050406030204" pitchFamily="18" charset="0"/>
+                  </a:rPr>
+                  <a:t> </a:t>
+                </a:r>
+                <a:r>
+                  <a:rPr lang="en-US" sz="3200" dirty="0"/>
+                  <a:t>is </a:t>
+                </a:r>
+                <a14:m>
+                  <m:oMath xmlns:m="http://schemas.openxmlformats.org/officeDocument/2006/math">
+                    <m:r>
+                      <a:rPr lang="en-US" sz="3200" i="1">
+                        <a:solidFill>
+                          <a:srgbClr val="C00000"/>
+                        </a:solidFill>
+                        <a:latin typeface="Cambria Math" panose="02040503050406030204" pitchFamily="18" charset="0"/>
+                      </a:rPr>
+                      <m:t>𝑧</m:t>
+                    </m:r>
+                    <m:r>
+                      <a:rPr lang="en-US" sz="3200" b="0" i="1" smtClean="0">
+                        <a:solidFill>
+                          <a:srgbClr val="C00000"/>
+                        </a:solidFill>
+                        <a:latin typeface="Cambria Math" panose="02040503050406030204" pitchFamily="18" charset="0"/>
+                      </a:rPr>
+                      <m:t>′</m:t>
+                    </m:r>
+                  </m:oMath>
+                </a14:m>
+                <a:endParaRPr lang="en-US" sz="3200" i="1" dirty="0">
+                  <a:solidFill>
+                    <a:srgbClr val="C00000"/>
+                  </a:solidFill>
+                  <a:latin typeface="Cambria Math" panose="02040503050406030204" pitchFamily="18" charset="0"/>
+                </a:endParaRPr>
+              </a:p>
+              <a:p>
+                <a:pPr>
+                  <a:buClr>
+                    <a:schemeClr val="tx1"/>
+                  </a:buClr>
+                </a:pPr>
+                <a:r>
+                  <a:rPr lang="en-US" sz="3200" dirty="0"/>
+                  <a:t>Let </a:t>
+                </a:r>
+                <a14:m>
+                  <m:oMath xmlns:m="http://schemas.openxmlformats.org/officeDocument/2006/math">
+                    <m:r>
+                      <a:rPr lang="en-US" sz="3200" b="0" i="1" smtClean="0">
+                        <a:solidFill>
+                          <a:srgbClr val="C00000"/>
+                        </a:solidFill>
+                        <a:latin typeface="Cambria Math" panose="02040503050406030204" pitchFamily="18" charset="0"/>
+                      </a:rPr>
+                      <m:t>𝑦</m:t>
+                    </m:r>
+                    <m:r>
+                      <a:rPr lang="en-US" sz="3200" b="0" i="0" smtClean="0">
+                        <a:solidFill>
+                          <a:srgbClr val="C00000"/>
+                        </a:solidFill>
+                        <a:latin typeface="Cambria Math" panose="02040503050406030204" pitchFamily="18" charset="0"/>
+                      </a:rPr>
+                      <m:t>=</m:t>
+                    </m:r>
+                    <m:r>
+                      <a:rPr lang="en-US" sz="3200" b="0" i="1" smtClean="0">
+                        <a:solidFill>
+                          <a:srgbClr val="C00000"/>
+                        </a:solidFill>
+                        <a:latin typeface="Cambria Math" panose="02040503050406030204" pitchFamily="18" charset="0"/>
+                      </a:rPr>
+                      <m:t>𝑧</m:t>
+                    </m:r>
+                    <m:r>
+                      <a:rPr lang="en-US" sz="3200" b="0" i="1" smtClean="0">
+                        <a:solidFill>
+                          <a:srgbClr val="C00000"/>
+                        </a:solidFill>
+                        <a:latin typeface="Cambria Math" panose="02040503050406030204" pitchFamily="18" charset="0"/>
+                      </a:rPr>
+                      <m:t>+</m:t>
+                    </m:r>
+                    <m:r>
+                      <m:rPr>
+                        <m:sty m:val="p"/>
+                      </m:rPr>
+                      <a:rPr lang="en-US" sz="3200" b="0" i="0" smtClean="0">
+                        <a:solidFill>
+                          <a:srgbClr val="C00000"/>
+                        </a:solidFill>
+                        <a:latin typeface="Cambria Math" panose="02040503050406030204" pitchFamily="18" charset="0"/>
+                      </a:rPr>
+                      <m:t>Lap</m:t>
+                    </m:r>
+                    <m:d>
+                      <m:dPr>
+                        <m:ctrlPr>
+                          <a:rPr lang="en-US" sz="3200" b="0" i="1" smtClean="0">
+                            <a:solidFill>
+                              <a:srgbClr val="C00000"/>
+                            </a:solidFill>
+                            <a:latin typeface="Cambria Math" panose="02040503050406030204" pitchFamily="18" charset="0"/>
+                          </a:rPr>
+                        </m:ctrlPr>
+                      </m:dPr>
+                      <m:e>
+                        <m:f>
+                          <m:fPr>
+                            <m:ctrlPr>
+                              <a:rPr lang="en-US" sz="3200" b="0" i="1" smtClean="0">
+                                <a:solidFill>
+                                  <a:srgbClr val="C00000"/>
+                                </a:solidFill>
+                                <a:latin typeface="Cambria Math" panose="02040503050406030204" pitchFamily="18" charset="0"/>
+                              </a:rPr>
+                            </m:ctrlPr>
+                          </m:fPr>
+                          <m:num>
+                            <m:sSub>
+                              <m:sSubPr>
+                                <m:ctrlPr>
+                                  <a:rPr lang="en-US" sz="3200" b="0" i="1" smtClean="0">
+                                    <a:solidFill>
+                                      <a:srgbClr val="C00000"/>
+                                    </a:solidFill>
+                                    <a:latin typeface="Cambria Math" panose="02040503050406030204" pitchFamily="18" charset="0"/>
+                                  </a:rPr>
+                                </m:ctrlPr>
+                              </m:sSubPr>
+                              <m:e>
+                                <m:r>
+                                  <a:rPr lang="en-US" sz="3200" b="0" i="1" smtClean="0">
+                                    <a:solidFill>
+                                      <a:srgbClr val="C00000"/>
+                                    </a:solidFill>
+                                    <a:latin typeface="Cambria Math" panose="02040503050406030204" pitchFamily="18" charset="0"/>
+                                  </a:rPr>
+                                  <m:t>𝜎</m:t>
+                                </m:r>
+                              </m:e>
+                              <m:sub>
+                                <m:r>
+                                  <a:rPr lang="en-US" sz="3200" b="0" i="1" smtClean="0">
+                                    <a:solidFill>
+                                      <a:srgbClr val="C00000"/>
+                                    </a:solidFill>
+                                    <a:latin typeface="Cambria Math" panose="02040503050406030204" pitchFamily="18" charset="0"/>
+                                  </a:rPr>
+                                  <m:t>𝑓</m:t>
+                                </m:r>
+                              </m:sub>
+                            </m:sSub>
+                          </m:num>
+                          <m:den>
+                            <m:r>
+                              <a:rPr lang="en-US" sz="3200" b="0" i="1" smtClean="0">
+                                <a:solidFill>
+                                  <a:srgbClr val="C00000"/>
+                                </a:solidFill>
+                                <a:latin typeface="Cambria Math" panose="02040503050406030204" pitchFamily="18" charset="0"/>
+                              </a:rPr>
+                              <m:t>𝜀</m:t>
+                            </m:r>
+                          </m:den>
+                        </m:f>
+                      </m:e>
+                    </m:d>
+                  </m:oMath>
+                </a14:m>
+                <a:endParaRPr lang="en-US" sz="3200" dirty="0"/>
+              </a:p>
+              <a:p>
+                <a:pPr>
+                  <a:buClr>
+                    <a:schemeClr val="tx1"/>
+                  </a:buClr>
+                </a:pPr>
+                <a14:m>
+                  <m:oMath xmlns:m="http://schemas.openxmlformats.org/officeDocument/2006/math">
+                    <m:r>
+                      <a:rPr lang="en-US" sz="3200" b="0" i="1" smtClean="0">
+                        <a:solidFill>
+                          <a:srgbClr val="C00000"/>
+                        </a:solidFill>
+                        <a:latin typeface="Cambria Math" panose="02040503050406030204" pitchFamily="18" charset="0"/>
+                      </a:rPr>
+                      <m:t>𝑝</m:t>
+                    </m:r>
+                    <m:d>
+                      <m:dPr>
+                        <m:ctrlPr>
+                          <a:rPr lang="en-US" sz="3200" b="0" i="1" smtClean="0">
+                            <a:solidFill>
+                              <a:srgbClr val="C00000"/>
+                            </a:solidFill>
+                            <a:latin typeface="Cambria Math" panose="02040503050406030204" pitchFamily="18" charset="0"/>
+                          </a:rPr>
+                        </m:ctrlPr>
+                      </m:dPr>
+                      <m:e>
+                        <m:r>
+                          <a:rPr lang="en-US" sz="3200" b="0" i="1" smtClean="0">
+                            <a:solidFill>
+                              <a:srgbClr val="C00000"/>
+                            </a:solidFill>
+                            <a:latin typeface="Cambria Math" panose="02040503050406030204" pitchFamily="18" charset="0"/>
+                          </a:rPr>
+                          <m:t>𝑥</m:t>
+                        </m:r>
+                      </m:e>
+                    </m:d>
+                    <m:r>
+                      <a:rPr lang="en-US" sz="3200" b="0" i="1" smtClean="0">
+                        <a:solidFill>
+                          <a:srgbClr val="C00000"/>
+                        </a:solidFill>
+                        <a:latin typeface="Cambria Math" panose="02040503050406030204" pitchFamily="18" charset="0"/>
+                      </a:rPr>
+                      <m:t>=</m:t>
+                    </m:r>
+                    <m:f>
+                      <m:fPr>
+                        <m:ctrlPr>
+                          <a:rPr lang="en-US" sz="3200" b="0" i="1" smtClean="0">
+                            <a:solidFill>
+                              <a:srgbClr val="C00000"/>
+                            </a:solidFill>
+                            <a:latin typeface="Cambria Math" panose="02040503050406030204" pitchFamily="18" charset="0"/>
+                          </a:rPr>
+                        </m:ctrlPr>
+                      </m:fPr>
+                      <m:num>
+                        <m:r>
+                          <a:rPr lang="en-US" sz="3200" b="0" i="1" smtClean="0">
+                            <a:solidFill>
+                              <a:srgbClr val="C00000"/>
+                            </a:solidFill>
+                            <a:latin typeface="Cambria Math" panose="02040503050406030204" pitchFamily="18" charset="0"/>
+                          </a:rPr>
+                          <m:t>𝜀</m:t>
+                        </m:r>
+                      </m:num>
+                      <m:den>
+                        <m:r>
+                          <a:rPr lang="en-US" sz="3200" b="0" i="1" smtClean="0">
+                            <a:solidFill>
+                              <a:srgbClr val="C00000"/>
+                            </a:solidFill>
+                            <a:latin typeface="Cambria Math" panose="02040503050406030204" pitchFamily="18" charset="0"/>
+                          </a:rPr>
+                          <m:t>2</m:t>
+                        </m:r>
+                        <m:sSub>
+                          <m:sSubPr>
+                            <m:ctrlPr>
+                              <a:rPr lang="en-US" sz="3200" i="1">
+                                <a:solidFill>
+                                  <a:srgbClr val="C00000"/>
+                                </a:solidFill>
+                                <a:latin typeface="Cambria Math" panose="02040503050406030204" pitchFamily="18" charset="0"/>
+                              </a:rPr>
+                            </m:ctrlPr>
+                          </m:sSubPr>
+                          <m:e>
+                            <m:r>
+                              <a:rPr lang="en-US" sz="3200" i="1">
+                                <a:solidFill>
+                                  <a:srgbClr val="C00000"/>
+                                </a:solidFill>
+                                <a:latin typeface="Cambria Math" panose="02040503050406030204" pitchFamily="18" charset="0"/>
+                              </a:rPr>
+                              <m:t>𝜎</m:t>
+                            </m:r>
+                          </m:e>
+                          <m:sub>
+                            <m:r>
+                              <a:rPr lang="en-US" sz="3200" i="1">
+                                <a:solidFill>
+                                  <a:srgbClr val="C00000"/>
+                                </a:solidFill>
+                                <a:latin typeface="Cambria Math" panose="02040503050406030204" pitchFamily="18" charset="0"/>
+                              </a:rPr>
+                              <m:t>𝑓</m:t>
+                            </m:r>
+                          </m:sub>
+                        </m:sSub>
+                      </m:den>
+                    </m:f>
+                    <m:r>
+                      <m:rPr>
+                        <m:sty m:val="p"/>
+                      </m:rPr>
+                      <a:rPr lang="en-US" sz="3200" b="0" i="0" smtClean="0">
+                        <a:solidFill>
+                          <a:srgbClr val="C00000"/>
+                        </a:solidFill>
+                        <a:latin typeface="Cambria Math" panose="02040503050406030204" pitchFamily="18" charset="0"/>
+                      </a:rPr>
+                      <m:t>exp</m:t>
+                    </m:r>
+                    <m:d>
+                      <m:dPr>
+                        <m:ctrlPr>
+                          <a:rPr lang="en-US" sz="3200" b="0" i="1" smtClean="0">
+                            <a:solidFill>
+                              <a:srgbClr val="C00000"/>
+                            </a:solidFill>
+                            <a:latin typeface="Cambria Math" panose="02040503050406030204" pitchFamily="18" charset="0"/>
+                          </a:rPr>
+                        </m:ctrlPr>
+                      </m:dPr>
+                      <m:e>
+                        <m:r>
+                          <a:rPr lang="en-US" sz="3200" b="0" i="1" smtClean="0">
+                            <a:solidFill>
+                              <a:srgbClr val="C00000"/>
+                            </a:solidFill>
+                            <a:latin typeface="Cambria Math" panose="02040503050406030204" pitchFamily="18" charset="0"/>
+                          </a:rPr>
+                          <m:t>−</m:t>
+                        </m:r>
+                        <m:f>
+                          <m:fPr>
+                            <m:ctrlPr>
+                              <a:rPr lang="en-US" sz="3200" b="0" i="1" smtClean="0">
+                                <a:solidFill>
+                                  <a:srgbClr val="C00000"/>
+                                </a:solidFill>
+                                <a:latin typeface="Cambria Math" panose="02040503050406030204" pitchFamily="18" charset="0"/>
+                              </a:rPr>
+                            </m:ctrlPr>
+                          </m:fPr>
+                          <m:num>
+                            <m:r>
+                              <a:rPr lang="en-US" sz="3200" b="0" i="1" smtClean="0">
+                                <a:solidFill>
+                                  <a:srgbClr val="C00000"/>
+                                </a:solidFill>
+                                <a:latin typeface="Cambria Math" panose="02040503050406030204" pitchFamily="18" charset="0"/>
+                              </a:rPr>
+                              <m:t>𝜀</m:t>
+                            </m:r>
+                            <m:d>
+                              <m:dPr>
+                                <m:begChr m:val="|"/>
+                                <m:endChr m:val="|"/>
+                                <m:ctrlPr>
+                                  <a:rPr lang="en-US" sz="3200" b="0" i="1" smtClean="0">
+                                    <a:solidFill>
+                                      <a:srgbClr val="C00000"/>
+                                    </a:solidFill>
+                                    <a:latin typeface="Cambria Math" panose="02040503050406030204" pitchFamily="18" charset="0"/>
+                                  </a:rPr>
+                                </m:ctrlPr>
+                              </m:dPr>
+                              <m:e>
+                                <m:r>
+                                  <a:rPr lang="en-US" sz="3200" b="0" i="1" smtClean="0">
+                                    <a:solidFill>
+                                      <a:srgbClr val="C00000"/>
+                                    </a:solidFill>
+                                    <a:latin typeface="Cambria Math" panose="02040503050406030204" pitchFamily="18" charset="0"/>
+                                  </a:rPr>
+                                  <m:t>𝑥</m:t>
+                                </m:r>
+                              </m:e>
+                            </m:d>
+                          </m:num>
+                          <m:den>
+                            <m:sSub>
+                              <m:sSubPr>
+                                <m:ctrlPr>
+                                  <a:rPr lang="en-US" sz="3200" i="1">
+                                    <a:solidFill>
+                                      <a:srgbClr val="C00000"/>
+                                    </a:solidFill>
+                                    <a:latin typeface="Cambria Math" panose="02040503050406030204" pitchFamily="18" charset="0"/>
+                                  </a:rPr>
+                                </m:ctrlPr>
+                              </m:sSubPr>
+                              <m:e>
+                                <m:r>
+                                  <a:rPr lang="en-US" sz="3200" i="1">
+                                    <a:solidFill>
+                                      <a:srgbClr val="C00000"/>
+                                    </a:solidFill>
+                                    <a:latin typeface="Cambria Math" panose="02040503050406030204" pitchFamily="18" charset="0"/>
+                                  </a:rPr>
+                                  <m:t>𝜎</m:t>
+                                </m:r>
+                              </m:e>
+                              <m:sub>
+                                <m:r>
+                                  <a:rPr lang="en-US" sz="3200" i="1">
+                                    <a:solidFill>
+                                      <a:srgbClr val="C00000"/>
+                                    </a:solidFill>
+                                    <a:latin typeface="Cambria Math" panose="02040503050406030204" pitchFamily="18" charset="0"/>
+                                  </a:rPr>
+                                  <m:t>𝑓</m:t>
+                                </m:r>
+                              </m:sub>
+                            </m:sSub>
+                          </m:den>
+                        </m:f>
+                      </m:e>
+                    </m:d>
+                    <m:r>
+                      <a:rPr lang="en-US" sz="3200" b="0" i="0" smtClean="0">
+                        <a:solidFill>
+                          <a:srgbClr val="C00000"/>
+                        </a:solidFill>
+                        <a:latin typeface="Cambria Math" panose="02040503050406030204" pitchFamily="18" charset="0"/>
+                      </a:rPr>
+                      <m:t>=</m:t>
+                    </m:r>
+                    <m:f>
+                      <m:fPr>
+                        <m:ctrlPr>
+                          <a:rPr lang="en-US" sz="3200" b="0" i="1" smtClean="0">
+                            <a:solidFill>
+                              <a:srgbClr val="C00000"/>
+                            </a:solidFill>
+                            <a:latin typeface="Cambria Math" panose="02040503050406030204" pitchFamily="18" charset="0"/>
+                          </a:rPr>
+                        </m:ctrlPr>
+                      </m:fPr>
+                      <m:num>
+                        <m:r>
+                          <a:rPr lang="en-US" sz="3200" b="0" i="1" smtClean="0">
+                            <a:solidFill>
+                              <a:srgbClr val="C00000"/>
+                            </a:solidFill>
+                            <a:latin typeface="Cambria Math" panose="02040503050406030204" pitchFamily="18" charset="0"/>
+                          </a:rPr>
+                          <m:t>𝜀</m:t>
+                        </m:r>
+                      </m:num>
+                      <m:den>
+                        <m:r>
+                          <a:rPr lang="en-US" sz="3200" b="0" i="1" smtClean="0">
+                            <a:solidFill>
+                              <a:srgbClr val="C00000"/>
+                            </a:solidFill>
+                            <a:latin typeface="Cambria Math" panose="02040503050406030204" pitchFamily="18" charset="0"/>
+                          </a:rPr>
+                          <m:t>2</m:t>
+                        </m:r>
+                        <m:sSub>
+                          <m:sSubPr>
+                            <m:ctrlPr>
+                              <a:rPr lang="en-US" sz="3200" i="1">
+                                <a:solidFill>
+                                  <a:srgbClr val="C00000"/>
+                                </a:solidFill>
+                                <a:latin typeface="Cambria Math" panose="02040503050406030204" pitchFamily="18" charset="0"/>
+                              </a:rPr>
+                            </m:ctrlPr>
+                          </m:sSubPr>
+                          <m:e>
+                            <m:r>
+                              <a:rPr lang="en-US" sz="3200" i="1">
+                                <a:solidFill>
+                                  <a:srgbClr val="C00000"/>
+                                </a:solidFill>
+                                <a:latin typeface="Cambria Math" panose="02040503050406030204" pitchFamily="18" charset="0"/>
+                              </a:rPr>
+                              <m:t>𝜎</m:t>
+                            </m:r>
+                          </m:e>
+                          <m:sub>
+                            <m:r>
+                              <a:rPr lang="en-US" sz="3200" i="1">
+                                <a:solidFill>
+                                  <a:srgbClr val="C00000"/>
+                                </a:solidFill>
+                                <a:latin typeface="Cambria Math" panose="02040503050406030204" pitchFamily="18" charset="0"/>
+                              </a:rPr>
+                              <m:t>𝑓</m:t>
+                            </m:r>
+                          </m:sub>
+                        </m:sSub>
+                      </m:den>
+                    </m:f>
+                    <m:sSup>
+                      <m:sSupPr>
+                        <m:ctrlPr>
+                          <a:rPr lang="en-US" sz="3200" b="0" i="1" smtClean="0">
+                            <a:solidFill>
+                              <a:srgbClr val="C00000"/>
+                            </a:solidFill>
+                            <a:latin typeface="Cambria Math" panose="02040503050406030204" pitchFamily="18" charset="0"/>
+                          </a:rPr>
+                        </m:ctrlPr>
+                      </m:sSupPr>
+                      <m:e>
+                        <m:r>
+                          <a:rPr lang="en-US" sz="3200" b="0" i="1" smtClean="0">
+                            <a:solidFill>
+                              <a:srgbClr val="C00000"/>
+                            </a:solidFill>
+                            <a:latin typeface="Cambria Math" panose="02040503050406030204" pitchFamily="18" charset="0"/>
+                          </a:rPr>
+                          <m:t>𝑒</m:t>
+                        </m:r>
+                      </m:e>
+                      <m:sup>
+                        <m:d>
+                          <m:dPr>
+                            <m:ctrlPr>
+                              <a:rPr lang="en-US" sz="3200" b="0" i="1" smtClean="0">
+                                <a:solidFill>
+                                  <a:srgbClr val="C00000"/>
+                                </a:solidFill>
+                                <a:latin typeface="Cambria Math" panose="02040503050406030204" pitchFamily="18" charset="0"/>
+                              </a:rPr>
+                            </m:ctrlPr>
+                          </m:dPr>
+                          <m:e>
+                            <m:r>
+                              <a:rPr lang="en-US" sz="3200" b="0" i="1" smtClean="0">
+                                <a:solidFill>
+                                  <a:srgbClr val="C00000"/>
+                                </a:solidFill>
+                                <a:latin typeface="Cambria Math" panose="02040503050406030204" pitchFamily="18" charset="0"/>
+                              </a:rPr>
+                              <m:t>−</m:t>
+                            </m:r>
+                            <m:f>
+                              <m:fPr>
+                                <m:ctrlPr>
+                                  <a:rPr lang="en-US" sz="3200" b="0" i="1" smtClean="0">
+                                    <a:solidFill>
+                                      <a:srgbClr val="C00000"/>
+                                    </a:solidFill>
+                                    <a:latin typeface="Cambria Math" panose="02040503050406030204" pitchFamily="18" charset="0"/>
+                                  </a:rPr>
+                                </m:ctrlPr>
+                              </m:fPr>
+                              <m:num>
+                                <m:r>
+                                  <a:rPr lang="en-US" sz="3200" b="0" i="1" smtClean="0">
+                                    <a:solidFill>
+                                      <a:srgbClr val="C00000"/>
+                                    </a:solidFill>
+                                    <a:latin typeface="Cambria Math" panose="02040503050406030204" pitchFamily="18" charset="0"/>
+                                  </a:rPr>
+                                  <m:t>𝜀</m:t>
+                                </m:r>
+                                <m:d>
+                                  <m:dPr>
+                                    <m:begChr m:val="|"/>
+                                    <m:endChr m:val="|"/>
+                                    <m:ctrlPr>
+                                      <a:rPr lang="en-US" sz="3200" b="0" i="1" smtClean="0">
+                                        <a:solidFill>
+                                          <a:srgbClr val="C00000"/>
+                                        </a:solidFill>
+                                        <a:latin typeface="Cambria Math" panose="02040503050406030204" pitchFamily="18" charset="0"/>
+                                      </a:rPr>
+                                    </m:ctrlPr>
+                                  </m:dPr>
+                                  <m:e>
+                                    <m:r>
+                                      <a:rPr lang="en-US" sz="3200" b="0" i="1" smtClean="0">
+                                        <a:solidFill>
+                                          <a:srgbClr val="C00000"/>
+                                        </a:solidFill>
+                                        <a:latin typeface="Cambria Math" panose="02040503050406030204" pitchFamily="18" charset="0"/>
+                                      </a:rPr>
+                                      <m:t>𝑥</m:t>
+                                    </m:r>
+                                  </m:e>
+                                </m:d>
+                              </m:num>
+                              <m:den>
+                                <m:sSub>
+                                  <m:sSubPr>
+                                    <m:ctrlPr>
+                                      <a:rPr lang="en-US" sz="3200" i="1">
+                                        <a:solidFill>
+                                          <a:srgbClr val="C00000"/>
+                                        </a:solidFill>
+                                        <a:latin typeface="Cambria Math" panose="02040503050406030204" pitchFamily="18" charset="0"/>
+                                      </a:rPr>
+                                    </m:ctrlPr>
+                                  </m:sSubPr>
+                                  <m:e>
+                                    <m:r>
+                                      <a:rPr lang="en-US" sz="3200" i="1">
+                                        <a:solidFill>
+                                          <a:srgbClr val="C00000"/>
+                                        </a:solidFill>
+                                        <a:latin typeface="Cambria Math" panose="02040503050406030204" pitchFamily="18" charset="0"/>
+                                      </a:rPr>
+                                      <m:t>𝜎</m:t>
+                                    </m:r>
+                                  </m:e>
+                                  <m:sub>
+                                    <m:r>
+                                      <a:rPr lang="en-US" sz="3200" i="1">
+                                        <a:solidFill>
+                                          <a:srgbClr val="C00000"/>
+                                        </a:solidFill>
+                                        <a:latin typeface="Cambria Math" panose="02040503050406030204" pitchFamily="18" charset="0"/>
+                                      </a:rPr>
+                                      <m:t>𝑓</m:t>
+                                    </m:r>
+                                  </m:sub>
+                                </m:sSub>
+                              </m:den>
+                            </m:f>
+                          </m:e>
+                        </m:d>
+                      </m:sup>
+                    </m:sSup>
+                  </m:oMath>
+                </a14:m>
+                <a:r>
+                  <a:rPr lang="en-US" sz="3200" dirty="0"/>
+                  <a:t> for a Laplace distribution with scale parameter </a:t>
+                </a:r>
+                <a14:m>
+                  <m:oMath xmlns:m="http://schemas.openxmlformats.org/officeDocument/2006/math">
+                    <m:f>
+                      <m:fPr>
+                        <m:ctrlPr>
+                          <a:rPr lang="en-US" sz="3200" b="0" i="1" smtClean="0">
+                            <a:solidFill>
+                              <a:srgbClr val="C00000"/>
+                            </a:solidFill>
+                            <a:latin typeface="Cambria Math" panose="02040503050406030204" pitchFamily="18" charset="0"/>
+                          </a:rPr>
+                        </m:ctrlPr>
+                      </m:fPr>
+                      <m:num>
+                        <m:sSub>
+                          <m:sSubPr>
+                            <m:ctrlPr>
+                              <a:rPr lang="en-US" sz="3200" i="1">
+                                <a:solidFill>
+                                  <a:srgbClr val="C00000"/>
+                                </a:solidFill>
+                                <a:latin typeface="Cambria Math" panose="02040503050406030204" pitchFamily="18" charset="0"/>
+                              </a:rPr>
+                            </m:ctrlPr>
+                          </m:sSubPr>
+                          <m:e>
+                            <m:r>
+                              <a:rPr lang="en-US" sz="3200" i="1">
+                                <a:solidFill>
+                                  <a:srgbClr val="C00000"/>
+                                </a:solidFill>
+                                <a:latin typeface="Cambria Math" panose="02040503050406030204" pitchFamily="18" charset="0"/>
+                              </a:rPr>
+                              <m:t>𝜎</m:t>
+                            </m:r>
+                          </m:e>
+                          <m:sub>
+                            <m:r>
+                              <a:rPr lang="en-US" sz="3200" i="1">
+                                <a:solidFill>
+                                  <a:srgbClr val="C00000"/>
+                                </a:solidFill>
+                                <a:latin typeface="Cambria Math" panose="02040503050406030204" pitchFamily="18" charset="0"/>
+                              </a:rPr>
+                              <m:t>𝑓</m:t>
+                            </m:r>
+                          </m:sub>
+                        </m:sSub>
+                      </m:num>
+                      <m:den>
+                        <m:r>
+                          <a:rPr lang="en-US" sz="3200" b="0" i="1" smtClean="0">
+                            <a:solidFill>
+                              <a:srgbClr val="C00000"/>
+                            </a:solidFill>
+                            <a:latin typeface="Cambria Math" panose="02040503050406030204" pitchFamily="18" charset="0"/>
+                          </a:rPr>
+                          <m:t>𝜀</m:t>
+                        </m:r>
+                      </m:den>
+                    </m:f>
+                  </m:oMath>
+                </a14:m>
+                <a:endParaRPr lang="en-US" sz="3200" dirty="0"/>
+              </a:p>
+            </p:txBody>
+          </p:sp>
+        </mc:Choice>
+        <mc:Fallback>
+          <p:sp>
+            <p:nvSpPr>
+              <p:cNvPr id="5" name="Content Placeholder 3">
+                <a:extLst>
+                  <a:ext uri="{FF2B5EF4-FFF2-40B4-BE49-F238E27FC236}">
+                    <a16:creationId xmlns:a16="http://schemas.microsoft.com/office/drawing/2014/main" id="{46EDD9D9-1338-4BC5-9D28-964A84C143C2}"/>
+                  </a:ext>
+                </a:extLst>
+              </p:cNvPr>
+              <p:cNvSpPr>
+                <a:spLocks noGrp="1" noRot="1" noChangeAspect="1" noMove="1" noResize="1" noEditPoints="1" noAdjustHandles="1" noChangeArrowheads="1" noChangeShapeType="1" noTextEdit="1"/>
+              </p:cNvSpPr>
+              <p:nvPr>
+                <p:ph idx="1"/>
+              </p:nvPr>
+            </p:nvSpPr>
+            <p:spPr>
+              <a:xfrm>
+                <a:off x="838200" y="1825624"/>
+                <a:ext cx="10242755" cy="4342094"/>
+              </a:xfrm>
+              <a:blipFill>
+                <a:blip r:embed="rId3"/>
+                <a:stretch>
+                  <a:fillRect l="-1369" t="-2525"/>
+                </a:stretch>
+              </a:blipFill>
+            </p:spPr>
+            <p:txBody>
+              <a:bodyPr/>
+              <a:lstStyle/>
+              <a:p>
+                <a:r>
+                  <a:rPr lang="en-US">
+                    <a:noFill/>
+                  </a:rPr>
+                  <a:t> </a:t>
+                </a:r>
+              </a:p>
+            </p:txBody>
+          </p:sp>
+        </mc:Fallback>
+      </mc:AlternateContent>
+    </p:spTree>
+    <p:extLst>
+      <p:ext uri="{BB962C8B-B14F-4D97-AF65-F5344CB8AC3E}">
+        <p14:creationId xmlns:p14="http://schemas.microsoft.com/office/powerpoint/2010/main" val="3191427531"/>
+      </p:ext>
+    </p:extLst>
+  </p:cSld>
+  <p:clrMapOvr>
+    <a:masterClrMapping/>
+  </p:clrMapOvr>
+</p:sld>
+</file>
+
+<file path=ppt/slides/slide23.xml><?xml version="1.0" encoding="utf-8"?>
+<p:sld xmlns:a="http://schemas.openxmlformats.org/drawingml/2006/main" xmlns:r="http://schemas.openxmlformats.org/officeDocument/2006/relationships" xmlns:p="http://schemas.openxmlformats.org/presentationml/2006/main">
+  <p:cSld>
+    <p:spTree>
+      <p:nvGrpSpPr>
+        <p:cNvPr id="1" name=""/>
+        <p:cNvGrpSpPr/>
+        <p:nvPr/>
+      </p:nvGrpSpPr>
+      <p:grpSpPr>
+        <a:xfrm>
+          <a:off x="0" y="0"/>
+          <a:ext cx="0" cy="0"/>
+          <a:chOff x="0" y="0"/>
+          <a:chExt cx="0" cy="0"/>
+        </a:xfrm>
+      </p:grpSpPr>
+      <p:sp>
+        <p:nvSpPr>
+          <p:cNvPr id="2" name="Title 1">
+            <a:extLst>
+              <a:ext uri="{FF2B5EF4-FFF2-40B4-BE49-F238E27FC236}">
+                <a16:creationId xmlns:a16="http://schemas.microsoft.com/office/drawing/2014/main" id="{B17419AC-DCE6-4371-8DE2-D617E99D653D}"/>
+              </a:ext>
+            </a:extLst>
+          </p:cNvPr>
+          <p:cNvSpPr>
+            <a:spLocks noGrp="1"/>
+          </p:cNvSpPr>
+          <p:nvPr>
+            <p:ph type="title"/>
+          </p:nvPr>
+        </p:nvSpPr>
+        <p:spPr/>
+        <p:txBody>
+          <a:bodyPr/>
+          <a:lstStyle/>
+          <a:p>
+            <a:r>
+              <a:rPr lang="en-US" dirty="0">
+                <a:solidFill>
+                  <a:srgbClr val="C00000"/>
+                </a:solidFill>
+              </a:rPr>
+              <a:t>Mechanisms: Exponential vs. Laplace</a:t>
+            </a:r>
+          </a:p>
+        </p:txBody>
+      </p:sp>
+      <mc:AlternateContent xmlns:mc="http://schemas.openxmlformats.org/markup-compatibility/2006">
+        <mc:Choice xmlns:a14="http://schemas.microsoft.com/office/drawing/2010/main" Requires="a14">
+          <p:sp>
+            <p:nvSpPr>
+              <p:cNvPr id="5" name="Content Placeholder 3">
+                <a:extLst>
+                  <a:ext uri="{FF2B5EF4-FFF2-40B4-BE49-F238E27FC236}">
+                    <a16:creationId xmlns:a16="http://schemas.microsoft.com/office/drawing/2014/main" id="{46EDD9D9-1338-4BC5-9D28-964A84C143C2}"/>
+                  </a:ext>
+                </a:extLst>
+              </p:cNvPr>
+              <p:cNvSpPr>
+                <a:spLocks noGrp="1"/>
+              </p:cNvSpPr>
+              <p:nvPr>
+                <p:ph idx="1"/>
+              </p:nvPr>
+            </p:nvSpPr>
+            <p:spPr>
+              <a:xfrm>
+                <a:off x="838200" y="1825624"/>
+                <a:ext cx="10242755" cy="4342094"/>
+              </a:xfrm>
+            </p:spPr>
+            <p:txBody>
+              <a:bodyPr>
+                <a:noAutofit/>
+              </a:bodyPr>
+              <a:lstStyle/>
+              <a:p>
+                <a:pPr>
+                  <a:buClr>
+                    <a:schemeClr val="tx1"/>
+                  </a:buClr>
+                </a:pPr>
+                <a:r>
+                  <a:rPr lang="en-US" sz="3200" dirty="0">
+                    <a:solidFill>
+                      <a:srgbClr val="00B050"/>
+                    </a:solidFill>
+                  </a:rPr>
+                  <a:t>Laplace mechanism</a:t>
+                </a:r>
+                <a:r>
+                  <a:rPr lang="en-US" sz="3200" dirty="0"/>
+                  <a:t>: Output </a:t>
+                </a:r>
+                <a14:m>
+                  <m:oMath xmlns:m="http://schemas.openxmlformats.org/officeDocument/2006/math">
+                    <m:r>
+                      <a:rPr lang="en-US" sz="3200" b="0" i="1" smtClean="0">
+                        <a:solidFill>
+                          <a:srgbClr val="C00000"/>
+                        </a:solidFill>
+                        <a:latin typeface="Cambria Math" panose="02040503050406030204" pitchFamily="18" charset="0"/>
+                      </a:rPr>
+                      <m:t>𝑦</m:t>
+                    </m:r>
+                    <m:r>
+                      <a:rPr lang="en-US" sz="3200" b="0" i="0" smtClean="0">
+                        <a:solidFill>
+                          <a:srgbClr val="C00000"/>
+                        </a:solidFill>
+                        <a:latin typeface="Cambria Math" panose="02040503050406030204" pitchFamily="18" charset="0"/>
+                      </a:rPr>
+                      <m:t>=</m:t>
+                    </m:r>
+                    <m:r>
+                      <a:rPr lang="en-US" sz="3200" b="0" i="1" smtClean="0">
+                        <a:solidFill>
+                          <a:srgbClr val="C00000"/>
+                        </a:solidFill>
+                        <a:latin typeface="Cambria Math" panose="02040503050406030204" pitchFamily="18" charset="0"/>
+                      </a:rPr>
+                      <m:t>𝑧</m:t>
+                    </m:r>
+                    <m:r>
+                      <a:rPr lang="en-US" sz="3200" b="0" i="1" smtClean="0">
+                        <a:solidFill>
+                          <a:srgbClr val="C00000"/>
+                        </a:solidFill>
+                        <a:latin typeface="Cambria Math" panose="02040503050406030204" pitchFamily="18" charset="0"/>
+                      </a:rPr>
+                      <m:t>+</m:t>
+                    </m:r>
+                    <m:r>
+                      <a:rPr lang="en-US" sz="3200" b="0" i="1" smtClean="0">
+                        <a:solidFill>
+                          <a:srgbClr val="C00000"/>
+                        </a:solidFill>
+                        <a:latin typeface="Cambria Math" panose="02040503050406030204" pitchFamily="18" charset="0"/>
+                      </a:rPr>
+                      <m:t>𝑥</m:t>
+                    </m:r>
+                  </m:oMath>
+                </a14:m>
+                <a:r>
+                  <a:rPr lang="en-US" sz="3200" i="1" dirty="0">
+                    <a:solidFill>
+                      <a:srgbClr val="C00000"/>
+                    </a:solidFill>
+                    <a:latin typeface="Cambria Math" panose="02040503050406030204" pitchFamily="18" charset="0"/>
+                  </a:rPr>
+                  <a:t> </a:t>
+                </a:r>
+                <a:r>
+                  <a:rPr lang="en-US" sz="3200" dirty="0"/>
+                  <a:t>with probability proportional to </a:t>
+                </a:r>
+                <a14:m>
+                  <m:oMath xmlns:m="http://schemas.openxmlformats.org/officeDocument/2006/math">
+                    <m:f>
+                      <m:fPr>
+                        <m:ctrlPr>
+                          <a:rPr lang="en-US" sz="3200" b="0" i="1" smtClean="0">
+                            <a:solidFill>
+                              <a:srgbClr val="C00000"/>
+                            </a:solidFill>
+                            <a:latin typeface="Cambria Math" panose="02040503050406030204" pitchFamily="18" charset="0"/>
+                          </a:rPr>
+                        </m:ctrlPr>
+                      </m:fPr>
+                      <m:num>
+                        <m:r>
+                          <a:rPr lang="en-US" sz="3200" b="0" i="1" smtClean="0">
+                            <a:solidFill>
+                              <a:srgbClr val="C00000"/>
+                            </a:solidFill>
+                            <a:latin typeface="Cambria Math" panose="02040503050406030204" pitchFamily="18" charset="0"/>
+                          </a:rPr>
+                          <m:t>𝜀</m:t>
+                        </m:r>
+                      </m:num>
+                      <m:den>
+                        <m:r>
+                          <a:rPr lang="en-US" sz="3200" b="0" i="1" smtClean="0">
+                            <a:solidFill>
+                              <a:srgbClr val="C00000"/>
+                            </a:solidFill>
+                            <a:latin typeface="Cambria Math" panose="02040503050406030204" pitchFamily="18" charset="0"/>
+                          </a:rPr>
+                          <m:t>2</m:t>
+                        </m:r>
+                        <m:sSub>
+                          <m:sSubPr>
+                            <m:ctrlPr>
+                              <a:rPr lang="en-US" sz="3200" i="1">
+                                <a:solidFill>
+                                  <a:srgbClr val="C00000"/>
+                                </a:solidFill>
+                                <a:latin typeface="Cambria Math" panose="02040503050406030204" pitchFamily="18" charset="0"/>
+                              </a:rPr>
+                            </m:ctrlPr>
+                          </m:sSubPr>
+                          <m:e>
+                            <m:r>
+                              <a:rPr lang="en-US" sz="3200" i="1">
+                                <a:solidFill>
+                                  <a:srgbClr val="C00000"/>
+                                </a:solidFill>
+                                <a:latin typeface="Cambria Math" panose="02040503050406030204" pitchFamily="18" charset="0"/>
+                              </a:rPr>
+                              <m:t>𝜎</m:t>
+                            </m:r>
+                          </m:e>
+                          <m:sub>
+                            <m:r>
+                              <a:rPr lang="en-US" sz="3200" i="1">
+                                <a:solidFill>
+                                  <a:srgbClr val="C00000"/>
+                                </a:solidFill>
+                                <a:latin typeface="Cambria Math" panose="02040503050406030204" pitchFamily="18" charset="0"/>
+                              </a:rPr>
+                              <m:t>𝑓</m:t>
+                            </m:r>
+                          </m:sub>
+                        </m:sSub>
+                      </m:den>
+                    </m:f>
+                    <m:sSup>
+                      <m:sSupPr>
+                        <m:ctrlPr>
+                          <a:rPr lang="en-US" sz="3200" b="0" i="1" smtClean="0">
+                            <a:solidFill>
+                              <a:srgbClr val="C00000"/>
+                            </a:solidFill>
+                            <a:latin typeface="Cambria Math" panose="02040503050406030204" pitchFamily="18" charset="0"/>
+                          </a:rPr>
+                        </m:ctrlPr>
+                      </m:sSupPr>
+                      <m:e>
+                        <m:r>
+                          <a:rPr lang="en-US" sz="3200" b="0" i="1" smtClean="0">
+                            <a:solidFill>
+                              <a:srgbClr val="C00000"/>
+                            </a:solidFill>
+                            <a:latin typeface="Cambria Math" panose="02040503050406030204" pitchFamily="18" charset="0"/>
+                          </a:rPr>
+                          <m:t>𝑒</m:t>
+                        </m:r>
+                      </m:e>
+                      <m:sup>
+                        <m:d>
+                          <m:dPr>
+                            <m:ctrlPr>
+                              <a:rPr lang="en-US" sz="3200" b="0" i="1" smtClean="0">
+                                <a:solidFill>
+                                  <a:srgbClr val="C00000"/>
+                                </a:solidFill>
+                                <a:latin typeface="Cambria Math" panose="02040503050406030204" pitchFamily="18" charset="0"/>
+                              </a:rPr>
+                            </m:ctrlPr>
+                          </m:dPr>
+                          <m:e>
+                            <m:r>
+                              <a:rPr lang="en-US" sz="3200" b="0" i="1" smtClean="0">
+                                <a:solidFill>
+                                  <a:srgbClr val="C00000"/>
+                                </a:solidFill>
+                                <a:latin typeface="Cambria Math" panose="02040503050406030204" pitchFamily="18" charset="0"/>
+                              </a:rPr>
+                              <m:t>−</m:t>
+                            </m:r>
+                            <m:f>
+                              <m:fPr>
+                                <m:ctrlPr>
+                                  <a:rPr lang="en-US" sz="3200" b="0" i="1" smtClean="0">
+                                    <a:solidFill>
+                                      <a:srgbClr val="C00000"/>
+                                    </a:solidFill>
+                                    <a:latin typeface="Cambria Math" panose="02040503050406030204" pitchFamily="18" charset="0"/>
+                                  </a:rPr>
+                                </m:ctrlPr>
+                              </m:fPr>
+                              <m:num>
+                                <m:r>
+                                  <a:rPr lang="en-US" sz="3200" b="0" i="1" smtClean="0">
+                                    <a:solidFill>
+                                      <a:srgbClr val="C00000"/>
+                                    </a:solidFill>
+                                    <a:latin typeface="Cambria Math" panose="02040503050406030204" pitchFamily="18" charset="0"/>
+                                  </a:rPr>
+                                  <m:t>𝜀</m:t>
+                                </m:r>
+                                <m:d>
+                                  <m:dPr>
+                                    <m:begChr m:val="|"/>
+                                    <m:endChr m:val="|"/>
+                                    <m:ctrlPr>
+                                      <a:rPr lang="en-US" sz="3200" b="0" i="1" smtClean="0">
+                                        <a:solidFill>
+                                          <a:srgbClr val="C00000"/>
+                                        </a:solidFill>
+                                        <a:latin typeface="Cambria Math" panose="02040503050406030204" pitchFamily="18" charset="0"/>
+                                      </a:rPr>
+                                    </m:ctrlPr>
+                                  </m:dPr>
+                                  <m:e>
+                                    <m:r>
+                                      <a:rPr lang="en-US" sz="3200" b="0" i="1" smtClean="0">
+                                        <a:solidFill>
+                                          <a:srgbClr val="C00000"/>
+                                        </a:solidFill>
+                                        <a:latin typeface="Cambria Math" panose="02040503050406030204" pitchFamily="18" charset="0"/>
+                                      </a:rPr>
+                                      <m:t>𝑥</m:t>
+                                    </m:r>
+                                  </m:e>
+                                </m:d>
+                              </m:num>
+                              <m:den>
+                                <m:sSub>
+                                  <m:sSubPr>
+                                    <m:ctrlPr>
+                                      <a:rPr lang="en-US" sz="3200" i="1">
+                                        <a:solidFill>
+                                          <a:srgbClr val="C00000"/>
+                                        </a:solidFill>
+                                        <a:latin typeface="Cambria Math" panose="02040503050406030204" pitchFamily="18" charset="0"/>
+                                      </a:rPr>
+                                    </m:ctrlPr>
+                                  </m:sSubPr>
+                                  <m:e>
+                                    <m:r>
+                                      <a:rPr lang="en-US" sz="3200" i="1">
+                                        <a:solidFill>
+                                          <a:srgbClr val="C00000"/>
+                                        </a:solidFill>
+                                        <a:latin typeface="Cambria Math" panose="02040503050406030204" pitchFamily="18" charset="0"/>
+                                      </a:rPr>
+                                      <m:t>𝜎</m:t>
+                                    </m:r>
+                                  </m:e>
+                                  <m:sub>
+                                    <m:r>
+                                      <a:rPr lang="en-US" sz="3200" i="1">
+                                        <a:solidFill>
+                                          <a:srgbClr val="C00000"/>
+                                        </a:solidFill>
+                                        <a:latin typeface="Cambria Math" panose="02040503050406030204" pitchFamily="18" charset="0"/>
+                                      </a:rPr>
+                                      <m:t>𝑓</m:t>
+                                    </m:r>
+                                  </m:sub>
+                                </m:sSub>
+                              </m:den>
+                            </m:f>
+                          </m:e>
+                        </m:d>
+                      </m:sup>
+                    </m:sSup>
+                  </m:oMath>
+                </a14:m>
+                <a:endParaRPr lang="en-US" sz="3200" dirty="0"/>
+              </a:p>
+            </p:txBody>
+          </p:sp>
+        </mc:Choice>
+        <mc:Fallback>
+          <p:sp>
+            <p:nvSpPr>
+              <p:cNvPr id="5" name="Content Placeholder 3">
+                <a:extLst>
+                  <a:ext uri="{FF2B5EF4-FFF2-40B4-BE49-F238E27FC236}">
+                    <a16:creationId xmlns:a16="http://schemas.microsoft.com/office/drawing/2014/main" id="{46EDD9D9-1338-4BC5-9D28-964A84C143C2}"/>
+                  </a:ext>
+                </a:extLst>
+              </p:cNvPr>
+              <p:cNvSpPr>
+                <a:spLocks noGrp="1" noRot="1" noChangeAspect="1" noMove="1" noResize="1" noEditPoints="1" noAdjustHandles="1" noChangeArrowheads="1" noChangeShapeType="1" noTextEdit="1"/>
+              </p:cNvSpPr>
+              <p:nvPr>
+                <p:ph idx="1"/>
+              </p:nvPr>
+            </p:nvSpPr>
+            <p:spPr>
+              <a:xfrm>
+                <a:off x="838200" y="1825624"/>
+                <a:ext cx="10242755" cy="4342094"/>
+              </a:xfrm>
+              <a:blipFill>
+                <a:blip r:embed="rId3"/>
+                <a:stretch>
+                  <a:fillRect l="-1369" t="-2805"/>
+                </a:stretch>
+              </a:blipFill>
+            </p:spPr>
+            <p:txBody>
+              <a:bodyPr/>
+              <a:lstStyle/>
+              <a:p>
+                <a:r>
+                  <a:rPr lang="en-US">
+                    <a:noFill/>
+                  </a:rPr>
+                  <a:t> </a:t>
+                </a:r>
+              </a:p>
+            </p:txBody>
+          </p:sp>
+        </mc:Fallback>
+      </mc:AlternateContent>
+    </p:spTree>
+    <p:extLst>
+      <p:ext uri="{BB962C8B-B14F-4D97-AF65-F5344CB8AC3E}">
+        <p14:creationId xmlns:p14="http://schemas.microsoft.com/office/powerpoint/2010/main" val="1390484112"/>
+      </p:ext>
+    </p:extLst>
+  </p:cSld>
+  <p:clrMapOvr>
+    <a:masterClrMapping/>
+  </p:clrMapOvr>
+</p:sld>
+</file>
+
+<file path=ppt/slides/slide24.xml><?xml version="1.0" encoding="utf-8"?>
+<p:sld xmlns:a="http://schemas.openxmlformats.org/drawingml/2006/main" xmlns:r="http://schemas.openxmlformats.org/officeDocument/2006/relationships" xmlns:p="http://schemas.openxmlformats.org/presentationml/2006/main">
+  <p:cSld>
+    <p:spTree>
+      <p:nvGrpSpPr>
+        <p:cNvPr id="1" name=""/>
+        <p:cNvGrpSpPr/>
+        <p:nvPr/>
+      </p:nvGrpSpPr>
+      <p:grpSpPr>
+        <a:xfrm>
+          <a:off x="0" y="0"/>
+          <a:ext cx="0" cy="0"/>
+          <a:chOff x="0" y="0"/>
+          <a:chExt cx="0" cy="0"/>
+        </a:xfrm>
+      </p:grpSpPr>
+      <p:sp>
+        <p:nvSpPr>
+          <p:cNvPr id="2" name="Title 1">
+            <a:extLst>
+              <a:ext uri="{FF2B5EF4-FFF2-40B4-BE49-F238E27FC236}">
+                <a16:creationId xmlns:a16="http://schemas.microsoft.com/office/drawing/2014/main" id="{B17419AC-DCE6-4371-8DE2-D617E99D653D}"/>
+              </a:ext>
+            </a:extLst>
+          </p:cNvPr>
+          <p:cNvSpPr>
+            <a:spLocks noGrp="1"/>
+          </p:cNvSpPr>
+          <p:nvPr>
+            <p:ph type="title"/>
+          </p:nvPr>
+        </p:nvSpPr>
+        <p:spPr/>
+        <p:txBody>
+          <a:bodyPr/>
+          <a:lstStyle/>
+          <a:p>
+            <a:r>
+              <a:rPr lang="en-US" dirty="0">
+                <a:solidFill>
+                  <a:srgbClr val="C00000"/>
+                </a:solidFill>
+              </a:rPr>
+              <a:t>Mechanisms: Exponential vs. Laplace</a:t>
+            </a:r>
+          </a:p>
+        </p:txBody>
+      </p:sp>
+      <mc:AlternateContent xmlns:mc="http://schemas.openxmlformats.org/markup-compatibility/2006">
+        <mc:Choice xmlns:a14="http://schemas.microsoft.com/office/drawing/2010/main" Requires="a14">
+          <p:sp>
+            <p:nvSpPr>
+              <p:cNvPr id="5" name="Content Placeholder 3">
+                <a:extLst>
+                  <a:ext uri="{FF2B5EF4-FFF2-40B4-BE49-F238E27FC236}">
+                    <a16:creationId xmlns:a16="http://schemas.microsoft.com/office/drawing/2014/main" id="{46EDD9D9-1338-4BC5-9D28-964A84C143C2}"/>
+                  </a:ext>
+                </a:extLst>
+              </p:cNvPr>
+              <p:cNvSpPr>
+                <a:spLocks noGrp="1"/>
+              </p:cNvSpPr>
+              <p:nvPr>
+                <p:ph idx="1"/>
+              </p:nvPr>
+            </p:nvSpPr>
+            <p:spPr>
+              <a:xfrm>
+                <a:off x="838200" y="1825624"/>
+                <a:ext cx="10242755" cy="4342094"/>
+              </a:xfrm>
+            </p:spPr>
+            <p:txBody>
+              <a:bodyPr>
+                <a:noAutofit/>
+              </a:bodyPr>
+              <a:lstStyle/>
+              <a:p>
+                <a:pPr>
+                  <a:buClr>
+                    <a:schemeClr val="tx1"/>
+                  </a:buClr>
+                </a:pPr>
+                <a:r>
+                  <a:rPr lang="en-US" sz="3200" dirty="0"/>
+                  <a:t>Consider a query with sensitivity </a:t>
+                </a:r>
+                <a14:m>
+                  <m:oMath xmlns:m="http://schemas.openxmlformats.org/officeDocument/2006/math">
+                    <m:sSub>
+                      <m:sSubPr>
+                        <m:ctrlPr>
+                          <a:rPr lang="en-US" sz="3200" i="1" smtClean="0">
+                            <a:solidFill>
+                              <a:srgbClr val="C00000"/>
+                            </a:solidFill>
+                            <a:latin typeface="Cambria Math" panose="02040503050406030204" pitchFamily="18" charset="0"/>
+                          </a:rPr>
+                        </m:ctrlPr>
+                      </m:sSubPr>
+                      <m:e>
+                        <m:r>
+                          <a:rPr lang="en-US" sz="3200" i="1">
+                            <a:solidFill>
+                              <a:srgbClr val="C00000"/>
+                            </a:solidFill>
+                            <a:latin typeface="Cambria Math" panose="02040503050406030204" pitchFamily="18" charset="0"/>
+                          </a:rPr>
+                          <m:t>𝜎</m:t>
+                        </m:r>
+                      </m:e>
+                      <m:sub>
+                        <m:r>
+                          <a:rPr lang="en-US" sz="3200" i="1">
+                            <a:solidFill>
+                              <a:srgbClr val="C00000"/>
+                            </a:solidFill>
+                            <a:latin typeface="Cambria Math" panose="02040503050406030204" pitchFamily="18" charset="0"/>
+                          </a:rPr>
+                          <m:t>𝑓</m:t>
+                        </m:r>
+                      </m:sub>
+                    </m:sSub>
+                  </m:oMath>
+                </a14:m>
+                <a:endParaRPr lang="en-US" sz="3200" dirty="0"/>
+              </a:p>
+              <a:p>
+                <a:pPr>
+                  <a:buClr>
+                    <a:schemeClr val="tx1"/>
+                  </a:buClr>
+                </a:pPr>
+                <a:r>
+                  <a:rPr lang="en-US" sz="3200" dirty="0"/>
+                  <a:t>Suppose the “answer” for dataset </a:t>
+                </a:r>
+                <a14:m>
+                  <m:oMath xmlns:m="http://schemas.openxmlformats.org/officeDocument/2006/math">
+                    <m:r>
+                      <a:rPr lang="en-US" sz="3200" i="1" smtClean="0">
+                        <a:solidFill>
+                          <a:srgbClr val="C00000"/>
+                        </a:solidFill>
+                        <a:latin typeface="Cambria Math" panose="02040503050406030204" pitchFamily="18" charset="0"/>
+                      </a:rPr>
+                      <m:t>𝐷</m:t>
+                    </m:r>
+                  </m:oMath>
+                </a14:m>
+                <a:r>
+                  <a:rPr lang="en-US" sz="3200" dirty="0">
+                    <a:solidFill>
+                      <a:srgbClr val="C00000"/>
+                    </a:solidFill>
+                    <a:latin typeface="Cambria Math" panose="02040503050406030204" pitchFamily="18" charset="0"/>
+                  </a:rPr>
+                  <a:t> </a:t>
+                </a:r>
+                <a:r>
+                  <a:rPr lang="en-US" sz="3200" dirty="0"/>
+                  <a:t>is </a:t>
+                </a:r>
+                <a14:m>
+                  <m:oMath xmlns:m="http://schemas.openxmlformats.org/officeDocument/2006/math">
+                    <m:r>
+                      <a:rPr lang="en-US" sz="3200" b="0" i="1" smtClean="0">
+                        <a:solidFill>
+                          <a:srgbClr val="C00000"/>
+                        </a:solidFill>
+                        <a:latin typeface="Cambria Math" panose="02040503050406030204" pitchFamily="18" charset="0"/>
+                      </a:rPr>
+                      <m:t>𝑧</m:t>
+                    </m:r>
+                  </m:oMath>
+                </a14:m>
+                <a:r>
+                  <a:rPr lang="en-US" sz="3200" dirty="0"/>
+                  <a:t> and the “answer” for dataset </a:t>
+                </a:r>
+                <a14:m>
+                  <m:oMath xmlns:m="http://schemas.openxmlformats.org/officeDocument/2006/math">
+                    <m:r>
+                      <a:rPr lang="en-US" sz="3200" i="1">
+                        <a:solidFill>
+                          <a:srgbClr val="C00000"/>
+                        </a:solidFill>
+                        <a:latin typeface="Cambria Math" panose="02040503050406030204" pitchFamily="18" charset="0"/>
+                      </a:rPr>
+                      <m:t>𝐷</m:t>
+                    </m:r>
+                  </m:oMath>
+                </a14:m>
+                <a:r>
+                  <a:rPr lang="en-US" sz="3200" dirty="0">
+                    <a:solidFill>
+                      <a:srgbClr val="C00000"/>
+                    </a:solidFill>
+                    <a:latin typeface="Cambria Math" panose="02040503050406030204" pitchFamily="18" charset="0"/>
+                  </a:rPr>
+                  <a:t> </a:t>
+                </a:r>
+                <a:r>
+                  <a:rPr lang="en-US" sz="3200" dirty="0"/>
+                  <a:t>is </a:t>
+                </a:r>
+                <a14:m>
+                  <m:oMath xmlns:m="http://schemas.openxmlformats.org/officeDocument/2006/math">
+                    <m:r>
+                      <a:rPr lang="en-US" sz="3200" i="1">
+                        <a:solidFill>
+                          <a:srgbClr val="C00000"/>
+                        </a:solidFill>
+                        <a:latin typeface="Cambria Math" panose="02040503050406030204" pitchFamily="18" charset="0"/>
+                      </a:rPr>
+                      <m:t>𝑧</m:t>
+                    </m:r>
+                    <m:r>
+                      <a:rPr lang="en-US" sz="3200" b="0" i="1" smtClean="0">
+                        <a:solidFill>
+                          <a:srgbClr val="C00000"/>
+                        </a:solidFill>
+                        <a:latin typeface="Cambria Math" panose="02040503050406030204" pitchFamily="18" charset="0"/>
+                      </a:rPr>
+                      <m:t>′</m:t>
+                    </m:r>
+                  </m:oMath>
+                </a14:m>
+                <a:endParaRPr lang="en-US" sz="3200" i="1" dirty="0">
+                  <a:solidFill>
+                    <a:srgbClr val="C00000"/>
+                  </a:solidFill>
+                  <a:latin typeface="Cambria Math" panose="02040503050406030204" pitchFamily="18" charset="0"/>
+                </a:endParaRPr>
+              </a:p>
+              <a:p>
+                <a:pPr>
+                  <a:buClr>
+                    <a:schemeClr val="tx1"/>
+                  </a:buClr>
+                </a:pPr>
+                <a:r>
+                  <a:rPr lang="en-US" sz="3200" dirty="0"/>
+                  <a:t>Choose score function </a:t>
+                </a:r>
+                <a14:m>
+                  <m:oMath xmlns:m="http://schemas.openxmlformats.org/officeDocument/2006/math">
+                    <m:r>
+                      <a:rPr lang="en-US" sz="3200" b="0" i="0" smtClean="0">
+                        <a:solidFill>
+                          <a:srgbClr val="C00000"/>
+                        </a:solidFill>
+                        <a:latin typeface="Cambria Math" panose="02040503050406030204" pitchFamily="18" charset="0"/>
+                      </a:rPr>
+                      <m:t>−2</m:t>
+                    </m:r>
+                    <m:r>
+                      <a:rPr lang="en-US" sz="3200" b="0" i="1" smtClean="0">
+                        <a:solidFill>
+                          <a:srgbClr val="C00000"/>
+                        </a:solidFill>
+                        <a:latin typeface="Cambria Math" panose="02040503050406030204" pitchFamily="18" charset="0"/>
+                      </a:rPr>
+                      <m:t>|</m:t>
+                    </m:r>
+                    <m:r>
+                      <a:rPr lang="en-US" sz="3200" b="0" i="1" smtClean="0">
+                        <a:solidFill>
+                          <a:srgbClr val="C00000"/>
+                        </a:solidFill>
+                        <a:latin typeface="Cambria Math" panose="02040503050406030204" pitchFamily="18" charset="0"/>
+                      </a:rPr>
+                      <m:t>𝑦</m:t>
+                    </m:r>
+                    <m:r>
+                      <a:rPr lang="en-US" sz="3200" b="0" i="1" smtClean="0">
+                        <a:solidFill>
+                          <a:srgbClr val="C00000"/>
+                        </a:solidFill>
+                        <a:latin typeface="Cambria Math" panose="02040503050406030204" pitchFamily="18" charset="0"/>
+                      </a:rPr>
+                      <m:t>−</m:t>
+                    </m:r>
+                    <m:r>
+                      <a:rPr lang="en-US" sz="3200" b="0" i="1" smtClean="0">
+                        <a:solidFill>
+                          <a:srgbClr val="C00000"/>
+                        </a:solidFill>
+                        <a:latin typeface="Cambria Math" panose="02040503050406030204" pitchFamily="18" charset="0"/>
+                      </a:rPr>
+                      <m:t>𝑥</m:t>
+                    </m:r>
+                    <m:r>
+                      <a:rPr lang="en-US" sz="3200" b="0" i="1" smtClean="0">
+                        <a:solidFill>
+                          <a:srgbClr val="C00000"/>
+                        </a:solidFill>
+                        <a:latin typeface="Cambria Math" panose="02040503050406030204" pitchFamily="18" charset="0"/>
+                      </a:rPr>
+                      <m:t>|</m:t>
+                    </m:r>
+                  </m:oMath>
+                </a14:m>
+                <a:endParaRPr lang="en-US" sz="3200" i="1" dirty="0"/>
+              </a:p>
+              <a:p>
+                <a:pPr>
+                  <a:buClr>
+                    <a:schemeClr val="tx1"/>
+                  </a:buClr>
+                </a:pPr>
+                <a:r>
+                  <a:rPr lang="en-US" sz="3200" dirty="0">
+                    <a:solidFill>
+                      <a:srgbClr val="00B050"/>
+                    </a:solidFill>
+                  </a:rPr>
+                  <a:t>Exponential mechanism</a:t>
+                </a:r>
+                <a:r>
+                  <a:rPr lang="en-US" sz="3200" dirty="0"/>
+                  <a:t>: Output </a:t>
+                </a:r>
+                <a14:m>
+                  <m:oMath xmlns:m="http://schemas.openxmlformats.org/officeDocument/2006/math">
+                    <m:r>
+                      <a:rPr lang="en-US" sz="3200" b="0" i="1" smtClean="0">
+                        <a:solidFill>
+                          <a:srgbClr val="C00000"/>
+                        </a:solidFill>
+                        <a:latin typeface="Cambria Math" panose="02040503050406030204" pitchFamily="18" charset="0"/>
+                      </a:rPr>
+                      <m:t>𝑦</m:t>
+                    </m:r>
+                    <m:r>
+                      <a:rPr lang="en-US" sz="3200" b="0" i="0" smtClean="0">
+                        <a:solidFill>
+                          <a:srgbClr val="C00000"/>
+                        </a:solidFill>
+                        <a:latin typeface="Cambria Math" panose="02040503050406030204" pitchFamily="18" charset="0"/>
+                      </a:rPr>
+                      <m:t>=</m:t>
+                    </m:r>
+                    <m:r>
+                      <a:rPr lang="en-US" sz="3200" b="0" i="1" smtClean="0">
+                        <a:solidFill>
+                          <a:srgbClr val="C00000"/>
+                        </a:solidFill>
+                        <a:latin typeface="Cambria Math" panose="02040503050406030204" pitchFamily="18" charset="0"/>
+                      </a:rPr>
+                      <m:t>𝑧</m:t>
+                    </m:r>
+                    <m:r>
+                      <a:rPr lang="en-US" sz="3200" b="0" i="1" smtClean="0">
+                        <a:solidFill>
+                          <a:srgbClr val="C00000"/>
+                        </a:solidFill>
+                        <a:latin typeface="Cambria Math" panose="02040503050406030204" pitchFamily="18" charset="0"/>
+                      </a:rPr>
+                      <m:t>+</m:t>
+                    </m:r>
+                    <m:r>
+                      <a:rPr lang="en-US" sz="3200" b="0" i="1" smtClean="0">
+                        <a:solidFill>
+                          <a:srgbClr val="C00000"/>
+                        </a:solidFill>
+                        <a:latin typeface="Cambria Math" panose="02040503050406030204" pitchFamily="18" charset="0"/>
+                      </a:rPr>
+                      <m:t>𝑥</m:t>
+                    </m:r>
+                  </m:oMath>
+                </a14:m>
+                <a:r>
+                  <a:rPr lang="en-US" sz="3200" i="1" dirty="0">
+                    <a:solidFill>
+                      <a:srgbClr val="C00000"/>
+                    </a:solidFill>
+                    <a:latin typeface="Cambria Math" panose="02040503050406030204" pitchFamily="18" charset="0"/>
+                  </a:rPr>
+                  <a:t> </a:t>
+                </a:r>
+                <a:r>
+                  <a:rPr lang="en-US" sz="3200" dirty="0"/>
+                  <a:t>with probability proportional to </a:t>
+                </a:r>
+                <a14:m>
+                  <m:oMath xmlns:m="http://schemas.openxmlformats.org/officeDocument/2006/math">
+                    <m:sSup>
+                      <m:sSupPr>
+                        <m:ctrlPr>
+                          <a:rPr lang="en-US" sz="3200" b="0" i="1" smtClean="0">
+                            <a:solidFill>
+                              <a:srgbClr val="C00000"/>
+                            </a:solidFill>
+                            <a:latin typeface="Cambria Math" panose="02040503050406030204" pitchFamily="18" charset="0"/>
+                          </a:rPr>
+                        </m:ctrlPr>
+                      </m:sSupPr>
+                      <m:e>
+                        <m:r>
+                          <a:rPr lang="en-US" sz="3200" b="0" i="1" smtClean="0">
+                            <a:solidFill>
+                              <a:srgbClr val="C00000"/>
+                            </a:solidFill>
+                            <a:latin typeface="Cambria Math" panose="02040503050406030204" pitchFamily="18" charset="0"/>
+                          </a:rPr>
+                          <m:t>𝑒</m:t>
+                        </m:r>
+                      </m:e>
+                      <m:sup>
+                        <m:d>
+                          <m:dPr>
+                            <m:ctrlPr>
+                              <a:rPr lang="en-US" sz="3200" b="0" i="1" smtClean="0">
+                                <a:solidFill>
+                                  <a:srgbClr val="C00000"/>
+                                </a:solidFill>
+                                <a:latin typeface="Cambria Math" panose="02040503050406030204" pitchFamily="18" charset="0"/>
+                              </a:rPr>
+                            </m:ctrlPr>
+                          </m:dPr>
+                          <m:e>
+                            <m:r>
+                              <a:rPr lang="en-US" sz="3200" b="0" i="1" smtClean="0">
+                                <a:solidFill>
+                                  <a:srgbClr val="C00000"/>
+                                </a:solidFill>
+                                <a:latin typeface="Cambria Math" panose="02040503050406030204" pitchFamily="18" charset="0"/>
+                              </a:rPr>
+                              <m:t>−</m:t>
+                            </m:r>
+                            <m:f>
+                              <m:fPr>
+                                <m:ctrlPr>
+                                  <a:rPr lang="en-US" sz="3200" b="0" i="1" smtClean="0">
+                                    <a:solidFill>
+                                      <a:srgbClr val="C00000"/>
+                                    </a:solidFill>
+                                    <a:latin typeface="Cambria Math" panose="02040503050406030204" pitchFamily="18" charset="0"/>
+                                  </a:rPr>
+                                </m:ctrlPr>
+                              </m:fPr>
+                              <m:num>
+                                <m:r>
+                                  <a:rPr lang="en-US" sz="3200" b="0" i="1" smtClean="0">
+                                    <a:solidFill>
+                                      <a:srgbClr val="C00000"/>
+                                    </a:solidFill>
+                                    <a:latin typeface="Cambria Math" panose="02040503050406030204" pitchFamily="18" charset="0"/>
+                                  </a:rPr>
+                                  <m:t>𝜀</m:t>
+                                </m:r>
+                                <m:d>
+                                  <m:dPr>
+                                    <m:begChr m:val="|"/>
+                                    <m:endChr m:val="|"/>
+                                    <m:ctrlPr>
+                                      <a:rPr lang="en-US" sz="3200" b="0" i="1" smtClean="0">
+                                        <a:solidFill>
+                                          <a:srgbClr val="C00000"/>
+                                        </a:solidFill>
+                                        <a:latin typeface="Cambria Math" panose="02040503050406030204" pitchFamily="18" charset="0"/>
+                                      </a:rPr>
+                                    </m:ctrlPr>
+                                  </m:dPr>
+                                  <m:e>
+                                    <m:r>
+                                      <a:rPr lang="en-US" sz="3200" b="0" i="1" smtClean="0">
+                                        <a:solidFill>
+                                          <a:srgbClr val="C00000"/>
+                                        </a:solidFill>
+                                        <a:latin typeface="Cambria Math" panose="02040503050406030204" pitchFamily="18" charset="0"/>
+                                      </a:rPr>
+                                      <m:t>𝑥</m:t>
+                                    </m:r>
+                                  </m:e>
+                                </m:d>
+                              </m:num>
+                              <m:den>
+                                <m:sSub>
+                                  <m:sSubPr>
+                                    <m:ctrlPr>
+                                      <a:rPr lang="en-US" sz="3200" i="1">
+                                        <a:solidFill>
+                                          <a:srgbClr val="C00000"/>
+                                        </a:solidFill>
+                                        <a:latin typeface="Cambria Math" panose="02040503050406030204" pitchFamily="18" charset="0"/>
+                                      </a:rPr>
+                                    </m:ctrlPr>
+                                  </m:sSubPr>
+                                  <m:e>
+                                    <m:r>
+                                      <a:rPr lang="en-US" sz="3200" i="1">
+                                        <a:solidFill>
+                                          <a:srgbClr val="C00000"/>
+                                        </a:solidFill>
+                                        <a:latin typeface="Cambria Math" panose="02040503050406030204" pitchFamily="18" charset="0"/>
+                                      </a:rPr>
+                                      <m:t>𝜎</m:t>
+                                    </m:r>
+                                  </m:e>
+                                  <m:sub>
+                                    <m:r>
+                                      <a:rPr lang="en-US" sz="3200" i="1">
+                                        <a:solidFill>
+                                          <a:srgbClr val="C00000"/>
+                                        </a:solidFill>
+                                        <a:latin typeface="Cambria Math" panose="02040503050406030204" pitchFamily="18" charset="0"/>
+                                      </a:rPr>
+                                      <m:t>𝑓</m:t>
+                                    </m:r>
+                                  </m:sub>
+                                </m:sSub>
+                              </m:den>
+                            </m:f>
+                          </m:e>
+                        </m:d>
+                      </m:sup>
+                    </m:sSup>
+                  </m:oMath>
+                </a14:m>
+                <a:endParaRPr lang="en-US" sz="3200" dirty="0"/>
+              </a:p>
+            </p:txBody>
+          </p:sp>
+        </mc:Choice>
+        <mc:Fallback>
+          <p:sp>
+            <p:nvSpPr>
+              <p:cNvPr id="5" name="Content Placeholder 3">
+                <a:extLst>
+                  <a:ext uri="{FF2B5EF4-FFF2-40B4-BE49-F238E27FC236}">
+                    <a16:creationId xmlns:a16="http://schemas.microsoft.com/office/drawing/2014/main" id="{46EDD9D9-1338-4BC5-9D28-964A84C143C2}"/>
+                  </a:ext>
+                </a:extLst>
+              </p:cNvPr>
+              <p:cNvSpPr>
+                <a:spLocks noGrp="1" noRot="1" noChangeAspect="1" noMove="1" noResize="1" noEditPoints="1" noAdjustHandles="1" noChangeArrowheads="1" noChangeShapeType="1" noTextEdit="1"/>
+              </p:cNvSpPr>
+              <p:nvPr>
+                <p:ph idx="1"/>
+              </p:nvPr>
+            </p:nvSpPr>
+            <p:spPr>
+              <a:xfrm>
+                <a:off x="838200" y="1825624"/>
+                <a:ext cx="10242755" cy="4342094"/>
+              </a:xfrm>
+              <a:blipFill>
+                <a:blip r:embed="rId3"/>
+                <a:stretch>
+                  <a:fillRect l="-1369" t="-2525" r="-2143"/>
+                </a:stretch>
+              </a:blipFill>
+            </p:spPr>
+            <p:txBody>
+              <a:bodyPr/>
+              <a:lstStyle/>
+              <a:p>
+                <a:r>
+                  <a:rPr lang="en-US">
+                    <a:noFill/>
+                  </a:rPr>
+                  <a:t> </a:t>
+                </a:r>
+              </a:p>
+            </p:txBody>
+          </p:sp>
+        </mc:Fallback>
+      </mc:AlternateContent>
+    </p:spTree>
+    <p:extLst>
+      <p:ext uri="{BB962C8B-B14F-4D97-AF65-F5344CB8AC3E}">
+        <p14:creationId xmlns:p14="http://schemas.microsoft.com/office/powerpoint/2010/main" val="2449795326"/>
+      </p:ext>
+    </p:extLst>
+  </p:cSld>
+  <p:clrMapOvr>
+    <a:masterClrMapping/>
+  </p:clrMapOvr>
+</p:sld>
+</file>
+
+<file path=ppt/slides/slide25.xml><?xml version="1.0" encoding="utf-8"?>
+<p:sld xmlns:a="http://schemas.openxmlformats.org/drawingml/2006/main" xmlns:r="http://schemas.openxmlformats.org/officeDocument/2006/relationships" xmlns:p="http://schemas.openxmlformats.org/presentationml/2006/main">
+  <p:cSld>
+    <p:spTree>
+      <p:nvGrpSpPr>
+        <p:cNvPr id="1" name=""/>
+        <p:cNvGrpSpPr/>
+        <p:nvPr/>
+      </p:nvGrpSpPr>
+      <p:grpSpPr>
+        <a:xfrm>
+          <a:off x="0" y="0"/>
+          <a:ext cx="0" cy="0"/>
+          <a:chOff x="0" y="0"/>
+          <a:chExt cx="0" cy="0"/>
+        </a:xfrm>
+      </p:grpSpPr>
+      <p:sp>
+        <p:nvSpPr>
+          <p:cNvPr id="2" name="Title 1">
+            <a:extLst>
+              <a:ext uri="{FF2B5EF4-FFF2-40B4-BE49-F238E27FC236}">
+                <a16:creationId xmlns:a16="http://schemas.microsoft.com/office/drawing/2014/main" id="{B17419AC-DCE6-4371-8DE2-D617E99D653D}"/>
+              </a:ext>
+            </a:extLst>
+          </p:cNvPr>
+          <p:cNvSpPr>
+            <a:spLocks noGrp="1"/>
+          </p:cNvSpPr>
+          <p:nvPr>
+            <p:ph type="title"/>
+          </p:nvPr>
+        </p:nvSpPr>
+        <p:spPr/>
+        <p:txBody>
+          <a:bodyPr/>
+          <a:lstStyle/>
+          <a:p>
+            <a:r>
+              <a:rPr lang="en-US" dirty="0">
+                <a:solidFill>
+                  <a:srgbClr val="C00000"/>
+                </a:solidFill>
+              </a:rPr>
+              <a:t>Mechanisms: Exponential vs. Laplace</a:t>
+            </a:r>
+          </a:p>
+        </p:txBody>
+      </p:sp>
+      <mc:AlternateContent xmlns:mc="http://schemas.openxmlformats.org/markup-compatibility/2006">
+        <mc:Choice xmlns:a14="http://schemas.microsoft.com/office/drawing/2010/main" Requires="a14">
+          <p:sp>
+            <p:nvSpPr>
+              <p:cNvPr id="5" name="Content Placeholder 3">
+                <a:extLst>
+                  <a:ext uri="{FF2B5EF4-FFF2-40B4-BE49-F238E27FC236}">
+                    <a16:creationId xmlns:a16="http://schemas.microsoft.com/office/drawing/2014/main" id="{46EDD9D9-1338-4BC5-9D28-964A84C143C2}"/>
+                  </a:ext>
+                </a:extLst>
+              </p:cNvPr>
+              <p:cNvSpPr>
+                <a:spLocks noGrp="1"/>
+              </p:cNvSpPr>
+              <p:nvPr>
+                <p:ph idx="1"/>
+              </p:nvPr>
+            </p:nvSpPr>
+            <p:spPr>
+              <a:xfrm>
+                <a:off x="838200" y="1825624"/>
+                <a:ext cx="10242755" cy="4342094"/>
+              </a:xfrm>
+            </p:spPr>
+            <p:txBody>
+              <a:bodyPr>
+                <a:noAutofit/>
+              </a:bodyPr>
+              <a:lstStyle/>
+              <a:p>
+                <a:pPr>
+                  <a:buClr>
+                    <a:schemeClr val="tx1"/>
+                  </a:buClr>
+                </a:pPr>
+                <a:r>
+                  <a:rPr lang="en-US" sz="3200" dirty="0">
+                    <a:solidFill>
+                      <a:srgbClr val="00B050"/>
+                    </a:solidFill>
+                  </a:rPr>
+                  <a:t>Laplace mechanism</a:t>
+                </a:r>
+                <a:r>
+                  <a:rPr lang="en-US" sz="3200" dirty="0"/>
+                  <a:t>: Output </a:t>
+                </a:r>
+                <a14:m>
+                  <m:oMath xmlns:m="http://schemas.openxmlformats.org/officeDocument/2006/math">
+                    <m:r>
+                      <a:rPr lang="en-US" sz="3200" i="1">
+                        <a:solidFill>
+                          <a:srgbClr val="C00000"/>
+                        </a:solidFill>
+                        <a:latin typeface="Cambria Math" panose="02040503050406030204" pitchFamily="18" charset="0"/>
+                      </a:rPr>
+                      <m:t>𝑦</m:t>
+                    </m:r>
+                    <m:r>
+                      <a:rPr lang="en-US" sz="3200">
+                        <a:solidFill>
+                          <a:srgbClr val="C00000"/>
+                        </a:solidFill>
+                        <a:latin typeface="Cambria Math" panose="02040503050406030204" pitchFamily="18" charset="0"/>
+                      </a:rPr>
+                      <m:t>=</m:t>
+                    </m:r>
+                    <m:r>
+                      <a:rPr lang="en-US" sz="3200" i="1">
+                        <a:solidFill>
+                          <a:srgbClr val="C00000"/>
+                        </a:solidFill>
+                        <a:latin typeface="Cambria Math" panose="02040503050406030204" pitchFamily="18" charset="0"/>
+                      </a:rPr>
+                      <m:t>𝑧</m:t>
+                    </m:r>
+                    <m:r>
+                      <a:rPr lang="en-US" sz="3200" i="1">
+                        <a:solidFill>
+                          <a:srgbClr val="C00000"/>
+                        </a:solidFill>
+                        <a:latin typeface="Cambria Math" panose="02040503050406030204" pitchFamily="18" charset="0"/>
+                      </a:rPr>
+                      <m:t>+</m:t>
+                    </m:r>
+                    <m:r>
+                      <a:rPr lang="en-US" sz="3200" i="1">
+                        <a:solidFill>
+                          <a:srgbClr val="C00000"/>
+                        </a:solidFill>
+                        <a:latin typeface="Cambria Math" panose="02040503050406030204" pitchFamily="18" charset="0"/>
+                      </a:rPr>
+                      <m:t>𝑥</m:t>
+                    </m:r>
+                  </m:oMath>
+                </a14:m>
+                <a:r>
+                  <a:rPr lang="en-US" sz="3200" i="1" dirty="0">
+                    <a:solidFill>
+                      <a:srgbClr val="C00000"/>
+                    </a:solidFill>
+                    <a:latin typeface="Cambria Math" panose="02040503050406030204" pitchFamily="18" charset="0"/>
+                  </a:rPr>
+                  <a:t> </a:t>
+                </a:r>
+                <a:r>
+                  <a:rPr lang="en-US" sz="3200" dirty="0"/>
+                  <a:t>with probability proportional to </a:t>
+                </a:r>
+                <a14:m>
+                  <m:oMath xmlns:m="http://schemas.openxmlformats.org/officeDocument/2006/math">
+                    <m:f>
+                      <m:fPr>
+                        <m:ctrlPr>
+                          <a:rPr lang="en-US" sz="3200" i="1">
+                            <a:solidFill>
+                              <a:srgbClr val="C00000"/>
+                            </a:solidFill>
+                            <a:latin typeface="Cambria Math" panose="02040503050406030204" pitchFamily="18" charset="0"/>
+                          </a:rPr>
+                        </m:ctrlPr>
+                      </m:fPr>
+                      <m:num>
+                        <m:r>
+                          <a:rPr lang="en-US" sz="3200" i="1">
+                            <a:solidFill>
+                              <a:srgbClr val="C00000"/>
+                            </a:solidFill>
+                            <a:latin typeface="Cambria Math" panose="02040503050406030204" pitchFamily="18" charset="0"/>
+                          </a:rPr>
+                          <m:t>𝜀</m:t>
+                        </m:r>
+                      </m:num>
+                      <m:den>
+                        <m:r>
+                          <a:rPr lang="en-US" sz="3200" i="1">
+                            <a:solidFill>
+                              <a:srgbClr val="C00000"/>
+                            </a:solidFill>
+                            <a:latin typeface="Cambria Math" panose="02040503050406030204" pitchFamily="18" charset="0"/>
+                          </a:rPr>
+                          <m:t>2</m:t>
+                        </m:r>
+                        <m:sSub>
+                          <m:sSubPr>
+                            <m:ctrlPr>
+                              <a:rPr lang="en-US" sz="3200" i="1">
+                                <a:solidFill>
+                                  <a:srgbClr val="C00000"/>
+                                </a:solidFill>
+                                <a:latin typeface="Cambria Math" panose="02040503050406030204" pitchFamily="18" charset="0"/>
+                              </a:rPr>
+                            </m:ctrlPr>
+                          </m:sSubPr>
+                          <m:e>
+                            <m:r>
+                              <a:rPr lang="en-US" sz="3200" i="1">
+                                <a:solidFill>
+                                  <a:srgbClr val="C00000"/>
+                                </a:solidFill>
+                                <a:latin typeface="Cambria Math" panose="02040503050406030204" pitchFamily="18" charset="0"/>
+                              </a:rPr>
+                              <m:t>𝜎</m:t>
+                            </m:r>
+                          </m:e>
+                          <m:sub>
+                            <m:r>
+                              <a:rPr lang="en-US" sz="3200" i="1">
+                                <a:solidFill>
+                                  <a:srgbClr val="C00000"/>
+                                </a:solidFill>
+                                <a:latin typeface="Cambria Math" panose="02040503050406030204" pitchFamily="18" charset="0"/>
+                              </a:rPr>
+                              <m:t>𝑓</m:t>
+                            </m:r>
+                          </m:sub>
+                        </m:sSub>
+                      </m:den>
+                    </m:f>
+                    <m:sSup>
+                      <m:sSupPr>
+                        <m:ctrlPr>
+                          <a:rPr lang="en-US" sz="3200" i="1">
+                            <a:solidFill>
+                              <a:srgbClr val="C00000"/>
+                            </a:solidFill>
+                            <a:latin typeface="Cambria Math" panose="02040503050406030204" pitchFamily="18" charset="0"/>
+                          </a:rPr>
+                        </m:ctrlPr>
+                      </m:sSupPr>
+                      <m:e>
+                        <m:r>
+                          <a:rPr lang="en-US" sz="3200" i="1">
+                            <a:solidFill>
+                              <a:srgbClr val="C00000"/>
+                            </a:solidFill>
+                            <a:latin typeface="Cambria Math" panose="02040503050406030204" pitchFamily="18" charset="0"/>
+                          </a:rPr>
+                          <m:t>𝑒</m:t>
+                        </m:r>
+                      </m:e>
+                      <m:sup>
+                        <m:d>
+                          <m:dPr>
+                            <m:ctrlPr>
+                              <a:rPr lang="en-US" sz="3200" i="1">
+                                <a:solidFill>
+                                  <a:srgbClr val="C00000"/>
+                                </a:solidFill>
+                                <a:latin typeface="Cambria Math" panose="02040503050406030204" pitchFamily="18" charset="0"/>
+                              </a:rPr>
+                            </m:ctrlPr>
+                          </m:dPr>
+                          <m:e>
+                            <m:r>
+                              <a:rPr lang="en-US" sz="3200" i="1">
+                                <a:solidFill>
+                                  <a:srgbClr val="C00000"/>
+                                </a:solidFill>
+                                <a:latin typeface="Cambria Math" panose="02040503050406030204" pitchFamily="18" charset="0"/>
+                              </a:rPr>
+                              <m:t>−</m:t>
+                            </m:r>
+                            <m:f>
+                              <m:fPr>
+                                <m:ctrlPr>
+                                  <a:rPr lang="en-US" sz="3200" i="1">
+                                    <a:solidFill>
+                                      <a:srgbClr val="C00000"/>
+                                    </a:solidFill>
+                                    <a:latin typeface="Cambria Math" panose="02040503050406030204" pitchFamily="18" charset="0"/>
+                                  </a:rPr>
+                                </m:ctrlPr>
+                              </m:fPr>
+                              <m:num>
+                                <m:r>
+                                  <a:rPr lang="en-US" sz="3200" i="1">
+                                    <a:solidFill>
+                                      <a:srgbClr val="C00000"/>
+                                    </a:solidFill>
+                                    <a:latin typeface="Cambria Math" panose="02040503050406030204" pitchFamily="18" charset="0"/>
+                                  </a:rPr>
+                                  <m:t>𝜀</m:t>
+                                </m:r>
+                                <m:d>
+                                  <m:dPr>
+                                    <m:begChr m:val="|"/>
+                                    <m:endChr m:val="|"/>
+                                    <m:ctrlPr>
+                                      <a:rPr lang="en-US" sz="3200" i="1">
+                                        <a:solidFill>
+                                          <a:srgbClr val="C00000"/>
+                                        </a:solidFill>
+                                        <a:latin typeface="Cambria Math" panose="02040503050406030204" pitchFamily="18" charset="0"/>
+                                      </a:rPr>
+                                    </m:ctrlPr>
+                                  </m:dPr>
+                                  <m:e>
+                                    <m:r>
+                                      <a:rPr lang="en-US" sz="3200" i="1">
+                                        <a:solidFill>
+                                          <a:srgbClr val="C00000"/>
+                                        </a:solidFill>
+                                        <a:latin typeface="Cambria Math" panose="02040503050406030204" pitchFamily="18" charset="0"/>
+                                      </a:rPr>
+                                      <m:t>𝑥</m:t>
+                                    </m:r>
+                                  </m:e>
+                                </m:d>
+                              </m:num>
+                              <m:den>
+                                <m:sSub>
+                                  <m:sSubPr>
+                                    <m:ctrlPr>
+                                      <a:rPr lang="en-US" sz="3200" i="1">
+                                        <a:solidFill>
+                                          <a:srgbClr val="C00000"/>
+                                        </a:solidFill>
+                                        <a:latin typeface="Cambria Math" panose="02040503050406030204" pitchFamily="18" charset="0"/>
+                                      </a:rPr>
+                                    </m:ctrlPr>
+                                  </m:sSubPr>
+                                  <m:e>
+                                    <m:r>
+                                      <a:rPr lang="en-US" sz="3200" i="1">
+                                        <a:solidFill>
+                                          <a:srgbClr val="C00000"/>
+                                        </a:solidFill>
+                                        <a:latin typeface="Cambria Math" panose="02040503050406030204" pitchFamily="18" charset="0"/>
+                                      </a:rPr>
+                                      <m:t>𝜎</m:t>
+                                    </m:r>
+                                  </m:e>
+                                  <m:sub>
+                                    <m:r>
+                                      <a:rPr lang="en-US" sz="3200" i="1">
+                                        <a:solidFill>
+                                          <a:srgbClr val="C00000"/>
+                                        </a:solidFill>
+                                        <a:latin typeface="Cambria Math" panose="02040503050406030204" pitchFamily="18" charset="0"/>
+                                      </a:rPr>
+                                      <m:t>𝑓</m:t>
+                                    </m:r>
+                                  </m:sub>
+                                </m:sSub>
+                              </m:den>
+                            </m:f>
+                          </m:e>
+                        </m:d>
+                      </m:sup>
+                    </m:sSup>
+                  </m:oMath>
+                </a14:m>
+                <a:endParaRPr lang="en-US" sz="3200" dirty="0"/>
+              </a:p>
+              <a:p>
+                <a:pPr>
+                  <a:buClr>
+                    <a:schemeClr val="tx1"/>
+                  </a:buClr>
+                </a:pPr>
+                <a:endParaRPr lang="en-US" sz="3200" dirty="0"/>
+              </a:p>
+              <a:p>
+                <a:pPr>
+                  <a:buClr>
+                    <a:schemeClr val="tx1"/>
+                  </a:buClr>
+                </a:pPr>
+                <a:r>
+                  <a:rPr lang="en-US" sz="3200" dirty="0">
+                    <a:solidFill>
+                      <a:srgbClr val="00B050"/>
+                    </a:solidFill>
+                  </a:rPr>
+                  <a:t>Exponential mechanism</a:t>
+                </a:r>
+                <a:r>
+                  <a:rPr lang="en-US" sz="3200" dirty="0"/>
+                  <a:t>: Output </a:t>
+                </a:r>
+                <a14:m>
+                  <m:oMath xmlns:m="http://schemas.openxmlformats.org/officeDocument/2006/math">
+                    <m:r>
+                      <a:rPr lang="en-US" sz="3200" b="0" i="1" smtClean="0">
+                        <a:solidFill>
+                          <a:srgbClr val="C00000"/>
+                        </a:solidFill>
+                        <a:latin typeface="Cambria Math" panose="02040503050406030204" pitchFamily="18" charset="0"/>
+                      </a:rPr>
+                      <m:t>𝑦</m:t>
+                    </m:r>
+                    <m:r>
+                      <a:rPr lang="en-US" sz="3200" b="0" i="0" smtClean="0">
+                        <a:solidFill>
+                          <a:srgbClr val="C00000"/>
+                        </a:solidFill>
+                        <a:latin typeface="Cambria Math" panose="02040503050406030204" pitchFamily="18" charset="0"/>
+                      </a:rPr>
+                      <m:t>=</m:t>
+                    </m:r>
+                    <m:r>
+                      <a:rPr lang="en-US" sz="3200" b="0" i="1" smtClean="0">
+                        <a:solidFill>
+                          <a:srgbClr val="C00000"/>
+                        </a:solidFill>
+                        <a:latin typeface="Cambria Math" panose="02040503050406030204" pitchFamily="18" charset="0"/>
+                      </a:rPr>
+                      <m:t>𝑧</m:t>
+                    </m:r>
+                    <m:r>
+                      <a:rPr lang="en-US" sz="3200" b="0" i="1" smtClean="0">
+                        <a:solidFill>
+                          <a:srgbClr val="C00000"/>
+                        </a:solidFill>
+                        <a:latin typeface="Cambria Math" panose="02040503050406030204" pitchFamily="18" charset="0"/>
+                      </a:rPr>
+                      <m:t>+</m:t>
+                    </m:r>
+                    <m:r>
+                      <a:rPr lang="en-US" sz="3200" b="0" i="1" smtClean="0">
+                        <a:solidFill>
+                          <a:srgbClr val="C00000"/>
+                        </a:solidFill>
+                        <a:latin typeface="Cambria Math" panose="02040503050406030204" pitchFamily="18" charset="0"/>
+                      </a:rPr>
+                      <m:t>𝑥</m:t>
+                    </m:r>
+                  </m:oMath>
+                </a14:m>
+                <a:r>
+                  <a:rPr lang="en-US" sz="3200" i="1" dirty="0">
+                    <a:solidFill>
+                      <a:srgbClr val="C00000"/>
+                    </a:solidFill>
+                    <a:latin typeface="Cambria Math" panose="02040503050406030204" pitchFamily="18" charset="0"/>
+                  </a:rPr>
+                  <a:t> </a:t>
+                </a:r>
+                <a:r>
+                  <a:rPr lang="en-US" sz="3200" dirty="0"/>
+                  <a:t>with probability proportional to </a:t>
+                </a:r>
+                <a14:m>
+                  <m:oMath xmlns:m="http://schemas.openxmlformats.org/officeDocument/2006/math">
+                    <m:sSup>
+                      <m:sSupPr>
+                        <m:ctrlPr>
+                          <a:rPr lang="en-US" sz="3200" b="0" i="1" smtClean="0">
+                            <a:solidFill>
+                              <a:srgbClr val="C00000"/>
+                            </a:solidFill>
+                            <a:latin typeface="Cambria Math" panose="02040503050406030204" pitchFamily="18" charset="0"/>
+                          </a:rPr>
+                        </m:ctrlPr>
+                      </m:sSupPr>
+                      <m:e>
+                        <m:r>
+                          <a:rPr lang="en-US" sz="3200" b="0" i="1" smtClean="0">
+                            <a:solidFill>
+                              <a:srgbClr val="C00000"/>
+                            </a:solidFill>
+                            <a:latin typeface="Cambria Math" panose="02040503050406030204" pitchFamily="18" charset="0"/>
+                          </a:rPr>
+                          <m:t>𝑒</m:t>
+                        </m:r>
+                      </m:e>
+                      <m:sup>
+                        <m:d>
+                          <m:dPr>
+                            <m:ctrlPr>
+                              <a:rPr lang="en-US" sz="3200" b="0" i="1" smtClean="0">
+                                <a:solidFill>
+                                  <a:srgbClr val="C00000"/>
+                                </a:solidFill>
+                                <a:latin typeface="Cambria Math" panose="02040503050406030204" pitchFamily="18" charset="0"/>
+                              </a:rPr>
+                            </m:ctrlPr>
+                          </m:dPr>
+                          <m:e>
+                            <m:r>
+                              <a:rPr lang="en-US" sz="3200" b="0" i="1" smtClean="0">
+                                <a:solidFill>
+                                  <a:srgbClr val="C00000"/>
+                                </a:solidFill>
+                                <a:latin typeface="Cambria Math" panose="02040503050406030204" pitchFamily="18" charset="0"/>
+                              </a:rPr>
+                              <m:t>−</m:t>
+                            </m:r>
+                            <m:f>
+                              <m:fPr>
+                                <m:ctrlPr>
+                                  <a:rPr lang="en-US" sz="3200" b="0" i="1" smtClean="0">
+                                    <a:solidFill>
+                                      <a:srgbClr val="C00000"/>
+                                    </a:solidFill>
+                                    <a:latin typeface="Cambria Math" panose="02040503050406030204" pitchFamily="18" charset="0"/>
+                                  </a:rPr>
+                                </m:ctrlPr>
+                              </m:fPr>
+                              <m:num>
+                                <m:r>
+                                  <a:rPr lang="en-US" sz="3200" b="0" i="1" smtClean="0">
+                                    <a:solidFill>
+                                      <a:srgbClr val="C00000"/>
+                                    </a:solidFill>
+                                    <a:latin typeface="Cambria Math" panose="02040503050406030204" pitchFamily="18" charset="0"/>
+                                  </a:rPr>
+                                  <m:t>𝜀</m:t>
+                                </m:r>
+                                <m:d>
+                                  <m:dPr>
+                                    <m:begChr m:val="|"/>
+                                    <m:endChr m:val="|"/>
+                                    <m:ctrlPr>
+                                      <a:rPr lang="en-US" sz="3200" b="0" i="1" smtClean="0">
+                                        <a:solidFill>
+                                          <a:srgbClr val="C00000"/>
+                                        </a:solidFill>
+                                        <a:latin typeface="Cambria Math" panose="02040503050406030204" pitchFamily="18" charset="0"/>
+                                      </a:rPr>
+                                    </m:ctrlPr>
+                                  </m:dPr>
+                                  <m:e>
+                                    <m:r>
+                                      <a:rPr lang="en-US" sz="3200" b="0" i="1" smtClean="0">
+                                        <a:solidFill>
+                                          <a:srgbClr val="C00000"/>
+                                        </a:solidFill>
+                                        <a:latin typeface="Cambria Math" panose="02040503050406030204" pitchFamily="18" charset="0"/>
+                                      </a:rPr>
+                                      <m:t>𝑥</m:t>
+                                    </m:r>
+                                  </m:e>
+                                </m:d>
+                              </m:num>
+                              <m:den>
+                                <m:sSub>
+                                  <m:sSubPr>
+                                    <m:ctrlPr>
+                                      <a:rPr lang="en-US" sz="3200" i="1">
+                                        <a:solidFill>
+                                          <a:srgbClr val="C00000"/>
+                                        </a:solidFill>
+                                        <a:latin typeface="Cambria Math" panose="02040503050406030204" pitchFamily="18" charset="0"/>
+                                      </a:rPr>
+                                    </m:ctrlPr>
+                                  </m:sSubPr>
+                                  <m:e>
+                                    <m:r>
+                                      <a:rPr lang="en-US" sz="3200" i="1">
+                                        <a:solidFill>
+                                          <a:srgbClr val="C00000"/>
+                                        </a:solidFill>
+                                        <a:latin typeface="Cambria Math" panose="02040503050406030204" pitchFamily="18" charset="0"/>
+                                      </a:rPr>
+                                      <m:t>𝜎</m:t>
+                                    </m:r>
+                                  </m:e>
+                                  <m:sub>
+                                    <m:r>
+                                      <a:rPr lang="en-US" sz="3200" i="1">
+                                        <a:solidFill>
+                                          <a:srgbClr val="C00000"/>
+                                        </a:solidFill>
+                                        <a:latin typeface="Cambria Math" panose="02040503050406030204" pitchFamily="18" charset="0"/>
+                                      </a:rPr>
+                                      <m:t>𝑓</m:t>
+                                    </m:r>
+                                  </m:sub>
+                                </m:sSub>
+                              </m:den>
+                            </m:f>
+                          </m:e>
+                        </m:d>
+                      </m:sup>
+                    </m:sSup>
+                  </m:oMath>
+                </a14:m>
+                <a:endParaRPr lang="en-US" sz="3200" dirty="0"/>
+              </a:p>
+              <a:p>
+                <a:pPr>
+                  <a:buClr>
+                    <a:schemeClr val="tx1"/>
+                  </a:buClr>
+                </a:pPr>
+                <a:r>
+                  <a:rPr lang="en-US" sz="3200" dirty="0"/>
+                  <a:t>Recovers the Laplace mechanism!</a:t>
+                </a:r>
+              </a:p>
+            </p:txBody>
+          </p:sp>
+        </mc:Choice>
+        <mc:Fallback>
+          <p:sp>
+            <p:nvSpPr>
+              <p:cNvPr id="5" name="Content Placeholder 3">
+                <a:extLst>
+                  <a:ext uri="{FF2B5EF4-FFF2-40B4-BE49-F238E27FC236}">
+                    <a16:creationId xmlns:a16="http://schemas.microsoft.com/office/drawing/2014/main" id="{46EDD9D9-1338-4BC5-9D28-964A84C143C2}"/>
+                  </a:ext>
+                </a:extLst>
+              </p:cNvPr>
+              <p:cNvSpPr>
+                <a:spLocks noGrp="1" noRot="1" noChangeAspect="1" noMove="1" noResize="1" noEditPoints="1" noAdjustHandles="1" noChangeArrowheads="1" noChangeShapeType="1" noTextEdit="1"/>
+              </p:cNvSpPr>
+              <p:nvPr>
+                <p:ph idx="1"/>
+              </p:nvPr>
+            </p:nvSpPr>
+            <p:spPr>
+              <a:xfrm>
+                <a:off x="838200" y="1825624"/>
+                <a:ext cx="10242755" cy="4342094"/>
+              </a:xfrm>
+              <a:blipFill>
+                <a:blip r:embed="rId3"/>
+                <a:stretch>
+                  <a:fillRect l="-1369" t="-2805" r="-2143" b="-140"/>
+                </a:stretch>
+              </a:blipFill>
+            </p:spPr>
+            <p:txBody>
+              <a:bodyPr/>
+              <a:lstStyle/>
+              <a:p>
+                <a:r>
+                  <a:rPr lang="en-US">
+                    <a:noFill/>
+                  </a:rPr>
+                  <a:t> </a:t>
+                </a:r>
+              </a:p>
+            </p:txBody>
+          </p:sp>
+        </mc:Fallback>
+      </mc:AlternateContent>
+    </p:spTree>
+    <p:extLst>
+      <p:ext uri="{BB962C8B-B14F-4D97-AF65-F5344CB8AC3E}">
+        <p14:creationId xmlns:p14="http://schemas.microsoft.com/office/powerpoint/2010/main" val="1137695535"/>
+      </p:ext>
+    </p:extLst>
+  </p:cSld>
+  <p:clrMapOvr>
+    <a:masterClrMapping/>
+  </p:clrMapOvr>
+</p:sld>
+</file>
+
+<file path=ppt/slides/slide26.xml><?xml version="1.0" encoding="utf-8"?>
+<p:sld xmlns:a="http://schemas.openxmlformats.org/drawingml/2006/main" xmlns:r="http://schemas.openxmlformats.org/officeDocument/2006/relationships" xmlns:p="http://schemas.openxmlformats.org/presentationml/2006/main">
+  <p:cSld>
+    <p:spTree>
+      <p:nvGrpSpPr>
+        <p:cNvPr id="1" name=""/>
+        <p:cNvGrpSpPr/>
+        <p:nvPr/>
+      </p:nvGrpSpPr>
+      <p:grpSpPr>
+        <a:xfrm>
+          <a:off x="0" y="0"/>
+          <a:ext cx="0" cy="0"/>
+          <a:chOff x="0" y="0"/>
+          <a:chExt cx="0" cy="0"/>
+        </a:xfrm>
+      </p:grpSpPr>
+      <p:sp>
+        <p:nvSpPr>
+          <p:cNvPr id="2" name="Title 1">
+            <a:extLst>
+              <a:ext uri="{FF2B5EF4-FFF2-40B4-BE49-F238E27FC236}">
+                <a16:creationId xmlns:a16="http://schemas.microsoft.com/office/drawing/2014/main" id="{B17419AC-DCE6-4371-8DE2-D617E99D653D}"/>
+              </a:ext>
+            </a:extLst>
+          </p:cNvPr>
+          <p:cNvSpPr>
+            <a:spLocks noGrp="1"/>
+          </p:cNvSpPr>
+          <p:nvPr>
+            <p:ph type="title"/>
+          </p:nvPr>
+        </p:nvSpPr>
+        <p:spPr/>
+        <p:txBody>
+          <a:bodyPr/>
+          <a:lstStyle/>
+          <a:p>
+            <a:r>
+              <a:rPr lang="en-US" dirty="0">
+                <a:solidFill>
+                  <a:srgbClr val="C00000"/>
+                </a:solidFill>
+              </a:rPr>
+              <a:t>Exponential Mechanism Drawbacks</a:t>
             </a:r>
           </a:p>
         </p:txBody>
       </p:sp>
       <p:sp>
         <p:nvSpPr>
-          <p:cNvPr id="3" name="Content Placeholder 2">
+          <p:cNvPr id="5" name="Content Placeholder 3">
             <a:extLst>
               <a:ext uri="{FF2B5EF4-FFF2-40B4-BE49-F238E27FC236}">
-                <a16:creationId xmlns:a16="http://schemas.microsoft.com/office/drawing/2014/main" id="{25EE93E1-E7F8-AF25-6F87-6F078FDBFB60}"/>
+                <a16:creationId xmlns:a16="http://schemas.microsoft.com/office/drawing/2014/main" id="{46EDD9D9-1338-4BC5-9D28-964A84C143C2}"/>
               </a:ext>
             </a:extLst>
           </p:cNvPr>
@@ -11232,14 +16273,1311 @@
         <p:spPr>
           <a:xfrm>
             <a:off x="838200" y="1825624"/>
-            <a:ext cx="10515600" cy="4422775"/>
+            <a:ext cx="10242755" cy="4342094"/>
           </a:xfrm>
         </p:spPr>
         <p:txBody>
           <a:bodyPr>
-            <a:normAutofit/>
+            <a:noAutofit/>
           </a:bodyPr>
           <a:lstStyle/>
+          <a:p>
+            <a:pPr>
+              <a:buClr>
+                <a:schemeClr val="tx1"/>
+              </a:buClr>
+            </a:pPr>
+            <a:r>
+              <a:rPr lang="en-US" sz="3200" dirty="0"/>
+              <a:t>Sampling process may be inefficient</a:t>
+            </a:r>
+          </a:p>
+          <a:p>
+            <a:pPr>
+              <a:buClr>
+                <a:schemeClr val="tx1"/>
+              </a:buClr>
+            </a:pPr>
+            <a:endParaRPr lang="en-US" sz="3200" dirty="0"/>
+          </a:p>
+          <a:p>
+            <a:pPr>
+              <a:buClr>
+                <a:schemeClr val="tx1"/>
+              </a:buClr>
+            </a:pPr>
+            <a:endParaRPr lang="en-US" sz="3200" dirty="0"/>
+          </a:p>
+          <a:p>
+            <a:pPr>
+              <a:buClr>
+                <a:schemeClr val="tx1"/>
+              </a:buClr>
+            </a:pPr>
+            <a:r>
+              <a:rPr lang="en-US" sz="3200" dirty="0"/>
+              <a:t>Error can be large</a:t>
+            </a:r>
+          </a:p>
+          <a:p>
+            <a:pPr>
+              <a:buClr>
+                <a:schemeClr val="tx1"/>
+              </a:buClr>
+            </a:pPr>
+            <a:endParaRPr lang="en-US" sz="3200" dirty="0"/>
+          </a:p>
+        </p:txBody>
+      </p:sp>
+    </p:spTree>
+    <p:extLst>
+      <p:ext uri="{BB962C8B-B14F-4D97-AF65-F5344CB8AC3E}">
+        <p14:creationId xmlns:p14="http://schemas.microsoft.com/office/powerpoint/2010/main" val="4281656272"/>
+      </p:ext>
+    </p:extLst>
+  </p:cSld>
+  <p:clrMapOvr>
+    <a:masterClrMapping/>
+  </p:clrMapOvr>
+</p:sld>
+</file>
+
+<file path=ppt/slides/slide27.xml><?xml version="1.0" encoding="utf-8"?>
+<p:sld xmlns:a="http://schemas.openxmlformats.org/drawingml/2006/main" xmlns:r="http://schemas.openxmlformats.org/officeDocument/2006/relationships" xmlns:p="http://schemas.openxmlformats.org/presentationml/2006/main">
+  <p:cSld>
+    <p:spTree>
+      <p:nvGrpSpPr>
+        <p:cNvPr id="1" name=""/>
+        <p:cNvGrpSpPr/>
+        <p:nvPr/>
+      </p:nvGrpSpPr>
+      <p:grpSpPr>
+        <a:xfrm>
+          <a:off x="0" y="0"/>
+          <a:ext cx="0" cy="0"/>
+          <a:chOff x="0" y="0"/>
+          <a:chExt cx="0" cy="0"/>
+        </a:xfrm>
+      </p:grpSpPr>
+      <p:sp>
+        <p:nvSpPr>
+          <p:cNvPr id="2" name="Title 1">
+            <a:extLst>
+              <a:ext uri="{FF2B5EF4-FFF2-40B4-BE49-F238E27FC236}">
+                <a16:creationId xmlns:a16="http://schemas.microsoft.com/office/drawing/2014/main" id="{B17419AC-DCE6-4371-8DE2-D617E99D653D}"/>
+              </a:ext>
+            </a:extLst>
+          </p:cNvPr>
+          <p:cNvSpPr>
+            <a:spLocks noGrp="1"/>
+          </p:cNvSpPr>
+          <p:nvPr>
+            <p:ph type="title"/>
+          </p:nvPr>
+        </p:nvSpPr>
+        <p:spPr/>
+        <p:txBody>
+          <a:bodyPr/>
+          <a:lstStyle/>
+          <a:p>
+            <a:r>
+              <a:rPr lang="en-US" dirty="0">
+                <a:solidFill>
+                  <a:srgbClr val="C00000"/>
+                </a:solidFill>
+              </a:rPr>
+              <a:t>Counting Queries</a:t>
+            </a:r>
+          </a:p>
+        </p:txBody>
+      </p:sp>
+      <mc:AlternateContent xmlns:mc="http://schemas.openxmlformats.org/markup-compatibility/2006">
+        <mc:Choice xmlns:a14="http://schemas.microsoft.com/office/drawing/2010/main" Requires="a14">
+          <p:sp>
+            <p:nvSpPr>
+              <p:cNvPr id="5" name="Content Placeholder 3">
+                <a:extLst>
+                  <a:ext uri="{FF2B5EF4-FFF2-40B4-BE49-F238E27FC236}">
+                    <a16:creationId xmlns:a16="http://schemas.microsoft.com/office/drawing/2014/main" id="{46EDD9D9-1338-4BC5-9D28-964A84C143C2}"/>
+                  </a:ext>
+                </a:extLst>
+              </p:cNvPr>
+              <p:cNvSpPr>
+                <a:spLocks noGrp="1"/>
+              </p:cNvSpPr>
+              <p:nvPr>
+                <p:ph idx="1"/>
+              </p:nvPr>
+            </p:nvSpPr>
+            <p:spPr>
+              <a:xfrm>
+                <a:off x="838200" y="1825624"/>
+                <a:ext cx="10242755" cy="4342094"/>
+              </a:xfrm>
+            </p:spPr>
+            <p:txBody>
+              <a:bodyPr>
+                <a:noAutofit/>
+              </a:bodyPr>
+              <a:lstStyle/>
+              <a:p>
+                <a:pPr>
+                  <a:buClr>
+                    <a:schemeClr val="tx1"/>
+                  </a:buClr>
+                </a:pPr>
+                <a:r>
+                  <a:rPr lang="en-US" sz="3200" dirty="0"/>
+                  <a:t>How many people in this class have pets?</a:t>
+                </a:r>
+              </a:p>
+              <a:p>
+                <a:pPr>
+                  <a:buClr>
+                    <a:schemeClr val="tx1"/>
+                  </a:buClr>
+                </a:pPr>
+                <a:r>
+                  <a:rPr lang="en-US" sz="3200" dirty="0"/>
+                  <a:t>How many people in this class were at Kyle Field last weekend?</a:t>
+                </a:r>
+              </a:p>
+              <a:p>
+                <a:pPr>
+                  <a:buClr>
+                    <a:schemeClr val="tx1"/>
+                  </a:buClr>
+                </a:pPr>
+                <a:endParaRPr lang="en-US" sz="3200" dirty="0"/>
+              </a:p>
+              <a:p>
+                <a:pPr>
+                  <a:buClr>
+                    <a:schemeClr val="tx1"/>
+                  </a:buClr>
+                </a:pPr>
+                <a:endParaRPr lang="en-US" sz="3200" dirty="0"/>
+              </a:p>
+              <a:p>
+                <a:pPr>
+                  <a:buClr>
+                    <a:schemeClr val="tx1"/>
+                  </a:buClr>
+                </a:pPr>
+                <a:r>
+                  <a:rPr lang="en-US" sz="3200" dirty="0"/>
+                  <a:t>Suppose we have a set </a:t>
+                </a:r>
+                <a14:m>
+                  <m:oMath xmlns:m="http://schemas.openxmlformats.org/officeDocument/2006/math">
+                    <m:r>
+                      <a:rPr lang="en-US" sz="3200" b="0" i="1" smtClean="0">
+                        <a:solidFill>
+                          <a:srgbClr val="C00000"/>
+                        </a:solidFill>
+                        <a:latin typeface="Cambria Math" panose="02040503050406030204" pitchFamily="18" charset="0"/>
+                      </a:rPr>
+                      <m:t>𝑄</m:t>
+                    </m:r>
+                  </m:oMath>
+                </a14:m>
+                <a:r>
+                  <a:rPr lang="en-US" sz="3200" dirty="0"/>
+                  <a:t> of </a:t>
+                </a:r>
+                <a14:m>
+                  <m:oMath xmlns:m="http://schemas.openxmlformats.org/officeDocument/2006/math">
+                    <m:r>
+                      <a:rPr lang="en-US" sz="3200" b="0" i="1" smtClean="0">
+                        <a:solidFill>
+                          <a:srgbClr val="C00000"/>
+                        </a:solidFill>
+                        <a:latin typeface="Cambria Math" panose="02040503050406030204" pitchFamily="18" charset="0"/>
+                      </a:rPr>
+                      <m:t>𝑞</m:t>
+                    </m:r>
+                  </m:oMath>
+                </a14:m>
+                <a:r>
+                  <a:rPr lang="en-US" sz="3200" dirty="0"/>
+                  <a:t> queries on a database </a:t>
+                </a:r>
+                <a14:m>
+                  <m:oMath xmlns:m="http://schemas.openxmlformats.org/officeDocument/2006/math">
+                    <m:r>
+                      <a:rPr lang="en-US" sz="3200" i="1">
+                        <a:solidFill>
+                          <a:srgbClr val="C00000"/>
+                        </a:solidFill>
+                        <a:latin typeface="Cambria Math" panose="02040503050406030204" pitchFamily="18" charset="0"/>
+                      </a:rPr>
+                      <m:t>𝐷</m:t>
+                    </m:r>
+                  </m:oMath>
+                </a14:m>
+                <a:endParaRPr lang="en-US" sz="3200" dirty="0"/>
+              </a:p>
+              <a:p>
+                <a:pPr>
+                  <a:buClr>
+                    <a:schemeClr val="tx1"/>
+                  </a:buClr>
+                </a:pPr>
+                <a:r>
+                  <a:rPr lang="en-US" sz="3200" dirty="0"/>
+                  <a:t>How do we privately answer the queries?</a:t>
+                </a:r>
+              </a:p>
+            </p:txBody>
+          </p:sp>
+        </mc:Choice>
+        <mc:Fallback>
+          <p:sp>
+            <p:nvSpPr>
+              <p:cNvPr id="5" name="Content Placeholder 3">
+                <a:extLst>
+                  <a:ext uri="{FF2B5EF4-FFF2-40B4-BE49-F238E27FC236}">
+                    <a16:creationId xmlns:a16="http://schemas.microsoft.com/office/drawing/2014/main" id="{46EDD9D9-1338-4BC5-9D28-964A84C143C2}"/>
+                  </a:ext>
+                </a:extLst>
+              </p:cNvPr>
+              <p:cNvSpPr>
+                <a:spLocks noGrp="1" noRot="1" noChangeAspect="1" noMove="1" noResize="1" noEditPoints="1" noAdjustHandles="1" noChangeArrowheads="1" noChangeShapeType="1" noTextEdit="1"/>
+              </p:cNvSpPr>
+              <p:nvPr>
+                <p:ph idx="1"/>
+              </p:nvPr>
+            </p:nvSpPr>
+            <p:spPr>
+              <a:xfrm>
+                <a:off x="838200" y="1825624"/>
+                <a:ext cx="10242755" cy="4342094"/>
+              </a:xfrm>
+              <a:blipFill>
+                <a:blip r:embed="rId3"/>
+                <a:stretch>
+                  <a:fillRect l="-1369" t="-2945"/>
+                </a:stretch>
+              </a:blipFill>
+            </p:spPr>
+            <p:txBody>
+              <a:bodyPr/>
+              <a:lstStyle/>
+              <a:p>
+                <a:r>
+                  <a:rPr lang="en-US">
+                    <a:noFill/>
+                  </a:rPr>
+                  <a:t> </a:t>
+                </a:r>
+              </a:p>
+            </p:txBody>
+          </p:sp>
+        </mc:Fallback>
+      </mc:AlternateContent>
+    </p:spTree>
+    <p:extLst>
+      <p:ext uri="{BB962C8B-B14F-4D97-AF65-F5344CB8AC3E}">
+        <p14:creationId xmlns:p14="http://schemas.microsoft.com/office/powerpoint/2010/main" val="1961927999"/>
+      </p:ext>
+    </p:extLst>
+  </p:cSld>
+  <p:clrMapOvr>
+    <a:masterClrMapping/>
+  </p:clrMapOvr>
+</p:sld>
+</file>
+
+<file path=ppt/slides/slide28.xml><?xml version="1.0" encoding="utf-8"?>
+<p:sld xmlns:a="http://schemas.openxmlformats.org/drawingml/2006/main" xmlns:r="http://schemas.openxmlformats.org/officeDocument/2006/relationships" xmlns:p="http://schemas.openxmlformats.org/presentationml/2006/main">
+  <p:cSld>
+    <p:spTree>
+      <p:nvGrpSpPr>
+        <p:cNvPr id="1" name=""/>
+        <p:cNvGrpSpPr/>
+        <p:nvPr/>
+      </p:nvGrpSpPr>
+      <p:grpSpPr>
+        <a:xfrm>
+          <a:off x="0" y="0"/>
+          <a:ext cx="0" cy="0"/>
+          <a:chOff x="0" y="0"/>
+          <a:chExt cx="0" cy="0"/>
+        </a:xfrm>
+      </p:grpSpPr>
+      <p:sp>
+        <p:nvSpPr>
+          <p:cNvPr id="2" name="Title 1">
+            <a:extLst>
+              <a:ext uri="{FF2B5EF4-FFF2-40B4-BE49-F238E27FC236}">
+                <a16:creationId xmlns:a16="http://schemas.microsoft.com/office/drawing/2014/main" id="{B17419AC-DCE6-4371-8DE2-D617E99D653D}"/>
+              </a:ext>
+            </a:extLst>
+          </p:cNvPr>
+          <p:cNvSpPr>
+            <a:spLocks noGrp="1"/>
+          </p:cNvSpPr>
+          <p:nvPr>
+            <p:ph type="title"/>
+          </p:nvPr>
+        </p:nvSpPr>
+        <p:spPr/>
+        <p:txBody>
+          <a:bodyPr/>
+          <a:lstStyle/>
+          <a:p>
+            <a:r>
+              <a:rPr lang="en-US" dirty="0">
+                <a:solidFill>
+                  <a:srgbClr val="C00000"/>
+                </a:solidFill>
+              </a:rPr>
+              <a:t>Linear Queries</a:t>
+            </a:r>
+          </a:p>
+        </p:txBody>
+      </p:sp>
+      <mc:AlternateContent xmlns:mc="http://schemas.openxmlformats.org/markup-compatibility/2006">
+        <mc:Choice xmlns:a14="http://schemas.microsoft.com/office/drawing/2010/main" Requires="a14">
+          <p:sp>
+            <p:nvSpPr>
+              <p:cNvPr id="5" name="Content Placeholder 3">
+                <a:extLst>
+                  <a:ext uri="{FF2B5EF4-FFF2-40B4-BE49-F238E27FC236}">
+                    <a16:creationId xmlns:a16="http://schemas.microsoft.com/office/drawing/2014/main" id="{46EDD9D9-1338-4BC5-9D28-964A84C143C2}"/>
+                  </a:ext>
+                </a:extLst>
+              </p:cNvPr>
+              <p:cNvSpPr>
+                <a:spLocks noGrp="1"/>
+              </p:cNvSpPr>
+              <p:nvPr>
+                <p:ph idx="1"/>
+              </p:nvPr>
+            </p:nvSpPr>
+            <p:spPr>
+              <a:xfrm>
+                <a:off x="838200" y="1825624"/>
+                <a:ext cx="10242755" cy="4342094"/>
+              </a:xfrm>
+            </p:spPr>
+            <p:txBody>
+              <a:bodyPr>
+                <a:noAutofit/>
+              </a:bodyPr>
+              <a:lstStyle/>
+              <a:p>
+                <a:pPr>
+                  <a:buClr>
+                    <a:schemeClr val="tx1"/>
+                  </a:buClr>
+                </a:pPr>
+                <a:r>
+                  <a:rPr lang="en-US" sz="3200" dirty="0"/>
+                  <a:t>Let </a:t>
+                </a:r>
+                <a14:m>
+                  <m:oMath xmlns:m="http://schemas.openxmlformats.org/officeDocument/2006/math">
+                    <m:r>
+                      <a:rPr lang="en-US" sz="3200" i="1">
+                        <a:solidFill>
+                          <a:srgbClr val="C00000"/>
+                        </a:solidFill>
+                        <a:latin typeface="Cambria Math" panose="02040503050406030204" pitchFamily="18" charset="0"/>
+                      </a:rPr>
+                      <m:t>𝐷</m:t>
+                    </m:r>
+                  </m:oMath>
+                </a14:m>
+                <a:r>
+                  <a:rPr lang="en-US" sz="3200" dirty="0"/>
+                  <a:t> be a database for </a:t>
+                </a:r>
+                <a14:m>
+                  <m:oMath xmlns:m="http://schemas.openxmlformats.org/officeDocument/2006/math">
+                    <m:r>
+                      <a:rPr lang="en-US" sz="3200" b="0" i="1" smtClean="0">
+                        <a:solidFill>
+                          <a:srgbClr val="C00000"/>
+                        </a:solidFill>
+                        <a:latin typeface="Cambria Math" panose="02040503050406030204" pitchFamily="18" charset="0"/>
+                      </a:rPr>
+                      <m:t>𝑑</m:t>
+                    </m:r>
+                  </m:oMath>
+                </a14:m>
+                <a:r>
+                  <a:rPr lang="en-US" sz="3200" dirty="0"/>
+                  <a:t> features on </a:t>
+                </a:r>
+                <a14:m>
+                  <m:oMath xmlns:m="http://schemas.openxmlformats.org/officeDocument/2006/math">
+                    <m:r>
+                      <a:rPr lang="en-US" sz="3200" b="0" i="1" smtClean="0">
+                        <a:solidFill>
+                          <a:srgbClr val="C00000"/>
+                        </a:solidFill>
+                        <a:latin typeface="Cambria Math" panose="02040503050406030204" pitchFamily="18" charset="0"/>
+                      </a:rPr>
+                      <m:t>𝑛</m:t>
+                    </m:r>
+                  </m:oMath>
+                </a14:m>
+                <a:r>
+                  <a:rPr lang="en-US" sz="3200" dirty="0"/>
+                  <a:t> users</a:t>
+                </a:r>
+              </a:p>
+              <a:p>
+                <a:pPr>
+                  <a:buClr>
+                    <a:schemeClr val="tx1"/>
+                  </a:buClr>
+                </a:pPr>
+                <a:r>
+                  <a:rPr lang="en-US" sz="3200" dirty="0"/>
+                  <a:t>Let </a:t>
+                </a:r>
+                <a14:m>
+                  <m:oMath xmlns:m="http://schemas.openxmlformats.org/officeDocument/2006/math">
+                    <m:r>
+                      <a:rPr lang="en-US" sz="3200" b="0" i="1" smtClean="0">
+                        <a:solidFill>
+                          <a:srgbClr val="C00000"/>
+                        </a:solidFill>
+                        <a:latin typeface="Cambria Math" panose="02040503050406030204" pitchFamily="18" charset="0"/>
+                      </a:rPr>
+                      <m:t>𝑓</m:t>
+                    </m:r>
+                    <m:r>
+                      <a:rPr lang="en-US" sz="3200" b="0" i="1" smtClean="0">
+                        <a:solidFill>
+                          <a:srgbClr val="C00000"/>
+                        </a:solidFill>
+                        <a:latin typeface="Cambria Math" panose="02040503050406030204" pitchFamily="18" charset="0"/>
+                      </a:rPr>
+                      <m:t>∈</m:t>
+                    </m:r>
+                    <m:sSup>
+                      <m:sSupPr>
+                        <m:ctrlPr>
+                          <a:rPr lang="en-US" sz="3200" b="0" i="1" smtClean="0">
+                            <a:solidFill>
+                              <a:srgbClr val="C00000"/>
+                            </a:solidFill>
+                            <a:latin typeface="Cambria Math" panose="02040503050406030204" pitchFamily="18" charset="0"/>
+                          </a:rPr>
+                        </m:ctrlPr>
+                      </m:sSupPr>
+                      <m:e>
+                        <m:r>
+                          <a:rPr lang="en-US" sz="3200" b="0" i="1" smtClean="0">
+                            <a:solidFill>
+                              <a:srgbClr val="C00000"/>
+                            </a:solidFill>
+                            <a:latin typeface="Cambria Math" panose="02040503050406030204" pitchFamily="18" charset="0"/>
+                          </a:rPr>
+                          <m:t>ℝ</m:t>
+                        </m:r>
+                      </m:e>
+                      <m:sup>
+                        <m:r>
+                          <a:rPr lang="en-US" sz="3200" b="0" i="1" smtClean="0">
+                            <a:solidFill>
+                              <a:srgbClr val="C00000"/>
+                            </a:solidFill>
+                            <a:latin typeface="Cambria Math" panose="02040503050406030204" pitchFamily="18" charset="0"/>
+                          </a:rPr>
+                          <m:t>𝑑</m:t>
+                        </m:r>
+                      </m:sup>
+                    </m:sSup>
+                  </m:oMath>
+                </a14:m>
+                <a:r>
+                  <a:rPr lang="en-US" sz="3200" dirty="0"/>
+                  <a:t> be the corresponding frequency vector, so that </a:t>
+                </a:r>
+                <a14:m>
+                  <m:oMath xmlns:m="http://schemas.openxmlformats.org/officeDocument/2006/math">
+                    <m:d>
+                      <m:dPr>
+                        <m:begChr m:val="|"/>
+                        <m:endChr m:val="|"/>
+                        <m:ctrlPr>
+                          <a:rPr lang="en-US" sz="3200" b="0" i="1" smtClean="0">
+                            <a:solidFill>
+                              <a:srgbClr val="C00000"/>
+                            </a:solidFill>
+                            <a:latin typeface="Cambria Math" panose="02040503050406030204" pitchFamily="18" charset="0"/>
+                          </a:rPr>
+                        </m:ctrlPr>
+                      </m:dPr>
+                      <m:e>
+                        <m:sSub>
+                          <m:sSubPr>
+                            <m:ctrlPr>
+                              <a:rPr lang="en-US" sz="3200" b="0" i="1" smtClean="0">
+                                <a:solidFill>
+                                  <a:srgbClr val="C00000"/>
+                                </a:solidFill>
+                                <a:latin typeface="Cambria Math" panose="02040503050406030204" pitchFamily="18" charset="0"/>
+                              </a:rPr>
+                            </m:ctrlPr>
+                          </m:sSubPr>
+                          <m:e>
+                            <m:r>
+                              <a:rPr lang="en-US" sz="3200" b="0" i="1" smtClean="0">
+                                <a:solidFill>
+                                  <a:srgbClr val="C00000"/>
+                                </a:solidFill>
+                                <a:latin typeface="Cambria Math" panose="02040503050406030204" pitchFamily="18" charset="0"/>
+                              </a:rPr>
+                              <m:t>𝑓</m:t>
+                            </m:r>
+                          </m:e>
+                          <m:sub>
+                            <m:r>
+                              <a:rPr lang="en-US" sz="3200" b="0" i="1" smtClean="0">
+                                <a:solidFill>
+                                  <a:srgbClr val="C00000"/>
+                                </a:solidFill>
+                                <a:latin typeface="Cambria Math" panose="02040503050406030204" pitchFamily="18" charset="0"/>
+                              </a:rPr>
+                              <m:t>𝑖</m:t>
+                            </m:r>
+                          </m:sub>
+                        </m:sSub>
+                      </m:e>
+                    </m:d>
+                    <m:r>
+                      <a:rPr lang="en-US" sz="3200" b="0" i="1" smtClean="0">
+                        <a:solidFill>
+                          <a:srgbClr val="C00000"/>
+                        </a:solidFill>
+                        <a:latin typeface="Cambria Math" panose="02040503050406030204" pitchFamily="18" charset="0"/>
+                      </a:rPr>
+                      <m:t>≤</m:t>
+                    </m:r>
+                    <m:r>
+                      <a:rPr lang="en-US" sz="3200" b="0" i="1" smtClean="0">
+                        <a:solidFill>
+                          <a:srgbClr val="C00000"/>
+                        </a:solidFill>
+                        <a:latin typeface="Cambria Math" panose="02040503050406030204" pitchFamily="18" charset="0"/>
+                      </a:rPr>
+                      <m:t>𝑛</m:t>
+                    </m:r>
+                  </m:oMath>
+                </a14:m>
+                <a:r>
+                  <a:rPr lang="en-US" sz="3200" dirty="0"/>
+                  <a:t> for all </a:t>
+                </a:r>
+                <a14:m>
+                  <m:oMath xmlns:m="http://schemas.openxmlformats.org/officeDocument/2006/math">
+                    <m:r>
+                      <a:rPr lang="en-US" sz="3200" b="0" i="1" smtClean="0">
+                        <a:solidFill>
+                          <a:srgbClr val="C00000"/>
+                        </a:solidFill>
+                        <a:latin typeface="Cambria Math" panose="02040503050406030204" pitchFamily="18" charset="0"/>
+                      </a:rPr>
+                      <m:t>𝑖</m:t>
+                    </m:r>
+                    <m:r>
+                      <a:rPr lang="en-US" sz="3200" b="0" i="1" smtClean="0">
+                        <a:solidFill>
+                          <a:srgbClr val="C00000"/>
+                        </a:solidFill>
+                        <a:latin typeface="Cambria Math" panose="02040503050406030204" pitchFamily="18" charset="0"/>
+                      </a:rPr>
+                      <m:t>∈[</m:t>
+                    </m:r>
+                    <m:r>
+                      <a:rPr lang="en-US" sz="3200" b="0" i="1" smtClean="0">
+                        <a:solidFill>
+                          <a:srgbClr val="C00000"/>
+                        </a:solidFill>
+                        <a:latin typeface="Cambria Math" panose="02040503050406030204" pitchFamily="18" charset="0"/>
+                      </a:rPr>
+                      <m:t>𝑑</m:t>
+                    </m:r>
+                    <m:r>
+                      <a:rPr lang="en-US" sz="3200" b="0" i="1" smtClean="0">
+                        <a:solidFill>
+                          <a:srgbClr val="C00000"/>
+                        </a:solidFill>
+                        <a:latin typeface="Cambria Math" panose="02040503050406030204" pitchFamily="18" charset="0"/>
+                      </a:rPr>
+                      <m:t>]</m:t>
+                    </m:r>
+                  </m:oMath>
+                </a14:m>
+                <a:endParaRPr lang="en-US" sz="3200" dirty="0"/>
+              </a:p>
+              <a:p>
+                <a:pPr>
+                  <a:buClr>
+                    <a:schemeClr val="tx1"/>
+                  </a:buClr>
+                </a:pPr>
+                <a:endParaRPr lang="en-US" sz="3200" dirty="0"/>
+              </a:p>
+              <a:p>
+                <a:pPr>
+                  <a:buClr>
+                    <a:schemeClr val="tx1"/>
+                  </a:buClr>
+                </a:pPr>
+                <a:r>
+                  <a:rPr lang="en-US" sz="3200" dirty="0"/>
+                  <a:t>A linear query is </a:t>
+                </a:r>
+                <a14:m>
+                  <m:oMath xmlns:m="http://schemas.openxmlformats.org/officeDocument/2006/math">
+                    <m:r>
+                      <a:rPr lang="en-US" sz="3200" b="0" i="1" smtClean="0">
+                        <a:solidFill>
+                          <a:srgbClr val="C00000"/>
+                        </a:solidFill>
+                        <a:latin typeface="Cambria Math" panose="02040503050406030204" pitchFamily="18" charset="0"/>
+                      </a:rPr>
+                      <m:t>ℓ</m:t>
+                    </m:r>
+                    <m:d>
+                      <m:dPr>
+                        <m:ctrlPr>
+                          <a:rPr lang="en-US" sz="3200" b="0" i="1" smtClean="0">
+                            <a:solidFill>
+                              <a:srgbClr val="C00000"/>
+                            </a:solidFill>
+                            <a:latin typeface="Cambria Math" panose="02040503050406030204" pitchFamily="18" charset="0"/>
+                          </a:rPr>
+                        </m:ctrlPr>
+                      </m:dPr>
+                      <m:e>
+                        <m:r>
+                          <a:rPr lang="en-US" sz="3200" b="0" i="1" smtClean="0">
+                            <a:solidFill>
+                              <a:srgbClr val="C00000"/>
+                            </a:solidFill>
+                            <a:latin typeface="Cambria Math" panose="02040503050406030204" pitchFamily="18" charset="0"/>
+                          </a:rPr>
+                          <m:t>𝑓</m:t>
+                        </m:r>
+                      </m:e>
+                    </m:d>
+                    <m:r>
+                      <a:rPr lang="en-US" sz="3200" b="0" i="1" smtClean="0">
+                        <a:solidFill>
+                          <a:srgbClr val="C00000"/>
+                        </a:solidFill>
+                        <a:latin typeface="Cambria Math" panose="02040503050406030204" pitchFamily="18" charset="0"/>
+                      </a:rPr>
+                      <m:t>=</m:t>
+                    </m:r>
+                    <m:f>
+                      <m:fPr>
+                        <m:ctrlPr>
+                          <a:rPr lang="en-US" sz="3200" b="0" i="1" smtClean="0">
+                            <a:solidFill>
+                              <a:srgbClr val="C00000"/>
+                            </a:solidFill>
+                            <a:latin typeface="Cambria Math" panose="02040503050406030204" pitchFamily="18" charset="0"/>
+                          </a:rPr>
+                        </m:ctrlPr>
+                      </m:fPr>
+                      <m:num>
+                        <m:r>
+                          <a:rPr lang="en-US" sz="3200" b="0" i="1" smtClean="0">
+                            <a:solidFill>
+                              <a:srgbClr val="C00000"/>
+                            </a:solidFill>
+                            <a:latin typeface="Cambria Math" panose="02040503050406030204" pitchFamily="18" charset="0"/>
+                          </a:rPr>
+                          <m:t>1</m:t>
+                        </m:r>
+                      </m:num>
+                      <m:den>
+                        <m:r>
+                          <a:rPr lang="en-US" sz="3200" b="0" i="1" smtClean="0">
+                            <a:solidFill>
+                              <a:srgbClr val="C00000"/>
+                            </a:solidFill>
+                            <a:latin typeface="Cambria Math" panose="02040503050406030204" pitchFamily="18" charset="0"/>
+                          </a:rPr>
+                          <m:t>𝑛</m:t>
+                        </m:r>
+                      </m:den>
+                    </m:f>
+                    <m:nary>
+                      <m:naryPr>
+                        <m:chr m:val="∑"/>
+                        <m:ctrlPr>
+                          <a:rPr lang="en-US" sz="3200" b="0" i="1" smtClean="0">
+                            <a:solidFill>
+                              <a:srgbClr val="C00000"/>
+                            </a:solidFill>
+                            <a:latin typeface="Cambria Math" panose="02040503050406030204" pitchFamily="18" charset="0"/>
+                          </a:rPr>
+                        </m:ctrlPr>
+                      </m:naryPr>
+                      <m:sub>
+                        <m:r>
+                          <m:rPr>
+                            <m:brk m:alnAt="23"/>
+                          </m:rPr>
+                          <a:rPr lang="en-US" sz="3200" b="0" i="1" smtClean="0">
+                            <a:solidFill>
+                              <a:srgbClr val="C00000"/>
+                            </a:solidFill>
+                            <a:latin typeface="Cambria Math" panose="02040503050406030204" pitchFamily="18" charset="0"/>
+                          </a:rPr>
+                          <m:t>𝑖</m:t>
+                        </m:r>
+                        <m:r>
+                          <a:rPr lang="en-US" sz="3200" b="0" i="1" smtClean="0">
+                            <a:solidFill>
+                              <a:srgbClr val="C00000"/>
+                            </a:solidFill>
+                            <a:latin typeface="Cambria Math" panose="02040503050406030204" pitchFamily="18" charset="0"/>
+                          </a:rPr>
+                          <m:t>=1</m:t>
+                        </m:r>
+                      </m:sub>
+                      <m:sup>
+                        <m:r>
+                          <a:rPr lang="en-US" sz="3200" b="0" i="1" smtClean="0">
+                            <a:solidFill>
+                              <a:srgbClr val="C00000"/>
+                            </a:solidFill>
+                            <a:latin typeface="Cambria Math" panose="02040503050406030204" pitchFamily="18" charset="0"/>
+                          </a:rPr>
+                          <m:t>𝑑</m:t>
+                        </m:r>
+                      </m:sup>
+                      <m:e>
+                        <m:sSub>
+                          <m:sSubPr>
+                            <m:ctrlPr>
+                              <a:rPr lang="en-US" sz="3200" b="0" i="1" smtClean="0">
+                                <a:solidFill>
+                                  <a:srgbClr val="C00000"/>
+                                </a:solidFill>
+                                <a:latin typeface="Cambria Math" panose="02040503050406030204" pitchFamily="18" charset="0"/>
+                              </a:rPr>
+                            </m:ctrlPr>
+                          </m:sSubPr>
+                          <m:e>
+                            <m:r>
+                              <a:rPr lang="en-US" sz="3200" b="0" i="1" smtClean="0">
+                                <a:solidFill>
+                                  <a:srgbClr val="C00000"/>
+                                </a:solidFill>
+                                <a:latin typeface="Cambria Math" panose="02040503050406030204" pitchFamily="18" charset="0"/>
+                              </a:rPr>
+                              <m:t>𝑎</m:t>
+                            </m:r>
+                          </m:e>
+                          <m:sub>
+                            <m:r>
+                              <a:rPr lang="en-US" sz="3200" b="0" i="1" smtClean="0">
+                                <a:solidFill>
+                                  <a:srgbClr val="C00000"/>
+                                </a:solidFill>
+                                <a:latin typeface="Cambria Math" panose="02040503050406030204" pitchFamily="18" charset="0"/>
+                              </a:rPr>
+                              <m:t>𝑖</m:t>
+                            </m:r>
+                          </m:sub>
+                        </m:sSub>
+                        <m:sSub>
+                          <m:sSubPr>
+                            <m:ctrlPr>
+                              <a:rPr lang="en-US" sz="3200" b="0" i="1" smtClean="0">
+                                <a:solidFill>
+                                  <a:srgbClr val="C00000"/>
+                                </a:solidFill>
+                                <a:latin typeface="Cambria Math" panose="02040503050406030204" pitchFamily="18" charset="0"/>
+                              </a:rPr>
+                            </m:ctrlPr>
+                          </m:sSubPr>
+                          <m:e>
+                            <m:r>
+                              <a:rPr lang="en-US" sz="3200" b="0" i="1" smtClean="0">
+                                <a:solidFill>
+                                  <a:srgbClr val="C00000"/>
+                                </a:solidFill>
+                                <a:latin typeface="Cambria Math" panose="02040503050406030204" pitchFamily="18" charset="0"/>
+                              </a:rPr>
+                              <m:t>𝑓</m:t>
+                            </m:r>
+                          </m:e>
+                          <m:sub>
+                            <m:r>
+                              <a:rPr lang="en-US" sz="3200" b="0" i="1" smtClean="0">
+                                <a:solidFill>
+                                  <a:srgbClr val="C00000"/>
+                                </a:solidFill>
+                                <a:latin typeface="Cambria Math" panose="02040503050406030204" pitchFamily="18" charset="0"/>
+                              </a:rPr>
+                              <m:t>𝑖</m:t>
+                            </m:r>
+                          </m:sub>
+                        </m:sSub>
+                      </m:e>
+                    </m:nary>
+                    <m:r>
+                      <a:rPr lang="en-US" sz="3200" b="0" i="1" smtClean="0">
+                        <a:solidFill>
+                          <a:srgbClr val="C00000"/>
+                        </a:solidFill>
+                        <a:latin typeface="Cambria Math" panose="02040503050406030204" pitchFamily="18" charset="0"/>
+                      </a:rPr>
+                      <m:t>=</m:t>
+                    </m:r>
+                    <m:f>
+                      <m:fPr>
+                        <m:ctrlPr>
+                          <a:rPr lang="en-US" sz="3200" b="0" i="1" smtClean="0">
+                            <a:solidFill>
+                              <a:srgbClr val="C00000"/>
+                            </a:solidFill>
+                            <a:latin typeface="Cambria Math" panose="02040503050406030204" pitchFamily="18" charset="0"/>
+                          </a:rPr>
+                        </m:ctrlPr>
+                      </m:fPr>
+                      <m:num>
+                        <m:r>
+                          <a:rPr lang="en-US" sz="3200" b="0" i="1" smtClean="0">
+                            <a:solidFill>
+                              <a:srgbClr val="C00000"/>
+                            </a:solidFill>
+                            <a:latin typeface="Cambria Math" panose="02040503050406030204" pitchFamily="18" charset="0"/>
+                          </a:rPr>
+                          <m:t>1</m:t>
+                        </m:r>
+                      </m:num>
+                      <m:den>
+                        <m:r>
+                          <a:rPr lang="en-US" sz="3200" b="0" i="1" smtClean="0">
+                            <a:solidFill>
+                              <a:srgbClr val="C00000"/>
+                            </a:solidFill>
+                            <a:latin typeface="Cambria Math" panose="02040503050406030204" pitchFamily="18" charset="0"/>
+                          </a:rPr>
+                          <m:t>𝑛</m:t>
+                        </m:r>
+                      </m:den>
+                    </m:f>
+                    <m:d>
+                      <m:dPr>
+                        <m:ctrlPr>
+                          <a:rPr lang="en-US" sz="3200" b="0" i="1" smtClean="0">
+                            <a:solidFill>
+                              <a:srgbClr val="C00000"/>
+                            </a:solidFill>
+                            <a:latin typeface="Cambria Math" panose="02040503050406030204" pitchFamily="18" charset="0"/>
+                          </a:rPr>
+                        </m:ctrlPr>
+                      </m:dPr>
+                      <m:e>
+                        <m:sSub>
+                          <m:sSubPr>
+                            <m:ctrlPr>
+                              <a:rPr lang="en-US" sz="3200" b="0" i="1" smtClean="0">
+                                <a:solidFill>
+                                  <a:srgbClr val="C00000"/>
+                                </a:solidFill>
+                                <a:latin typeface="Cambria Math" panose="02040503050406030204" pitchFamily="18" charset="0"/>
+                              </a:rPr>
+                            </m:ctrlPr>
+                          </m:sSubPr>
+                          <m:e>
+                            <m:r>
+                              <a:rPr lang="en-US" sz="3200" b="0" i="1" smtClean="0">
+                                <a:solidFill>
+                                  <a:srgbClr val="C00000"/>
+                                </a:solidFill>
+                                <a:latin typeface="Cambria Math" panose="02040503050406030204" pitchFamily="18" charset="0"/>
+                              </a:rPr>
+                              <m:t>𝑎</m:t>
+                            </m:r>
+                          </m:e>
+                          <m:sub>
+                            <m:r>
+                              <a:rPr lang="en-US" sz="3200" b="0" i="1" smtClean="0">
+                                <a:solidFill>
+                                  <a:srgbClr val="C00000"/>
+                                </a:solidFill>
+                                <a:latin typeface="Cambria Math" panose="02040503050406030204" pitchFamily="18" charset="0"/>
+                              </a:rPr>
+                              <m:t>1</m:t>
+                            </m:r>
+                          </m:sub>
+                        </m:sSub>
+                        <m:sSub>
+                          <m:sSubPr>
+                            <m:ctrlPr>
+                              <a:rPr lang="en-US" sz="3200" b="0" i="1" smtClean="0">
+                                <a:solidFill>
+                                  <a:srgbClr val="C00000"/>
+                                </a:solidFill>
+                                <a:latin typeface="Cambria Math" panose="02040503050406030204" pitchFamily="18" charset="0"/>
+                              </a:rPr>
+                            </m:ctrlPr>
+                          </m:sSubPr>
+                          <m:e>
+                            <m:r>
+                              <a:rPr lang="en-US" sz="3200" b="0" i="1" smtClean="0">
+                                <a:solidFill>
+                                  <a:srgbClr val="C00000"/>
+                                </a:solidFill>
+                                <a:latin typeface="Cambria Math" panose="02040503050406030204" pitchFamily="18" charset="0"/>
+                              </a:rPr>
+                              <m:t>𝑓</m:t>
+                            </m:r>
+                          </m:e>
+                          <m:sub>
+                            <m:r>
+                              <a:rPr lang="en-US" sz="3200" b="0" i="1" smtClean="0">
+                                <a:solidFill>
+                                  <a:srgbClr val="C00000"/>
+                                </a:solidFill>
+                                <a:latin typeface="Cambria Math" panose="02040503050406030204" pitchFamily="18" charset="0"/>
+                              </a:rPr>
+                              <m:t>1</m:t>
+                            </m:r>
+                          </m:sub>
+                        </m:sSub>
+                        <m:r>
+                          <a:rPr lang="en-US" sz="3200" b="0" i="1" smtClean="0">
+                            <a:solidFill>
+                              <a:srgbClr val="C00000"/>
+                            </a:solidFill>
+                            <a:latin typeface="Cambria Math" panose="02040503050406030204" pitchFamily="18" charset="0"/>
+                          </a:rPr>
+                          <m:t>+ …+</m:t>
+                        </m:r>
+                        <m:sSub>
+                          <m:sSubPr>
+                            <m:ctrlPr>
+                              <a:rPr lang="en-US" sz="3200" b="0" i="1" smtClean="0">
+                                <a:solidFill>
+                                  <a:srgbClr val="C00000"/>
+                                </a:solidFill>
+                                <a:latin typeface="Cambria Math" panose="02040503050406030204" pitchFamily="18" charset="0"/>
+                              </a:rPr>
+                            </m:ctrlPr>
+                          </m:sSubPr>
+                          <m:e>
+                            <m:r>
+                              <a:rPr lang="en-US" sz="3200" b="0" i="1" smtClean="0">
+                                <a:solidFill>
+                                  <a:srgbClr val="C00000"/>
+                                </a:solidFill>
+                                <a:latin typeface="Cambria Math" panose="02040503050406030204" pitchFamily="18" charset="0"/>
+                              </a:rPr>
+                              <m:t>𝑎</m:t>
+                            </m:r>
+                          </m:e>
+                          <m:sub>
+                            <m:r>
+                              <a:rPr lang="en-US" sz="3200" b="0" i="1" smtClean="0">
+                                <a:solidFill>
+                                  <a:srgbClr val="C00000"/>
+                                </a:solidFill>
+                                <a:latin typeface="Cambria Math" panose="02040503050406030204" pitchFamily="18" charset="0"/>
+                              </a:rPr>
+                              <m:t>𝑑</m:t>
+                            </m:r>
+                          </m:sub>
+                        </m:sSub>
+                        <m:sSub>
+                          <m:sSubPr>
+                            <m:ctrlPr>
+                              <a:rPr lang="en-US" sz="3200" b="0" i="1" smtClean="0">
+                                <a:solidFill>
+                                  <a:srgbClr val="C00000"/>
+                                </a:solidFill>
+                                <a:latin typeface="Cambria Math" panose="02040503050406030204" pitchFamily="18" charset="0"/>
+                              </a:rPr>
+                            </m:ctrlPr>
+                          </m:sSubPr>
+                          <m:e>
+                            <m:r>
+                              <a:rPr lang="en-US" sz="3200" b="0" i="1" smtClean="0">
+                                <a:solidFill>
+                                  <a:srgbClr val="C00000"/>
+                                </a:solidFill>
+                                <a:latin typeface="Cambria Math" panose="02040503050406030204" pitchFamily="18" charset="0"/>
+                              </a:rPr>
+                              <m:t>𝑓</m:t>
+                            </m:r>
+                          </m:e>
+                          <m:sub>
+                            <m:r>
+                              <a:rPr lang="en-US" sz="3200" b="0" i="1" smtClean="0">
+                                <a:solidFill>
+                                  <a:srgbClr val="C00000"/>
+                                </a:solidFill>
+                                <a:latin typeface="Cambria Math" panose="02040503050406030204" pitchFamily="18" charset="0"/>
+                              </a:rPr>
+                              <m:t>𝑑</m:t>
+                            </m:r>
+                          </m:sub>
+                        </m:sSub>
+                      </m:e>
+                    </m:d>
+                  </m:oMath>
+                </a14:m>
+                <a:endParaRPr lang="en-US" sz="3200" dirty="0"/>
+              </a:p>
+              <a:p>
+                <a:pPr>
+                  <a:buClr>
+                    <a:schemeClr val="tx1"/>
+                  </a:buClr>
+                </a:pPr>
+                <a:r>
+                  <a:rPr lang="en-US" sz="3200" dirty="0"/>
+                  <a:t>Suppose we have a set </a:t>
+                </a:r>
+                <a14:m>
+                  <m:oMath xmlns:m="http://schemas.openxmlformats.org/officeDocument/2006/math">
+                    <m:r>
+                      <a:rPr lang="en-US" sz="3200" b="0" i="1" smtClean="0">
+                        <a:solidFill>
+                          <a:srgbClr val="C00000"/>
+                        </a:solidFill>
+                        <a:latin typeface="Cambria Math" panose="02040503050406030204" pitchFamily="18" charset="0"/>
+                      </a:rPr>
+                      <m:t>𝑄</m:t>
+                    </m:r>
+                  </m:oMath>
+                </a14:m>
+                <a:r>
+                  <a:rPr lang="en-US" sz="3200" dirty="0"/>
+                  <a:t> of </a:t>
+                </a:r>
+                <a14:m>
+                  <m:oMath xmlns:m="http://schemas.openxmlformats.org/officeDocument/2006/math">
+                    <m:r>
+                      <a:rPr lang="en-US" sz="3200" b="0" i="1" smtClean="0">
+                        <a:solidFill>
+                          <a:srgbClr val="C00000"/>
+                        </a:solidFill>
+                        <a:latin typeface="Cambria Math" panose="02040503050406030204" pitchFamily="18" charset="0"/>
+                      </a:rPr>
+                      <m:t>𝑞</m:t>
+                    </m:r>
+                  </m:oMath>
+                </a14:m>
+                <a:r>
+                  <a:rPr lang="en-US" sz="3200" dirty="0"/>
+                  <a:t> queries on a database </a:t>
+                </a:r>
+                <a14:m>
+                  <m:oMath xmlns:m="http://schemas.openxmlformats.org/officeDocument/2006/math">
+                    <m:r>
+                      <a:rPr lang="en-US" sz="3200" i="1">
+                        <a:solidFill>
+                          <a:srgbClr val="C00000"/>
+                        </a:solidFill>
+                        <a:latin typeface="Cambria Math" panose="02040503050406030204" pitchFamily="18" charset="0"/>
+                      </a:rPr>
+                      <m:t>𝐷</m:t>
+                    </m:r>
+                  </m:oMath>
+                </a14:m>
+                <a:endParaRPr lang="en-US" sz="3200" dirty="0"/>
+              </a:p>
+              <a:p>
+                <a:pPr>
+                  <a:buClr>
+                    <a:schemeClr val="tx1"/>
+                  </a:buClr>
+                </a:pPr>
+                <a:r>
+                  <a:rPr lang="en-US" sz="3200" dirty="0"/>
+                  <a:t>How do we privately answer the queries?</a:t>
+                </a:r>
+              </a:p>
+            </p:txBody>
+          </p:sp>
+        </mc:Choice>
+        <mc:Fallback>
+          <p:sp>
+            <p:nvSpPr>
+              <p:cNvPr id="5" name="Content Placeholder 3">
+                <a:extLst>
+                  <a:ext uri="{FF2B5EF4-FFF2-40B4-BE49-F238E27FC236}">
+                    <a16:creationId xmlns:a16="http://schemas.microsoft.com/office/drawing/2014/main" id="{46EDD9D9-1338-4BC5-9D28-964A84C143C2}"/>
+                  </a:ext>
+                </a:extLst>
+              </p:cNvPr>
+              <p:cNvSpPr>
+                <a:spLocks noGrp="1" noRot="1" noChangeAspect="1" noMove="1" noResize="1" noEditPoints="1" noAdjustHandles="1" noChangeArrowheads="1" noChangeShapeType="1" noTextEdit="1"/>
+              </p:cNvSpPr>
+              <p:nvPr>
+                <p:ph idx="1"/>
+              </p:nvPr>
+            </p:nvSpPr>
+            <p:spPr>
+              <a:xfrm>
+                <a:off x="838200" y="1825624"/>
+                <a:ext cx="10242755" cy="4342094"/>
+              </a:xfrm>
+              <a:blipFill>
+                <a:blip r:embed="rId3"/>
+                <a:stretch>
+                  <a:fillRect l="-1369" t="-2805" r="-595" b="-6592"/>
+                </a:stretch>
+              </a:blipFill>
+            </p:spPr>
+            <p:txBody>
+              <a:bodyPr/>
+              <a:lstStyle/>
+              <a:p>
+                <a:r>
+                  <a:rPr lang="en-US">
+                    <a:noFill/>
+                  </a:rPr>
+                  <a:t> </a:t>
+                </a:r>
+              </a:p>
+            </p:txBody>
+          </p:sp>
+        </mc:Fallback>
+      </mc:AlternateContent>
+    </p:spTree>
+    <p:extLst>
+      <p:ext uri="{BB962C8B-B14F-4D97-AF65-F5344CB8AC3E}">
+        <p14:creationId xmlns:p14="http://schemas.microsoft.com/office/powerpoint/2010/main" val="475254735"/>
+      </p:ext>
+    </p:extLst>
+  </p:cSld>
+  <p:clrMapOvr>
+    <a:masterClrMapping/>
+  </p:clrMapOvr>
+</p:sld>
+</file>
+
+<file path=ppt/slides/slide29.xml><?xml version="1.0" encoding="utf-8"?>
+<p:sld xmlns:a="http://schemas.openxmlformats.org/drawingml/2006/main" xmlns:r="http://schemas.openxmlformats.org/officeDocument/2006/relationships" xmlns:p="http://schemas.openxmlformats.org/presentationml/2006/main">
+  <p:cSld>
+    <p:spTree>
+      <p:nvGrpSpPr>
+        <p:cNvPr id="1" name=""/>
+        <p:cNvGrpSpPr/>
+        <p:nvPr/>
+      </p:nvGrpSpPr>
+      <p:grpSpPr>
+        <a:xfrm>
+          <a:off x="0" y="0"/>
+          <a:ext cx="0" cy="0"/>
+          <a:chOff x="0" y="0"/>
+          <a:chExt cx="0" cy="0"/>
+        </a:xfrm>
+      </p:grpSpPr>
+      <p:sp>
+        <p:nvSpPr>
+          <p:cNvPr id="2" name="Title 1">
+            <a:extLst>
+              <a:ext uri="{FF2B5EF4-FFF2-40B4-BE49-F238E27FC236}">
+                <a16:creationId xmlns:a16="http://schemas.microsoft.com/office/drawing/2014/main" id="{B17419AC-DCE6-4371-8DE2-D617E99D653D}"/>
+              </a:ext>
+            </a:extLst>
+          </p:cNvPr>
+          <p:cNvSpPr>
+            <a:spLocks noGrp="1"/>
+          </p:cNvSpPr>
+          <p:nvPr>
+            <p:ph type="title"/>
+          </p:nvPr>
+        </p:nvSpPr>
+        <p:spPr/>
+        <p:txBody>
+          <a:bodyPr/>
+          <a:lstStyle/>
+          <a:p>
+            <a:r>
+              <a:rPr lang="en-US" dirty="0">
+                <a:solidFill>
+                  <a:srgbClr val="C00000"/>
+                </a:solidFill>
+              </a:rPr>
+              <a:t>Counting Queries</a:t>
+            </a:r>
+          </a:p>
+        </p:txBody>
+      </p:sp>
+      <p:sp>
+        <p:nvSpPr>
+          <p:cNvPr id="5" name="Content Placeholder 3">
+            <a:extLst>
+              <a:ext uri="{FF2B5EF4-FFF2-40B4-BE49-F238E27FC236}">
+                <a16:creationId xmlns:a16="http://schemas.microsoft.com/office/drawing/2014/main" id="{46EDD9D9-1338-4BC5-9D28-964A84C143C2}"/>
+              </a:ext>
+            </a:extLst>
+          </p:cNvPr>
+          <p:cNvSpPr>
+            <a:spLocks noGrp="1"/>
+          </p:cNvSpPr>
+          <p:nvPr>
+            <p:ph idx="1"/>
+          </p:nvPr>
+        </p:nvSpPr>
+        <p:spPr>
+          <a:xfrm>
+            <a:off x="838200" y="1825624"/>
+            <a:ext cx="10242755" cy="4342094"/>
+          </a:xfrm>
+        </p:spPr>
+        <p:txBody>
+          <a:bodyPr>
+            <a:noAutofit/>
+          </a:bodyPr>
+          <a:lstStyle/>
+          <a:p>
+            <a:pPr>
+              <a:buClr>
+                <a:schemeClr val="tx1"/>
+              </a:buClr>
+            </a:pPr>
+            <a:r>
+              <a:rPr lang="en-US" sz="3200" dirty="0"/>
+              <a:t>How many people in this class have pets?</a:t>
+            </a:r>
+          </a:p>
+          <a:p>
+            <a:pPr>
+              <a:buClr>
+                <a:schemeClr val="tx1"/>
+              </a:buClr>
+            </a:pPr>
+            <a:r>
+              <a:rPr lang="en-US" sz="3200" dirty="0"/>
+              <a:t>How many people in this class besides the instructor have pets?</a:t>
+            </a:r>
+          </a:p>
+          <a:p>
+            <a:pPr>
+              <a:buClr>
+                <a:schemeClr val="tx1"/>
+              </a:buClr>
+            </a:pPr>
+            <a:endParaRPr lang="en-US" sz="3200" dirty="0"/>
+          </a:p>
+          <a:p>
+            <a:pPr>
+              <a:buClr>
+                <a:schemeClr val="tx1"/>
+              </a:buClr>
+            </a:pPr>
+            <a:endParaRPr lang="en-US" sz="3200" dirty="0"/>
+          </a:p>
           <a:p>
             <a:pPr>
               <a:buClr>
@@ -11252,31 +17590,11 @@
                   <a:srgbClr val="00B050"/>
                 </a:solidFill>
               </a:rPr>
-              <a:t>Chapter 1-3 </a:t>
+              <a:t>Intuition</a:t>
             </a:r>
             <a:r>
               <a:rPr lang="en-US" sz="3200" dirty="0"/>
-              <a:t>of</a:t>
-            </a:r>
-            <a:r>
-              <a:rPr lang="en-US" sz="3200" dirty="0">
-                <a:solidFill>
-                  <a:srgbClr val="00B050"/>
-                </a:solidFill>
-              </a:rPr>
-              <a:t> “The Algorithmic Foundations of Differential Privacy”</a:t>
-            </a:r>
-            <a:r>
-              <a:rPr lang="en-US" sz="3200" dirty="0"/>
-              <a:t>, by Cynthia </a:t>
-            </a:r>
-            <a:r>
-              <a:rPr lang="en-US" sz="3200" dirty="0" err="1"/>
-              <a:t>Dwork</a:t>
-            </a:r>
-            <a:r>
-              <a:rPr lang="en-US" sz="3200" dirty="0"/>
-              <a:t> and Aaron Roth (https://www.cis.upenn.edu/~aaroth/Papers/privacybook.pdf)</a:t>
+              <a:t>: we do not need to use additional privacy budget to answer the second query</a:t>
             </a:r>
           </a:p>
         </p:txBody>
@@ -11284,7 +17602,7 @@
     </p:spTree>
     <p:extLst>
       <p:ext uri="{BB962C8B-B14F-4D97-AF65-F5344CB8AC3E}">
-        <p14:creationId xmlns:p14="http://schemas.microsoft.com/office/powerpoint/2010/main" val="3080056289"/>
+        <p14:creationId xmlns:p14="http://schemas.microsoft.com/office/powerpoint/2010/main" val="977995406"/>
       </p:ext>
     </p:extLst>
   </p:cSld>
@@ -12464,6 +18782,2816 @@
     <p:extLst>
       <p:ext uri="{BB962C8B-B14F-4D97-AF65-F5344CB8AC3E}">
         <p14:creationId xmlns:p14="http://schemas.microsoft.com/office/powerpoint/2010/main" val="450719176"/>
+      </p:ext>
+    </p:extLst>
+  </p:cSld>
+  <p:clrMapOvr>
+    <a:masterClrMapping/>
+  </p:clrMapOvr>
+</p:sld>
+</file>
+
+<file path=ppt/slides/slide30.xml><?xml version="1.0" encoding="utf-8"?>
+<p:sld xmlns:a="http://schemas.openxmlformats.org/drawingml/2006/main" xmlns:r="http://schemas.openxmlformats.org/officeDocument/2006/relationships" xmlns:p="http://schemas.openxmlformats.org/presentationml/2006/main">
+  <p:cSld>
+    <p:spTree>
+      <p:nvGrpSpPr>
+        <p:cNvPr id="1" name=""/>
+        <p:cNvGrpSpPr/>
+        <p:nvPr/>
+      </p:nvGrpSpPr>
+      <p:grpSpPr>
+        <a:xfrm>
+          <a:off x="0" y="0"/>
+          <a:ext cx="0" cy="0"/>
+          <a:chOff x="0" y="0"/>
+          <a:chExt cx="0" cy="0"/>
+        </a:xfrm>
+      </p:grpSpPr>
+      <p:sp>
+        <p:nvSpPr>
+          <p:cNvPr id="2" name="Title 1">
+            <a:extLst>
+              <a:ext uri="{FF2B5EF4-FFF2-40B4-BE49-F238E27FC236}">
+                <a16:creationId xmlns:a16="http://schemas.microsoft.com/office/drawing/2014/main" id="{B17419AC-DCE6-4371-8DE2-D617E99D653D}"/>
+              </a:ext>
+            </a:extLst>
+          </p:cNvPr>
+          <p:cNvSpPr>
+            <a:spLocks noGrp="1"/>
+          </p:cNvSpPr>
+          <p:nvPr>
+            <p:ph type="title"/>
+          </p:nvPr>
+        </p:nvSpPr>
+        <p:spPr/>
+        <p:txBody>
+          <a:bodyPr/>
+          <a:lstStyle/>
+          <a:p>
+            <a:r>
+              <a:rPr lang="en-US" dirty="0">
+                <a:solidFill>
+                  <a:srgbClr val="C00000"/>
+                </a:solidFill>
+              </a:rPr>
+              <a:t>Linear Queries</a:t>
+            </a:r>
+          </a:p>
+        </p:txBody>
+      </p:sp>
+      <mc:AlternateContent xmlns:mc="http://schemas.openxmlformats.org/markup-compatibility/2006">
+        <mc:Choice xmlns:a14="http://schemas.microsoft.com/office/drawing/2010/main" Requires="a14">
+          <p:sp>
+            <p:nvSpPr>
+              <p:cNvPr id="5" name="Content Placeholder 3">
+                <a:extLst>
+                  <a:ext uri="{FF2B5EF4-FFF2-40B4-BE49-F238E27FC236}">
+                    <a16:creationId xmlns:a16="http://schemas.microsoft.com/office/drawing/2014/main" id="{46EDD9D9-1338-4BC5-9D28-964A84C143C2}"/>
+                  </a:ext>
+                </a:extLst>
+              </p:cNvPr>
+              <p:cNvSpPr>
+                <a:spLocks noGrp="1"/>
+              </p:cNvSpPr>
+              <p:nvPr>
+                <p:ph idx="1"/>
+              </p:nvPr>
+            </p:nvSpPr>
+            <p:spPr>
+              <a:xfrm>
+                <a:off x="838200" y="1825624"/>
+                <a:ext cx="10242755" cy="4342094"/>
+              </a:xfrm>
+            </p:spPr>
+            <p:txBody>
+              <a:bodyPr>
+                <a:noAutofit/>
+              </a:bodyPr>
+              <a:lstStyle/>
+              <a:p>
+                <a:pPr>
+                  <a:buClr>
+                    <a:schemeClr val="tx1"/>
+                  </a:buClr>
+                </a:pPr>
+                <a:r>
+                  <a:rPr lang="en-US" sz="3200" dirty="0"/>
+                  <a:t>Let </a:t>
+                </a:r>
+                <a14:m>
+                  <m:oMath xmlns:m="http://schemas.openxmlformats.org/officeDocument/2006/math">
+                    <m:r>
+                      <a:rPr lang="en-US" sz="3200" i="1">
+                        <a:solidFill>
+                          <a:srgbClr val="C00000"/>
+                        </a:solidFill>
+                        <a:latin typeface="Cambria Math" panose="02040503050406030204" pitchFamily="18" charset="0"/>
+                      </a:rPr>
+                      <m:t>𝐷</m:t>
+                    </m:r>
+                  </m:oMath>
+                </a14:m>
+                <a:r>
+                  <a:rPr lang="en-US" sz="3200" dirty="0"/>
+                  <a:t> be a database for </a:t>
+                </a:r>
+                <a14:m>
+                  <m:oMath xmlns:m="http://schemas.openxmlformats.org/officeDocument/2006/math">
+                    <m:r>
+                      <a:rPr lang="en-US" sz="3200" b="0" i="1" smtClean="0">
+                        <a:solidFill>
+                          <a:srgbClr val="C00000"/>
+                        </a:solidFill>
+                        <a:latin typeface="Cambria Math" panose="02040503050406030204" pitchFamily="18" charset="0"/>
+                      </a:rPr>
+                      <m:t>𝑑</m:t>
+                    </m:r>
+                  </m:oMath>
+                </a14:m>
+                <a:r>
+                  <a:rPr lang="en-US" sz="3200" dirty="0"/>
+                  <a:t> features on </a:t>
+                </a:r>
+                <a14:m>
+                  <m:oMath xmlns:m="http://schemas.openxmlformats.org/officeDocument/2006/math">
+                    <m:r>
+                      <a:rPr lang="en-US" sz="3200" b="0" i="1" smtClean="0">
+                        <a:solidFill>
+                          <a:srgbClr val="C00000"/>
+                        </a:solidFill>
+                        <a:latin typeface="Cambria Math" panose="02040503050406030204" pitchFamily="18" charset="0"/>
+                      </a:rPr>
+                      <m:t>𝑛</m:t>
+                    </m:r>
+                  </m:oMath>
+                </a14:m>
+                <a:r>
+                  <a:rPr lang="en-US" sz="3200" dirty="0"/>
+                  <a:t> users</a:t>
+                </a:r>
+              </a:p>
+              <a:p>
+                <a:pPr>
+                  <a:buClr>
+                    <a:schemeClr val="tx1"/>
+                  </a:buClr>
+                </a:pPr>
+                <a:r>
+                  <a:rPr lang="en-US" sz="3200" dirty="0"/>
+                  <a:t>A linear query is </a:t>
+                </a:r>
+                <a14:m>
+                  <m:oMath xmlns:m="http://schemas.openxmlformats.org/officeDocument/2006/math">
+                    <m:r>
+                      <a:rPr lang="en-US" sz="3200" b="0" i="1" smtClean="0">
+                        <a:solidFill>
+                          <a:srgbClr val="C00000"/>
+                        </a:solidFill>
+                        <a:latin typeface="Cambria Math" panose="02040503050406030204" pitchFamily="18" charset="0"/>
+                      </a:rPr>
+                      <m:t>ℓ</m:t>
+                    </m:r>
+                    <m:d>
+                      <m:dPr>
+                        <m:ctrlPr>
+                          <a:rPr lang="en-US" sz="3200" b="0" i="1" smtClean="0">
+                            <a:solidFill>
+                              <a:srgbClr val="C00000"/>
+                            </a:solidFill>
+                            <a:latin typeface="Cambria Math" panose="02040503050406030204" pitchFamily="18" charset="0"/>
+                          </a:rPr>
+                        </m:ctrlPr>
+                      </m:dPr>
+                      <m:e>
+                        <m:r>
+                          <a:rPr lang="en-US" sz="3200" b="0" i="1" smtClean="0">
+                            <a:solidFill>
+                              <a:srgbClr val="C00000"/>
+                            </a:solidFill>
+                            <a:latin typeface="Cambria Math" panose="02040503050406030204" pitchFamily="18" charset="0"/>
+                          </a:rPr>
+                          <m:t>𝑓</m:t>
+                        </m:r>
+                      </m:e>
+                    </m:d>
+                    <m:r>
+                      <a:rPr lang="en-US" sz="3200" b="0" i="1" smtClean="0">
+                        <a:solidFill>
+                          <a:srgbClr val="C00000"/>
+                        </a:solidFill>
+                        <a:latin typeface="Cambria Math" panose="02040503050406030204" pitchFamily="18" charset="0"/>
+                      </a:rPr>
+                      <m:t>=</m:t>
+                    </m:r>
+                    <m:f>
+                      <m:fPr>
+                        <m:ctrlPr>
+                          <a:rPr lang="en-US" sz="3200" b="0" i="1" smtClean="0">
+                            <a:solidFill>
+                              <a:srgbClr val="C00000"/>
+                            </a:solidFill>
+                            <a:latin typeface="Cambria Math" panose="02040503050406030204" pitchFamily="18" charset="0"/>
+                          </a:rPr>
+                        </m:ctrlPr>
+                      </m:fPr>
+                      <m:num>
+                        <m:r>
+                          <a:rPr lang="en-US" sz="3200" b="0" i="1" smtClean="0">
+                            <a:solidFill>
+                              <a:srgbClr val="C00000"/>
+                            </a:solidFill>
+                            <a:latin typeface="Cambria Math" panose="02040503050406030204" pitchFamily="18" charset="0"/>
+                          </a:rPr>
+                          <m:t>1</m:t>
+                        </m:r>
+                      </m:num>
+                      <m:den>
+                        <m:r>
+                          <a:rPr lang="en-US" sz="3200" b="0" i="1" smtClean="0">
+                            <a:solidFill>
+                              <a:srgbClr val="C00000"/>
+                            </a:solidFill>
+                            <a:latin typeface="Cambria Math" panose="02040503050406030204" pitchFamily="18" charset="0"/>
+                          </a:rPr>
+                          <m:t>𝑛</m:t>
+                        </m:r>
+                      </m:den>
+                    </m:f>
+                    <m:nary>
+                      <m:naryPr>
+                        <m:chr m:val="∑"/>
+                        <m:ctrlPr>
+                          <a:rPr lang="en-US" sz="3200" b="0" i="1" smtClean="0">
+                            <a:solidFill>
+                              <a:srgbClr val="C00000"/>
+                            </a:solidFill>
+                            <a:latin typeface="Cambria Math" panose="02040503050406030204" pitchFamily="18" charset="0"/>
+                          </a:rPr>
+                        </m:ctrlPr>
+                      </m:naryPr>
+                      <m:sub>
+                        <m:r>
+                          <m:rPr>
+                            <m:brk m:alnAt="23"/>
+                          </m:rPr>
+                          <a:rPr lang="en-US" sz="3200" b="0" i="1" smtClean="0">
+                            <a:solidFill>
+                              <a:srgbClr val="C00000"/>
+                            </a:solidFill>
+                            <a:latin typeface="Cambria Math" panose="02040503050406030204" pitchFamily="18" charset="0"/>
+                          </a:rPr>
+                          <m:t>𝑖</m:t>
+                        </m:r>
+                        <m:r>
+                          <a:rPr lang="en-US" sz="3200" b="0" i="1" smtClean="0">
+                            <a:solidFill>
+                              <a:srgbClr val="C00000"/>
+                            </a:solidFill>
+                            <a:latin typeface="Cambria Math" panose="02040503050406030204" pitchFamily="18" charset="0"/>
+                          </a:rPr>
+                          <m:t>=1</m:t>
+                        </m:r>
+                      </m:sub>
+                      <m:sup>
+                        <m:r>
+                          <a:rPr lang="en-US" sz="3200" b="0" i="1" smtClean="0">
+                            <a:solidFill>
+                              <a:srgbClr val="C00000"/>
+                            </a:solidFill>
+                            <a:latin typeface="Cambria Math" panose="02040503050406030204" pitchFamily="18" charset="0"/>
+                          </a:rPr>
+                          <m:t>𝑑</m:t>
+                        </m:r>
+                      </m:sup>
+                      <m:e>
+                        <m:sSub>
+                          <m:sSubPr>
+                            <m:ctrlPr>
+                              <a:rPr lang="en-US" sz="3200" b="0" i="1" smtClean="0">
+                                <a:solidFill>
+                                  <a:srgbClr val="C00000"/>
+                                </a:solidFill>
+                                <a:latin typeface="Cambria Math" panose="02040503050406030204" pitchFamily="18" charset="0"/>
+                              </a:rPr>
+                            </m:ctrlPr>
+                          </m:sSubPr>
+                          <m:e>
+                            <m:r>
+                              <a:rPr lang="en-US" sz="3200" b="0" i="1" smtClean="0">
+                                <a:solidFill>
+                                  <a:srgbClr val="C00000"/>
+                                </a:solidFill>
+                                <a:latin typeface="Cambria Math" panose="02040503050406030204" pitchFamily="18" charset="0"/>
+                              </a:rPr>
+                              <m:t>𝑎</m:t>
+                            </m:r>
+                          </m:e>
+                          <m:sub>
+                            <m:r>
+                              <a:rPr lang="en-US" sz="3200" b="0" i="1" smtClean="0">
+                                <a:solidFill>
+                                  <a:srgbClr val="C00000"/>
+                                </a:solidFill>
+                                <a:latin typeface="Cambria Math" panose="02040503050406030204" pitchFamily="18" charset="0"/>
+                              </a:rPr>
+                              <m:t>𝑖</m:t>
+                            </m:r>
+                          </m:sub>
+                        </m:sSub>
+                        <m:sSub>
+                          <m:sSubPr>
+                            <m:ctrlPr>
+                              <a:rPr lang="en-US" sz="3200" b="0" i="1" smtClean="0">
+                                <a:solidFill>
+                                  <a:srgbClr val="C00000"/>
+                                </a:solidFill>
+                                <a:latin typeface="Cambria Math" panose="02040503050406030204" pitchFamily="18" charset="0"/>
+                              </a:rPr>
+                            </m:ctrlPr>
+                          </m:sSubPr>
+                          <m:e>
+                            <m:r>
+                              <a:rPr lang="en-US" sz="3200" b="0" i="1" smtClean="0">
+                                <a:solidFill>
+                                  <a:srgbClr val="C00000"/>
+                                </a:solidFill>
+                                <a:latin typeface="Cambria Math" panose="02040503050406030204" pitchFamily="18" charset="0"/>
+                              </a:rPr>
+                              <m:t>𝑓</m:t>
+                            </m:r>
+                          </m:e>
+                          <m:sub>
+                            <m:r>
+                              <a:rPr lang="en-US" sz="3200" b="0" i="1" smtClean="0">
+                                <a:solidFill>
+                                  <a:srgbClr val="C00000"/>
+                                </a:solidFill>
+                                <a:latin typeface="Cambria Math" panose="02040503050406030204" pitchFamily="18" charset="0"/>
+                              </a:rPr>
+                              <m:t>𝑖</m:t>
+                            </m:r>
+                          </m:sub>
+                        </m:sSub>
+                      </m:e>
+                    </m:nary>
+                    <m:r>
+                      <a:rPr lang="en-US" sz="3200" b="0" i="1" smtClean="0">
+                        <a:solidFill>
+                          <a:srgbClr val="C00000"/>
+                        </a:solidFill>
+                        <a:latin typeface="Cambria Math" panose="02040503050406030204" pitchFamily="18" charset="0"/>
+                      </a:rPr>
+                      <m:t>=</m:t>
+                    </m:r>
+                    <m:f>
+                      <m:fPr>
+                        <m:ctrlPr>
+                          <a:rPr lang="en-US" sz="3200" b="0" i="1" smtClean="0">
+                            <a:solidFill>
+                              <a:srgbClr val="C00000"/>
+                            </a:solidFill>
+                            <a:latin typeface="Cambria Math" panose="02040503050406030204" pitchFamily="18" charset="0"/>
+                          </a:rPr>
+                        </m:ctrlPr>
+                      </m:fPr>
+                      <m:num>
+                        <m:r>
+                          <a:rPr lang="en-US" sz="3200" b="0" i="1" smtClean="0">
+                            <a:solidFill>
+                              <a:srgbClr val="C00000"/>
+                            </a:solidFill>
+                            <a:latin typeface="Cambria Math" panose="02040503050406030204" pitchFamily="18" charset="0"/>
+                          </a:rPr>
+                          <m:t>1</m:t>
+                        </m:r>
+                      </m:num>
+                      <m:den>
+                        <m:r>
+                          <a:rPr lang="en-US" sz="3200" b="0" i="1" smtClean="0">
+                            <a:solidFill>
+                              <a:srgbClr val="C00000"/>
+                            </a:solidFill>
+                            <a:latin typeface="Cambria Math" panose="02040503050406030204" pitchFamily="18" charset="0"/>
+                          </a:rPr>
+                          <m:t>𝑛</m:t>
+                        </m:r>
+                      </m:den>
+                    </m:f>
+                    <m:d>
+                      <m:dPr>
+                        <m:ctrlPr>
+                          <a:rPr lang="en-US" sz="3200" b="0" i="1" smtClean="0">
+                            <a:solidFill>
+                              <a:srgbClr val="C00000"/>
+                            </a:solidFill>
+                            <a:latin typeface="Cambria Math" panose="02040503050406030204" pitchFamily="18" charset="0"/>
+                          </a:rPr>
+                        </m:ctrlPr>
+                      </m:dPr>
+                      <m:e>
+                        <m:sSub>
+                          <m:sSubPr>
+                            <m:ctrlPr>
+                              <a:rPr lang="en-US" sz="3200" b="0" i="1" smtClean="0">
+                                <a:solidFill>
+                                  <a:srgbClr val="C00000"/>
+                                </a:solidFill>
+                                <a:latin typeface="Cambria Math" panose="02040503050406030204" pitchFamily="18" charset="0"/>
+                              </a:rPr>
+                            </m:ctrlPr>
+                          </m:sSubPr>
+                          <m:e>
+                            <m:r>
+                              <a:rPr lang="en-US" sz="3200" b="0" i="1" smtClean="0">
+                                <a:solidFill>
+                                  <a:srgbClr val="C00000"/>
+                                </a:solidFill>
+                                <a:latin typeface="Cambria Math" panose="02040503050406030204" pitchFamily="18" charset="0"/>
+                              </a:rPr>
+                              <m:t>𝑎</m:t>
+                            </m:r>
+                          </m:e>
+                          <m:sub>
+                            <m:r>
+                              <a:rPr lang="en-US" sz="3200" b="0" i="1" smtClean="0">
+                                <a:solidFill>
+                                  <a:srgbClr val="C00000"/>
+                                </a:solidFill>
+                                <a:latin typeface="Cambria Math" panose="02040503050406030204" pitchFamily="18" charset="0"/>
+                              </a:rPr>
+                              <m:t>1</m:t>
+                            </m:r>
+                          </m:sub>
+                        </m:sSub>
+                        <m:sSub>
+                          <m:sSubPr>
+                            <m:ctrlPr>
+                              <a:rPr lang="en-US" sz="3200" b="0" i="1" smtClean="0">
+                                <a:solidFill>
+                                  <a:srgbClr val="C00000"/>
+                                </a:solidFill>
+                                <a:latin typeface="Cambria Math" panose="02040503050406030204" pitchFamily="18" charset="0"/>
+                              </a:rPr>
+                            </m:ctrlPr>
+                          </m:sSubPr>
+                          <m:e>
+                            <m:r>
+                              <a:rPr lang="en-US" sz="3200" b="0" i="1" smtClean="0">
+                                <a:solidFill>
+                                  <a:srgbClr val="C00000"/>
+                                </a:solidFill>
+                                <a:latin typeface="Cambria Math" panose="02040503050406030204" pitchFamily="18" charset="0"/>
+                              </a:rPr>
+                              <m:t>𝑓</m:t>
+                            </m:r>
+                          </m:e>
+                          <m:sub>
+                            <m:r>
+                              <a:rPr lang="en-US" sz="3200" b="0" i="1" smtClean="0">
+                                <a:solidFill>
+                                  <a:srgbClr val="C00000"/>
+                                </a:solidFill>
+                                <a:latin typeface="Cambria Math" panose="02040503050406030204" pitchFamily="18" charset="0"/>
+                              </a:rPr>
+                              <m:t>1</m:t>
+                            </m:r>
+                          </m:sub>
+                        </m:sSub>
+                        <m:r>
+                          <a:rPr lang="en-US" sz="3200" b="0" i="1" smtClean="0">
+                            <a:solidFill>
+                              <a:srgbClr val="C00000"/>
+                            </a:solidFill>
+                            <a:latin typeface="Cambria Math" panose="02040503050406030204" pitchFamily="18" charset="0"/>
+                          </a:rPr>
+                          <m:t>+ …+</m:t>
+                        </m:r>
+                        <m:sSub>
+                          <m:sSubPr>
+                            <m:ctrlPr>
+                              <a:rPr lang="en-US" sz="3200" b="0" i="1" smtClean="0">
+                                <a:solidFill>
+                                  <a:srgbClr val="C00000"/>
+                                </a:solidFill>
+                                <a:latin typeface="Cambria Math" panose="02040503050406030204" pitchFamily="18" charset="0"/>
+                              </a:rPr>
+                            </m:ctrlPr>
+                          </m:sSubPr>
+                          <m:e>
+                            <m:r>
+                              <a:rPr lang="en-US" sz="3200" b="0" i="1" smtClean="0">
+                                <a:solidFill>
+                                  <a:srgbClr val="C00000"/>
+                                </a:solidFill>
+                                <a:latin typeface="Cambria Math" panose="02040503050406030204" pitchFamily="18" charset="0"/>
+                              </a:rPr>
+                              <m:t>𝑎</m:t>
+                            </m:r>
+                          </m:e>
+                          <m:sub>
+                            <m:r>
+                              <a:rPr lang="en-US" sz="3200" b="0" i="1" smtClean="0">
+                                <a:solidFill>
+                                  <a:srgbClr val="C00000"/>
+                                </a:solidFill>
+                                <a:latin typeface="Cambria Math" panose="02040503050406030204" pitchFamily="18" charset="0"/>
+                              </a:rPr>
+                              <m:t>𝑑</m:t>
+                            </m:r>
+                          </m:sub>
+                        </m:sSub>
+                        <m:sSub>
+                          <m:sSubPr>
+                            <m:ctrlPr>
+                              <a:rPr lang="en-US" sz="3200" b="0" i="1" smtClean="0">
+                                <a:solidFill>
+                                  <a:srgbClr val="C00000"/>
+                                </a:solidFill>
+                                <a:latin typeface="Cambria Math" panose="02040503050406030204" pitchFamily="18" charset="0"/>
+                              </a:rPr>
+                            </m:ctrlPr>
+                          </m:sSubPr>
+                          <m:e>
+                            <m:r>
+                              <a:rPr lang="en-US" sz="3200" b="0" i="1" smtClean="0">
+                                <a:solidFill>
+                                  <a:srgbClr val="C00000"/>
+                                </a:solidFill>
+                                <a:latin typeface="Cambria Math" panose="02040503050406030204" pitchFamily="18" charset="0"/>
+                              </a:rPr>
+                              <m:t>𝑓</m:t>
+                            </m:r>
+                          </m:e>
+                          <m:sub>
+                            <m:r>
+                              <a:rPr lang="en-US" sz="3200" b="0" i="1" smtClean="0">
+                                <a:solidFill>
+                                  <a:srgbClr val="C00000"/>
+                                </a:solidFill>
+                                <a:latin typeface="Cambria Math" panose="02040503050406030204" pitchFamily="18" charset="0"/>
+                              </a:rPr>
+                              <m:t>𝑑</m:t>
+                            </m:r>
+                          </m:sub>
+                        </m:sSub>
+                      </m:e>
+                    </m:d>
+                  </m:oMath>
+                </a14:m>
+                <a:endParaRPr lang="en-US" sz="3200" dirty="0"/>
+              </a:p>
+              <a:p>
+                <a:pPr>
+                  <a:buClr>
+                    <a:schemeClr val="tx1"/>
+                  </a:buClr>
+                </a:pPr>
+                <a:r>
+                  <a:rPr lang="en-US" sz="3200" dirty="0"/>
+                  <a:t>Suppose we have a set </a:t>
+                </a:r>
+                <a14:m>
+                  <m:oMath xmlns:m="http://schemas.openxmlformats.org/officeDocument/2006/math">
+                    <m:r>
+                      <a:rPr lang="en-US" sz="3200" b="0" i="1" smtClean="0">
+                        <a:solidFill>
+                          <a:srgbClr val="C00000"/>
+                        </a:solidFill>
+                        <a:latin typeface="Cambria Math" panose="02040503050406030204" pitchFamily="18" charset="0"/>
+                      </a:rPr>
+                      <m:t>𝑄</m:t>
+                    </m:r>
+                  </m:oMath>
+                </a14:m>
+                <a:r>
+                  <a:rPr lang="en-US" sz="3200" dirty="0"/>
+                  <a:t> of </a:t>
+                </a:r>
+                <a14:m>
+                  <m:oMath xmlns:m="http://schemas.openxmlformats.org/officeDocument/2006/math">
+                    <m:r>
+                      <a:rPr lang="en-US" sz="3200" b="0" i="1" smtClean="0">
+                        <a:solidFill>
+                          <a:srgbClr val="C00000"/>
+                        </a:solidFill>
+                        <a:latin typeface="Cambria Math" panose="02040503050406030204" pitchFamily="18" charset="0"/>
+                      </a:rPr>
+                      <m:t>𝑞</m:t>
+                    </m:r>
+                  </m:oMath>
+                </a14:m>
+                <a:r>
+                  <a:rPr lang="en-US" sz="3200" dirty="0"/>
+                  <a:t> queries on a database </a:t>
+                </a:r>
+                <a14:m>
+                  <m:oMath xmlns:m="http://schemas.openxmlformats.org/officeDocument/2006/math">
+                    <m:r>
+                      <a:rPr lang="en-US" sz="3200" i="1">
+                        <a:solidFill>
+                          <a:srgbClr val="C00000"/>
+                        </a:solidFill>
+                        <a:latin typeface="Cambria Math" panose="02040503050406030204" pitchFamily="18" charset="0"/>
+                      </a:rPr>
+                      <m:t>𝐷</m:t>
+                    </m:r>
+                  </m:oMath>
+                </a14:m>
+                <a:endParaRPr lang="en-US" sz="3200" dirty="0"/>
+              </a:p>
+              <a:p>
+                <a:pPr>
+                  <a:buClr>
+                    <a:schemeClr val="tx1"/>
+                  </a:buClr>
+                </a:pPr>
+                <a:endParaRPr lang="en-US" sz="3200" dirty="0"/>
+              </a:p>
+              <a:p>
+                <a:pPr>
+                  <a:buClr>
+                    <a:schemeClr val="tx1"/>
+                  </a:buClr>
+                </a:pPr>
+                <a:r>
+                  <a:rPr lang="en-US" sz="3200" dirty="0"/>
+                  <a:t>How might we answer the queries </a:t>
+                </a:r>
+                <a:r>
+                  <a:rPr lang="en-US" sz="3200" i="1" dirty="0">
+                    <a:solidFill>
+                      <a:srgbClr val="00B050"/>
+                    </a:solidFill>
+                  </a:rPr>
+                  <a:t>non-privately</a:t>
+                </a:r>
+                <a:r>
+                  <a:rPr lang="en-US" sz="3200" dirty="0"/>
+                  <a:t>, say with target additive error </a:t>
+                </a:r>
+                <a14:m>
+                  <m:oMath xmlns:m="http://schemas.openxmlformats.org/officeDocument/2006/math">
+                    <m:r>
+                      <a:rPr lang="en-US" sz="3200" b="0" i="1" smtClean="0">
+                        <a:solidFill>
+                          <a:srgbClr val="C00000"/>
+                        </a:solidFill>
+                        <a:latin typeface="Cambria Math" panose="02040503050406030204" pitchFamily="18" charset="0"/>
+                      </a:rPr>
+                      <m:t>𝛼</m:t>
+                    </m:r>
+                  </m:oMath>
+                </a14:m>
+                <a:r>
+                  <a:rPr lang="en-US" sz="3200" dirty="0"/>
+                  <a:t>?</a:t>
+                </a:r>
+              </a:p>
+            </p:txBody>
+          </p:sp>
+        </mc:Choice>
+        <mc:Fallback>
+          <p:sp>
+            <p:nvSpPr>
+              <p:cNvPr id="5" name="Content Placeholder 3">
+                <a:extLst>
+                  <a:ext uri="{FF2B5EF4-FFF2-40B4-BE49-F238E27FC236}">
+                    <a16:creationId xmlns:a16="http://schemas.microsoft.com/office/drawing/2014/main" id="{46EDD9D9-1338-4BC5-9D28-964A84C143C2}"/>
+                  </a:ext>
+                </a:extLst>
+              </p:cNvPr>
+              <p:cNvSpPr>
+                <a:spLocks noGrp="1" noRot="1" noChangeAspect="1" noMove="1" noResize="1" noEditPoints="1" noAdjustHandles="1" noChangeArrowheads="1" noChangeShapeType="1" noTextEdit="1"/>
+              </p:cNvSpPr>
+              <p:nvPr>
+                <p:ph idx="1"/>
+              </p:nvPr>
+            </p:nvSpPr>
+            <p:spPr>
+              <a:xfrm>
+                <a:off x="838200" y="1825624"/>
+                <a:ext cx="10242755" cy="4342094"/>
+              </a:xfrm>
+              <a:blipFill>
+                <a:blip r:embed="rId3"/>
+                <a:stretch>
+                  <a:fillRect l="-1369" t="-2805"/>
+                </a:stretch>
+              </a:blipFill>
+            </p:spPr>
+            <p:txBody>
+              <a:bodyPr/>
+              <a:lstStyle/>
+              <a:p>
+                <a:r>
+                  <a:rPr lang="en-US">
+                    <a:noFill/>
+                  </a:rPr>
+                  <a:t> </a:t>
+                </a:r>
+              </a:p>
+            </p:txBody>
+          </p:sp>
+        </mc:Fallback>
+      </mc:AlternateContent>
+    </p:spTree>
+    <p:extLst>
+      <p:ext uri="{BB962C8B-B14F-4D97-AF65-F5344CB8AC3E}">
+        <p14:creationId xmlns:p14="http://schemas.microsoft.com/office/powerpoint/2010/main" val="3246753668"/>
+      </p:ext>
+    </p:extLst>
+  </p:cSld>
+  <p:clrMapOvr>
+    <a:masterClrMapping/>
+  </p:clrMapOvr>
+</p:sld>
+</file>
+
+<file path=ppt/slides/slide31.xml><?xml version="1.0" encoding="utf-8"?>
+<p:sld xmlns:a="http://schemas.openxmlformats.org/drawingml/2006/main" xmlns:r="http://schemas.openxmlformats.org/officeDocument/2006/relationships" xmlns:p="http://schemas.openxmlformats.org/presentationml/2006/main">
+  <p:cSld>
+    <p:spTree>
+      <p:nvGrpSpPr>
+        <p:cNvPr id="1" name=""/>
+        <p:cNvGrpSpPr/>
+        <p:nvPr/>
+      </p:nvGrpSpPr>
+      <p:grpSpPr>
+        <a:xfrm>
+          <a:off x="0" y="0"/>
+          <a:ext cx="0" cy="0"/>
+          <a:chOff x="0" y="0"/>
+          <a:chExt cx="0" cy="0"/>
+        </a:xfrm>
+      </p:grpSpPr>
+      <p:sp>
+        <p:nvSpPr>
+          <p:cNvPr id="2" name="Title 1">
+            <a:extLst>
+              <a:ext uri="{FF2B5EF4-FFF2-40B4-BE49-F238E27FC236}">
+                <a16:creationId xmlns:a16="http://schemas.microsoft.com/office/drawing/2014/main" id="{B17419AC-DCE6-4371-8DE2-D617E99D653D}"/>
+              </a:ext>
+            </a:extLst>
+          </p:cNvPr>
+          <p:cNvSpPr>
+            <a:spLocks noGrp="1"/>
+          </p:cNvSpPr>
+          <p:nvPr>
+            <p:ph type="title"/>
+          </p:nvPr>
+        </p:nvSpPr>
+        <p:spPr/>
+        <p:txBody>
+          <a:bodyPr/>
+          <a:lstStyle/>
+          <a:p>
+            <a:r>
+              <a:rPr lang="en-US" dirty="0">
+                <a:solidFill>
+                  <a:srgbClr val="C00000"/>
+                </a:solidFill>
+              </a:rPr>
+              <a:t>Linear Queries</a:t>
+            </a:r>
+          </a:p>
+        </p:txBody>
+      </p:sp>
+      <mc:AlternateContent xmlns:mc="http://schemas.openxmlformats.org/markup-compatibility/2006">
+        <mc:Choice xmlns:a14="http://schemas.microsoft.com/office/drawing/2010/main" Requires="a14">
+          <p:sp>
+            <p:nvSpPr>
+              <p:cNvPr id="5" name="Content Placeholder 3">
+                <a:extLst>
+                  <a:ext uri="{FF2B5EF4-FFF2-40B4-BE49-F238E27FC236}">
+                    <a16:creationId xmlns:a16="http://schemas.microsoft.com/office/drawing/2014/main" id="{46EDD9D9-1338-4BC5-9D28-964A84C143C2}"/>
+                  </a:ext>
+                </a:extLst>
+              </p:cNvPr>
+              <p:cNvSpPr>
+                <a:spLocks noGrp="1"/>
+              </p:cNvSpPr>
+              <p:nvPr>
+                <p:ph idx="1"/>
+              </p:nvPr>
+            </p:nvSpPr>
+            <p:spPr>
+              <a:xfrm>
+                <a:off x="838200" y="1825624"/>
+                <a:ext cx="10242755" cy="4342094"/>
+              </a:xfrm>
+            </p:spPr>
+            <p:txBody>
+              <a:bodyPr>
+                <a:noAutofit/>
+              </a:bodyPr>
+              <a:lstStyle/>
+              <a:p>
+                <a:pPr>
+                  <a:buClr>
+                    <a:schemeClr val="tx1"/>
+                  </a:buClr>
+                </a:pPr>
+                <a:r>
+                  <a:rPr lang="en-US" sz="3200" dirty="0"/>
+                  <a:t>Suppose </a:t>
+                </a:r>
+                <a14:m>
+                  <m:oMath xmlns:m="http://schemas.openxmlformats.org/officeDocument/2006/math">
+                    <m:sSub>
+                      <m:sSubPr>
+                        <m:ctrlPr>
+                          <a:rPr lang="en-US" sz="3200" b="0" i="1" smtClean="0">
+                            <a:solidFill>
+                              <a:srgbClr val="C00000"/>
+                            </a:solidFill>
+                            <a:latin typeface="Cambria Math" panose="02040503050406030204" pitchFamily="18" charset="0"/>
+                          </a:rPr>
+                        </m:ctrlPr>
+                      </m:sSubPr>
+                      <m:e>
+                        <m:r>
+                          <a:rPr lang="en-US" sz="3200" b="0" i="1" smtClean="0">
+                            <a:solidFill>
+                              <a:srgbClr val="C00000"/>
+                            </a:solidFill>
+                            <a:latin typeface="Cambria Math" panose="02040503050406030204" pitchFamily="18" charset="0"/>
+                          </a:rPr>
+                          <m:t>𝑎</m:t>
+                        </m:r>
+                      </m:e>
+                      <m:sub>
+                        <m:r>
+                          <a:rPr lang="en-US" sz="3200" b="0" i="1" smtClean="0">
+                            <a:solidFill>
+                              <a:srgbClr val="C00000"/>
+                            </a:solidFill>
+                            <a:latin typeface="Cambria Math" panose="02040503050406030204" pitchFamily="18" charset="0"/>
+                          </a:rPr>
+                          <m:t>1</m:t>
+                        </m:r>
+                      </m:sub>
+                    </m:sSub>
+                    <m:r>
+                      <a:rPr lang="en-US" sz="3200" b="0" i="1" smtClean="0">
+                        <a:solidFill>
+                          <a:srgbClr val="C00000"/>
+                        </a:solidFill>
+                        <a:latin typeface="Cambria Math" panose="02040503050406030204" pitchFamily="18" charset="0"/>
+                      </a:rPr>
+                      <m:t>=</m:t>
+                    </m:r>
+                    <m:sSub>
+                      <m:sSubPr>
+                        <m:ctrlPr>
+                          <a:rPr lang="en-US" sz="3200" b="0" i="1" smtClean="0">
+                            <a:solidFill>
+                              <a:srgbClr val="C00000"/>
+                            </a:solidFill>
+                            <a:latin typeface="Cambria Math" panose="02040503050406030204" pitchFamily="18" charset="0"/>
+                          </a:rPr>
+                        </m:ctrlPr>
+                      </m:sSubPr>
+                      <m:e>
+                        <m:r>
+                          <a:rPr lang="en-US" sz="3200" b="0" i="1" smtClean="0">
+                            <a:solidFill>
+                              <a:srgbClr val="C00000"/>
+                            </a:solidFill>
+                            <a:latin typeface="Cambria Math" panose="02040503050406030204" pitchFamily="18" charset="0"/>
+                          </a:rPr>
+                          <m:t>𝑎</m:t>
+                        </m:r>
+                      </m:e>
+                      <m:sub>
+                        <m:r>
+                          <a:rPr lang="en-US" sz="3200" b="0" i="1" smtClean="0">
+                            <a:solidFill>
+                              <a:srgbClr val="C00000"/>
+                            </a:solidFill>
+                            <a:latin typeface="Cambria Math" panose="02040503050406030204" pitchFamily="18" charset="0"/>
+                          </a:rPr>
+                          <m:t>2</m:t>
+                        </m:r>
+                      </m:sub>
+                    </m:sSub>
+                    <m:r>
+                      <a:rPr lang="en-US" sz="3200" b="0" i="1" smtClean="0">
+                        <a:solidFill>
+                          <a:srgbClr val="C00000"/>
+                        </a:solidFill>
+                        <a:latin typeface="Cambria Math" panose="02040503050406030204" pitchFamily="18" charset="0"/>
+                      </a:rPr>
+                      <m:t>=…=</m:t>
+                    </m:r>
+                    <m:sSub>
+                      <m:sSubPr>
+                        <m:ctrlPr>
+                          <a:rPr lang="en-US" sz="3200" b="0" i="1" smtClean="0">
+                            <a:solidFill>
+                              <a:srgbClr val="C00000"/>
+                            </a:solidFill>
+                            <a:latin typeface="Cambria Math" panose="02040503050406030204" pitchFamily="18" charset="0"/>
+                          </a:rPr>
+                        </m:ctrlPr>
+                      </m:sSubPr>
+                      <m:e>
+                        <m:r>
+                          <a:rPr lang="en-US" sz="3200" b="0" i="1" smtClean="0">
+                            <a:solidFill>
+                              <a:srgbClr val="C00000"/>
+                            </a:solidFill>
+                            <a:latin typeface="Cambria Math" panose="02040503050406030204" pitchFamily="18" charset="0"/>
+                          </a:rPr>
+                          <m:t>𝑎</m:t>
+                        </m:r>
+                      </m:e>
+                      <m:sub>
+                        <m:r>
+                          <a:rPr lang="en-US" sz="3200" b="0" i="1" smtClean="0">
+                            <a:solidFill>
+                              <a:srgbClr val="C00000"/>
+                            </a:solidFill>
+                            <a:latin typeface="Cambria Math" panose="02040503050406030204" pitchFamily="18" charset="0"/>
+                          </a:rPr>
+                          <m:t>𝑑</m:t>
+                        </m:r>
+                      </m:sub>
+                    </m:sSub>
+                    <m:r>
+                      <a:rPr lang="en-US" sz="3200" b="0" i="1" smtClean="0">
+                        <a:solidFill>
+                          <a:srgbClr val="C00000"/>
+                        </a:solidFill>
+                        <a:latin typeface="Cambria Math" panose="02040503050406030204" pitchFamily="18" charset="0"/>
+                      </a:rPr>
+                      <m:t>∈[0,1]</m:t>
+                    </m:r>
+                  </m:oMath>
+                </a14:m>
+                <a:endParaRPr lang="en-US" sz="3200" dirty="0"/>
+              </a:p>
+              <a:p>
+                <a:pPr>
+                  <a:buClr>
+                    <a:schemeClr val="tx1"/>
+                  </a:buClr>
+                </a:pPr>
+                <a:r>
+                  <a:rPr lang="en-US" sz="3200" dirty="0"/>
+                  <a:t>Suppose we sample </a:t>
+                </a:r>
+                <a14:m>
+                  <m:oMath xmlns:m="http://schemas.openxmlformats.org/officeDocument/2006/math">
+                    <m:r>
+                      <a:rPr lang="en-US" sz="3200" b="0" i="1" smtClean="0">
+                        <a:solidFill>
+                          <a:srgbClr val="C00000"/>
+                        </a:solidFill>
+                        <a:latin typeface="Cambria Math" panose="02040503050406030204" pitchFamily="18" charset="0"/>
+                      </a:rPr>
+                      <m:t>𝑂</m:t>
+                    </m:r>
+                    <m:d>
+                      <m:dPr>
+                        <m:ctrlPr>
+                          <a:rPr lang="en-US" sz="3200" b="0" i="0" smtClean="0">
+                            <a:solidFill>
+                              <a:srgbClr val="C00000"/>
+                            </a:solidFill>
+                            <a:latin typeface="Cambria Math" panose="02040503050406030204" pitchFamily="18" charset="0"/>
+                          </a:rPr>
+                        </m:ctrlPr>
+                      </m:dPr>
+                      <m:e>
+                        <m:f>
+                          <m:fPr>
+                            <m:ctrlPr>
+                              <a:rPr lang="en-US" sz="3200" i="1">
+                                <a:solidFill>
+                                  <a:srgbClr val="C00000"/>
+                                </a:solidFill>
+                                <a:latin typeface="Cambria Math" panose="02040503050406030204" pitchFamily="18" charset="0"/>
+                              </a:rPr>
+                            </m:ctrlPr>
+                          </m:fPr>
+                          <m:num>
+                            <m:r>
+                              <a:rPr lang="en-US" sz="3200" i="1">
+                                <a:solidFill>
+                                  <a:srgbClr val="C00000"/>
+                                </a:solidFill>
+                                <a:latin typeface="Cambria Math" panose="02040503050406030204" pitchFamily="18" charset="0"/>
+                              </a:rPr>
+                              <m:t>1</m:t>
+                            </m:r>
+                          </m:num>
+                          <m:den>
+                            <m:sSup>
+                              <m:sSupPr>
+                                <m:ctrlPr>
+                                  <a:rPr lang="en-US" sz="3200" i="1">
+                                    <a:solidFill>
+                                      <a:srgbClr val="C00000"/>
+                                    </a:solidFill>
+                                    <a:latin typeface="Cambria Math" panose="02040503050406030204" pitchFamily="18" charset="0"/>
+                                  </a:rPr>
+                                </m:ctrlPr>
+                              </m:sSupPr>
+                              <m:e>
+                                <m:r>
+                                  <a:rPr lang="en-US" sz="3200" i="1">
+                                    <a:solidFill>
+                                      <a:srgbClr val="C00000"/>
+                                    </a:solidFill>
+                                    <a:latin typeface="Cambria Math" panose="02040503050406030204" pitchFamily="18" charset="0"/>
+                                  </a:rPr>
+                                  <m:t>𝛼</m:t>
+                                </m:r>
+                              </m:e>
+                              <m:sup>
+                                <m:r>
+                                  <a:rPr lang="en-US" sz="3200" i="1">
+                                    <a:solidFill>
+                                      <a:srgbClr val="C00000"/>
+                                    </a:solidFill>
+                                    <a:latin typeface="Cambria Math" panose="02040503050406030204" pitchFamily="18" charset="0"/>
+                                  </a:rPr>
+                                  <m:t>2</m:t>
+                                </m:r>
+                              </m:sup>
+                            </m:sSup>
+                          </m:den>
+                        </m:f>
+                      </m:e>
+                    </m:d>
+                  </m:oMath>
+                </a14:m>
+                <a:r>
+                  <a:rPr lang="en-US" sz="3200" dirty="0"/>
+                  <a:t> items of the database</a:t>
+                </a:r>
+                <a:r>
+                  <a:rPr lang="en-US" sz="3200" dirty="0">
+                    <a:solidFill>
+                      <a:srgbClr val="C00000"/>
+                    </a:solidFill>
+                  </a:rPr>
+                  <a:t> </a:t>
+                </a:r>
+                <a14:m>
+                  <m:oMath xmlns:m="http://schemas.openxmlformats.org/officeDocument/2006/math">
+                    <m:r>
+                      <a:rPr lang="en-US" sz="3200" i="1">
+                        <a:solidFill>
+                          <a:srgbClr val="C00000"/>
+                        </a:solidFill>
+                        <a:latin typeface="Cambria Math" panose="02040503050406030204" pitchFamily="18" charset="0"/>
+                      </a:rPr>
+                      <m:t>𝐷</m:t>
+                    </m:r>
+                  </m:oMath>
+                </a14:m>
+                <a:r>
+                  <a:rPr lang="en-US" sz="3200" dirty="0"/>
+                  <a:t> into a database </a:t>
+                </a:r>
+                <a14:m>
+                  <m:oMath xmlns:m="http://schemas.openxmlformats.org/officeDocument/2006/math">
+                    <m:acc>
+                      <m:accPr>
+                        <m:chr m:val="̃"/>
+                        <m:ctrlPr>
+                          <a:rPr lang="en-US" sz="3200" b="0" i="1" dirty="0" smtClean="0">
+                            <a:solidFill>
+                              <a:srgbClr val="C00000"/>
+                            </a:solidFill>
+                            <a:latin typeface="Cambria Math" panose="02040503050406030204" pitchFamily="18" charset="0"/>
+                          </a:rPr>
+                        </m:ctrlPr>
+                      </m:accPr>
+                      <m:e>
+                        <m:r>
+                          <a:rPr lang="en-US" sz="3200" b="0" i="1" dirty="0" smtClean="0">
+                            <a:solidFill>
+                              <a:srgbClr val="C00000"/>
+                            </a:solidFill>
+                            <a:latin typeface="Cambria Math" panose="02040503050406030204" pitchFamily="18" charset="0"/>
+                          </a:rPr>
+                          <m:t>𝐷</m:t>
+                        </m:r>
+                      </m:e>
+                    </m:acc>
+                  </m:oMath>
+                </a14:m>
+                <a:r>
+                  <a:rPr lang="en-US" sz="3200" dirty="0"/>
+                  <a:t> and answer </a:t>
+                </a:r>
+                <a14:m>
+                  <m:oMath xmlns:m="http://schemas.openxmlformats.org/officeDocument/2006/math">
+                    <m:r>
+                      <a:rPr lang="en-US" sz="3200" i="1">
+                        <a:solidFill>
+                          <a:srgbClr val="C00000"/>
+                        </a:solidFill>
+                        <a:latin typeface="Cambria Math" panose="02040503050406030204" pitchFamily="18" charset="0"/>
+                      </a:rPr>
+                      <m:t>ℓ</m:t>
+                    </m:r>
+                    <m:d>
+                      <m:dPr>
+                        <m:ctrlPr>
+                          <a:rPr lang="en-US" sz="3200" i="1">
+                            <a:solidFill>
+                              <a:srgbClr val="C00000"/>
+                            </a:solidFill>
+                            <a:latin typeface="Cambria Math" panose="02040503050406030204" pitchFamily="18" charset="0"/>
+                          </a:rPr>
+                        </m:ctrlPr>
+                      </m:dPr>
+                      <m:e>
+                        <m:acc>
+                          <m:accPr>
+                            <m:chr m:val="̃"/>
+                            <m:ctrlPr>
+                              <a:rPr lang="en-US" sz="3200" i="1" dirty="0">
+                                <a:solidFill>
+                                  <a:srgbClr val="C00000"/>
+                                </a:solidFill>
+                                <a:latin typeface="Cambria Math" panose="02040503050406030204" pitchFamily="18" charset="0"/>
+                              </a:rPr>
+                            </m:ctrlPr>
+                          </m:accPr>
+                          <m:e>
+                            <m:r>
+                              <a:rPr lang="en-US" sz="3200" i="1" dirty="0">
+                                <a:solidFill>
+                                  <a:srgbClr val="C00000"/>
+                                </a:solidFill>
+                                <a:latin typeface="Cambria Math" panose="02040503050406030204" pitchFamily="18" charset="0"/>
+                              </a:rPr>
+                              <m:t>𝑓</m:t>
+                            </m:r>
+                          </m:e>
+                        </m:acc>
+                      </m:e>
+                    </m:d>
+                    <m:r>
+                      <a:rPr lang="en-US" sz="3200" i="1">
+                        <a:solidFill>
+                          <a:srgbClr val="C00000"/>
+                        </a:solidFill>
+                        <a:latin typeface="Cambria Math" panose="02040503050406030204" pitchFamily="18" charset="0"/>
+                      </a:rPr>
+                      <m:t>=</m:t>
+                    </m:r>
+                    <m:f>
+                      <m:fPr>
+                        <m:ctrlPr>
+                          <a:rPr lang="en-US" sz="3200" i="1">
+                            <a:solidFill>
+                              <a:srgbClr val="C00000"/>
+                            </a:solidFill>
+                            <a:latin typeface="Cambria Math" panose="02040503050406030204" pitchFamily="18" charset="0"/>
+                          </a:rPr>
+                        </m:ctrlPr>
+                      </m:fPr>
+                      <m:num>
+                        <m:r>
+                          <a:rPr lang="en-US" sz="3200" i="1">
+                            <a:solidFill>
+                              <a:srgbClr val="C00000"/>
+                            </a:solidFill>
+                            <a:latin typeface="Cambria Math" panose="02040503050406030204" pitchFamily="18" charset="0"/>
+                          </a:rPr>
+                          <m:t>1</m:t>
+                        </m:r>
+                      </m:num>
+                      <m:den>
+                        <m:r>
+                          <a:rPr lang="en-US" sz="3200" b="0" i="1" smtClean="0">
+                            <a:solidFill>
+                              <a:srgbClr val="C00000"/>
+                            </a:solidFill>
+                            <a:latin typeface="Cambria Math" panose="02040503050406030204" pitchFamily="18" charset="0"/>
+                          </a:rPr>
+                          <m:t>|</m:t>
+                        </m:r>
+                        <m:sSup>
+                          <m:sSupPr>
+                            <m:ctrlPr>
+                              <a:rPr lang="en-US" sz="3200" b="0" i="1" smtClean="0">
+                                <a:solidFill>
+                                  <a:srgbClr val="C00000"/>
+                                </a:solidFill>
+                                <a:latin typeface="Cambria Math" panose="02040503050406030204" pitchFamily="18" charset="0"/>
+                              </a:rPr>
+                            </m:ctrlPr>
+                          </m:sSupPr>
+                          <m:e>
+                            <m:r>
+                              <a:rPr lang="en-US" sz="3200" b="0" i="1" smtClean="0">
+                                <a:solidFill>
+                                  <a:srgbClr val="C00000"/>
+                                </a:solidFill>
+                                <a:latin typeface="Cambria Math" panose="02040503050406030204" pitchFamily="18" charset="0"/>
+                              </a:rPr>
+                              <m:t>𝐷</m:t>
+                            </m:r>
+                          </m:e>
+                          <m:sup>
+                            <m:r>
+                              <a:rPr lang="en-US" sz="3200" b="0" i="1" smtClean="0">
+                                <a:solidFill>
+                                  <a:srgbClr val="C00000"/>
+                                </a:solidFill>
+                                <a:latin typeface="Cambria Math" panose="02040503050406030204" pitchFamily="18" charset="0"/>
+                              </a:rPr>
+                              <m:t>′</m:t>
+                            </m:r>
+                          </m:sup>
+                        </m:sSup>
+                        <m:r>
+                          <a:rPr lang="en-US" sz="3200" b="0" i="1" smtClean="0">
+                            <a:solidFill>
+                              <a:srgbClr val="C00000"/>
+                            </a:solidFill>
+                            <a:latin typeface="Cambria Math" panose="02040503050406030204" pitchFamily="18" charset="0"/>
+                          </a:rPr>
+                          <m:t>|</m:t>
+                        </m:r>
+                      </m:den>
+                    </m:f>
+                    <m:nary>
+                      <m:naryPr>
+                        <m:chr m:val="∑"/>
+                        <m:ctrlPr>
+                          <a:rPr lang="en-US" sz="3200" i="1">
+                            <a:solidFill>
+                              <a:srgbClr val="C00000"/>
+                            </a:solidFill>
+                            <a:latin typeface="Cambria Math" panose="02040503050406030204" pitchFamily="18" charset="0"/>
+                          </a:rPr>
+                        </m:ctrlPr>
+                      </m:naryPr>
+                      <m:sub>
+                        <m:r>
+                          <m:rPr>
+                            <m:brk m:alnAt="23"/>
+                          </m:rPr>
+                          <a:rPr lang="en-US" sz="3200" i="1">
+                            <a:solidFill>
+                              <a:srgbClr val="C00000"/>
+                            </a:solidFill>
+                            <a:latin typeface="Cambria Math" panose="02040503050406030204" pitchFamily="18" charset="0"/>
+                          </a:rPr>
+                          <m:t>𝑖</m:t>
+                        </m:r>
+                        <m:r>
+                          <a:rPr lang="en-US" sz="3200" i="1">
+                            <a:solidFill>
+                              <a:srgbClr val="C00000"/>
+                            </a:solidFill>
+                            <a:latin typeface="Cambria Math" panose="02040503050406030204" pitchFamily="18" charset="0"/>
+                          </a:rPr>
+                          <m:t>=1</m:t>
+                        </m:r>
+                      </m:sub>
+                      <m:sup>
+                        <m:r>
+                          <a:rPr lang="en-US" sz="3200" i="1">
+                            <a:solidFill>
+                              <a:srgbClr val="C00000"/>
+                            </a:solidFill>
+                            <a:latin typeface="Cambria Math" panose="02040503050406030204" pitchFamily="18" charset="0"/>
+                          </a:rPr>
+                          <m:t>𝑑</m:t>
+                        </m:r>
+                      </m:sup>
+                      <m:e>
+                        <m:sSub>
+                          <m:sSubPr>
+                            <m:ctrlPr>
+                              <a:rPr lang="en-US" sz="3200" i="1">
+                                <a:solidFill>
+                                  <a:srgbClr val="C00000"/>
+                                </a:solidFill>
+                                <a:latin typeface="Cambria Math" panose="02040503050406030204" pitchFamily="18" charset="0"/>
+                              </a:rPr>
+                            </m:ctrlPr>
+                          </m:sSubPr>
+                          <m:e>
+                            <m:r>
+                              <a:rPr lang="en-US" sz="3200" i="1">
+                                <a:solidFill>
+                                  <a:srgbClr val="C00000"/>
+                                </a:solidFill>
+                                <a:latin typeface="Cambria Math" panose="02040503050406030204" pitchFamily="18" charset="0"/>
+                              </a:rPr>
+                              <m:t>𝑎</m:t>
+                            </m:r>
+                          </m:e>
+                          <m:sub>
+                            <m:r>
+                              <a:rPr lang="en-US" sz="3200" i="1">
+                                <a:solidFill>
+                                  <a:srgbClr val="C00000"/>
+                                </a:solidFill>
+                                <a:latin typeface="Cambria Math" panose="02040503050406030204" pitchFamily="18" charset="0"/>
+                              </a:rPr>
+                              <m:t>𝑖</m:t>
+                            </m:r>
+                          </m:sub>
+                        </m:sSub>
+                        <m:acc>
+                          <m:accPr>
+                            <m:chr m:val="̃"/>
+                            <m:ctrlPr>
+                              <a:rPr lang="en-US" sz="3200" b="0" i="1" smtClean="0">
+                                <a:solidFill>
+                                  <a:srgbClr val="C00000"/>
+                                </a:solidFill>
+                                <a:latin typeface="Cambria Math" panose="02040503050406030204" pitchFamily="18" charset="0"/>
+                              </a:rPr>
+                            </m:ctrlPr>
+                          </m:accPr>
+                          <m:e>
+                            <m:sSub>
+                              <m:sSubPr>
+                                <m:ctrlPr>
+                                  <a:rPr lang="en-US" sz="3200" b="0" i="1" smtClean="0">
+                                    <a:solidFill>
+                                      <a:srgbClr val="C00000"/>
+                                    </a:solidFill>
+                                    <a:latin typeface="Cambria Math" panose="02040503050406030204" pitchFamily="18" charset="0"/>
+                                  </a:rPr>
+                                </m:ctrlPr>
+                              </m:sSubPr>
+                              <m:e>
+                                <m:r>
+                                  <a:rPr lang="en-US" sz="3200" b="0" i="1" smtClean="0">
+                                    <a:solidFill>
+                                      <a:srgbClr val="C00000"/>
+                                    </a:solidFill>
+                                    <a:latin typeface="Cambria Math" panose="02040503050406030204" pitchFamily="18" charset="0"/>
+                                  </a:rPr>
+                                  <m:t>𝑓</m:t>
+                                </m:r>
+                              </m:e>
+                              <m:sub>
+                                <m:r>
+                                  <a:rPr lang="en-US" sz="3200" b="0" i="1" smtClean="0">
+                                    <a:solidFill>
+                                      <a:srgbClr val="C00000"/>
+                                    </a:solidFill>
+                                    <a:latin typeface="Cambria Math" panose="02040503050406030204" pitchFamily="18" charset="0"/>
+                                  </a:rPr>
+                                  <m:t>𝑖</m:t>
+                                </m:r>
+                              </m:sub>
+                            </m:sSub>
+                          </m:e>
+                        </m:acc>
+                      </m:e>
+                    </m:nary>
+                  </m:oMath>
+                </a14:m>
+                <a:r>
+                  <a:rPr lang="en-US" sz="3200" dirty="0"/>
+                  <a:t>, where </a:t>
+                </a:r>
+                <a14:m>
+                  <m:oMath xmlns:m="http://schemas.openxmlformats.org/officeDocument/2006/math">
+                    <m:acc>
+                      <m:accPr>
+                        <m:chr m:val="̃"/>
+                        <m:ctrlPr>
+                          <a:rPr lang="en-US" sz="3200" b="0" i="1" dirty="0" smtClean="0">
+                            <a:solidFill>
+                              <a:srgbClr val="C00000"/>
+                            </a:solidFill>
+                            <a:latin typeface="Cambria Math" panose="02040503050406030204" pitchFamily="18" charset="0"/>
+                          </a:rPr>
+                        </m:ctrlPr>
+                      </m:accPr>
+                      <m:e>
+                        <m:r>
+                          <a:rPr lang="en-US" sz="3200" b="0" i="1" dirty="0" smtClean="0">
+                            <a:solidFill>
+                              <a:srgbClr val="C00000"/>
+                            </a:solidFill>
+                            <a:latin typeface="Cambria Math" panose="02040503050406030204" pitchFamily="18" charset="0"/>
+                          </a:rPr>
+                          <m:t>𝑓</m:t>
+                        </m:r>
+                      </m:e>
+                    </m:acc>
+                  </m:oMath>
+                </a14:m>
+                <a:r>
+                  <a:rPr lang="en-US" sz="3200" dirty="0"/>
+                  <a:t> is the frequency vector for </a:t>
+                </a:r>
+                <a14:m>
+                  <m:oMath xmlns:m="http://schemas.openxmlformats.org/officeDocument/2006/math">
+                    <m:acc>
+                      <m:accPr>
+                        <m:chr m:val="̃"/>
+                        <m:ctrlPr>
+                          <a:rPr lang="en-US" sz="3200" i="1" dirty="0">
+                            <a:solidFill>
+                              <a:srgbClr val="C00000"/>
+                            </a:solidFill>
+                            <a:latin typeface="Cambria Math" panose="02040503050406030204" pitchFamily="18" charset="0"/>
+                          </a:rPr>
+                        </m:ctrlPr>
+                      </m:accPr>
+                      <m:e>
+                        <m:r>
+                          <a:rPr lang="en-US" sz="3200" i="1" dirty="0">
+                            <a:solidFill>
+                              <a:srgbClr val="C00000"/>
+                            </a:solidFill>
+                            <a:latin typeface="Cambria Math" panose="02040503050406030204" pitchFamily="18" charset="0"/>
+                          </a:rPr>
+                          <m:t>𝐷</m:t>
+                        </m:r>
+                      </m:e>
+                    </m:acc>
+                  </m:oMath>
+                </a14:m>
+                <a:endParaRPr lang="en-US" sz="3200" dirty="0"/>
+              </a:p>
+              <a:p>
+                <a:pPr>
+                  <a:buClr>
+                    <a:schemeClr val="tx1"/>
+                  </a:buClr>
+                </a:pPr>
+                <a:endParaRPr lang="en-US" sz="3200" dirty="0"/>
+              </a:p>
+              <a:p>
+                <a:pPr>
+                  <a:buClr>
+                    <a:schemeClr val="tx1"/>
+                  </a:buClr>
+                </a:pPr>
+                <a:r>
+                  <a:rPr lang="en-US" sz="3200" dirty="0"/>
+                  <a:t>We have </a:t>
+                </a:r>
+                <a14:m>
+                  <m:oMath xmlns:m="http://schemas.openxmlformats.org/officeDocument/2006/math">
+                    <m:r>
+                      <a:rPr lang="en-US" sz="3200" b="0" i="1" dirty="0" smtClean="0">
+                        <a:solidFill>
+                          <a:srgbClr val="C00000"/>
+                        </a:solidFill>
+                        <a:latin typeface="Cambria Math" panose="02040503050406030204" pitchFamily="18" charset="0"/>
+                      </a:rPr>
+                      <m:t>𝐸</m:t>
+                    </m:r>
+                    <m:d>
+                      <m:dPr>
+                        <m:begChr m:val="["/>
+                        <m:endChr m:val="]"/>
+                        <m:ctrlPr>
+                          <a:rPr lang="en-US" sz="3200" b="0" i="1" dirty="0" smtClean="0">
+                            <a:solidFill>
+                              <a:srgbClr val="C00000"/>
+                            </a:solidFill>
+                            <a:latin typeface="Cambria Math" panose="02040503050406030204" pitchFamily="18" charset="0"/>
+                          </a:rPr>
+                        </m:ctrlPr>
+                      </m:dPr>
+                      <m:e>
+                        <m:r>
+                          <a:rPr lang="en-US" sz="3200" i="1">
+                            <a:solidFill>
+                              <a:srgbClr val="C00000"/>
+                            </a:solidFill>
+                            <a:latin typeface="Cambria Math" panose="02040503050406030204" pitchFamily="18" charset="0"/>
+                          </a:rPr>
+                          <m:t>ℓ</m:t>
+                        </m:r>
+                        <m:d>
+                          <m:dPr>
+                            <m:ctrlPr>
+                              <a:rPr lang="en-US" sz="3200" i="1">
+                                <a:solidFill>
+                                  <a:srgbClr val="C00000"/>
+                                </a:solidFill>
+                                <a:latin typeface="Cambria Math" panose="02040503050406030204" pitchFamily="18" charset="0"/>
+                              </a:rPr>
+                            </m:ctrlPr>
+                          </m:dPr>
+                          <m:e>
+                            <m:acc>
+                              <m:accPr>
+                                <m:chr m:val="̃"/>
+                                <m:ctrlPr>
+                                  <a:rPr lang="en-US" sz="3200" i="1" dirty="0">
+                                    <a:solidFill>
+                                      <a:srgbClr val="C00000"/>
+                                    </a:solidFill>
+                                    <a:latin typeface="Cambria Math" panose="02040503050406030204" pitchFamily="18" charset="0"/>
+                                  </a:rPr>
+                                </m:ctrlPr>
+                              </m:accPr>
+                              <m:e>
+                                <m:r>
+                                  <a:rPr lang="en-US" sz="3200" i="1" dirty="0">
+                                    <a:solidFill>
+                                      <a:srgbClr val="C00000"/>
+                                    </a:solidFill>
+                                    <a:latin typeface="Cambria Math" panose="02040503050406030204" pitchFamily="18" charset="0"/>
+                                  </a:rPr>
+                                  <m:t>𝑓</m:t>
+                                </m:r>
+                              </m:e>
+                            </m:acc>
+                          </m:e>
+                        </m:d>
+                      </m:e>
+                    </m:d>
+                    <m:r>
+                      <a:rPr lang="en-US" sz="3200" b="0" i="1" dirty="0" smtClean="0">
+                        <a:solidFill>
+                          <a:srgbClr val="C00000"/>
+                        </a:solidFill>
+                        <a:latin typeface="Cambria Math" panose="02040503050406030204" pitchFamily="18" charset="0"/>
+                      </a:rPr>
+                      <m:t>=</m:t>
+                    </m:r>
+                    <m:r>
+                      <a:rPr lang="en-US" sz="3200" i="1">
+                        <a:solidFill>
+                          <a:srgbClr val="C00000"/>
+                        </a:solidFill>
+                        <a:latin typeface="Cambria Math" panose="02040503050406030204" pitchFamily="18" charset="0"/>
+                      </a:rPr>
+                      <m:t>ℓ</m:t>
+                    </m:r>
+                    <m:d>
+                      <m:dPr>
+                        <m:ctrlPr>
+                          <a:rPr lang="en-US" sz="3200" i="1">
+                            <a:solidFill>
+                              <a:srgbClr val="C00000"/>
+                            </a:solidFill>
+                            <a:latin typeface="Cambria Math" panose="02040503050406030204" pitchFamily="18" charset="0"/>
+                          </a:rPr>
+                        </m:ctrlPr>
+                      </m:dPr>
+                      <m:e>
+                        <m:r>
+                          <a:rPr lang="en-US" sz="3200" b="0" i="1" dirty="0" smtClean="0">
+                            <a:solidFill>
+                              <a:srgbClr val="C00000"/>
+                            </a:solidFill>
+                            <a:latin typeface="Cambria Math" panose="02040503050406030204" pitchFamily="18" charset="0"/>
+                          </a:rPr>
+                          <m:t>𝑓</m:t>
+                        </m:r>
+                      </m:e>
+                    </m:d>
+                  </m:oMath>
+                </a14:m>
+                <a:r>
+                  <a:rPr lang="en-US" sz="3200" dirty="0"/>
+                  <a:t> and thus by additive Chernoff bound, </a:t>
+                </a:r>
+                <a14:m>
+                  <m:oMath xmlns:m="http://schemas.openxmlformats.org/officeDocument/2006/math">
+                    <m:d>
+                      <m:dPr>
+                        <m:begChr m:val="|"/>
+                        <m:endChr m:val="|"/>
+                        <m:ctrlPr>
+                          <a:rPr lang="en-US" sz="3200" b="0" i="0" smtClean="0">
+                            <a:solidFill>
+                              <a:srgbClr val="C00000"/>
+                            </a:solidFill>
+                            <a:latin typeface="Cambria Math" panose="02040503050406030204" pitchFamily="18" charset="0"/>
+                          </a:rPr>
+                        </m:ctrlPr>
+                      </m:dPr>
+                      <m:e>
+                        <m:r>
+                          <a:rPr lang="en-US" sz="3200" i="1">
+                            <a:solidFill>
+                              <a:srgbClr val="C00000"/>
+                            </a:solidFill>
+                            <a:latin typeface="Cambria Math" panose="02040503050406030204" pitchFamily="18" charset="0"/>
+                          </a:rPr>
+                          <m:t>ℓ</m:t>
+                        </m:r>
+                        <m:d>
+                          <m:dPr>
+                            <m:ctrlPr>
+                              <a:rPr lang="en-US" sz="3200" i="1">
+                                <a:solidFill>
+                                  <a:srgbClr val="C00000"/>
+                                </a:solidFill>
+                                <a:latin typeface="Cambria Math" panose="02040503050406030204" pitchFamily="18" charset="0"/>
+                              </a:rPr>
+                            </m:ctrlPr>
+                          </m:dPr>
+                          <m:e>
+                            <m:acc>
+                              <m:accPr>
+                                <m:chr m:val="̃"/>
+                                <m:ctrlPr>
+                                  <a:rPr lang="en-US" sz="3200" i="1" dirty="0">
+                                    <a:solidFill>
+                                      <a:srgbClr val="C00000"/>
+                                    </a:solidFill>
+                                    <a:latin typeface="Cambria Math" panose="02040503050406030204" pitchFamily="18" charset="0"/>
+                                  </a:rPr>
+                                </m:ctrlPr>
+                              </m:accPr>
+                              <m:e>
+                                <m:r>
+                                  <a:rPr lang="en-US" sz="3200" i="1" dirty="0">
+                                    <a:solidFill>
+                                      <a:srgbClr val="C00000"/>
+                                    </a:solidFill>
+                                    <a:latin typeface="Cambria Math" panose="02040503050406030204" pitchFamily="18" charset="0"/>
+                                  </a:rPr>
+                                  <m:t>𝑓</m:t>
+                                </m:r>
+                              </m:e>
+                            </m:acc>
+                          </m:e>
+                        </m:d>
+                        <m:r>
+                          <a:rPr lang="en-US" sz="3200" b="0" i="1" dirty="0" smtClean="0">
+                            <a:solidFill>
+                              <a:srgbClr val="C00000"/>
+                            </a:solidFill>
+                            <a:latin typeface="Cambria Math" panose="02040503050406030204" pitchFamily="18" charset="0"/>
+                          </a:rPr>
+                          <m:t>−ℓ</m:t>
+                        </m:r>
+                        <m:d>
+                          <m:dPr>
+                            <m:ctrlPr>
+                              <a:rPr lang="en-US" sz="3200" b="0" i="1" dirty="0" smtClean="0">
+                                <a:solidFill>
+                                  <a:srgbClr val="C00000"/>
+                                </a:solidFill>
+                                <a:latin typeface="Cambria Math" panose="02040503050406030204" pitchFamily="18" charset="0"/>
+                              </a:rPr>
+                            </m:ctrlPr>
+                          </m:dPr>
+                          <m:e>
+                            <m:r>
+                              <a:rPr lang="en-US" sz="3200" b="0" i="1" dirty="0" smtClean="0">
+                                <a:solidFill>
+                                  <a:srgbClr val="C00000"/>
+                                </a:solidFill>
+                                <a:latin typeface="Cambria Math" panose="02040503050406030204" pitchFamily="18" charset="0"/>
+                              </a:rPr>
+                              <m:t>𝑓</m:t>
+                            </m:r>
+                          </m:e>
+                        </m:d>
+                      </m:e>
+                    </m:d>
+                    <m:r>
+                      <a:rPr lang="en-US" sz="3200" b="0" i="1" smtClean="0">
+                        <a:solidFill>
+                          <a:srgbClr val="C00000"/>
+                        </a:solidFill>
+                        <a:latin typeface="Cambria Math" panose="02040503050406030204" pitchFamily="18" charset="0"/>
+                      </a:rPr>
+                      <m:t>&lt;</m:t>
+                    </m:r>
+                    <m:r>
+                      <a:rPr lang="en-US" sz="3200" b="0" i="1" smtClean="0">
+                        <a:solidFill>
+                          <a:srgbClr val="C00000"/>
+                        </a:solidFill>
+                        <a:latin typeface="Cambria Math" panose="02040503050406030204" pitchFamily="18" charset="0"/>
+                      </a:rPr>
+                      <m:t>𝛼</m:t>
+                    </m:r>
+                  </m:oMath>
+                </a14:m>
+                <a:r>
+                  <a:rPr lang="en-US" sz="3200" dirty="0"/>
+                  <a:t> with probability </a:t>
+                </a:r>
+                <a14:m>
+                  <m:oMath xmlns:m="http://schemas.openxmlformats.org/officeDocument/2006/math">
+                    <m:r>
+                      <a:rPr lang="en-US" sz="3200" b="0" i="1" smtClean="0">
+                        <a:solidFill>
+                          <a:srgbClr val="C00000"/>
+                        </a:solidFill>
+                        <a:latin typeface="Cambria Math" panose="02040503050406030204" pitchFamily="18" charset="0"/>
+                      </a:rPr>
+                      <m:t>0.99</m:t>
+                    </m:r>
+                  </m:oMath>
+                </a14:m>
+                <a:endParaRPr lang="en-US" sz="3200" dirty="0"/>
+              </a:p>
+            </p:txBody>
+          </p:sp>
+        </mc:Choice>
+        <mc:Fallback>
+          <p:sp>
+            <p:nvSpPr>
+              <p:cNvPr id="5" name="Content Placeholder 3">
+                <a:extLst>
+                  <a:ext uri="{FF2B5EF4-FFF2-40B4-BE49-F238E27FC236}">
+                    <a16:creationId xmlns:a16="http://schemas.microsoft.com/office/drawing/2014/main" id="{46EDD9D9-1338-4BC5-9D28-964A84C143C2}"/>
+                  </a:ext>
+                </a:extLst>
+              </p:cNvPr>
+              <p:cNvSpPr>
+                <a:spLocks noGrp="1" noRot="1" noChangeAspect="1" noMove="1" noResize="1" noEditPoints="1" noAdjustHandles="1" noChangeArrowheads="1" noChangeShapeType="1" noTextEdit="1"/>
+              </p:cNvSpPr>
+              <p:nvPr>
+                <p:ph idx="1"/>
+              </p:nvPr>
+            </p:nvSpPr>
+            <p:spPr>
+              <a:xfrm>
+                <a:off x="838200" y="1825624"/>
+                <a:ext cx="10242755" cy="4342094"/>
+              </a:xfrm>
+              <a:blipFill>
+                <a:blip r:embed="rId3"/>
+                <a:stretch>
+                  <a:fillRect l="-1369" t="-2805"/>
+                </a:stretch>
+              </a:blipFill>
+            </p:spPr>
+            <p:txBody>
+              <a:bodyPr/>
+              <a:lstStyle/>
+              <a:p>
+                <a:r>
+                  <a:rPr lang="en-US">
+                    <a:noFill/>
+                  </a:rPr>
+                  <a:t> </a:t>
+                </a:r>
+              </a:p>
+            </p:txBody>
+          </p:sp>
+        </mc:Fallback>
+      </mc:AlternateContent>
+    </p:spTree>
+    <p:extLst>
+      <p:ext uri="{BB962C8B-B14F-4D97-AF65-F5344CB8AC3E}">
+        <p14:creationId xmlns:p14="http://schemas.microsoft.com/office/powerpoint/2010/main" val="593783092"/>
+      </p:ext>
+    </p:extLst>
+  </p:cSld>
+  <p:clrMapOvr>
+    <a:masterClrMapping/>
+  </p:clrMapOvr>
+</p:sld>
+</file>
+
+<file path=ppt/slides/slide32.xml><?xml version="1.0" encoding="utf-8"?>
+<p:sld xmlns:a="http://schemas.openxmlformats.org/drawingml/2006/main" xmlns:r="http://schemas.openxmlformats.org/officeDocument/2006/relationships" xmlns:p="http://schemas.openxmlformats.org/presentationml/2006/main">
+  <p:cSld>
+    <p:spTree>
+      <p:nvGrpSpPr>
+        <p:cNvPr id="1" name=""/>
+        <p:cNvGrpSpPr/>
+        <p:nvPr/>
+      </p:nvGrpSpPr>
+      <p:grpSpPr>
+        <a:xfrm>
+          <a:off x="0" y="0"/>
+          <a:ext cx="0" cy="0"/>
+          <a:chOff x="0" y="0"/>
+          <a:chExt cx="0" cy="0"/>
+        </a:xfrm>
+      </p:grpSpPr>
+      <p:sp>
+        <p:nvSpPr>
+          <p:cNvPr id="2" name="Title 1">
+            <a:extLst>
+              <a:ext uri="{FF2B5EF4-FFF2-40B4-BE49-F238E27FC236}">
+                <a16:creationId xmlns:a16="http://schemas.microsoft.com/office/drawing/2014/main" id="{B17419AC-DCE6-4371-8DE2-D617E99D653D}"/>
+              </a:ext>
+            </a:extLst>
+          </p:cNvPr>
+          <p:cNvSpPr>
+            <a:spLocks noGrp="1"/>
+          </p:cNvSpPr>
+          <p:nvPr>
+            <p:ph type="title"/>
+          </p:nvPr>
+        </p:nvSpPr>
+        <p:spPr/>
+        <p:txBody>
+          <a:bodyPr/>
+          <a:lstStyle/>
+          <a:p>
+            <a:r>
+              <a:rPr lang="en-US" dirty="0">
+                <a:solidFill>
+                  <a:srgbClr val="C00000"/>
+                </a:solidFill>
+              </a:rPr>
+              <a:t>Linear Queries</a:t>
+            </a:r>
+          </a:p>
+        </p:txBody>
+      </p:sp>
+      <mc:AlternateContent xmlns:mc="http://schemas.openxmlformats.org/markup-compatibility/2006">
+        <mc:Choice xmlns:a14="http://schemas.microsoft.com/office/drawing/2010/main" Requires="a14">
+          <p:sp>
+            <p:nvSpPr>
+              <p:cNvPr id="5" name="Content Placeholder 3">
+                <a:extLst>
+                  <a:ext uri="{FF2B5EF4-FFF2-40B4-BE49-F238E27FC236}">
+                    <a16:creationId xmlns:a16="http://schemas.microsoft.com/office/drawing/2014/main" id="{46EDD9D9-1338-4BC5-9D28-964A84C143C2}"/>
+                  </a:ext>
+                </a:extLst>
+              </p:cNvPr>
+              <p:cNvSpPr>
+                <a:spLocks noGrp="1"/>
+              </p:cNvSpPr>
+              <p:nvPr>
+                <p:ph idx="1"/>
+              </p:nvPr>
+            </p:nvSpPr>
+            <p:spPr>
+              <a:xfrm>
+                <a:off x="838200" y="1825624"/>
+                <a:ext cx="10242755" cy="4342094"/>
+              </a:xfrm>
+            </p:spPr>
+            <p:txBody>
+              <a:bodyPr>
+                <a:noAutofit/>
+              </a:bodyPr>
+              <a:lstStyle/>
+              <a:p>
+                <a:pPr>
+                  <a:buClr>
+                    <a:schemeClr val="tx1"/>
+                  </a:buClr>
+                </a:pPr>
+                <a:r>
+                  <a:rPr lang="en-US" sz="3200" dirty="0"/>
+                  <a:t>This gives correctness for a single query</a:t>
+                </a:r>
+              </a:p>
+              <a:p>
+                <a:pPr>
+                  <a:buClr>
+                    <a:schemeClr val="tx1"/>
+                  </a:buClr>
+                </a:pPr>
+                <a:endParaRPr lang="en-US" sz="3200" dirty="0"/>
+              </a:p>
+              <a:p>
+                <a:pPr>
+                  <a:buClr>
+                    <a:schemeClr val="tx1"/>
+                  </a:buClr>
+                </a:pPr>
+                <a:r>
+                  <a:rPr lang="en-US" sz="3200" dirty="0"/>
+                  <a:t>How to handle a set </a:t>
+                </a:r>
+                <a14:m>
+                  <m:oMath xmlns:m="http://schemas.openxmlformats.org/officeDocument/2006/math">
+                    <m:r>
+                      <a:rPr lang="en-US" sz="3200" b="0" i="1" smtClean="0">
+                        <a:solidFill>
+                          <a:srgbClr val="C00000"/>
+                        </a:solidFill>
+                        <a:latin typeface="Cambria Math" panose="02040503050406030204" pitchFamily="18" charset="0"/>
+                      </a:rPr>
+                      <m:t>𝑄</m:t>
+                    </m:r>
+                  </m:oMath>
+                </a14:m>
+                <a:r>
+                  <a:rPr lang="en-US" sz="3200" dirty="0"/>
+                  <a:t> of </a:t>
+                </a:r>
+                <a14:m>
+                  <m:oMath xmlns:m="http://schemas.openxmlformats.org/officeDocument/2006/math">
+                    <m:r>
+                      <a:rPr lang="en-US" sz="3200" b="0" i="1" smtClean="0">
+                        <a:solidFill>
+                          <a:srgbClr val="C00000"/>
+                        </a:solidFill>
+                        <a:latin typeface="Cambria Math" panose="02040503050406030204" pitchFamily="18" charset="0"/>
+                      </a:rPr>
+                      <m:t>𝑞</m:t>
+                    </m:r>
+                  </m:oMath>
+                </a14:m>
+                <a:r>
+                  <a:rPr lang="en-US" sz="3200" dirty="0"/>
+                  <a:t> queries?</a:t>
+                </a:r>
+              </a:p>
+              <a:p>
+                <a:pPr>
+                  <a:buClr>
+                    <a:schemeClr val="tx1"/>
+                  </a:buClr>
+                </a:pPr>
+                <a:endParaRPr lang="en-US" sz="3200" dirty="0"/>
+              </a:p>
+              <a:p>
+                <a:pPr>
+                  <a:buClr>
+                    <a:schemeClr val="tx1"/>
+                  </a:buClr>
+                </a:pPr>
+                <a:r>
+                  <a:rPr lang="en-US" sz="3200" dirty="0"/>
+                  <a:t>Sample </a:t>
+                </a:r>
+                <a14:m>
+                  <m:oMath xmlns:m="http://schemas.openxmlformats.org/officeDocument/2006/math">
+                    <m:r>
+                      <a:rPr lang="en-US" sz="3200" b="0" i="1" smtClean="0">
+                        <a:solidFill>
+                          <a:srgbClr val="C00000"/>
+                        </a:solidFill>
+                        <a:latin typeface="Cambria Math" panose="02040503050406030204" pitchFamily="18" charset="0"/>
+                      </a:rPr>
+                      <m:t>𝑂</m:t>
+                    </m:r>
+                    <m:d>
+                      <m:dPr>
+                        <m:ctrlPr>
+                          <a:rPr lang="en-US" sz="3200" b="0" i="1" smtClean="0">
+                            <a:solidFill>
+                              <a:srgbClr val="C00000"/>
+                            </a:solidFill>
+                            <a:latin typeface="Cambria Math" panose="02040503050406030204" pitchFamily="18" charset="0"/>
+                          </a:rPr>
+                        </m:ctrlPr>
+                      </m:dPr>
+                      <m:e>
+                        <m:f>
+                          <m:fPr>
+                            <m:ctrlPr>
+                              <a:rPr lang="en-US" sz="3200" i="1">
+                                <a:solidFill>
+                                  <a:srgbClr val="C00000"/>
+                                </a:solidFill>
+                                <a:latin typeface="Cambria Math" panose="02040503050406030204" pitchFamily="18" charset="0"/>
+                              </a:rPr>
+                            </m:ctrlPr>
+                          </m:fPr>
+                          <m:num>
+                            <m:func>
+                              <m:funcPr>
+                                <m:ctrlPr>
+                                  <a:rPr lang="en-US" sz="3200" b="0" i="1" smtClean="0">
+                                    <a:solidFill>
+                                      <a:srgbClr val="C00000"/>
+                                    </a:solidFill>
+                                    <a:latin typeface="Cambria Math" panose="02040503050406030204" pitchFamily="18" charset="0"/>
+                                  </a:rPr>
+                                </m:ctrlPr>
+                              </m:funcPr>
+                              <m:fName>
+                                <m:r>
+                                  <m:rPr>
+                                    <m:sty m:val="p"/>
+                                  </m:rPr>
+                                  <a:rPr lang="en-US" sz="3200" b="0" i="0" smtClean="0">
+                                    <a:solidFill>
+                                      <a:srgbClr val="C00000"/>
+                                    </a:solidFill>
+                                    <a:latin typeface="Cambria Math" panose="02040503050406030204" pitchFamily="18" charset="0"/>
+                                  </a:rPr>
+                                  <m:t>log</m:t>
+                                </m:r>
+                              </m:fName>
+                              <m:e>
+                                <m:r>
+                                  <a:rPr lang="en-US" sz="3200" b="0" i="1" smtClean="0">
+                                    <a:solidFill>
+                                      <a:srgbClr val="C00000"/>
+                                    </a:solidFill>
+                                    <a:latin typeface="Cambria Math" panose="02040503050406030204" pitchFamily="18" charset="0"/>
+                                  </a:rPr>
+                                  <m:t>𝑞</m:t>
+                                </m:r>
+                              </m:e>
+                            </m:func>
+                          </m:num>
+                          <m:den>
+                            <m:sSup>
+                              <m:sSupPr>
+                                <m:ctrlPr>
+                                  <a:rPr lang="en-US" sz="3200" i="1">
+                                    <a:solidFill>
+                                      <a:srgbClr val="C00000"/>
+                                    </a:solidFill>
+                                    <a:latin typeface="Cambria Math" panose="02040503050406030204" pitchFamily="18" charset="0"/>
+                                  </a:rPr>
+                                </m:ctrlPr>
+                              </m:sSupPr>
+                              <m:e>
+                                <m:r>
+                                  <a:rPr lang="en-US" sz="3200" i="1">
+                                    <a:solidFill>
+                                      <a:srgbClr val="C00000"/>
+                                    </a:solidFill>
+                                    <a:latin typeface="Cambria Math" panose="02040503050406030204" pitchFamily="18" charset="0"/>
+                                  </a:rPr>
+                                  <m:t>𝛼</m:t>
+                                </m:r>
+                              </m:e>
+                              <m:sup>
+                                <m:r>
+                                  <a:rPr lang="en-US" sz="3200" i="1">
+                                    <a:solidFill>
+                                      <a:srgbClr val="C00000"/>
+                                    </a:solidFill>
+                                    <a:latin typeface="Cambria Math" panose="02040503050406030204" pitchFamily="18" charset="0"/>
+                                  </a:rPr>
+                                  <m:t>2</m:t>
+                                </m:r>
+                              </m:sup>
+                            </m:sSup>
+                          </m:den>
+                        </m:f>
+                      </m:e>
+                    </m:d>
+                  </m:oMath>
+                </a14:m>
+                <a:r>
+                  <a:rPr lang="en-US" sz="3200" dirty="0"/>
+                  <a:t> items of the database and do median-of-means</a:t>
+                </a:r>
+              </a:p>
+            </p:txBody>
+          </p:sp>
+        </mc:Choice>
+        <mc:Fallback>
+          <p:sp>
+            <p:nvSpPr>
+              <p:cNvPr id="5" name="Content Placeholder 3">
+                <a:extLst>
+                  <a:ext uri="{FF2B5EF4-FFF2-40B4-BE49-F238E27FC236}">
+                    <a16:creationId xmlns:a16="http://schemas.microsoft.com/office/drawing/2014/main" id="{46EDD9D9-1338-4BC5-9D28-964A84C143C2}"/>
+                  </a:ext>
+                </a:extLst>
+              </p:cNvPr>
+              <p:cNvSpPr>
+                <a:spLocks noGrp="1" noRot="1" noChangeAspect="1" noMove="1" noResize="1" noEditPoints="1" noAdjustHandles="1" noChangeArrowheads="1" noChangeShapeType="1" noTextEdit="1"/>
+              </p:cNvSpPr>
+              <p:nvPr>
+                <p:ph idx="1"/>
+              </p:nvPr>
+            </p:nvSpPr>
+            <p:spPr>
+              <a:xfrm>
+                <a:off x="838200" y="1825624"/>
+                <a:ext cx="10242755" cy="4342094"/>
+              </a:xfrm>
+              <a:blipFill>
+                <a:blip r:embed="rId3"/>
+                <a:stretch>
+                  <a:fillRect l="-1369" t="-2945"/>
+                </a:stretch>
+              </a:blipFill>
+            </p:spPr>
+            <p:txBody>
+              <a:bodyPr/>
+              <a:lstStyle/>
+              <a:p>
+                <a:r>
+                  <a:rPr lang="en-US">
+                    <a:noFill/>
+                  </a:rPr>
+                  <a:t> </a:t>
+                </a:r>
+              </a:p>
+            </p:txBody>
+          </p:sp>
+        </mc:Fallback>
+      </mc:AlternateContent>
+    </p:spTree>
+    <p:extLst>
+      <p:ext uri="{BB962C8B-B14F-4D97-AF65-F5344CB8AC3E}">
+        <p14:creationId xmlns:p14="http://schemas.microsoft.com/office/powerpoint/2010/main" val="3651195227"/>
+      </p:ext>
+    </p:extLst>
+  </p:cSld>
+  <p:clrMapOvr>
+    <a:masterClrMapping/>
+  </p:clrMapOvr>
+</p:sld>
+</file>
+
+<file path=ppt/slides/slide33.xml><?xml version="1.0" encoding="utf-8"?>
+<p:sld xmlns:a="http://schemas.openxmlformats.org/drawingml/2006/main" xmlns:r="http://schemas.openxmlformats.org/officeDocument/2006/relationships" xmlns:p="http://schemas.openxmlformats.org/presentationml/2006/main">
+  <p:cSld>
+    <p:spTree>
+      <p:nvGrpSpPr>
+        <p:cNvPr id="1" name=""/>
+        <p:cNvGrpSpPr/>
+        <p:nvPr/>
+      </p:nvGrpSpPr>
+      <p:grpSpPr>
+        <a:xfrm>
+          <a:off x="0" y="0"/>
+          <a:ext cx="0" cy="0"/>
+          <a:chOff x="0" y="0"/>
+          <a:chExt cx="0" cy="0"/>
+        </a:xfrm>
+      </p:grpSpPr>
+      <p:sp>
+        <p:nvSpPr>
+          <p:cNvPr id="2" name="Title 1">
+            <a:extLst>
+              <a:ext uri="{FF2B5EF4-FFF2-40B4-BE49-F238E27FC236}">
+                <a16:creationId xmlns:a16="http://schemas.microsoft.com/office/drawing/2014/main" id="{B17419AC-DCE6-4371-8DE2-D617E99D653D}"/>
+              </a:ext>
+            </a:extLst>
+          </p:cNvPr>
+          <p:cNvSpPr>
+            <a:spLocks noGrp="1"/>
+          </p:cNvSpPr>
+          <p:nvPr>
+            <p:ph type="title"/>
+          </p:nvPr>
+        </p:nvSpPr>
+        <p:spPr/>
+        <p:txBody>
+          <a:bodyPr/>
+          <a:lstStyle/>
+          <a:p>
+            <a:r>
+              <a:rPr lang="en-US" dirty="0" err="1">
+                <a:solidFill>
+                  <a:srgbClr val="C00000"/>
+                </a:solidFill>
+              </a:rPr>
+              <a:t>SmallDB</a:t>
+            </a:r>
+            <a:r>
+              <a:rPr lang="en-US" dirty="0">
+                <a:solidFill>
+                  <a:srgbClr val="C00000"/>
+                </a:solidFill>
+              </a:rPr>
+              <a:t> Algorithm</a:t>
+            </a:r>
+          </a:p>
+        </p:txBody>
+      </p:sp>
+      <mc:AlternateContent xmlns:mc="http://schemas.openxmlformats.org/markup-compatibility/2006">
+        <mc:Choice xmlns:a14="http://schemas.microsoft.com/office/drawing/2010/main" Requires="a14">
+          <p:sp>
+            <p:nvSpPr>
+              <p:cNvPr id="5" name="Content Placeholder 3">
+                <a:extLst>
+                  <a:ext uri="{FF2B5EF4-FFF2-40B4-BE49-F238E27FC236}">
+                    <a16:creationId xmlns:a16="http://schemas.microsoft.com/office/drawing/2014/main" id="{46EDD9D9-1338-4BC5-9D28-964A84C143C2}"/>
+                  </a:ext>
+                </a:extLst>
+              </p:cNvPr>
+              <p:cNvSpPr>
+                <a:spLocks noGrp="1"/>
+              </p:cNvSpPr>
+              <p:nvPr>
+                <p:ph idx="1"/>
+              </p:nvPr>
+            </p:nvSpPr>
+            <p:spPr>
+              <a:xfrm>
+                <a:off x="838200" y="1825624"/>
+                <a:ext cx="10242755" cy="4342094"/>
+              </a:xfrm>
+            </p:spPr>
+            <p:txBody>
+              <a:bodyPr>
+                <a:noAutofit/>
+              </a:bodyPr>
+              <a:lstStyle/>
+              <a:p>
+                <a:pPr>
+                  <a:buClr>
+                    <a:schemeClr val="tx1"/>
+                  </a:buClr>
+                </a:pPr>
+                <a:r>
+                  <a:rPr lang="en-US" sz="3200" dirty="0"/>
+                  <a:t>Let </a:t>
+                </a:r>
+                <a14:m>
+                  <m:oMath xmlns:m="http://schemas.openxmlformats.org/officeDocument/2006/math">
+                    <m:r>
+                      <a:rPr lang="en-US" sz="3200" b="0" i="1" smtClean="0">
+                        <a:solidFill>
+                          <a:srgbClr val="C00000"/>
+                        </a:solidFill>
+                        <a:latin typeface="Cambria Math" panose="02040503050406030204" pitchFamily="18" charset="0"/>
+                      </a:rPr>
+                      <m:t>𝑉</m:t>
+                    </m:r>
+                  </m:oMath>
+                </a14:m>
+                <a:r>
+                  <a:rPr lang="en-US" sz="3200" dirty="0"/>
+                  <a:t> be the set of vectors </a:t>
+                </a:r>
+                <a14:m>
+                  <m:oMath xmlns:m="http://schemas.openxmlformats.org/officeDocument/2006/math">
+                    <m:r>
+                      <a:rPr lang="en-US" sz="3200" b="0" i="1" smtClean="0">
+                        <a:solidFill>
+                          <a:srgbClr val="C00000"/>
+                        </a:solidFill>
+                        <a:latin typeface="Cambria Math" panose="02040503050406030204" pitchFamily="18" charset="0"/>
+                      </a:rPr>
+                      <m:t>𝑣</m:t>
+                    </m:r>
+                    <m:r>
+                      <a:rPr lang="en-US" sz="3200" i="1">
+                        <a:solidFill>
+                          <a:srgbClr val="C00000"/>
+                        </a:solidFill>
+                        <a:latin typeface="Cambria Math" panose="02040503050406030204" pitchFamily="18" charset="0"/>
+                      </a:rPr>
+                      <m:t> </m:t>
+                    </m:r>
+                  </m:oMath>
+                </a14:m>
+                <a:r>
+                  <a:rPr lang="en-US" sz="3200" dirty="0"/>
+                  <a:t>with </a:t>
+                </a:r>
+                <a14:m>
+                  <m:oMath xmlns:m="http://schemas.openxmlformats.org/officeDocument/2006/math">
+                    <m:sSub>
+                      <m:sSubPr>
+                        <m:ctrlPr>
+                          <a:rPr lang="en-US" sz="3200" b="0" i="1" smtClean="0">
+                            <a:solidFill>
+                              <a:srgbClr val="C00000"/>
+                            </a:solidFill>
+                            <a:latin typeface="Cambria Math" panose="02040503050406030204" pitchFamily="18" charset="0"/>
+                          </a:rPr>
+                        </m:ctrlPr>
+                      </m:sSubPr>
+                      <m:e>
+                        <m:d>
+                          <m:dPr>
+                            <m:begChr m:val="‖"/>
+                            <m:endChr m:val="‖"/>
+                            <m:ctrlPr>
+                              <a:rPr lang="en-US" sz="3200" i="1" smtClean="0">
+                                <a:solidFill>
+                                  <a:srgbClr val="C00000"/>
+                                </a:solidFill>
+                                <a:latin typeface="Cambria Math" panose="02040503050406030204" pitchFamily="18" charset="0"/>
+                              </a:rPr>
+                            </m:ctrlPr>
+                          </m:dPr>
+                          <m:e>
+                            <m:r>
+                              <a:rPr lang="en-US" sz="3200" b="0" i="1" smtClean="0">
+                                <a:solidFill>
+                                  <a:srgbClr val="C00000"/>
+                                </a:solidFill>
+                                <a:latin typeface="Cambria Math" panose="02040503050406030204" pitchFamily="18" charset="0"/>
+                              </a:rPr>
+                              <m:t>𝑣</m:t>
+                            </m:r>
+                          </m:e>
+                        </m:d>
+                      </m:e>
+                      <m:sub>
+                        <m:r>
+                          <a:rPr lang="en-US" sz="3200" b="0" i="1" smtClean="0">
+                            <a:solidFill>
+                              <a:srgbClr val="C00000"/>
+                            </a:solidFill>
+                            <a:latin typeface="Cambria Math" panose="02040503050406030204" pitchFamily="18" charset="0"/>
+                          </a:rPr>
+                          <m:t>1</m:t>
+                        </m:r>
+                      </m:sub>
+                    </m:sSub>
+                    <m:r>
+                      <a:rPr lang="en-US" sz="3200" b="0" i="1" smtClean="0">
+                        <a:solidFill>
+                          <a:srgbClr val="C00000"/>
+                        </a:solidFill>
+                        <a:latin typeface="Cambria Math" panose="02040503050406030204" pitchFamily="18" charset="0"/>
+                      </a:rPr>
+                      <m:t>=</m:t>
+                    </m:r>
+                    <m:r>
+                      <a:rPr lang="en-US" sz="3200" i="1">
+                        <a:solidFill>
+                          <a:srgbClr val="C00000"/>
+                        </a:solidFill>
+                        <a:latin typeface="Cambria Math" panose="02040503050406030204" pitchFamily="18" charset="0"/>
+                      </a:rPr>
+                      <m:t>𝑂</m:t>
+                    </m:r>
+                    <m:d>
+                      <m:dPr>
+                        <m:ctrlPr>
+                          <a:rPr lang="en-US" sz="3200" i="1">
+                            <a:solidFill>
+                              <a:srgbClr val="C00000"/>
+                            </a:solidFill>
+                            <a:latin typeface="Cambria Math" panose="02040503050406030204" pitchFamily="18" charset="0"/>
+                          </a:rPr>
+                        </m:ctrlPr>
+                      </m:dPr>
+                      <m:e>
+                        <m:f>
+                          <m:fPr>
+                            <m:ctrlPr>
+                              <a:rPr lang="en-US" sz="3200" i="1">
+                                <a:solidFill>
+                                  <a:srgbClr val="C00000"/>
+                                </a:solidFill>
+                                <a:latin typeface="Cambria Math" panose="02040503050406030204" pitchFamily="18" charset="0"/>
+                              </a:rPr>
+                            </m:ctrlPr>
+                          </m:fPr>
+                          <m:num>
+                            <m:func>
+                              <m:funcPr>
+                                <m:ctrlPr>
+                                  <a:rPr lang="en-US" sz="3200" i="1">
+                                    <a:solidFill>
+                                      <a:srgbClr val="C00000"/>
+                                    </a:solidFill>
+                                    <a:latin typeface="Cambria Math" panose="02040503050406030204" pitchFamily="18" charset="0"/>
+                                  </a:rPr>
+                                </m:ctrlPr>
+                              </m:funcPr>
+                              <m:fName>
+                                <m:r>
+                                  <m:rPr>
+                                    <m:sty m:val="p"/>
+                                  </m:rPr>
+                                  <a:rPr lang="en-US" sz="3200">
+                                    <a:solidFill>
+                                      <a:srgbClr val="C00000"/>
+                                    </a:solidFill>
+                                    <a:latin typeface="Cambria Math" panose="02040503050406030204" pitchFamily="18" charset="0"/>
+                                  </a:rPr>
+                                  <m:t>log</m:t>
+                                </m:r>
+                              </m:fName>
+                              <m:e>
+                                <m:r>
+                                  <a:rPr lang="en-US" sz="3200" i="1">
+                                    <a:solidFill>
+                                      <a:srgbClr val="C00000"/>
+                                    </a:solidFill>
+                                    <a:latin typeface="Cambria Math" panose="02040503050406030204" pitchFamily="18" charset="0"/>
+                                  </a:rPr>
+                                  <m:t>𝑞</m:t>
+                                </m:r>
+                              </m:e>
+                            </m:func>
+                          </m:num>
+                          <m:den>
+                            <m:sSup>
+                              <m:sSupPr>
+                                <m:ctrlPr>
+                                  <a:rPr lang="en-US" sz="3200" i="1">
+                                    <a:solidFill>
+                                      <a:srgbClr val="C00000"/>
+                                    </a:solidFill>
+                                    <a:latin typeface="Cambria Math" panose="02040503050406030204" pitchFamily="18" charset="0"/>
+                                  </a:rPr>
+                                </m:ctrlPr>
+                              </m:sSupPr>
+                              <m:e>
+                                <m:r>
+                                  <a:rPr lang="en-US" sz="3200" i="1">
+                                    <a:solidFill>
+                                      <a:srgbClr val="C00000"/>
+                                    </a:solidFill>
+                                    <a:latin typeface="Cambria Math" panose="02040503050406030204" pitchFamily="18" charset="0"/>
+                                  </a:rPr>
+                                  <m:t>𝛼</m:t>
+                                </m:r>
+                              </m:e>
+                              <m:sup>
+                                <m:r>
+                                  <a:rPr lang="en-US" sz="3200" i="1">
+                                    <a:solidFill>
+                                      <a:srgbClr val="C00000"/>
+                                    </a:solidFill>
+                                    <a:latin typeface="Cambria Math" panose="02040503050406030204" pitchFamily="18" charset="0"/>
+                                  </a:rPr>
+                                  <m:t>2</m:t>
+                                </m:r>
+                              </m:sup>
+                            </m:sSup>
+                          </m:den>
+                        </m:f>
+                      </m:e>
+                    </m:d>
+                  </m:oMath>
+                </a14:m>
+                <a:endParaRPr lang="en-US" sz="3200" dirty="0"/>
+              </a:p>
+              <a:p>
+                <a:pPr>
+                  <a:buClr>
+                    <a:schemeClr val="tx1"/>
+                  </a:buClr>
+                </a:pPr>
+                <a:r>
+                  <a:rPr lang="en-US" sz="3200" dirty="0"/>
+                  <a:t>Define </a:t>
+                </a:r>
+                <a14:m>
+                  <m:oMath xmlns:m="http://schemas.openxmlformats.org/officeDocument/2006/math">
+                    <m:r>
+                      <a:rPr lang="en-US" sz="3200" b="0" i="1" smtClean="0">
+                        <a:solidFill>
+                          <a:srgbClr val="C00000"/>
+                        </a:solidFill>
+                        <a:latin typeface="Cambria Math" panose="02040503050406030204" pitchFamily="18" charset="0"/>
+                      </a:rPr>
+                      <m:t>𝑆</m:t>
+                    </m:r>
+                    <m:d>
+                      <m:dPr>
+                        <m:ctrlPr>
+                          <a:rPr lang="en-US" sz="3200" b="0" i="1" smtClean="0">
+                            <a:solidFill>
+                              <a:srgbClr val="C00000"/>
+                            </a:solidFill>
+                            <a:latin typeface="Cambria Math" panose="02040503050406030204" pitchFamily="18" charset="0"/>
+                          </a:rPr>
+                        </m:ctrlPr>
+                      </m:dPr>
+                      <m:e>
+                        <m:r>
+                          <a:rPr lang="en-US" sz="3200" b="0" i="1" smtClean="0">
+                            <a:solidFill>
+                              <a:srgbClr val="C00000"/>
+                            </a:solidFill>
+                            <a:latin typeface="Cambria Math" panose="02040503050406030204" pitchFamily="18" charset="0"/>
+                          </a:rPr>
+                          <m:t>𝑓</m:t>
+                        </m:r>
+                        <m:r>
+                          <a:rPr lang="en-US" sz="3200" b="0" i="1" smtClean="0">
+                            <a:solidFill>
+                              <a:srgbClr val="C00000"/>
+                            </a:solidFill>
+                            <a:latin typeface="Cambria Math" panose="02040503050406030204" pitchFamily="18" charset="0"/>
+                          </a:rPr>
+                          <m:t>,</m:t>
+                        </m:r>
+                        <m:r>
+                          <a:rPr lang="en-US" sz="3200" b="0" i="1" smtClean="0">
+                            <a:solidFill>
+                              <a:srgbClr val="C00000"/>
+                            </a:solidFill>
+                            <a:latin typeface="Cambria Math" panose="02040503050406030204" pitchFamily="18" charset="0"/>
+                          </a:rPr>
+                          <m:t>𝑣</m:t>
+                        </m:r>
+                      </m:e>
+                    </m:d>
+                    <m:r>
+                      <a:rPr lang="en-US" sz="3200" b="0" i="1" smtClean="0">
+                        <a:solidFill>
+                          <a:srgbClr val="C00000"/>
+                        </a:solidFill>
+                        <a:latin typeface="Cambria Math" panose="02040503050406030204" pitchFamily="18" charset="0"/>
+                      </a:rPr>
+                      <m:t>=−</m:t>
+                    </m:r>
+                    <m:func>
+                      <m:funcPr>
+                        <m:ctrlPr>
+                          <a:rPr lang="en-US" sz="3200" b="0" i="1" smtClean="0">
+                            <a:solidFill>
+                              <a:srgbClr val="C00000"/>
+                            </a:solidFill>
+                            <a:latin typeface="Cambria Math" panose="02040503050406030204" pitchFamily="18" charset="0"/>
+                          </a:rPr>
+                        </m:ctrlPr>
+                      </m:funcPr>
+                      <m:fName>
+                        <m:limLow>
+                          <m:limLowPr>
+                            <m:ctrlPr>
+                              <a:rPr lang="en-US" sz="3200" b="0" i="1" smtClean="0">
+                                <a:solidFill>
+                                  <a:srgbClr val="C00000"/>
+                                </a:solidFill>
+                                <a:latin typeface="Cambria Math" panose="02040503050406030204" pitchFamily="18" charset="0"/>
+                              </a:rPr>
+                            </m:ctrlPr>
+                          </m:limLowPr>
+                          <m:e>
+                            <m:r>
+                              <m:rPr>
+                                <m:sty m:val="p"/>
+                              </m:rPr>
+                              <a:rPr lang="en-US" sz="3200" b="0" i="0" smtClean="0">
+                                <a:solidFill>
+                                  <a:srgbClr val="C00000"/>
+                                </a:solidFill>
+                                <a:latin typeface="Cambria Math" panose="02040503050406030204" pitchFamily="18" charset="0"/>
+                              </a:rPr>
+                              <m:t>max</m:t>
+                            </m:r>
+                          </m:e>
+                          <m:lim>
+                            <m:r>
+                              <a:rPr lang="en-US" sz="3200" b="0" i="1" smtClean="0">
+                                <a:solidFill>
+                                  <a:srgbClr val="C00000"/>
+                                </a:solidFill>
+                                <a:latin typeface="Cambria Math" panose="02040503050406030204" pitchFamily="18" charset="0"/>
+                              </a:rPr>
+                              <m:t>ℓ∈</m:t>
+                            </m:r>
+                            <m:r>
+                              <a:rPr lang="en-US" sz="3200" b="0" i="1" smtClean="0">
+                                <a:solidFill>
+                                  <a:srgbClr val="C00000"/>
+                                </a:solidFill>
+                                <a:latin typeface="Cambria Math" panose="02040503050406030204" pitchFamily="18" charset="0"/>
+                              </a:rPr>
+                              <m:t>𝑄</m:t>
+                            </m:r>
+                          </m:lim>
+                        </m:limLow>
+                      </m:fName>
+                      <m:e>
+                        <m:d>
+                          <m:dPr>
+                            <m:begChr m:val="|"/>
+                            <m:endChr m:val="|"/>
+                            <m:ctrlPr>
+                              <a:rPr lang="en-US" sz="3200" b="0" i="1" smtClean="0">
+                                <a:solidFill>
+                                  <a:srgbClr val="C00000"/>
+                                </a:solidFill>
+                                <a:latin typeface="Cambria Math" panose="02040503050406030204" pitchFamily="18" charset="0"/>
+                              </a:rPr>
+                            </m:ctrlPr>
+                          </m:dPr>
+                          <m:e>
+                            <m:r>
+                              <a:rPr lang="en-US" sz="3200" b="0" i="1" smtClean="0">
+                                <a:solidFill>
+                                  <a:srgbClr val="C00000"/>
+                                </a:solidFill>
+                                <a:latin typeface="Cambria Math" panose="02040503050406030204" pitchFamily="18" charset="0"/>
+                              </a:rPr>
+                              <m:t>ℓ</m:t>
+                            </m:r>
+                            <m:d>
+                              <m:dPr>
+                                <m:ctrlPr>
+                                  <a:rPr lang="en-US" sz="3200" b="0" i="1" smtClean="0">
+                                    <a:solidFill>
+                                      <a:srgbClr val="C00000"/>
+                                    </a:solidFill>
+                                    <a:latin typeface="Cambria Math" panose="02040503050406030204" pitchFamily="18" charset="0"/>
+                                  </a:rPr>
+                                </m:ctrlPr>
+                              </m:dPr>
+                              <m:e>
+                                <m:r>
+                                  <a:rPr lang="en-US" sz="3200" b="0" i="1" smtClean="0">
+                                    <a:solidFill>
+                                      <a:srgbClr val="C00000"/>
+                                    </a:solidFill>
+                                    <a:latin typeface="Cambria Math" panose="02040503050406030204" pitchFamily="18" charset="0"/>
+                                  </a:rPr>
+                                  <m:t>𝑓</m:t>
+                                </m:r>
+                              </m:e>
+                            </m:d>
+                            <m:r>
+                              <a:rPr lang="en-US" sz="3200" b="0" i="1" smtClean="0">
+                                <a:solidFill>
+                                  <a:srgbClr val="C00000"/>
+                                </a:solidFill>
+                                <a:latin typeface="Cambria Math" panose="02040503050406030204" pitchFamily="18" charset="0"/>
+                              </a:rPr>
+                              <m:t>−ℓ</m:t>
+                            </m:r>
+                            <m:d>
+                              <m:dPr>
+                                <m:ctrlPr>
+                                  <a:rPr lang="en-US" sz="3200" b="0" i="1" smtClean="0">
+                                    <a:solidFill>
+                                      <a:srgbClr val="C00000"/>
+                                    </a:solidFill>
+                                    <a:latin typeface="Cambria Math" panose="02040503050406030204" pitchFamily="18" charset="0"/>
+                                  </a:rPr>
+                                </m:ctrlPr>
+                              </m:dPr>
+                              <m:e>
+                                <m:r>
+                                  <a:rPr lang="en-US" sz="3200" b="0" i="1" smtClean="0">
+                                    <a:solidFill>
+                                      <a:srgbClr val="C00000"/>
+                                    </a:solidFill>
+                                    <a:latin typeface="Cambria Math" panose="02040503050406030204" pitchFamily="18" charset="0"/>
+                                  </a:rPr>
+                                  <m:t>𝑣</m:t>
+                                </m:r>
+                              </m:e>
+                            </m:d>
+                          </m:e>
+                        </m:d>
+                      </m:e>
+                    </m:func>
+                  </m:oMath>
+                </a14:m>
+                <a:endParaRPr lang="en-US" sz="3200" b="0" dirty="0">
+                  <a:solidFill>
+                    <a:srgbClr val="C00000"/>
+                  </a:solidFill>
+                </a:endParaRPr>
+              </a:p>
+              <a:p>
+                <a:pPr>
+                  <a:buClr>
+                    <a:schemeClr val="tx1"/>
+                  </a:buClr>
+                </a:pPr>
+                <a:endParaRPr lang="en-US" sz="3200" dirty="0"/>
+              </a:p>
+              <a:p>
+                <a:pPr>
+                  <a:buClr>
+                    <a:schemeClr val="tx1"/>
+                  </a:buClr>
+                </a:pPr>
+                <a:r>
+                  <a:rPr lang="en-US" sz="3200" dirty="0"/>
+                  <a:t>Sample and output </a:t>
+                </a:r>
+                <a14:m>
+                  <m:oMath xmlns:m="http://schemas.openxmlformats.org/officeDocument/2006/math">
+                    <m:r>
+                      <a:rPr lang="en-US" sz="3200" b="0" i="1" smtClean="0">
+                        <a:solidFill>
+                          <a:srgbClr val="C00000"/>
+                        </a:solidFill>
+                        <a:latin typeface="Cambria Math" panose="02040503050406030204" pitchFamily="18" charset="0"/>
+                      </a:rPr>
+                      <m:t>𝑣</m:t>
+                    </m:r>
+                    <m:r>
+                      <a:rPr lang="en-US" sz="3200" b="0" i="1" smtClean="0">
+                        <a:solidFill>
+                          <a:srgbClr val="C00000"/>
+                        </a:solidFill>
+                        <a:latin typeface="Cambria Math" panose="02040503050406030204" pitchFamily="18" charset="0"/>
+                      </a:rPr>
+                      <m:t>∈</m:t>
+                    </m:r>
+                    <m:r>
+                      <a:rPr lang="en-US" sz="3200" b="0" i="1" smtClean="0">
+                        <a:solidFill>
+                          <a:srgbClr val="C00000"/>
+                        </a:solidFill>
+                        <a:latin typeface="Cambria Math" panose="02040503050406030204" pitchFamily="18" charset="0"/>
+                      </a:rPr>
+                      <m:t>𝑉</m:t>
+                    </m:r>
+                  </m:oMath>
+                </a14:m>
+                <a:r>
+                  <a:rPr lang="en-US" sz="3200" dirty="0"/>
+                  <a:t> with the exponential mechanism with score function </a:t>
+                </a:r>
+                <a14:m>
+                  <m:oMath xmlns:m="http://schemas.openxmlformats.org/officeDocument/2006/math">
+                    <m:r>
+                      <a:rPr lang="en-US" sz="3200" b="0" i="1" smtClean="0">
+                        <a:solidFill>
+                          <a:srgbClr val="C00000"/>
+                        </a:solidFill>
+                        <a:latin typeface="Cambria Math" panose="02040503050406030204" pitchFamily="18" charset="0"/>
+                      </a:rPr>
+                      <m:t>𝑆</m:t>
+                    </m:r>
+                    <m:d>
+                      <m:dPr>
+                        <m:ctrlPr>
+                          <a:rPr lang="en-US" sz="3200" b="0" i="1" smtClean="0">
+                            <a:solidFill>
+                              <a:srgbClr val="C00000"/>
+                            </a:solidFill>
+                            <a:latin typeface="Cambria Math" panose="02040503050406030204" pitchFamily="18" charset="0"/>
+                          </a:rPr>
+                        </m:ctrlPr>
+                      </m:dPr>
+                      <m:e>
+                        <m:r>
+                          <a:rPr lang="en-US" sz="3200" b="0" i="1" smtClean="0">
+                            <a:solidFill>
+                              <a:srgbClr val="C00000"/>
+                            </a:solidFill>
+                            <a:latin typeface="Cambria Math" panose="02040503050406030204" pitchFamily="18" charset="0"/>
+                          </a:rPr>
+                          <m:t>𝑓</m:t>
+                        </m:r>
+                        <m:r>
+                          <a:rPr lang="en-US" sz="3200" b="0" i="1" smtClean="0">
+                            <a:solidFill>
+                              <a:srgbClr val="C00000"/>
+                            </a:solidFill>
+                            <a:latin typeface="Cambria Math" panose="02040503050406030204" pitchFamily="18" charset="0"/>
+                          </a:rPr>
+                          <m:t>,</m:t>
+                        </m:r>
+                        <m:r>
+                          <a:rPr lang="en-US" sz="3200" b="0" i="1" smtClean="0">
+                            <a:solidFill>
+                              <a:srgbClr val="C00000"/>
+                            </a:solidFill>
+                            <a:latin typeface="Cambria Math" panose="02040503050406030204" pitchFamily="18" charset="0"/>
+                          </a:rPr>
+                          <m:t>𝑣</m:t>
+                        </m:r>
+                      </m:e>
+                    </m:d>
+                  </m:oMath>
+                </a14:m>
+                <a:endParaRPr lang="en-US" sz="3200" dirty="0"/>
+              </a:p>
+            </p:txBody>
+          </p:sp>
+        </mc:Choice>
+        <mc:Fallback>
+          <p:sp>
+            <p:nvSpPr>
+              <p:cNvPr id="5" name="Content Placeholder 3">
+                <a:extLst>
+                  <a:ext uri="{FF2B5EF4-FFF2-40B4-BE49-F238E27FC236}">
+                    <a16:creationId xmlns:a16="http://schemas.microsoft.com/office/drawing/2014/main" id="{46EDD9D9-1338-4BC5-9D28-964A84C143C2}"/>
+                  </a:ext>
+                </a:extLst>
+              </p:cNvPr>
+              <p:cNvSpPr>
+                <a:spLocks noGrp="1" noRot="1" noChangeAspect="1" noMove="1" noResize="1" noEditPoints="1" noAdjustHandles="1" noChangeArrowheads="1" noChangeShapeType="1" noTextEdit="1"/>
+              </p:cNvSpPr>
+              <p:nvPr>
+                <p:ph idx="1"/>
+              </p:nvPr>
+            </p:nvSpPr>
+            <p:spPr>
+              <a:xfrm>
+                <a:off x="838200" y="1825624"/>
+                <a:ext cx="10242755" cy="4342094"/>
+              </a:xfrm>
+              <a:blipFill>
+                <a:blip r:embed="rId3"/>
+                <a:stretch>
+                  <a:fillRect l="-1369" r="-1429"/>
+                </a:stretch>
+              </a:blipFill>
+            </p:spPr>
+            <p:txBody>
+              <a:bodyPr/>
+              <a:lstStyle/>
+              <a:p>
+                <a:r>
+                  <a:rPr lang="en-US">
+                    <a:noFill/>
+                  </a:rPr>
+                  <a:t> </a:t>
+                </a:r>
+              </a:p>
+            </p:txBody>
+          </p:sp>
+        </mc:Fallback>
+      </mc:AlternateContent>
+    </p:spTree>
+    <p:extLst>
+      <p:ext uri="{BB962C8B-B14F-4D97-AF65-F5344CB8AC3E}">
+        <p14:creationId xmlns:p14="http://schemas.microsoft.com/office/powerpoint/2010/main" val="498842623"/>
       </p:ext>
     </p:extLst>
   </p:cSld>

--- a/CSCE658-S24/L21.pptx
+++ b/CSCE658-S24/L21.pptx
@@ -5,7 +5,7 @@
     <p:sldMasterId id="2147483648" r:id="rId1"/>
   </p:sldMasterIdLst>
   <p:notesMasterIdLst>
-    <p:notesMasterId r:id="rId35"/>
+    <p:notesMasterId r:id="rId28"/>
   </p:notesMasterIdLst>
   <p:sldIdLst>
     <p:sldId id="788" r:id="rId2"/>
@@ -34,13 +34,6 @@
     <p:sldId id="1316" r:id="rId25"/>
     <p:sldId id="1318" r:id="rId26"/>
     <p:sldId id="1314" r:id="rId27"/>
-    <p:sldId id="1319" r:id="rId28"/>
-    <p:sldId id="1321" r:id="rId29"/>
-    <p:sldId id="1320" r:id="rId30"/>
-    <p:sldId id="1322" r:id="rId31"/>
-    <p:sldId id="1323" r:id="rId32"/>
-    <p:sldId id="1324" r:id="rId33"/>
-    <p:sldId id="1325" r:id="rId34"/>
   </p:sldIdLst>
   <p:sldSz cx="12192000" cy="6858000"/>
   <p:notesSz cx="6858000" cy="9144000"/>
@@ -147,388 +140,6 @@
 </p:presentation>
 </file>
 
-<file path=ppt/revisionInfo.xml><?xml version="1.0" encoding="utf-8"?>
-<p1510:revInfo xmlns:a="http://schemas.openxmlformats.org/drawingml/2006/main" xmlns:r="http://schemas.openxmlformats.org/officeDocument/2006/relationships" xmlns:p1510="http://schemas.microsoft.com/office/powerpoint/2015/10/main">
-  <p1510:revLst>
-    <p1510:client id="{B9ED1275-8595-46D3-B0E3-8452F93970F7}" v="1260" dt="2024-04-16T21:49:49.979"/>
-  </p1510:revLst>
-</p1510:revInfo>
-</file>
-
-<file path=ppt/changesInfos/changesInfo1.xml><?xml version="1.0" encoding="utf-8"?>
-<pc:chgInfo xmlns:a="http://schemas.openxmlformats.org/drawingml/2006/main" xmlns:r="http://schemas.openxmlformats.org/officeDocument/2006/relationships" xmlns:ac="http://schemas.microsoft.com/office/drawing/2013/main/command" xmlns:pc="http://schemas.microsoft.com/office/powerpoint/2013/main/command">
-  <pc:docChgLst>
-    <pc:chgData name="Samson Zhou" userId="be955f33642ecbf5" providerId="LiveId" clId="{B9ED1275-8595-46D3-B0E3-8452F93970F7}"/>
-    <pc:docChg chg="undo custSel addSld delSld modSld sldOrd">
-      <pc:chgData name="Samson Zhou" userId="be955f33642ecbf5" providerId="LiveId" clId="{B9ED1275-8595-46D3-B0E3-8452F93970F7}" dt="2024-04-16T21:50:31.473" v="2651" actId="20577"/>
-      <pc:docMkLst>
-        <pc:docMk/>
-      </pc:docMkLst>
-      <pc:sldChg chg="modSp mod">
-        <pc:chgData name="Samson Zhou" userId="be955f33642ecbf5" providerId="LiveId" clId="{B9ED1275-8595-46D3-B0E3-8452F93970F7}" dt="2024-04-16T19:29:03.233" v="336" actId="20577"/>
-        <pc:sldMkLst>
-          <pc:docMk/>
-          <pc:sldMk cId="2899717349" sldId="1279"/>
-        </pc:sldMkLst>
-        <pc:spChg chg="mod">
-          <ac:chgData name="Samson Zhou" userId="be955f33642ecbf5" providerId="LiveId" clId="{B9ED1275-8595-46D3-B0E3-8452F93970F7}" dt="2024-04-16T19:29:03.233" v="336" actId="20577"/>
-          <ac:spMkLst>
-            <pc:docMk/>
-            <pc:sldMk cId="2899717349" sldId="1279"/>
-            <ac:spMk id="5" creationId="{46EDD9D9-1338-4BC5-9D28-964A84C143C2}"/>
-          </ac:spMkLst>
-        </pc:spChg>
-      </pc:sldChg>
-      <pc:sldChg chg="modSp mod">
-        <pc:chgData name="Samson Zhou" userId="be955f33642ecbf5" providerId="LiveId" clId="{B9ED1275-8595-46D3-B0E3-8452F93970F7}" dt="2024-04-16T18:23:41.992" v="19" actId="20577"/>
-        <pc:sldMkLst>
-          <pc:docMk/>
-          <pc:sldMk cId="1761393567" sldId="1280"/>
-        </pc:sldMkLst>
-        <pc:spChg chg="mod">
-          <ac:chgData name="Samson Zhou" userId="be955f33642ecbf5" providerId="LiveId" clId="{B9ED1275-8595-46D3-B0E3-8452F93970F7}" dt="2024-04-16T18:23:41.992" v="19" actId="20577"/>
-          <ac:spMkLst>
-            <pc:docMk/>
-            <pc:sldMk cId="1761393567" sldId="1280"/>
-            <ac:spMk id="2" creationId="{B17419AC-DCE6-4371-8DE2-D617E99D653D}"/>
-          </ac:spMkLst>
-        </pc:spChg>
-        <pc:spChg chg="mod">
-          <ac:chgData name="Samson Zhou" userId="be955f33642ecbf5" providerId="LiveId" clId="{B9ED1275-8595-46D3-B0E3-8452F93970F7}" dt="2024-04-16T18:23:27.524" v="18" actId="6549"/>
-          <ac:spMkLst>
-            <pc:docMk/>
-            <pc:sldMk cId="1761393567" sldId="1280"/>
-            <ac:spMk id="5" creationId="{46EDD9D9-1338-4BC5-9D28-964A84C143C2}"/>
-          </ac:spMkLst>
-        </pc:spChg>
-      </pc:sldChg>
-      <pc:sldChg chg="ord">
-        <pc:chgData name="Samson Zhou" userId="be955f33642ecbf5" providerId="LiveId" clId="{B9ED1275-8595-46D3-B0E3-8452F93970F7}" dt="2024-04-16T19:05:50.487" v="143"/>
-        <pc:sldMkLst>
-          <pc:docMk/>
-          <pc:sldMk cId="905233082" sldId="1282"/>
-        </pc:sldMkLst>
-      </pc:sldChg>
-      <pc:sldChg chg="modSp mod">
-        <pc:chgData name="Samson Zhou" userId="be955f33642ecbf5" providerId="LiveId" clId="{B9ED1275-8595-46D3-B0E3-8452F93970F7}" dt="2024-04-16T19:03:07.411" v="85" actId="21"/>
-        <pc:sldMkLst>
-          <pc:docMk/>
-          <pc:sldMk cId="3798815518" sldId="1286"/>
-        </pc:sldMkLst>
-        <pc:spChg chg="mod">
-          <ac:chgData name="Samson Zhou" userId="be955f33642ecbf5" providerId="LiveId" clId="{B9ED1275-8595-46D3-B0E3-8452F93970F7}" dt="2024-04-16T19:03:07.411" v="85" actId="21"/>
-          <ac:spMkLst>
-            <pc:docMk/>
-            <pc:sldMk cId="3798815518" sldId="1286"/>
-            <ac:spMk id="5" creationId="{46EDD9D9-1338-4BC5-9D28-964A84C143C2}"/>
-          </ac:spMkLst>
-        </pc:spChg>
-      </pc:sldChg>
-      <pc:sldChg chg="modSp mod">
-        <pc:chgData name="Samson Zhou" userId="be955f33642ecbf5" providerId="LiveId" clId="{B9ED1275-8595-46D3-B0E3-8452F93970F7}" dt="2024-04-16T21:50:31.473" v="2651" actId="20577"/>
-        <pc:sldMkLst>
-          <pc:docMk/>
-          <pc:sldMk cId="3080056289" sldId="1291"/>
-        </pc:sldMkLst>
-        <pc:spChg chg="mod">
-          <ac:chgData name="Samson Zhou" userId="be955f33642ecbf5" providerId="LiveId" clId="{B9ED1275-8595-46D3-B0E3-8452F93970F7}" dt="2024-04-16T21:50:31.473" v="2651" actId="20577"/>
-          <ac:spMkLst>
-            <pc:docMk/>
-            <pc:sldMk cId="3080056289" sldId="1291"/>
-            <ac:spMk id="3" creationId="{25EE93E1-E7F8-AF25-6F87-6F078FDBFB60}"/>
-          </ac:spMkLst>
-        </pc:spChg>
-      </pc:sldChg>
-      <pc:sldChg chg="add del">
-        <pc:chgData name="Samson Zhou" userId="be955f33642ecbf5" providerId="LiveId" clId="{B9ED1275-8595-46D3-B0E3-8452F93970F7}" dt="2024-04-16T20:08:32.328" v="891" actId="47"/>
-        <pc:sldMkLst>
-          <pc:docMk/>
-          <pc:sldMk cId="1726492844" sldId="1301"/>
-        </pc:sldMkLst>
-      </pc:sldChg>
-      <pc:sldChg chg="add del">
-        <pc:chgData name="Samson Zhou" userId="be955f33642ecbf5" providerId="LiveId" clId="{B9ED1275-8595-46D3-B0E3-8452F93970F7}" dt="2024-04-16T20:08:32.328" v="891" actId="47"/>
-        <pc:sldMkLst>
-          <pc:docMk/>
-          <pc:sldMk cId="825004227" sldId="1302"/>
-        </pc:sldMkLst>
-      </pc:sldChg>
-      <pc:sldChg chg="modSp add mod ord">
-        <pc:chgData name="Samson Zhou" userId="be955f33642ecbf5" providerId="LiveId" clId="{B9ED1275-8595-46D3-B0E3-8452F93970F7}" dt="2024-04-16T19:10:03.843" v="145" actId="20577"/>
-        <pc:sldMkLst>
-          <pc:docMk/>
-          <pc:sldMk cId="3051485560" sldId="1311"/>
-        </pc:sldMkLst>
-        <pc:spChg chg="mod">
-          <ac:chgData name="Samson Zhou" userId="be955f33642ecbf5" providerId="LiveId" clId="{B9ED1275-8595-46D3-B0E3-8452F93970F7}" dt="2024-04-16T19:10:03.843" v="145" actId="20577"/>
-          <ac:spMkLst>
-            <pc:docMk/>
-            <pc:sldMk cId="3051485560" sldId="1311"/>
-            <ac:spMk id="5" creationId="{46EDD9D9-1338-4BC5-9D28-964A84C143C2}"/>
-          </ac:spMkLst>
-        </pc:spChg>
-      </pc:sldChg>
-      <pc:sldChg chg="modSp add mod">
-        <pc:chgData name="Samson Zhou" userId="be955f33642ecbf5" providerId="LiveId" clId="{B9ED1275-8595-46D3-B0E3-8452F93970F7}" dt="2024-04-16T19:10:29.780" v="169" actId="20577"/>
-        <pc:sldMkLst>
-          <pc:docMk/>
-          <pc:sldMk cId="1158316235" sldId="1312"/>
-        </pc:sldMkLst>
-        <pc:spChg chg="mod">
-          <ac:chgData name="Samson Zhou" userId="be955f33642ecbf5" providerId="LiveId" clId="{B9ED1275-8595-46D3-B0E3-8452F93970F7}" dt="2024-04-16T19:10:29.780" v="169" actId="20577"/>
-          <ac:spMkLst>
-            <pc:docMk/>
-            <pc:sldMk cId="1158316235" sldId="1312"/>
-            <ac:spMk id="5" creationId="{46EDD9D9-1338-4BC5-9D28-964A84C143C2}"/>
-          </ac:spMkLst>
-        </pc:spChg>
-      </pc:sldChg>
-      <pc:sldChg chg="add">
-        <pc:chgData name="Samson Zhou" userId="be955f33642ecbf5" providerId="LiveId" clId="{B9ED1275-8595-46D3-B0E3-8452F93970F7}" dt="2024-04-16T19:10:10.811" v="146"/>
-        <pc:sldMkLst>
-          <pc:docMk/>
-          <pc:sldMk cId="1965121507" sldId="1313"/>
-        </pc:sldMkLst>
-      </pc:sldChg>
-      <pc:sldChg chg="add del">
-        <pc:chgData name="Samson Zhou" userId="be955f33642ecbf5" providerId="LiveId" clId="{B9ED1275-8595-46D3-B0E3-8452F93970F7}" dt="2024-04-16T19:11:03.825" v="170" actId="47"/>
-        <pc:sldMkLst>
-          <pc:docMk/>
-          <pc:sldMk cId="752574524" sldId="1314"/>
-        </pc:sldMkLst>
-      </pc:sldChg>
-      <pc:sldChg chg="modSp add mod">
-        <pc:chgData name="Samson Zhou" userId="be955f33642ecbf5" providerId="LiveId" clId="{B9ED1275-8595-46D3-B0E3-8452F93970F7}" dt="2024-04-16T20:12:16.096" v="939" actId="20577"/>
-        <pc:sldMkLst>
-          <pc:docMk/>
-          <pc:sldMk cId="4281656272" sldId="1314"/>
-        </pc:sldMkLst>
-        <pc:spChg chg="mod">
-          <ac:chgData name="Samson Zhou" userId="be955f33642ecbf5" providerId="LiveId" clId="{B9ED1275-8595-46D3-B0E3-8452F93970F7}" dt="2024-04-16T20:11:59.876" v="901" actId="20577"/>
-          <ac:spMkLst>
-            <pc:docMk/>
-            <pc:sldMk cId="4281656272" sldId="1314"/>
-            <ac:spMk id="2" creationId="{B17419AC-DCE6-4371-8DE2-D617E99D653D}"/>
-          </ac:spMkLst>
-        </pc:spChg>
-        <pc:spChg chg="mod">
-          <ac:chgData name="Samson Zhou" userId="be955f33642ecbf5" providerId="LiveId" clId="{B9ED1275-8595-46D3-B0E3-8452F93970F7}" dt="2024-04-16T20:12:16.096" v="939" actId="20577"/>
-          <ac:spMkLst>
-            <pc:docMk/>
-            <pc:sldMk cId="4281656272" sldId="1314"/>
-            <ac:spMk id="5" creationId="{46EDD9D9-1338-4BC5-9D28-964A84C143C2}"/>
-          </ac:spMkLst>
-        </pc:spChg>
-      </pc:sldChg>
-      <pc:sldChg chg="modSp add mod">
-        <pc:chgData name="Samson Zhou" userId="be955f33642ecbf5" providerId="LiveId" clId="{B9ED1275-8595-46D3-B0E3-8452F93970F7}" dt="2024-04-16T19:53:40.289" v="463"/>
-        <pc:sldMkLst>
-          <pc:docMk/>
-          <pc:sldMk cId="3191427531" sldId="1315"/>
-        </pc:sldMkLst>
-        <pc:spChg chg="mod">
-          <ac:chgData name="Samson Zhou" userId="be955f33642ecbf5" providerId="LiveId" clId="{B9ED1275-8595-46D3-B0E3-8452F93970F7}" dt="2024-04-16T19:29:51.147" v="454" actId="20577"/>
-          <ac:spMkLst>
-            <pc:docMk/>
-            <pc:sldMk cId="3191427531" sldId="1315"/>
-            <ac:spMk id="2" creationId="{B17419AC-DCE6-4371-8DE2-D617E99D653D}"/>
-          </ac:spMkLst>
-        </pc:spChg>
-        <pc:spChg chg="mod">
-          <ac:chgData name="Samson Zhou" userId="be955f33642ecbf5" providerId="LiveId" clId="{B9ED1275-8595-46D3-B0E3-8452F93970F7}" dt="2024-04-16T19:53:40.289" v="463"/>
-          <ac:spMkLst>
-            <pc:docMk/>
-            <pc:sldMk cId="3191427531" sldId="1315"/>
-            <ac:spMk id="5" creationId="{46EDD9D9-1338-4BC5-9D28-964A84C143C2}"/>
-          </ac:spMkLst>
-        </pc:spChg>
-      </pc:sldChg>
-      <pc:sldChg chg="modSp add mod">
-        <pc:chgData name="Samson Zhou" userId="be955f33642ecbf5" providerId="LiveId" clId="{B9ED1275-8595-46D3-B0E3-8452F93970F7}" dt="2024-04-16T20:06:29.029" v="679" actId="20577"/>
-        <pc:sldMkLst>
-          <pc:docMk/>
-          <pc:sldMk cId="2449795326" sldId="1316"/>
-        </pc:sldMkLst>
-        <pc:spChg chg="mod">
-          <ac:chgData name="Samson Zhou" userId="be955f33642ecbf5" providerId="LiveId" clId="{B9ED1275-8595-46D3-B0E3-8452F93970F7}" dt="2024-04-16T20:06:29.029" v="679" actId="20577"/>
-          <ac:spMkLst>
-            <pc:docMk/>
-            <pc:sldMk cId="2449795326" sldId="1316"/>
-            <ac:spMk id="5" creationId="{46EDD9D9-1338-4BC5-9D28-964A84C143C2}"/>
-          </ac:spMkLst>
-        </pc:spChg>
-      </pc:sldChg>
-      <pc:sldChg chg="modSp add mod">
-        <pc:chgData name="Samson Zhou" userId="be955f33642ecbf5" providerId="LiveId" clId="{B9ED1275-8595-46D3-B0E3-8452F93970F7}" dt="2024-04-16T20:04:13.721" v="608" actId="20577"/>
-        <pc:sldMkLst>
-          <pc:docMk/>
-          <pc:sldMk cId="1390484112" sldId="1317"/>
-        </pc:sldMkLst>
-        <pc:spChg chg="mod">
-          <ac:chgData name="Samson Zhou" userId="be955f33642ecbf5" providerId="LiveId" clId="{B9ED1275-8595-46D3-B0E3-8452F93970F7}" dt="2024-04-16T20:04:13.721" v="608" actId="20577"/>
-          <ac:spMkLst>
-            <pc:docMk/>
-            <pc:sldMk cId="1390484112" sldId="1317"/>
-            <ac:spMk id="5" creationId="{46EDD9D9-1338-4BC5-9D28-964A84C143C2}"/>
-          </ac:spMkLst>
-        </pc:spChg>
-      </pc:sldChg>
-      <pc:sldChg chg="modSp add mod">
-        <pc:chgData name="Samson Zhou" userId="be955f33642ecbf5" providerId="LiveId" clId="{B9ED1275-8595-46D3-B0E3-8452F93970F7}" dt="2024-04-16T20:08:26.781" v="890" actId="20577"/>
-        <pc:sldMkLst>
-          <pc:docMk/>
-          <pc:sldMk cId="1137695535" sldId="1318"/>
-        </pc:sldMkLst>
-        <pc:spChg chg="mod">
-          <ac:chgData name="Samson Zhou" userId="be955f33642ecbf5" providerId="LiveId" clId="{B9ED1275-8595-46D3-B0E3-8452F93970F7}" dt="2024-04-16T20:08:26.781" v="890" actId="20577"/>
-          <ac:spMkLst>
-            <pc:docMk/>
-            <pc:sldMk cId="1137695535" sldId="1318"/>
-            <ac:spMk id="5" creationId="{46EDD9D9-1338-4BC5-9D28-964A84C143C2}"/>
-          </ac:spMkLst>
-        </pc:spChg>
-      </pc:sldChg>
-      <pc:sldChg chg="modSp add mod">
-        <pc:chgData name="Samson Zhou" userId="be955f33642ecbf5" providerId="LiveId" clId="{B9ED1275-8595-46D3-B0E3-8452F93970F7}" dt="2024-04-16T20:42:40.685" v="1832" actId="20577"/>
-        <pc:sldMkLst>
-          <pc:docMk/>
-          <pc:sldMk cId="1961927999" sldId="1319"/>
-        </pc:sldMkLst>
-        <pc:spChg chg="mod">
-          <ac:chgData name="Samson Zhou" userId="be955f33642ecbf5" providerId="LiveId" clId="{B9ED1275-8595-46D3-B0E3-8452F93970F7}" dt="2024-04-16T20:13:54.936" v="976" actId="20577"/>
-          <ac:spMkLst>
-            <pc:docMk/>
-            <pc:sldMk cId="1961927999" sldId="1319"/>
-            <ac:spMk id="2" creationId="{B17419AC-DCE6-4371-8DE2-D617E99D653D}"/>
-          </ac:spMkLst>
-        </pc:spChg>
-        <pc:spChg chg="mod">
-          <ac:chgData name="Samson Zhou" userId="be955f33642ecbf5" providerId="LiveId" clId="{B9ED1275-8595-46D3-B0E3-8452F93970F7}" dt="2024-04-16T20:42:40.685" v="1832" actId="20577"/>
-          <ac:spMkLst>
-            <pc:docMk/>
-            <pc:sldMk cId="1961927999" sldId="1319"/>
-            <ac:spMk id="5" creationId="{46EDD9D9-1338-4BC5-9D28-964A84C143C2}"/>
-          </ac:spMkLst>
-        </pc:spChg>
-      </pc:sldChg>
-      <pc:sldChg chg="modSp add mod ord">
-        <pc:chgData name="Samson Zhou" userId="be955f33642ecbf5" providerId="LiveId" clId="{B9ED1275-8595-46D3-B0E3-8452F93970F7}" dt="2024-04-16T20:33:07.024" v="1449"/>
-        <pc:sldMkLst>
-          <pc:docMk/>
-          <pc:sldMk cId="977995406" sldId="1320"/>
-        </pc:sldMkLst>
-        <pc:spChg chg="mod">
-          <ac:chgData name="Samson Zhou" userId="be955f33642ecbf5" providerId="LiveId" clId="{B9ED1275-8595-46D3-B0E3-8452F93970F7}" dt="2024-04-16T20:26:29.682" v="1316" actId="207"/>
-          <ac:spMkLst>
-            <pc:docMk/>
-            <pc:sldMk cId="977995406" sldId="1320"/>
-            <ac:spMk id="5" creationId="{46EDD9D9-1338-4BC5-9D28-964A84C143C2}"/>
-          </ac:spMkLst>
-        </pc:spChg>
-      </pc:sldChg>
-      <pc:sldChg chg="modSp add mod">
-        <pc:chgData name="Samson Zhou" userId="be955f33642ecbf5" providerId="LiveId" clId="{B9ED1275-8595-46D3-B0E3-8452F93970F7}" dt="2024-04-16T20:42:35.967" v="1828" actId="20577"/>
-        <pc:sldMkLst>
-          <pc:docMk/>
-          <pc:sldMk cId="475254735" sldId="1321"/>
-        </pc:sldMkLst>
-        <pc:spChg chg="mod">
-          <ac:chgData name="Samson Zhou" userId="be955f33642ecbf5" providerId="LiveId" clId="{B9ED1275-8595-46D3-B0E3-8452F93970F7}" dt="2024-04-16T20:26:33.854" v="1323" actId="20577"/>
-          <ac:spMkLst>
-            <pc:docMk/>
-            <pc:sldMk cId="475254735" sldId="1321"/>
-            <ac:spMk id="2" creationId="{B17419AC-DCE6-4371-8DE2-D617E99D653D}"/>
-          </ac:spMkLst>
-        </pc:spChg>
-        <pc:spChg chg="mod">
-          <ac:chgData name="Samson Zhou" userId="be955f33642ecbf5" providerId="LiveId" clId="{B9ED1275-8595-46D3-B0E3-8452F93970F7}" dt="2024-04-16T20:42:35.967" v="1828" actId="20577"/>
-          <ac:spMkLst>
-            <pc:docMk/>
-            <pc:sldMk cId="475254735" sldId="1321"/>
-            <ac:spMk id="5" creationId="{46EDD9D9-1338-4BC5-9D28-964A84C143C2}"/>
-          </ac:spMkLst>
-        </pc:spChg>
-      </pc:sldChg>
-      <pc:sldChg chg="modSp add mod">
-        <pc:chgData name="Samson Zhou" userId="be955f33642ecbf5" providerId="LiveId" clId="{B9ED1275-8595-46D3-B0E3-8452F93970F7}" dt="2024-04-16T20:42:27.592" v="1821" actId="20577"/>
-        <pc:sldMkLst>
-          <pc:docMk/>
-          <pc:sldMk cId="3246753668" sldId="1322"/>
-        </pc:sldMkLst>
-        <pc:spChg chg="mod">
-          <ac:chgData name="Samson Zhou" userId="be955f33642ecbf5" providerId="LiveId" clId="{B9ED1275-8595-46D3-B0E3-8452F93970F7}" dt="2024-04-16T20:42:27.592" v="1821" actId="20577"/>
-          <ac:spMkLst>
-            <pc:docMk/>
-            <pc:sldMk cId="3246753668" sldId="1322"/>
-            <ac:spMk id="5" creationId="{46EDD9D9-1338-4BC5-9D28-964A84C143C2}"/>
-          </ac:spMkLst>
-        </pc:spChg>
-      </pc:sldChg>
-      <pc:sldChg chg="modSp add mod">
-        <pc:chgData name="Samson Zhou" userId="be955f33642ecbf5" providerId="LiveId" clId="{B9ED1275-8595-46D3-B0E3-8452F93970F7}" dt="2024-04-16T21:41:18.259" v="2311" actId="114"/>
-        <pc:sldMkLst>
-          <pc:docMk/>
-          <pc:sldMk cId="593783092" sldId="1323"/>
-        </pc:sldMkLst>
-        <pc:spChg chg="mod">
-          <ac:chgData name="Samson Zhou" userId="be955f33642ecbf5" providerId="LiveId" clId="{B9ED1275-8595-46D3-B0E3-8452F93970F7}" dt="2024-04-16T21:41:18.259" v="2311" actId="114"/>
-          <ac:spMkLst>
-            <pc:docMk/>
-            <pc:sldMk cId="593783092" sldId="1323"/>
-            <ac:spMk id="5" creationId="{46EDD9D9-1338-4BC5-9D28-964A84C143C2}"/>
-          </ac:spMkLst>
-        </pc:spChg>
-      </pc:sldChg>
-      <pc:sldChg chg="modSp add mod">
-        <pc:chgData name="Samson Zhou" userId="be955f33642ecbf5" providerId="LiveId" clId="{B9ED1275-8595-46D3-B0E3-8452F93970F7}" dt="2024-04-16T21:41:46.774" v="2362" actId="20577"/>
-        <pc:sldMkLst>
-          <pc:docMk/>
-          <pc:sldMk cId="3651195227" sldId="1324"/>
-        </pc:sldMkLst>
-        <pc:spChg chg="mod">
-          <ac:chgData name="Samson Zhou" userId="be955f33642ecbf5" providerId="LiveId" clId="{B9ED1275-8595-46D3-B0E3-8452F93970F7}" dt="2024-04-16T21:41:46.774" v="2362" actId="20577"/>
-          <ac:spMkLst>
-            <pc:docMk/>
-            <pc:sldMk cId="3651195227" sldId="1324"/>
-            <ac:spMk id="5" creationId="{46EDD9D9-1338-4BC5-9D28-964A84C143C2}"/>
-          </ac:spMkLst>
-        </pc:spChg>
-      </pc:sldChg>
-      <pc:sldChg chg="modSp add mod">
-        <pc:chgData name="Samson Zhou" userId="be955f33642ecbf5" providerId="LiveId" clId="{B9ED1275-8595-46D3-B0E3-8452F93970F7}" dt="2024-04-16T21:49:49.979" v="2648" actId="20577"/>
-        <pc:sldMkLst>
-          <pc:docMk/>
-          <pc:sldMk cId="498842623" sldId="1325"/>
-        </pc:sldMkLst>
-        <pc:spChg chg="mod">
-          <ac:chgData name="Samson Zhou" userId="be955f33642ecbf5" providerId="LiveId" clId="{B9ED1275-8595-46D3-B0E3-8452F93970F7}" dt="2024-04-16T21:41:55.852" v="2398" actId="20577"/>
-          <ac:spMkLst>
-            <pc:docMk/>
-            <pc:sldMk cId="498842623" sldId="1325"/>
-            <ac:spMk id="2" creationId="{B17419AC-DCE6-4371-8DE2-D617E99D653D}"/>
-          </ac:spMkLst>
-        </pc:spChg>
-        <pc:spChg chg="mod">
-          <ac:chgData name="Samson Zhou" userId="be955f33642ecbf5" providerId="LiveId" clId="{B9ED1275-8595-46D3-B0E3-8452F93970F7}" dt="2024-04-16T21:49:49.979" v="2648" actId="20577"/>
-          <ac:spMkLst>
-            <pc:docMk/>
-            <pc:sldMk cId="498842623" sldId="1325"/>
-            <ac:spMk id="5" creationId="{46EDD9D9-1338-4BC5-9D28-964A84C143C2}"/>
-          </ac:spMkLst>
-        </pc:spChg>
-      </pc:sldChg>
-      <pc:sldChg chg="add del">
-        <pc:chgData name="Samson Zhou" userId="be955f33642ecbf5" providerId="LiveId" clId="{B9ED1275-8595-46D3-B0E3-8452F93970F7}" dt="2024-04-16T21:43:11.986" v="2405"/>
-        <pc:sldMkLst>
-          <pc:docMk/>
-          <pc:sldMk cId="2084166209" sldId="1326"/>
-        </pc:sldMkLst>
-      </pc:sldChg>
-    </pc:docChg>
-  </pc:docChgLst>
-</pc:chgInfo>
-</file>
-
 <file path=ppt/notesMasters/notesMaster1.xml><?xml version="1.0" encoding="utf-8"?>
 <p:notesMaster xmlns:a="http://schemas.openxmlformats.org/drawingml/2006/main" xmlns:r="http://schemas.openxmlformats.org/officeDocument/2006/relationships" xmlns:p="http://schemas.openxmlformats.org/presentationml/2006/main">
   <p:cSld>
@@ -611,7 +222,7 @@
           <a:p>
             <a:fld id="{382C6927-1282-4E55-8BC5-034230537889}" type="datetimeFigureOut">
               <a:rPr lang="en-US" smtClean="0"/>
-              <a:t>4/16/2024</a:t>
+              <a:t>4/17/2024</a:t>
             </a:fld>
             <a:endParaRPr lang="en-US"/>
           </a:p>
@@ -2561,501 +2172,6 @@
 </p:notes>
 </file>
 
-<file path=ppt/notesSlides/notesSlide25.xml><?xml version="1.0" encoding="utf-8"?>
-<p:notes xmlns:a="http://schemas.openxmlformats.org/drawingml/2006/main" xmlns:r="http://schemas.openxmlformats.org/officeDocument/2006/relationships" xmlns:p="http://schemas.openxmlformats.org/presentationml/2006/main">
-  <p:cSld>
-    <p:spTree>
-      <p:nvGrpSpPr>
-        <p:cNvPr id="1" name=""/>
-        <p:cNvGrpSpPr/>
-        <p:nvPr/>
-      </p:nvGrpSpPr>
-      <p:grpSpPr>
-        <a:xfrm>
-          <a:off x="0" y="0"/>
-          <a:ext cx="0" cy="0"/>
-          <a:chOff x="0" y="0"/>
-          <a:chExt cx="0" cy="0"/>
-        </a:xfrm>
-      </p:grpSpPr>
-      <p:sp>
-        <p:nvSpPr>
-          <p:cNvPr id="2" name="Slide Image Placeholder 1"/>
-          <p:cNvSpPr>
-            <a:spLocks noGrp="1" noRot="1" noChangeAspect="1"/>
-          </p:cNvSpPr>
-          <p:nvPr>
-            <p:ph type="sldImg"/>
-          </p:nvPr>
-        </p:nvSpPr>
-        <p:spPr/>
-      </p:sp>
-      <p:sp>
-        <p:nvSpPr>
-          <p:cNvPr id="3" name="Notes Placeholder 2"/>
-          <p:cNvSpPr>
-            <a:spLocks noGrp="1"/>
-          </p:cNvSpPr>
-          <p:nvPr>
-            <p:ph type="body" idx="1"/>
-          </p:nvPr>
-        </p:nvSpPr>
-        <p:spPr/>
-        <p:txBody>
-          <a:bodyPr/>
-          <a:lstStyle/>
-          <a:p>
-            <a:r>
-              <a:rPr lang="en-US" dirty="0"/>
-              <a:t> </a:t>
-            </a:r>
-            <a:r>
-              <a:rPr lang="en-US" dirty="0">
-                <a:solidFill>
-                  <a:srgbClr val="0070C0"/>
-                </a:solidFill>
-              </a:rPr>
-              <a:t>[DworkMcSherryNissimSmith06]</a:t>
-            </a:r>
-            <a:r>
-              <a:rPr lang="en-US" dirty="0"/>
-              <a:t> </a:t>
-            </a:r>
-          </a:p>
-        </p:txBody>
-      </p:sp>
-      <p:sp>
-        <p:nvSpPr>
-          <p:cNvPr id="4" name="Slide Number Placeholder 3"/>
-          <p:cNvSpPr>
-            <a:spLocks noGrp="1"/>
-          </p:cNvSpPr>
-          <p:nvPr>
-            <p:ph type="sldNum" sz="quarter" idx="5"/>
-          </p:nvPr>
-        </p:nvSpPr>
-        <p:spPr/>
-        <p:txBody>
-          <a:bodyPr/>
-          <a:lstStyle/>
-          <a:p>
-            <a:fld id="{E2226E65-ADC9-4F29-BA00-34B3E2F9B8F0}" type="slidenum">
-              <a:rPr lang="en-US" smtClean="0"/>
-              <a:t>27</a:t>
-            </a:fld>
-            <a:endParaRPr lang="en-US"/>
-          </a:p>
-        </p:txBody>
-      </p:sp>
-    </p:spTree>
-    <p:extLst>
-      <p:ext uri="{BB962C8B-B14F-4D97-AF65-F5344CB8AC3E}">
-        <p14:creationId xmlns:p14="http://schemas.microsoft.com/office/powerpoint/2010/main" val="3013907370"/>
-      </p:ext>
-    </p:extLst>
-  </p:cSld>
-  <p:clrMapOvr>
-    <a:masterClrMapping/>
-  </p:clrMapOvr>
-</p:notes>
-</file>
-
-<file path=ppt/notesSlides/notesSlide26.xml><?xml version="1.0" encoding="utf-8"?>
-<p:notes xmlns:a="http://schemas.openxmlformats.org/drawingml/2006/main" xmlns:r="http://schemas.openxmlformats.org/officeDocument/2006/relationships" xmlns:p="http://schemas.openxmlformats.org/presentationml/2006/main">
-  <p:cSld>
-    <p:spTree>
-      <p:nvGrpSpPr>
-        <p:cNvPr id="1" name=""/>
-        <p:cNvGrpSpPr/>
-        <p:nvPr/>
-      </p:nvGrpSpPr>
-      <p:grpSpPr>
-        <a:xfrm>
-          <a:off x="0" y="0"/>
-          <a:ext cx="0" cy="0"/>
-          <a:chOff x="0" y="0"/>
-          <a:chExt cx="0" cy="0"/>
-        </a:xfrm>
-      </p:grpSpPr>
-      <p:sp>
-        <p:nvSpPr>
-          <p:cNvPr id="2" name="Slide Image Placeholder 1"/>
-          <p:cNvSpPr>
-            <a:spLocks noGrp="1" noRot="1" noChangeAspect="1"/>
-          </p:cNvSpPr>
-          <p:nvPr>
-            <p:ph type="sldImg"/>
-          </p:nvPr>
-        </p:nvSpPr>
-        <p:spPr/>
-      </p:sp>
-      <p:sp>
-        <p:nvSpPr>
-          <p:cNvPr id="3" name="Notes Placeholder 2"/>
-          <p:cNvSpPr>
-            <a:spLocks noGrp="1"/>
-          </p:cNvSpPr>
-          <p:nvPr>
-            <p:ph type="body" idx="1"/>
-          </p:nvPr>
-        </p:nvSpPr>
-        <p:spPr/>
-        <p:txBody>
-          <a:bodyPr/>
-          <a:lstStyle/>
-          <a:p>
-            <a:r>
-              <a:rPr lang="en-US" dirty="0"/>
-              <a:t> </a:t>
-            </a:r>
-            <a:r>
-              <a:rPr lang="en-US" dirty="0">
-                <a:solidFill>
-                  <a:srgbClr val="0070C0"/>
-                </a:solidFill>
-              </a:rPr>
-              <a:t>[DworkMcSherryNissimSmith06]</a:t>
-            </a:r>
-            <a:r>
-              <a:rPr lang="en-US" dirty="0"/>
-              <a:t> </a:t>
-            </a:r>
-          </a:p>
-        </p:txBody>
-      </p:sp>
-      <p:sp>
-        <p:nvSpPr>
-          <p:cNvPr id="4" name="Slide Number Placeholder 3"/>
-          <p:cNvSpPr>
-            <a:spLocks noGrp="1"/>
-          </p:cNvSpPr>
-          <p:nvPr>
-            <p:ph type="sldNum" sz="quarter" idx="5"/>
-          </p:nvPr>
-        </p:nvSpPr>
-        <p:spPr/>
-        <p:txBody>
-          <a:bodyPr/>
-          <a:lstStyle/>
-          <a:p>
-            <a:fld id="{E2226E65-ADC9-4F29-BA00-34B3E2F9B8F0}" type="slidenum">
-              <a:rPr lang="en-US" smtClean="0"/>
-              <a:t>28</a:t>
-            </a:fld>
-            <a:endParaRPr lang="en-US"/>
-          </a:p>
-        </p:txBody>
-      </p:sp>
-    </p:spTree>
-    <p:extLst>
-      <p:ext uri="{BB962C8B-B14F-4D97-AF65-F5344CB8AC3E}">
-        <p14:creationId xmlns:p14="http://schemas.microsoft.com/office/powerpoint/2010/main" val="454434025"/>
-      </p:ext>
-    </p:extLst>
-  </p:cSld>
-  <p:clrMapOvr>
-    <a:masterClrMapping/>
-  </p:clrMapOvr>
-</p:notes>
-</file>
-
-<file path=ppt/notesSlides/notesSlide27.xml><?xml version="1.0" encoding="utf-8"?>
-<p:notes xmlns:a="http://schemas.openxmlformats.org/drawingml/2006/main" xmlns:r="http://schemas.openxmlformats.org/officeDocument/2006/relationships" xmlns:p="http://schemas.openxmlformats.org/presentationml/2006/main">
-  <p:cSld>
-    <p:spTree>
-      <p:nvGrpSpPr>
-        <p:cNvPr id="1" name=""/>
-        <p:cNvGrpSpPr/>
-        <p:nvPr/>
-      </p:nvGrpSpPr>
-      <p:grpSpPr>
-        <a:xfrm>
-          <a:off x="0" y="0"/>
-          <a:ext cx="0" cy="0"/>
-          <a:chOff x="0" y="0"/>
-          <a:chExt cx="0" cy="0"/>
-        </a:xfrm>
-      </p:grpSpPr>
-      <p:sp>
-        <p:nvSpPr>
-          <p:cNvPr id="2" name="Slide Image Placeholder 1"/>
-          <p:cNvSpPr>
-            <a:spLocks noGrp="1" noRot="1" noChangeAspect="1"/>
-          </p:cNvSpPr>
-          <p:nvPr>
-            <p:ph type="sldImg"/>
-          </p:nvPr>
-        </p:nvSpPr>
-        <p:spPr/>
-      </p:sp>
-      <p:sp>
-        <p:nvSpPr>
-          <p:cNvPr id="3" name="Notes Placeholder 2"/>
-          <p:cNvSpPr>
-            <a:spLocks noGrp="1"/>
-          </p:cNvSpPr>
-          <p:nvPr>
-            <p:ph type="body" idx="1"/>
-          </p:nvPr>
-        </p:nvSpPr>
-        <p:spPr/>
-        <p:txBody>
-          <a:bodyPr/>
-          <a:lstStyle/>
-          <a:p>
-            <a:r>
-              <a:rPr lang="en-US" dirty="0"/>
-              <a:t> </a:t>
-            </a:r>
-            <a:r>
-              <a:rPr lang="en-US" dirty="0">
-                <a:solidFill>
-                  <a:srgbClr val="0070C0"/>
-                </a:solidFill>
-              </a:rPr>
-              <a:t>[DworkMcSherryNissimSmith06]</a:t>
-            </a:r>
-            <a:r>
-              <a:rPr lang="en-US" dirty="0"/>
-              <a:t> </a:t>
-            </a:r>
-          </a:p>
-        </p:txBody>
-      </p:sp>
-      <p:sp>
-        <p:nvSpPr>
-          <p:cNvPr id="4" name="Slide Number Placeholder 3"/>
-          <p:cNvSpPr>
-            <a:spLocks noGrp="1"/>
-          </p:cNvSpPr>
-          <p:nvPr>
-            <p:ph type="sldNum" sz="quarter" idx="5"/>
-          </p:nvPr>
-        </p:nvSpPr>
-        <p:spPr/>
-        <p:txBody>
-          <a:bodyPr/>
-          <a:lstStyle/>
-          <a:p>
-            <a:fld id="{E2226E65-ADC9-4F29-BA00-34B3E2F9B8F0}" type="slidenum">
-              <a:rPr lang="en-US" smtClean="0"/>
-              <a:t>29</a:t>
-            </a:fld>
-            <a:endParaRPr lang="en-US"/>
-          </a:p>
-        </p:txBody>
-      </p:sp>
-    </p:spTree>
-    <p:extLst>
-      <p:ext uri="{BB962C8B-B14F-4D97-AF65-F5344CB8AC3E}">
-        <p14:creationId xmlns:p14="http://schemas.microsoft.com/office/powerpoint/2010/main" val="3063565347"/>
-      </p:ext>
-    </p:extLst>
-  </p:cSld>
-  <p:clrMapOvr>
-    <a:masterClrMapping/>
-  </p:clrMapOvr>
-</p:notes>
-</file>
-
-<file path=ppt/notesSlides/notesSlide28.xml><?xml version="1.0" encoding="utf-8"?>
-<p:notes xmlns:a="http://schemas.openxmlformats.org/drawingml/2006/main" xmlns:r="http://schemas.openxmlformats.org/officeDocument/2006/relationships" xmlns:p="http://schemas.openxmlformats.org/presentationml/2006/main">
-  <p:cSld>
-    <p:spTree>
-      <p:nvGrpSpPr>
-        <p:cNvPr id="1" name=""/>
-        <p:cNvGrpSpPr/>
-        <p:nvPr/>
-      </p:nvGrpSpPr>
-      <p:grpSpPr>
-        <a:xfrm>
-          <a:off x="0" y="0"/>
-          <a:ext cx="0" cy="0"/>
-          <a:chOff x="0" y="0"/>
-          <a:chExt cx="0" cy="0"/>
-        </a:xfrm>
-      </p:grpSpPr>
-      <p:sp>
-        <p:nvSpPr>
-          <p:cNvPr id="2" name="Slide Image Placeholder 1"/>
-          <p:cNvSpPr>
-            <a:spLocks noGrp="1" noRot="1" noChangeAspect="1"/>
-          </p:cNvSpPr>
-          <p:nvPr>
-            <p:ph type="sldImg"/>
-          </p:nvPr>
-        </p:nvSpPr>
-        <p:spPr/>
-      </p:sp>
-      <p:sp>
-        <p:nvSpPr>
-          <p:cNvPr id="3" name="Notes Placeholder 2"/>
-          <p:cNvSpPr>
-            <a:spLocks noGrp="1"/>
-          </p:cNvSpPr>
-          <p:nvPr>
-            <p:ph type="body" idx="1"/>
-          </p:nvPr>
-        </p:nvSpPr>
-        <p:spPr/>
-        <p:txBody>
-          <a:bodyPr/>
-          <a:lstStyle/>
-          <a:p>
-            <a:r>
-              <a:rPr lang="en-US" dirty="0"/>
-              <a:t> </a:t>
-            </a:r>
-            <a:r>
-              <a:rPr lang="en-US" dirty="0">
-                <a:solidFill>
-                  <a:srgbClr val="0070C0"/>
-                </a:solidFill>
-              </a:rPr>
-              <a:t>[DworkMcSherryNissimSmith06]</a:t>
-            </a:r>
-            <a:r>
-              <a:rPr lang="en-US" dirty="0"/>
-              <a:t> </a:t>
-            </a:r>
-          </a:p>
-        </p:txBody>
-      </p:sp>
-      <p:sp>
-        <p:nvSpPr>
-          <p:cNvPr id="4" name="Slide Number Placeholder 3"/>
-          <p:cNvSpPr>
-            <a:spLocks noGrp="1"/>
-          </p:cNvSpPr>
-          <p:nvPr>
-            <p:ph type="sldNum" sz="quarter" idx="5"/>
-          </p:nvPr>
-        </p:nvSpPr>
-        <p:spPr/>
-        <p:txBody>
-          <a:bodyPr/>
-          <a:lstStyle/>
-          <a:p>
-            <a:fld id="{E2226E65-ADC9-4F29-BA00-34B3E2F9B8F0}" type="slidenum">
-              <a:rPr lang="en-US" smtClean="0"/>
-              <a:t>30</a:t>
-            </a:fld>
-            <a:endParaRPr lang="en-US"/>
-          </a:p>
-        </p:txBody>
-      </p:sp>
-    </p:spTree>
-    <p:extLst>
-      <p:ext uri="{BB962C8B-B14F-4D97-AF65-F5344CB8AC3E}">
-        <p14:creationId xmlns:p14="http://schemas.microsoft.com/office/powerpoint/2010/main" val="2550431291"/>
-      </p:ext>
-    </p:extLst>
-  </p:cSld>
-  <p:clrMapOvr>
-    <a:masterClrMapping/>
-  </p:clrMapOvr>
-</p:notes>
-</file>
-
-<file path=ppt/notesSlides/notesSlide29.xml><?xml version="1.0" encoding="utf-8"?>
-<p:notes xmlns:a="http://schemas.openxmlformats.org/drawingml/2006/main" xmlns:r="http://schemas.openxmlformats.org/officeDocument/2006/relationships" xmlns:p="http://schemas.openxmlformats.org/presentationml/2006/main">
-  <p:cSld>
-    <p:spTree>
-      <p:nvGrpSpPr>
-        <p:cNvPr id="1" name=""/>
-        <p:cNvGrpSpPr/>
-        <p:nvPr/>
-      </p:nvGrpSpPr>
-      <p:grpSpPr>
-        <a:xfrm>
-          <a:off x="0" y="0"/>
-          <a:ext cx="0" cy="0"/>
-          <a:chOff x="0" y="0"/>
-          <a:chExt cx="0" cy="0"/>
-        </a:xfrm>
-      </p:grpSpPr>
-      <p:sp>
-        <p:nvSpPr>
-          <p:cNvPr id="2" name="Slide Image Placeholder 1"/>
-          <p:cNvSpPr>
-            <a:spLocks noGrp="1" noRot="1" noChangeAspect="1"/>
-          </p:cNvSpPr>
-          <p:nvPr>
-            <p:ph type="sldImg"/>
-          </p:nvPr>
-        </p:nvSpPr>
-        <p:spPr/>
-      </p:sp>
-      <p:sp>
-        <p:nvSpPr>
-          <p:cNvPr id="3" name="Notes Placeholder 2"/>
-          <p:cNvSpPr>
-            <a:spLocks noGrp="1"/>
-          </p:cNvSpPr>
-          <p:nvPr>
-            <p:ph type="body" idx="1"/>
-          </p:nvPr>
-        </p:nvSpPr>
-        <p:spPr/>
-        <p:txBody>
-          <a:bodyPr/>
-          <a:lstStyle/>
-          <a:p>
-            <a:r>
-              <a:rPr lang="en-US" dirty="0"/>
-              <a:t> </a:t>
-            </a:r>
-            <a:r>
-              <a:rPr lang="en-US" dirty="0">
-                <a:solidFill>
-                  <a:srgbClr val="0070C0"/>
-                </a:solidFill>
-              </a:rPr>
-              <a:t>[DworkMcSherryNissimSmith06]</a:t>
-            </a:r>
-            <a:r>
-              <a:rPr lang="en-US" dirty="0"/>
-              <a:t> </a:t>
-            </a:r>
-          </a:p>
-        </p:txBody>
-      </p:sp>
-      <p:sp>
-        <p:nvSpPr>
-          <p:cNvPr id="4" name="Slide Number Placeholder 3"/>
-          <p:cNvSpPr>
-            <a:spLocks noGrp="1"/>
-          </p:cNvSpPr>
-          <p:nvPr>
-            <p:ph type="sldNum" sz="quarter" idx="5"/>
-          </p:nvPr>
-        </p:nvSpPr>
-        <p:spPr/>
-        <p:txBody>
-          <a:bodyPr/>
-          <a:lstStyle/>
-          <a:p>
-            <a:fld id="{E2226E65-ADC9-4F29-BA00-34B3E2F9B8F0}" type="slidenum">
-              <a:rPr lang="en-US" smtClean="0"/>
-              <a:t>31</a:t>
-            </a:fld>
-            <a:endParaRPr lang="en-US"/>
-          </a:p>
-        </p:txBody>
-      </p:sp>
-    </p:spTree>
-    <p:extLst>
-      <p:ext uri="{BB962C8B-B14F-4D97-AF65-F5344CB8AC3E}">
-        <p14:creationId xmlns:p14="http://schemas.microsoft.com/office/powerpoint/2010/main" val="775175185"/>
-      </p:ext>
-    </p:extLst>
-  </p:cSld>
-  <p:clrMapOvr>
-    <a:masterClrMapping/>
-  </p:clrMapOvr>
-</p:notes>
-</file>
-
 <file path=ppt/notesSlides/notesSlide3.xml><?xml version="1.0" encoding="utf-8"?>
 <p:notes xmlns:a="http://schemas.openxmlformats.org/drawingml/2006/main" xmlns:r="http://schemas.openxmlformats.org/officeDocument/2006/relationships" xmlns:p="http://schemas.openxmlformats.org/presentationml/2006/main">
   <p:cSld>
@@ -3146,204 +2262,6 @@
     <p:extLst>
       <p:ext uri="{BB962C8B-B14F-4D97-AF65-F5344CB8AC3E}">
         <p14:creationId xmlns:p14="http://schemas.microsoft.com/office/powerpoint/2010/main" val="938880225"/>
-      </p:ext>
-    </p:extLst>
-  </p:cSld>
-  <p:clrMapOvr>
-    <a:masterClrMapping/>
-  </p:clrMapOvr>
-</p:notes>
-</file>
-
-<file path=ppt/notesSlides/notesSlide30.xml><?xml version="1.0" encoding="utf-8"?>
-<p:notes xmlns:a="http://schemas.openxmlformats.org/drawingml/2006/main" xmlns:r="http://schemas.openxmlformats.org/officeDocument/2006/relationships" xmlns:p="http://schemas.openxmlformats.org/presentationml/2006/main">
-  <p:cSld>
-    <p:spTree>
-      <p:nvGrpSpPr>
-        <p:cNvPr id="1" name=""/>
-        <p:cNvGrpSpPr/>
-        <p:nvPr/>
-      </p:nvGrpSpPr>
-      <p:grpSpPr>
-        <a:xfrm>
-          <a:off x="0" y="0"/>
-          <a:ext cx="0" cy="0"/>
-          <a:chOff x="0" y="0"/>
-          <a:chExt cx="0" cy="0"/>
-        </a:xfrm>
-      </p:grpSpPr>
-      <p:sp>
-        <p:nvSpPr>
-          <p:cNvPr id="2" name="Slide Image Placeholder 1"/>
-          <p:cNvSpPr>
-            <a:spLocks noGrp="1" noRot="1" noChangeAspect="1"/>
-          </p:cNvSpPr>
-          <p:nvPr>
-            <p:ph type="sldImg"/>
-          </p:nvPr>
-        </p:nvSpPr>
-        <p:spPr/>
-      </p:sp>
-      <p:sp>
-        <p:nvSpPr>
-          <p:cNvPr id="3" name="Notes Placeholder 2"/>
-          <p:cNvSpPr>
-            <a:spLocks noGrp="1"/>
-          </p:cNvSpPr>
-          <p:nvPr>
-            <p:ph type="body" idx="1"/>
-          </p:nvPr>
-        </p:nvSpPr>
-        <p:spPr/>
-        <p:txBody>
-          <a:bodyPr/>
-          <a:lstStyle/>
-          <a:p>
-            <a:r>
-              <a:rPr lang="en-US" dirty="0"/>
-              <a:t> </a:t>
-            </a:r>
-            <a:r>
-              <a:rPr lang="en-US" dirty="0">
-                <a:solidFill>
-                  <a:srgbClr val="0070C0"/>
-                </a:solidFill>
-              </a:rPr>
-              <a:t>[DworkMcSherryNissimSmith06]</a:t>
-            </a:r>
-            <a:r>
-              <a:rPr lang="en-US" dirty="0"/>
-              <a:t> </a:t>
-            </a:r>
-          </a:p>
-        </p:txBody>
-      </p:sp>
-      <p:sp>
-        <p:nvSpPr>
-          <p:cNvPr id="4" name="Slide Number Placeholder 3"/>
-          <p:cNvSpPr>
-            <a:spLocks noGrp="1"/>
-          </p:cNvSpPr>
-          <p:nvPr>
-            <p:ph type="sldNum" sz="quarter" idx="5"/>
-          </p:nvPr>
-        </p:nvSpPr>
-        <p:spPr/>
-        <p:txBody>
-          <a:bodyPr/>
-          <a:lstStyle/>
-          <a:p>
-            <a:fld id="{E2226E65-ADC9-4F29-BA00-34B3E2F9B8F0}" type="slidenum">
-              <a:rPr lang="en-US" smtClean="0"/>
-              <a:t>32</a:t>
-            </a:fld>
-            <a:endParaRPr lang="en-US"/>
-          </a:p>
-        </p:txBody>
-      </p:sp>
-    </p:spTree>
-    <p:extLst>
-      <p:ext uri="{BB962C8B-B14F-4D97-AF65-F5344CB8AC3E}">
-        <p14:creationId xmlns:p14="http://schemas.microsoft.com/office/powerpoint/2010/main" val="1208741574"/>
-      </p:ext>
-    </p:extLst>
-  </p:cSld>
-  <p:clrMapOvr>
-    <a:masterClrMapping/>
-  </p:clrMapOvr>
-</p:notes>
-</file>
-
-<file path=ppt/notesSlides/notesSlide31.xml><?xml version="1.0" encoding="utf-8"?>
-<p:notes xmlns:a="http://schemas.openxmlformats.org/drawingml/2006/main" xmlns:r="http://schemas.openxmlformats.org/officeDocument/2006/relationships" xmlns:p="http://schemas.openxmlformats.org/presentationml/2006/main">
-  <p:cSld>
-    <p:spTree>
-      <p:nvGrpSpPr>
-        <p:cNvPr id="1" name=""/>
-        <p:cNvGrpSpPr/>
-        <p:nvPr/>
-      </p:nvGrpSpPr>
-      <p:grpSpPr>
-        <a:xfrm>
-          <a:off x="0" y="0"/>
-          <a:ext cx="0" cy="0"/>
-          <a:chOff x="0" y="0"/>
-          <a:chExt cx="0" cy="0"/>
-        </a:xfrm>
-      </p:grpSpPr>
-      <p:sp>
-        <p:nvSpPr>
-          <p:cNvPr id="2" name="Slide Image Placeholder 1"/>
-          <p:cNvSpPr>
-            <a:spLocks noGrp="1" noRot="1" noChangeAspect="1"/>
-          </p:cNvSpPr>
-          <p:nvPr>
-            <p:ph type="sldImg"/>
-          </p:nvPr>
-        </p:nvSpPr>
-        <p:spPr/>
-      </p:sp>
-      <p:sp>
-        <p:nvSpPr>
-          <p:cNvPr id="3" name="Notes Placeholder 2"/>
-          <p:cNvSpPr>
-            <a:spLocks noGrp="1"/>
-          </p:cNvSpPr>
-          <p:nvPr>
-            <p:ph type="body" idx="1"/>
-          </p:nvPr>
-        </p:nvSpPr>
-        <p:spPr/>
-        <p:txBody>
-          <a:bodyPr/>
-          <a:lstStyle/>
-          <a:p>
-            <a:r>
-              <a:rPr lang="en-US" dirty="0"/>
-              <a:t> </a:t>
-            </a:r>
-            <a:r>
-              <a:rPr lang="en-US" dirty="0">
-                <a:solidFill>
-                  <a:srgbClr val="0070C0"/>
-                </a:solidFill>
-              </a:rPr>
-              <a:t>[DworkMcSherryNissimSmith06]</a:t>
-            </a:r>
-            <a:r>
-              <a:rPr lang="en-US" dirty="0"/>
-              <a:t> </a:t>
-            </a:r>
-          </a:p>
-        </p:txBody>
-      </p:sp>
-      <p:sp>
-        <p:nvSpPr>
-          <p:cNvPr id="4" name="Slide Number Placeholder 3"/>
-          <p:cNvSpPr>
-            <a:spLocks noGrp="1"/>
-          </p:cNvSpPr>
-          <p:nvPr>
-            <p:ph type="sldNum" sz="quarter" idx="5"/>
-          </p:nvPr>
-        </p:nvSpPr>
-        <p:spPr/>
-        <p:txBody>
-          <a:bodyPr/>
-          <a:lstStyle/>
-          <a:p>
-            <a:fld id="{E2226E65-ADC9-4F29-BA00-34B3E2F9B8F0}" type="slidenum">
-              <a:rPr lang="en-US" smtClean="0"/>
-              <a:t>33</a:t>
-            </a:fld>
-            <a:endParaRPr lang="en-US"/>
-          </a:p>
-        </p:txBody>
-      </p:sp>
-    </p:spTree>
-    <p:extLst>
-      <p:ext uri="{BB962C8B-B14F-4D97-AF65-F5344CB8AC3E}">
-        <p14:creationId xmlns:p14="http://schemas.microsoft.com/office/powerpoint/2010/main" val="3456499951"/>
       </p:ext>
     </p:extLst>
   </p:cSld>
@@ -4094,7 +3012,7 @@
           <a:p>
             <a:fld id="{75D225AB-BC95-4FD4-9F54-7F646EA6F8D8}" type="datetimeFigureOut">
               <a:rPr lang="en-US" smtClean="0"/>
-              <a:t>4/16/2024</a:t>
+              <a:t>4/17/2024</a:t>
             </a:fld>
             <a:endParaRPr lang="en-US"/>
           </a:p>
@@ -4292,7 +3210,7 @@
           <a:p>
             <a:fld id="{75D225AB-BC95-4FD4-9F54-7F646EA6F8D8}" type="datetimeFigureOut">
               <a:rPr lang="en-US" smtClean="0"/>
-              <a:t>4/16/2024</a:t>
+              <a:t>4/17/2024</a:t>
             </a:fld>
             <a:endParaRPr lang="en-US"/>
           </a:p>
@@ -4500,7 +3418,7 @@
           <a:p>
             <a:fld id="{75D225AB-BC95-4FD4-9F54-7F646EA6F8D8}" type="datetimeFigureOut">
               <a:rPr lang="en-US" smtClean="0"/>
-              <a:t>4/16/2024</a:t>
+              <a:t>4/17/2024</a:t>
             </a:fld>
             <a:endParaRPr lang="en-US"/>
           </a:p>
@@ -4698,7 +3616,7 @@
           <a:p>
             <a:fld id="{75D225AB-BC95-4FD4-9F54-7F646EA6F8D8}" type="datetimeFigureOut">
               <a:rPr lang="en-US" smtClean="0"/>
-              <a:t>4/16/2024</a:t>
+              <a:t>4/17/2024</a:t>
             </a:fld>
             <a:endParaRPr lang="en-US"/>
           </a:p>
@@ -4973,7 +3891,7 @@
           <a:p>
             <a:fld id="{75D225AB-BC95-4FD4-9F54-7F646EA6F8D8}" type="datetimeFigureOut">
               <a:rPr lang="en-US" smtClean="0"/>
-              <a:t>4/16/2024</a:t>
+              <a:t>4/17/2024</a:t>
             </a:fld>
             <a:endParaRPr lang="en-US"/>
           </a:p>
@@ -5238,7 +4156,7 @@
           <a:p>
             <a:fld id="{75D225AB-BC95-4FD4-9F54-7F646EA6F8D8}" type="datetimeFigureOut">
               <a:rPr lang="en-US" smtClean="0"/>
-              <a:t>4/16/2024</a:t>
+              <a:t>4/17/2024</a:t>
             </a:fld>
             <a:endParaRPr lang="en-US"/>
           </a:p>
@@ -5650,7 +4568,7 @@
           <a:p>
             <a:fld id="{75D225AB-BC95-4FD4-9F54-7F646EA6F8D8}" type="datetimeFigureOut">
               <a:rPr lang="en-US" smtClean="0"/>
-              <a:t>4/16/2024</a:t>
+              <a:t>4/17/2024</a:t>
             </a:fld>
             <a:endParaRPr lang="en-US"/>
           </a:p>
@@ -5791,7 +4709,7 @@
           <a:p>
             <a:fld id="{75D225AB-BC95-4FD4-9F54-7F646EA6F8D8}" type="datetimeFigureOut">
               <a:rPr lang="en-US" smtClean="0"/>
-              <a:t>4/16/2024</a:t>
+              <a:t>4/17/2024</a:t>
             </a:fld>
             <a:endParaRPr lang="en-US"/>
           </a:p>
@@ -5904,7 +4822,7 @@
           <a:p>
             <a:fld id="{75D225AB-BC95-4FD4-9F54-7F646EA6F8D8}" type="datetimeFigureOut">
               <a:rPr lang="en-US" smtClean="0"/>
-              <a:t>4/16/2024</a:t>
+              <a:t>4/17/2024</a:t>
             </a:fld>
             <a:endParaRPr lang="en-US"/>
           </a:p>
@@ -6215,7 +5133,7 @@
           <a:p>
             <a:fld id="{75D225AB-BC95-4FD4-9F54-7F646EA6F8D8}" type="datetimeFigureOut">
               <a:rPr lang="en-US" smtClean="0"/>
-              <a:t>4/16/2024</a:t>
+              <a:t>4/17/2024</a:t>
             </a:fld>
             <a:endParaRPr lang="en-US"/>
           </a:p>
@@ -6503,7 +5421,7 @@
           <a:p>
             <a:fld id="{75D225AB-BC95-4FD4-9F54-7F646EA6F8D8}" type="datetimeFigureOut">
               <a:rPr lang="en-US" smtClean="0"/>
-              <a:t>4/16/2024</a:t>
+              <a:t>4/17/2024</a:t>
             </a:fld>
             <a:endParaRPr lang="en-US"/>
           </a:p>
@@ -6744,7 +5662,7 @@
           <a:p>
             <a:fld id="{75D225AB-BC95-4FD4-9F54-7F646EA6F8D8}" type="datetimeFigureOut">
               <a:rPr lang="en-US" smtClean="0"/>
-              <a:t>4/16/2024</a:t>
+              <a:t>4/17/2024</a:t>
             </a:fld>
             <a:endParaRPr lang="en-US"/>
           </a:p>
@@ -7306,8 +6224,8 @@
           </a:p>
         </p:txBody>
       </p:sp>
-      <mc:AlternateContent xmlns:mc="http://schemas.openxmlformats.org/markup-compatibility/2006">
-        <mc:Choice xmlns:a14="http://schemas.microsoft.com/office/drawing/2010/main" Requires="a14">
+      <mc:AlternateContent xmlns:mc="http://schemas.openxmlformats.org/markup-compatibility/2006" xmlns:a14="http://schemas.microsoft.com/office/drawing/2010/main">
+        <mc:Choice Requires="a14">
           <p:sp>
             <p:nvSpPr>
               <p:cNvPr id="5" name="Content Placeholder 3">
@@ -7412,7 +6330,7 @@
             </p:txBody>
           </p:sp>
         </mc:Choice>
-        <mc:Fallback>
+        <mc:Fallback xmlns="">
           <p:sp>
             <p:nvSpPr>
               <p:cNvPr id="5" name="Content Placeholder 3">
@@ -7944,8 +6862,8 @@
           </a:p>
         </p:txBody>
       </p:sp>
-      <mc:AlternateContent xmlns:mc="http://schemas.openxmlformats.org/markup-compatibility/2006" xmlns:a14="http://schemas.microsoft.com/office/drawing/2010/main">
-        <mc:Choice Requires="a14">
+      <mc:AlternateContent xmlns:mc="http://schemas.openxmlformats.org/markup-compatibility/2006">
+        <mc:Choice xmlns:a14="http://schemas.microsoft.com/office/drawing/2010/main" Requires="a14">
           <p:sp>
             <p:nvSpPr>
               <p:cNvPr id="5" name="Content Placeholder 3">
@@ -8012,24 +6930,6 @@
                       </a:rPr>
                       <m:t>(</m:t>
                     </m:r>
-                    <m:r>
-                      <a:rPr lang="en-US" sz="3200" b="0" i="1" smtClean="0">
-                        <a:solidFill>
-                          <a:srgbClr val="C00000"/>
-                        </a:solidFill>
-                        <a:latin typeface="Cambria Math" panose="02040503050406030204" pitchFamily="18" charset="0"/>
-                      </a:rPr>
-                      <m:t>𝑌</m:t>
-                    </m:r>
-                    <m:r>
-                      <a:rPr lang="en-US" sz="3200" b="0" i="1" smtClean="0">
-                        <a:solidFill>
-                          <a:srgbClr val="C00000"/>
-                        </a:solidFill>
-                        <a:latin typeface="Cambria Math" panose="02040503050406030204" pitchFamily="18" charset="0"/>
-                      </a:rPr>
-                      <m:t>,</m:t>
-                    </m:r>
                     <m:sSup>
                       <m:sSupPr>
                         <m:ctrlPr>
@@ -8064,6 +6964,24 @@
                         </m:r>
                       </m:sup>
                     </m:sSup>
+                    <m:r>
+                      <a:rPr lang="en-US" sz="3200" b="0" i="1" smtClean="0">
+                        <a:solidFill>
+                          <a:srgbClr val="C00000"/>
+                        </a:solidFill>
+                        <a:latin typeface="Cambria Math" panose="02040503050406030204" pitchFamily="18" charset="0"/>
+                      </a:rPr>
+                      <m:t>,</m:t>
+                    </m:r>
+                    <m:r>
+                      <a:rPr lang="en-US" sz="3200" b="0" i="1" smtClean="0">
+                        <a:solidFill>
+                          <a:srgbClr val="C00000"/>
+                        </a:solidFill>
+                        <a:latin typeface="Cambria Math" panose="02040503050406030204" pitchFamily="18" charset="0"/>
+                      </a:rPr>
+                      <m:t>𝑌</m:t>
+                    </m:r>
                     <m:r>
                       <a:rPr lang="en-US" sz="3200" b="0" i="1" smtClean="0">
                         <a:solidFill>
@@ -8268,7 +7186,7 @@
                                 </a:solidFill>
                                 <a:latin typeface="Cambria Math" panose="02040503050406030204" pitchFamily="18" charset="0"/>
                               </a:rPr>
-                              <m:t>𝑦</m:t>
+                              <m:t>𝑥</m:t>
                             </m:r>
                             <m:r>
                               <a:rPr lang="en-US" sz="3200" b="0" i="1" smtClean="0">
@@ -8286,7 +7204,7 @@
                                 </a:solidFill>
                                 <a:latin typeface="Cambria Math" panose="02040503050406030204" pitchFamily="18" charset="0"/>
                               </a:rPr>
-                              <m:t>𝑥</m:t>
+                              <m:t>𝑦</m:t>
                             </m:r>
                             <m:r>
                               <a:rPr lang="en-US" sz="3200" b="0" i="1" smtClean="0">
@@ -8308,7 +7226,7 @@
             </p:txBody>
           </p:sp>
         </mc:Choice>
-        <mc:Fallback xmlns="">
+        <mc:Fallback>
           <p:sp>
             <p:nvSpPr>
               <p:cNvPr id="5" name="Content Placeholder 3">
@@ -11365,8 +10283,8 @@
           </p:sp>
         </mc:Fallback>
       </mc:AlternateContent>
-      <mc:AlternateContent xmlns:mc="http://schemas.openxmlformats.org/markup-compatibility/2006" xmlns:a14="http://schemas.microsoft.com/office/drawing/2010/main">
-        <mc:Choice Requires="a14">
+      <mc:AlternateContent xmlns:mc="http://schemas.openxmlformats.org/markup-compatibility/2006">
+        <mc:Choice xmlns:a14="http://schemas.microsoft.com/office/drawing/2010/main" Requires="a14">
           <p:sp>
             <p:nvSpPr>
               <p:cNvPr id="7" name="TextBox 6">
@@ -11608,46 +10526,60 @@
                         </a:rPr>
                         <m:t>/</m:t>
                       </m:r>
-                      <m:func>
-                        <m:funcPr>
+                      <m:nary>
+                        <m:naryPr>
+                          <m:chr m:val="∑"/>
+                          <m:supHide m:val="on"/>
                           <m:ctrlPr>
-                            <a:rPr lang="en-US" sz="3200" b="0" i="1" smtClean="0">
+                            <a:rPr lang="en-US" sz="3200" i="1">
                               <a:solidFill>
                                 <a:srgbClr val="C00000"/>
                               </a:solidFill>
                               <a:latin typeface="Cambria Math" panose="02040503050406030204" pitchFamily="18" charset="0"/>
                             </a:rPr>
                           </m:ctrlPr>
-                        </m:funcPr>
-                        <m:fName>
+                        </m:naryPr>
+                        <m:sub>
                           <m:r>
-                            <m:rPr>
-                              <m:sty m:val="p"/>
-                            </m:rPr>
-                            <a:rPr lang="en-US" sz="3200" b="0" i="0" smtClean="0">
+                            <a:rPr lang="en-US" sz="3200" i="1">
                               <a:solidFill>
                                 <a:srgbClr val="C00000"/>
                               </a:solidFill>
                               <a:latin typeface="Cambria Math" panose="02040503050406030204" pitchFamily="18" charset="0"/>
                             </a:rPr>
-                            <m:t>exp</m:t>
+                            <m:t>𝑥</m:t>
                           </m:r>
-                        </m:fName>
+                        </m:sub>
+                        <m:sup/>
                         <m:e>
-                          <m:d>
-                            <m:dPr>
+                          <m:func>
+                            <m:funcPr>
                               <m:ctrlPr>
-                                <a:rPr lang="en-US" sz="3200" b="0" i="1" smtClean="0">
+                                <a:rPr lang="en-US" sz="3200" i="1">
                                   <a:solidFill>
                                     <a:srgbClr val="C00000"/>
                                   </a:solidFill>
                                   <a:latin typeface="Cambria Math" panose="02040503050406030204" pitchFamily="18" charset="0"/>
                                 </a:rPr>
                               </m:ctrlPr>
-                            </m:dPr>
+                            </m:funcPr>
+                            <m:fName>
+                              <m:r>
+                                <m:rPr>
+                                  <m:sty m:val="p"/>
+                                </m:rPr>
+                                <a:rPr lang="en-US" sz="3200">
+                                  <a:solidFill>
+                                    <a:srgbClr val="C00000"/>
+                                  </a:solidFill>
+                                  <a:latin typeface="Cambria Math" panose="02040503050406030204" pitchFamily="18" charset="0"/>
+                                </a:rPr>
+                                <m:t>exp</m:t>
+                              </m:r>
+                            </m:fName>
                             <m:e>
-                              <m:f>
-                                <m:fPr>
+                              <m:d>
+                                <m:dPr>
                                   <m:ctrlPr>
                                     <a:rPr lang="en-US" sz="3200" i="1">
                                       <a:solidFill>
@@ -11656,28 +10588,10 @@
                                       <a:latin typeface="Cambria Math" panose="02040503050406030204" pitchFamily="18" charset="0"/>
                                     </a:rPr>
                                   </m:ctrlPr>
-                                </m:fPr>
-                                <m:num>
-                                  <m:r>
-                                    <a:rPr lang="en-US" sz="3200" i="1">
-                                      <a:solidFill>
-                                        <a:srgbClr val="C00000"/>
-                                      </a:solidFill>
-                                      <a:latin typeface="Cambria Math" panose="02040503050406030204" pitchFamily="18" charset="0"/>
-                                    </a:rPr>
-                                    <m:t>𝜀</m:t>
-                                  </m:r>
-                                  <m:r>
-                                    <a:rPr lang="en-US" sz="3200" i="1">
-                                      <a:solidFill>
-                                        <a:srgbClr val="C00000"/>
-                                      </a:solidFill>
-                                      <a:latin typeface="Cambria Math" panose="02040503050406030204" pitchFamily="18" charset="0"/>
-                                    </a:rPr>
-                                    <m:t>𝑆</m:t>
-                                  </m:r>
-                                  <m:d>
-                                    <m:dPr>
+                                </m:dPr>
+                                <m:e>
+                                  <m:f>
+                                    <m:fPr>
                                       <m:ctrlPr>
                                         <a:rPr lang="en-US" sz="3200" i="1">
                                           <a:solidFill>
@@ -11686,8 +10600,8 @@
                                           <a:latin typeface="Cambria Math" panose="02040503050406030204" pitchFamily="18" charset="0"/>
                                         </a:rPr>
                                       </m:ctrlPr>
-                                    </m:dPr>
-                                    <m:e>
+                                    </m:fPr>
+                                    <m:num>
                                       <m:r>
                                         <a:rPr lang="en-US" sz="3200" i="1">
                                           <a:solidFill>
@@ -11695,16 +10609,7 @@
                                           </a:solidFill>
                                           <a:latin typeface="Cambria Math" panose="02040503050406030204" pitchFamily="18" charset="0"/>
                                         </a:rPr>
-                                        <m:t>𝐷</m:t>
-                                      </m:r>
-                                      <m:r>
-                                        <a:rPr lang="en-US" sz="3200" b="0" i="1" smtClean="0">
-                                          <a:solidFill>
-                                            <a:srgbClr val="C00000"/>
-                                          </a:solidFill>
-                                          <a:latin typeface="Cambria Math" panose="02040503050406030204" pitchFamily="18" charset="0"/>
-                                        </a:rPr>
-                                        <m:t>′</m:t>
+                                        <m:t>𝜀</m:t>
                                       </m:r>
                                       <m:r>
                                         <a:rPr lang="en-US" sz="3200" i="1">
@@ -11713,8 +10618,60 @@
                                           </a:solidFill>
                                           <a:latin typeface="Cambria Math" panose="02040503050406030204" pitchFamily="18" charset="0"/>
                                         </a:rPr>
-                                        <m:t>,</m:t>
+                                        <m:t>𝑆</m:t>
                                       </m:r>
+                                      <m:d>
+                                        <m:dPr>
+                                          <m:ctrlPr>
+                                            <a:rPr lang="en-US" sz="3200" i="1">
+                                              <a:solidFill>
+                                                <a:srgbClr val="C00000"/>
+                                              </a:solidFill>
+                                              <a:latin typeface="Cambria Math" panose="02040503050406030204" pitchFamily="18" charset="0"/>
+                                            </a:rPr>
+                                          </m:ctrlPr>
+                                        </m:dPr>
+                                        <m:e>
+                                          <m:r>
+                                            <a:rPr lang="en-US" sz="3200" i="1">
+                                              <a:solidFill>
+                                                <a:srgbClr val="C00000"/>
+                                              </a:solidFill>
+                                              <a:latin typeface="Cambria Math" panose="02040503050406030204" pitchFamily="18" charset="0"/>
+                                            </a:rPr>
+                                            <m:t>𝐷</m:t>
+                                          </m:r>
+                                          <m:r>
+                                            <a:rPr lang="en-US" sz="3200" b="0" i="1" smtClean="0">
+                                              <a:solidFill>
+                                                <a:srgbClr val="C00000"/>
+                                              </a:solidFill>
+                                              <a:latin typeface="Cambria Math" panose="02040503050406030204" pitchFamily="18" charset="0"/>
+                                            </a:rPr>
+                                            <m:t>′</m:t>
+                                          </m:r>
+                                          <m:r>
+                                            <a:rPr lang="en-US" sz="3200" i="1">
+                                              <a:solidFill>
+                                                <a:srgbClr val="C00000"/>
+                                              </a:solidFill>
+                                              <a:latin typeface="Cambria Math" panose="02040503050406030204" pitchFamily="18" charset="0"/>
+                                            </a:rPr>
+                                            <m:t>,</m:t>
+                                          </m:r>
+                                          <m:r>
+                                            <a:rPr lang="en-US" sz="3200" i="1">
+                                              <a:solidFill>
+                                                <a:srgbClr val="C00000"/>
+                                              </a:solidFill>
+                                              <a:latin typeface="Cambria Math" panose="02040503050406030204" pitchFamily="18" charset="0"/>
+                                            </a:rPr>
+                                            <m:t>𝑥</m:t>
+                                          </m:r>
+                                        </m:e>
+                                      </m:d>
+                                    </m:num>
+                                    <m:den>
                                       <m:r>
                                         <a:rPr lang="en-US" sz="3200" i="1">
                                           <a:solidFill>
@@ -11722,61 +10679,50 @@
                                           </a:solidFill>
                                           <a:latin typeface="Cambria Math" panose="02040503050406030204" pitchFamily="18" charset="0"/>
                                         </a:rPr>
-                                        <m:t>𝑥</m:t>
+                                        <m:t>2</m:t>
                                       </m:r>
-                                    </m:e>
-                                  </m:d>
-                                </m:num>
-                                <m:den>
-                                  <m:r>
-                                    <a:rPr lang="en-US" sz="3200" b="0" i="1" smtClean="0">
-                                      <a:solidFill>
-                                        <a:srgbClr val="C00000"/>
-                                      </a:solidFill>
-                                      <a:latin typeface="Cambria Math" panose="02040503050406030204" pitchFamily="18" charset="0"/>
-                                    </a:rPr>
-                                    <m:t>2</m:t>
-                                  </m:r>
-                                  <m:sSub>
-                                    <m:sSubPr>
-                                      <m:ctrlPr>
-                                        <a:rPr lang="en-US" sz="3200" i="1">
-                                          <a:solidFill>
-                                            <a:srgbClr val="C00000"/>
-                                          </a:solidFill>
-                                          <a:latin typeface="Cambria Math" panose="02040503050406030204" pitchFamily="18" charset="0"/>
-                                        </a:rPr>
-                                      </m:ctrlPr>
-                                    </m:sSubPr>
-                                    <m:e>
-                                      <m:r>
-                                        <a:rPr lang="en-US" sz="3200" i="1">
-                                          <a:solidFill>
-                                            <a:srgbClr val="C00000"/>
-                                          </a:solidFill>
-                                          <a:latin typeface="Cambria Math" panose="02040503050406030204" pitchFamily="18" charset="0"/>
-                                        </a:rPr>
-                                        <m:t>𝜎</m:t>
-                                      </m:r>
-                                    </m:e>
-                                    <m:sub>
-                                      <m:r>
-                                        <a:rPr lang="en-US" sz="3200" i="1">
-                                          <a:solidFill>
-                                            <a:srgbClr val="C00000"/>
-                                          </a:solidFill>
-                                          <a:latin typeface="Cambria Math" panose="02040503050406030204" pitchFamily="18" charset="0"/>
-                                        </a:rPr>
-                                        <m:t>𝑓</m:t>
-                                      </m:r>
-                                    </m:sub>
-                                  </m:sSub>
-                                </m:den>
-                              </m:f>
+                                      <m:sSub>
+                                        <m:sSubPr>
+                                          <m:ctrlPr>
+                                            <a:rPr lang="en-US" sz="3200" i="1">
+                                              <a:solidFill>
+                                                <a:srgbClr val="C00000"/>
+                                              </a:solidFill>
+                                              <a:latin typeface="Cambria Math" panose="02040503050406030204" pitchFamily="18" charset="0"/>
+                                            </a:rPr>
+                                          </m:ctrlPr>
+                                        </m:sSubPr>
+                                        <m:e>
+                                          <m:r>
+                                            <a:rPr lang="en-US" sz="3200" i="1">
+                                              <a:solidFill>
+                                                <a:srgbClr val="C00000"/>
+                                              </a:solidFill>
+                                              <a:latin typeface="Cambria Math" panose="02040503050406030204" pitchFamily="18" charset="0"/>
+                                            </a:rPr>
+                                            <m:t>𝜎</m:t>
+                                          </m:r>
+                                        </m:e>
+                                        <m:sub>
+                                          <m:r>
+                                            <a:rPr lang="en-US" sz="3200" i="1">
+                                              <a:solidFill>
+                                                <a:srgbClr val="C00000"/>
+                                              </a:solidFill>
+                                              <a:latin typeface="Cambria Math" panose="02040503050406030204" pitchFamily="18" charset="0"/>
+                                            </a:rPr>
+                                            <m:t>𝑓</m:t>
+                                          </m:r>
+                                        </m:sub>
+                                      </m:sSub>
+                                    </m:den>
+                                  </m:f>
+                                </m:e>
+                              </m:d>
                             </m:e>
-                          </m:d>
+                          </m:func>
                         </m:e>
-                      </m:func>
+                      </m:nary>
                     </m:oMath>
                   </m:oMathPara>
                 </a14:m>
@@ -11785,7 +10731,7 @@
             </p:txBody>
           </p:sp>
         </mc:Choice>
-        <mc:Fallback xmlns="">
+        <mc:Fallback>
           <p:sp>
             <p:nvSpPr>
               <p:cNvPr id="7" name="TextBox 6">
@@ -12336,8 +11282,8 @@
           </p:sp>
         </mc:Fallback>
       </mc:AlternateContent>
-      <mc:AlternateContent xmlns:mc="http://schemas.openxmlformats.org/markup-compatibility/2006" xmlns:a14="http://schemas.microsoft.com/office/drawing/2010/main">
-        <mc:Choice Requires="a14">
+      <mc:AlternateContent xmlns:mc="http://schemas.openxmlformats.org/markup-compatibility/2006">
+        <mc:Choice xmlns:a14="http://schemas.microsoft.com/office/drawing/2010/main" Requires="a14">
           <p:sp>
             <p:nvSpPr>
               <p:cNvPr id="4" name="TextBox 3">
@@ -12352,7 +11298,7 @@
             </p:nvSpPr>
             <p:spPr>
               <a:xfrm>
-                <a:off x="1486636" y="2909629"/>
+                <a:off x="714278" y="2909629"/>
                 <a:ext cx="4371423" cy="1133131"/>
               </a:xfrm>
               <a:prstGeom prst="rect">
@@ -12617,7 +11563,7 @@
             </p:txBody>
           </p:sp>
         </mc:Choice>
-        <mc:Fallback xmlns="">
+        <mc:Fallback>
           <p:sp>
             <p:nvSpPr>
               <p:cNvPr id="4" name="TextBox 3">
@@ -12634,7 +11580,7 @@
             </p:nvSpPr>
             <p:spPr>
               <a:xfrm>
-                <a:off x="1486636" y="2909629"/>
+                <a:off x="714278" y="2909629"/>
                 <a:ext cx="4371423" cy="1133131"/>
               </a:xfrm>
               <a:prstGeom prst="rect">
@@ -12662,8 +11608,8 @@
           </p:sp>
         </mc:Fallback>
       </mc:AlternateContent>
-      <mc:AlternateContent xmlns:mc="http://schemas.openxmlformats.org/markup-compatibility/2006" xmlns:a14="http://schemas.microsoft.com/office/drawing/2010/main">
-        <mc:Choice Requires="a14">
+      <mc:AlternateContent xmlns:mc="http://schemas.openxmlformats.org/markup-compatibility/2006">
+        <mc:Choice xmlns:a14="http://schemas.microsoft.com/office/drawing/2010/main" Requires="a14">
           <p:sp>
             <p:nvSpPr>
               <p:cNvPr id="7" name="TextBox 6">
@@ -12678,8 +11624,8 @@
             </p:nvSpPr>
             <p:spPr>
               <a:xfrm>
-                <a:off x="3468822" y="4264760"/>
-                <a:ext cx="8353486" cy="1318502"/>
+                <a:off x="2811051" y="4264441"/>
+                <a:ext cx="8608591" cy="1318502"/>
               </a:xfrm>
               <a:prstGeom prst="rect">
                 <a:avLst/>
@@ -12981,46 +11927,60 @@
                         </a:rPr>
                         <m:t>/</m:t>
                       </m:r>
-                      <m:func>
-                        <m:funcPr>
+                      <m:nary>
+                        <m:naryPr>
+                          <m:chr m:val="∑"/>
+                          <m:supHide m:val="on"/>
                           <m:ctrlPr>
-                            <a:rPr lang="en-US" sz="3200" b="0" i="1" smtClean="0">
+                            <a:rPr lang="en-US" sz="3200" i="1">
                               <a:solidFill>
                                 <a:srgbClr val="C00000"/>
                               </a:solidFill>
                               <a:latin typeface="Cambria Math" panose="02040503050406030204" pitchFamily="18" charset="0"/>
                             </a:rPr>
                           </m:ctrlPr>
-                        </m:funcPr>
-                        <m:fName>
+                        </m:naryPr>
+                        <m:sub>
                           <m:r>
-                            <m:rPr>
-                              <m:sty m:val="p"/>
-                            </m:rPr>
-                            <a:rPr lang="en-US" sz="3200" b="0" i="0" smtClean="0">
+                            <a:rPr lang="en-US" sz="3200" i="1">
                               <a:solidFill>
                                 <a:srgbClr val="C00000"/>
                               </a:solidFill>
                               <a:latin typeface="Cambria Math" panose="02040503050406030204" pitchFamily="18" charset="0"/>
                             </a:rPr>
-                            <m:t>exp</m:t>
+                            <m:t>𝑥</m:t>
                           </m:r>
-                        </m:fName>
+                        </m:sub>
+                        <m:sup/>
                         <m:e>
-                          <m:d>
-                            <m:dPr>
+                          <m:func>
+                            <m:funcPr>
                               <m:ctrlPr>
-                                <a:rPr lang="en-US" sz="3200" b="0" i="1" smtClean="0">
+                                <a:rPr lang="en-US" sz="3200" i="1">
                                   <a:solidFill>
                                     <a:srgbClr val="C00000"/>
                                   </a:solidFill>
                                   <a:latin typeface="Cambria Math" panose="02040503050406030204" pitchFamily="18" charset="0"/>
                                 </a:rPr>
                               </m:ctrlPr>
-                            </m:dPr>
+                            </m:funcPr>
+                            <m:fName>
+                              <m:r>
+                                <m:rPr>
+                                  <m:sty m:val="p"/>
+                                </m:rPr>
+                                <a:rPr lang="en-US" sz="3200">
+                                  <a:solidFill>
+                                    <a:srgbClr val="C00000"/>
+                                  </a:solidFill>
+                                  <a:latin typeface="Cambria Math" panose="02040503050406030204" pitchFamily="18" charset="0"/>
+                                </a:rPr>
+                                <m:t>exp</m:t>
+                              </m:r>
+                            </m:fName>
                             <m:e>
-                              <m:f>
-                                <m:fPr>
+                              <m:d>
+                                <m:dPr>
                                   <m:ctrlPr>
                                     <a:rPr lang="en-US" sz="3200" i="1">
                                       <a:solidFill>
@@ -13029,28 +11989,10 @@
                                       <a:latin typeface="Cambria Math" panose="02040503050406030204" pitchFamily="18" charset="0"/>
                                     </a:rPr>
                                   </m:ctrlPr>
-                                </m:fPr>
-                                <m:num>
-                                  <m:r>
-                                    <a:rPr lang="en-US" sz="3200" i="1">
-                                      <a:solidFill>
-                                        <a:srgbClr val="C00000"/>
-                                      </a:solidFill>
-                                      <a:latin typeface="Cambria Math" panose="02040503050406030204" pitchFamily="18" charset="0"/>
-                                    </a:rPr>
-                                    <m:t>𝜀</m:t>
-                                  </m:r>
-                                  <m:r>
-                                    <a:rPr lang="en-US" sz="3200" i="1">
-                                      <a:solidFill>
-                                        <a:srgbClr val="C00000"/>
-                                      </a:solidFill>
-                                      <a:latin typeface="Cambria Math" panose="02040503050406030204" pitchFamily="18" charset="0"/>
-                                    </a:rPr>
-                                    <m:t>𝑆</m:t>
-                                  </m:r>
-                                  <m:d>
-                                    <m:dPr>
+                                </m:dPr>
+                                <m:e>
+                                  <m:f>
+                                    <m:fPr>
                                       <m:ctrlPr>
                                         <a:rPr lang="en-US" sz="3200" i="1">
                                           <a:solidFill>
@@ -13059,8 +12001,8 @@
                                           <a:latin typeface="Cambria Math" panose="02040503050406030204" pitchFamily="18" charset="0"/>
                                         </a:rPr>
                                       </m:ctrlPr>
-                                    </m:dPr>
-                                    <m:e>
+                                    </m:fPr>
+                                    <m:num>
                                       <m:r>
                                         <a:rPr lang="en-US" sz="3200" i="1">
                                           <a:solidFill>
@@ -13068,7 +12010,7 @@
                                           </a:solidFill>
                                           <a:latin typeface="Cambria Math" panose="02040503050406030204" pitchFamily="18" charset="0"/>
                                         </a:rPr>
-                                        <m:t>𝐷</m:t>
+                                        <m:t>𝜀</m:t>
                                       </m:r>
                                       <m:r>
                                         <a:rPr lang="en-US" sz="3200" i="1">
@@ -13077,8 +12019,51 @@
                                           </a:solidFill>
                                           <a:latin typeface="Cambria Math" panose="02040503050406030204" pitchFamily="18" charset="0"/>
                                         </a:rPr>
-                                        <m:t>,</m:t>
+                                        <m:t>𝑆</m:t>
                                       </m:r>
+                                      <m:d>
+                                        <m:dPr>
+                                          <m:ctrlPr>
+                                            <a:rPr lang="en-US" sz="3200" i="1">
+                                              <a:solidFill>
+                                                <a:srgbClr val="C00000"/>
+                                              </a:solidFill>
+                                              <a:latin typeface="Cambria Math" panose="02040503050406030204" pitchFamily="18" charset="0"/>
+                                            </a:rPr>
+                                          </m:ctrlPr>
+                                        </m:dPr>
+                                        <m:e>
+                                          <m:r>
+                                            <a:rPr lang="en-US" sz="3200" i="1">
+                                              <a:solidFill>
+                                                <a:srgbClr val="C00000"/>
+                                              </a:solidFill>
+                                              <a:latin typeface="Cambria Math" panose="02040503050406030204" pitchFamily="18" charset="0"/>
+                                            </a:rPr>
+                                            <m:t>𝐷</m:t>
+                                          </m:r>
+                                          <m:r>
+                                            <a:rPr lang="en-US" sz="3200" i="1">
+                                              <a:solidFill>
+                                                <a:srgbClr val="C00000"/>
+                                              </a:solidFill>
+                                              <a:latin typeface="Cambria Math" panose="02040503050406030204" pitchFamily="18" charset="0"/>
+                                            </a:rPr>
+                                            <m:t>,</m:t>
+                                          </m:r>
+                                          <m:r>
+                                            <a:rPr lang="en-US" sz="3200" i="1">
+                                              <a:solidFill>
+                                                <a:srgbClr val="C00000"/>
+                                              </a:solidFill>
+                                              <a:latin typeface="Cambria Math" panose="02040503050406030204" pitchFamily="18" charset="0"/>
+                                            </a:rPr>
+                                            <m:t>𝑥</m:t>
+                                          </m:r>
+                                        </m:e>
+                                      </m:d>
+                                    </m:num>
+                                    <m:den>
                                       <m:r>
                                         <a:rPr lang="en-US" sz="3200" i="1">
                                           <a:solidFill>
@@ -13086,61 +12071,50 @@
                                           </a:solidFill>
                                           <a:latin typeface="Cambria Math" panose="02040503050406030204" pitchFamily="18" charset="0"/>
                                         </a:rPr>
-                                        <m:t>𝑥</m:t>
+                                        <m:t>2</m:t>
                                       </m:r>
-                                    </m:e>
-                                  </m:d>
-                                </m:num>
-                                <m:den>
-                                  <m:r>
-                                    <a:rPr lang="en-US" sz="3200" b="0" i="1" smtClean="0">
-                                      <a:solidFill>
-                                        <a:srgbClr val="C00000"/>
-                                      </a:solidFill>
-                                      <a:latin typeface="Cambria Math" panose="02040503050406030204" pitchFamily="18" charset="0"/>
-                                    </a:rPr>
-                                    <m:t>2</m:t>
-                                  </m:r>
-                                  <m:sSub>
-                                    <m:sSubPr>
-                                      <m:ctrlPr>
-                                        <a:rPr lang="en-US" sz="3200" i="1">
-                                          <a:solidFill>
-                                            <a:srgbClr val="C00000"/>
-                                          </a:solidFill>
-                                          <a:latin typeface="Cambria Math" panose="02040503050406030204" pitchFamily="18" charset="0"/>
-                                        </a:rPr>
-                                      </m:ctrlPr>
-                                    </m:sSubPr>
-                                    <m:e>
-                                      <m:r>
-                                        <a:rPr lang="en-US" sz="3200" i="1">
-                                          <a:solidFill>
-                                            <a:srgbClr val="C00000"/>
-                                          </a:solidFill>
-                                          <a:latin typeface="Cambria Math" panose="02040503050406030204" pitchFamily="18" charset="0"/>
-                                        </a:rPr>
-                                        <m:t>𝜎</m:t>
-                                      </m:r>
-                                    </m:e>
-                                    <m:sub>
-                                      <m:r>
-                                        <a:rPr lang="en-US" sz="3200" i="1">
-                                          <a:solidFill>
-                                            <a:srgbClr val="C00000"/>
-                                          </a:solidFill>
-                                          <a:latin typeface="Cambria Math" panose="02040503050406030204" pitchFamily="18" charset="0"/>
-                                        </a:rPr>
-                                        <m:t>𝑓</m:t>
-                                      </m:r>
-                                    </m:sub>
-                                  </m:sSub>
-                                </m:den>
-                              </m:f>
+                                      <m:sSub>
+                                        <m:sSubPr>
+                                          <m:ctrlPr>
+                                            <a:rPr lang="en-US" sz="3200" i="1">
+                                              <a:solidFill>
+                                                <a:srgbClr val="C00000"/>
+                                              </a:solidFill>
+                                              <a:latin typeface="Cambria Math" panose="02040503050406030204" pitchFamily="18" charset="0"/>
+                                            </a:rPr>
+                                          </m:ctrlPr>
+                                        </m:sSubPr>
+                                        <m:e>
+                                          <m:r>
+                                            <a:rPr lang="en-US" sz="3200" i="1">
+                                              <a:solidFill>
+                                                <a:srgbClr val="C00000"/>
+                                              </a:solidFill>
+                                              <a:latin typeface="Cambria Math" panose="02040503050406030204" pitchFamily="18" charset="0"/>
+                                            </a:rPr>
+                                            <m:t>𝜎</m:t>
+                                          </m:r>
+                                        </m:e>
+                                        <m:sub>
+                                          <m:r>
+                                            <a:rPr lang="en-US" sz="3200" i="1">
+                                              <a:solidFill>
+                                                <a:srgbClr val="C00000"/>
+                                              </a:solidFill>
+                                              <a:latin typeface="Cambria Math" panose="02040503050406030204" pitchFamily="18" charset="0"/>
+                                            </a:rPr>
+                                            <m:t>𝑓</m:t>
+                                          </m:r>
+                                        </m:sub>
+                                      </m:sSub>
+                                    </m:den>
+                                  </m:f>
+                                </m:e>
+                              </m:d>
                             </m:e>
-                          </m:d>
+                          </m:func>
                         </m:e>
-                      </m:func>
+                      </m:nary>
                     </m:oMath>
                   </m:oMathPara>
                 </a14:m>
@@ -13149,7 +12123,7 @@
             </p:txBody>
           </p:sp>
         </mc:Choice>
-        <mc:Fallback xmlns="">
+        <mc:Fallback>
           <p:sp>
             <p:nvSpPr>
               <p:cNvPr id="7" name="TextBox 6">
@@ -13166,8 +12140,8 @@
             </p:nvSpPr>
             <p:spPr>
               <a:xfrm>
-                <a:off x="3468822" y="4264760"/>
-                <a:ext cx="8353486" cy="1318502"/>
+                <a:off x="2811051" y="4264441"/>
+                <a:ext cx="8608591" cy="1318502"/>
               </a:xfrm>
               <a:prstGeom prst="rect">
                 <a:avLst/>
@@ -13194,8 +12168,8 @@
           </p:sp>
         </mc:Fallback>
       </mc:AlternateContent>
-      <mc:AlternateContent xmlns:mc="http://schemas.openxmlformats.org/markup-compatibility/2006" xmlns:a14="http://schemas.microsoft.com/office/drawing/2010/main">
-        <mc:Choice Requires="a14">
+      <mc:AlternateContent xmlns:mc="http://schemas.openxmlformats.org/markup-compatibility/2006">
+        <mc:Choice xmlns:a14="http://schemas.microsoft.com/office/drawing/2010/main" Requires="a14">
           <p:sp>
             <p:nvSpPr>
               <p:cNvPr id="3" name="TextBox 2">
@@ -13210,7 +12184,7 @@
             </p:nvSpPr>
             <p:spPr>
               <a:xfrm>
-                <a:off x="2358758" y="5717879"/>
+                <a:off x="1586400" y="5717879"/>
                 <a:ext cx="4371423" cy="584775"/>
               </a:xfrm>
               <a:prstGeom prst="rect">
@@ -13299,7 +12273,7 @@
             </p:txBody>
           </p:sp>
         </mc:Choice>
-        <mc:Fallback xmlns="">
+        <mc:Fallback>
           <p:sp>
             <p:nvSpPr>
               <p:cNvPr id="3" name="TextBox 2">
@@ -13316,7 +12290,7 @@
             </p:nvSpPr>
             <p:spPr>
               <a:xfrm>
-                <a:off x="2358758" y="5717879"/>
+                <a:off x="1586400" y="5717879"/>
                 <a:ext cx="4371423" cy="584775"/>
               </a:xfrm>
               <a:prstGeom prst="rect">
@@ -13406,8 +12380,8 @@
           </a:p>
         </p:txBody>
       </p:sp>
-      <mc:AlternateContent xmlns:mc="http://schemas.openxmlformats.org/markup-compatibility/2006">
-        <mc:Choice xmlns:a14="http://schemas.microsoft.com/office/drawing/2010/main" Requires="a14">
+      <mc:AlternateContent xmlns:mc="http://schemas.openxmlformats.org/markup-compatibility/2006" xmlns:a14="http://schemas.microsoft.com/office/drawing/2010/main">
+        <mc:Choice Requires="a14">
           <p:sp>
             <p:nvSpPr>
               <p:cNvPr id="5" name="Content Placeholder 3">
@@ -13530,7 +12504,7 @@
             </p:txBody>
           </p:sp>
         </mc:Choice>
-        <mc:Fallback>
+        <mc:Fallback xmlns="">
           <p:sp>
             <p:nvSpPr>
               <p:cNvPr id="5" name="Content Placeholder 3">
@@ -13636,8 +12610,8 @@
           </a:p>
         </p:txBody>
       </p:sp>
-      <mc:AlternateContent xmlns:mc="http://schemas.openxmlformats.org/markup-compatibility/2006">
-        <mc:Choice xmlns:a14="http://schemas.microsoft.com/office/drawing/2010/main" Requires="a14">
+      <mc:AlternateContent xmlns:mc="http://schemas.openxmlformats.org/markup-compatibility/2006" xmlns:a14="http://schemas.microsoft.com/office/drawing/2010/main">
+        <mc:Choice Requires="a14">
           <p:sp>
             <p:nvSpPr>
               <p:cNvPr id="5" name="Content Placeholder 3">
@@ -14479,7 +13453,7 @@
             </p:txBody>
           </p:sp>
         </mc:Choice>
-        <mc:Fallback>
+        <mc:Fallback xmlns="">
           <p:sp>
             <p:nvSpPr>
               <p:cNvPr id="5" name="Content Placeholder 3">
@@ -14585,8 +13559,8 @@
           </a:p>
         </p:txBody>
       </p:sp>
-      <mc:AlternateContent xmlns:mc="http://schemas.openxmlformats.org/markup-compatibility/2006">
-        <mc:Choice xmlns:a14="http://schemas.microsoft.com/office/drawing/2010/main" Requires="a14">
+      <mc:AlternateContent xmlns:mc="http://schemas.openxmlformats.org/markup-compatibility/2006" xmlns:a14="http://schemas.microsoft.com/office/drawing/2010/main">
+        <mc:Choice Requires="a14">
           <p:sp>
             <p:nvSpPr>
               <p:cNvPr id="5" name="Content Placeholder 3">
@@ -14903,7 +13877,7 @@
             </p:txBody>
           </p:sp>
         </mc:Choice>
-        <mc:Fallback>
+        <mc:Fallback xmlns="">
           <p:sp>
             <p:nvSpPr>
               <p:cNvPr id="5" name="Content Placeholder 3">
@@ -15009,8 +13983,8 @@
           </a:p>
         </p:txBody>
       </p:sp>
-      <mc:AlternateContent xmlns:mc="http://schemas.openxmlformats.org/markup-compatibility/2006">
-        <mc:Choice xmlns:a14="http://schemas.microsoft.com/office/drawing/2010/main" Requires="a14">
+      <mc:AlternateContent xmlns:mc="http://schemas.openxmlformats.org/markup-compatibility/2006" xmlns:a14="http://schemas.microsoft.com/office/drawing/2010/main">
+        <mc:Choice Requires="a14">
           <p:sp>
             <p:nvSpPr>
               <p:cNvPr id="5" name="Content Placeholder 3">
@@ -15487,7 +14461,7 @@
             </p:txBody>
           </p:sp>
         </mc:Choice>
-        <mc:Fallback>
+        <mc:Fallback xmlns="">
           <p:sp>
             <p:nvSpPr>
               <p:cNvPr id="5" name="Content Placeholder 3">
@@ -15593,8 +14567,8 @@
           </a:p>
         </p:txBody>
       </p:sp>
-      <mc:AlternateContent xmlns:mc="http://schemas.openxmlformats.org/markup-compatibility/2006">
-        <mc:Choice xmlns:a14="http://schemas.microsoft.com/office/drawing/2010/main" Requires="a14">
+      <mc:AlternateContent xmlns:mc="http://schemas.openxmlformats.org/markup-compatibility/2006" xmlns:a14="http://schemas.microsoft.com/office/drawing/2010/main">
+        <mc:Choice Requires="a14">
           <p:sp>
             <p:nvSpPr>
               <p:cNvPr id="5" name="Content Placeholder 3">
@@ -16148,7 +15122,7 @@
             </p:txBody>
           </p:sp>
         </mc:Choice>
-        <mc:Fallback>
+        <mc:Fallback xmlns="">
           <p:sp>
             <p:nvSpPr>
               <p:cNvPr id="5" name="Content Placeholder 3">
@@ -16342,1276 +15316,6 @@
 </p:sld>
 </file>
 
-<file path=ppt/slides/slide27.xml><?xml version="1.0" encoding="utf-8"?>
-<p:sld xmlns:a="http://schemas.openxmlformats.org/drawingml/2006/main" xmlns:r="http://schemas.openxmlformats.org/officeDocument/2006/relationships" xmlns:p="http://schemas.openxmlformats.org/presentationml/2006/main">
-  <p:cSld>
-    <p:spTree>
-      <p:nvGrpSpPr>
-        <p:cNvPr id="1" name=""/>
-        <p:cNvGrpSpPr/>
-        <p:nvPr/>
-      </p:nvGrpSpPr>
-      <p:grpSpPr>
-        <a:xfrm>
-          <a:off x="0" y="0"/>
-          <a:ext cx="0" cy="0"/>
-          <a:chOff x="0" y="0"/>
-          <a:chExt cx="0" cy="0"/>
-        </a:xfrm>
-      </p:grpSpPr>
-      <p:sp>
-        <p:nvSpPr>
-          <p:cNvPr id="2" name="Title 1">
-            <a:extLst>
-              <a:ext uri="{FF2B5EF4-FFF2-40B4-BE49-F238E27FC236}">
-                <a16:creationId xmlns:a16="http://schemas.microsoft.com/office/drawing/2014/main" id="{B17419AC-DCE6-4371-8DE2-D617E99D653D}"/>
-              </a:ext>
-            </a:extLst>
-          </p:cNvPr>
-          <p:cNvSpPr>
-            <a:spLocks noGrp="1"/>
-          </p:cNvSpPr>
-          <p:nvPr>
-            <p:ph type="title"/>
-          </p:nvPr>
-        </p:nvSpPr>
-        <p:spPr/>
-        <p:txBody>
-          <a:bodyPr/>
-          <a:lstStyle/>
-          <a:p>
-            <a:r>
-              <a:rPr lang="en-US" dirty="0">
-                <a:solidFill>
-                  <a:srgbClr val="C00000"/>
-                </a:solidFill>
-              </a:rPr>
-              <a:t>Counting Queries</a:t>
-            </a:r>
-          </a:p>
-        </p:txBody>
-      </p:sp>
-      <mc:AlternateContent xmlns:mc="http://schemas.openxmlformats.org/markup-compatibility/2006">
-        <mc:Choice xmlns:a14="http://schemas.microsoft.com/office/drawing/2010/main" Requires="a14">
-          <p:sp>
-            <p:nvSpPr>
-              <p:cNvPr id="5" name="Content Placeholder 3">
-                <a:extLst>
-                  <a:ext uri="{FF2B5EF4-FFF2-40B4-BE49-F238E27FC236}">
-                    <a16:creationId xmlns:a16="http://schemas.microsoft.com/office/drawing/2014/main" id="{46EDD9D9-1338-4BC5-9D28-964A84C143C2}"/>
-                  </a:ext>
-                </a:extLst>
-              </p:cNvPr>
-              <p:cNvSpPr>
-                <a:spLocks noGrp="1"/>
-              </p:cNvSpPr>
-              <p:nvPr>
-                <p:ph idx="1"/>
-              </p:nvPr>
-            </p:nvSpPr>
-            <p:spPr>
-              <a:xfrm>
-                <a:off x="838200" y="1825624"/>
-                <a:ext cx="10242755" cy="4342094"/>
-              </a:xfrm>
-            </p:spPr>
-            <p:txBody>
-              <a:bodyPr>
-                <a:noAutofit/>
-              </a:bodyPr>
-              <a:lstStyle/>
-              <a:p>
-                <a:pPr>
-                  <a:buClr>
-                    <a:schemeClr val="tx1"/>
-                  </a:buClr>
-                </a:pPr>
-                <a:r>
-                  <a:rPr lang="en-US" sz="3200" dirty="0"/>
-                  <a:t>How many people in this class have pets?</a:t>
-                </a:r>
-              </a:p>
-              <a:p>
-                <a:pPr>
-                  <a:buClr>
-                    <a:schemeClr val="tx1"/>
-                  </a:buClr>
-                </a:pPr>
-                <a:r>
-                  <a:rPr lang="en-US" sz="3200" dirty="0"/>
-                  <a:t>How many people in this class were at Kyle Field last weekend?</a:t>
-                </a:r>
-              </a:p>
-              <a:p>
-                <a:pPr>
-                  <a:buClr>
-                    <a:schemeClr val="tx1"/>
-                  </a:buClr>
-                </a:pPr>
-                <a:endParaRPr lang="en-US" sz="3200" dirty="0"/>
-              </a:p>
-              <a:p>
-                <a:pPr>
-                  <a:buClr>
-                    <a:schemeClr val="tx1"/>
-                  </a:buClr>
-                </a:pPr>
-                <a:endParaRPr lang="en-US" sz="3200" dirty="0"/>
-              </a:p>
-              <a:p>
-                <a:pPr>
-                  <a:buClr>
-                    <a:schemeClr val="tx1"/>
-                  </a:buClr>
-                </a:pPr>
-                <a:r>
-                  <a:rPr lang="en-US" sz="3200" dirty="0"/>
-                  <a:t>Suppose we have a set </a:t>
-                </a:r>
-                <a14:m>
-                  <m:oMath xmlns:m="http://schemas.openxmlformats.org/officeDocument/2006/math">
-                    <m:r>
-                      <a:rPr lang="en-US" sz="3200" b="0" i="1" smtClean="0">
-                        <a:solidFill>
-                          <a:srgbClr val="C00000"/>
-                        </a:solidFill>
-                        <a:latin typeface="Cambria Math" panose="02040503050406030204" pitchFamily="18" charset="0"/>
-                      </a:rPr>
-                      <m:t>𝑄</m:t>
-                    </m:r>
-                  </m:oMath>
-                </a14:m>
-                <a:r>
-                  <a:rPr lang="en-US" sz="3200" dirty="0"/>
-                  <a:t> of </a:t>
-                </a:r>
-                <a14:m>
-                  <m:oMath xmlns:m="http://schemas.openxmlformats.org/officeDocument/2006/math">
-                    <m:r>
-                      <a:rPr lang="en-US" sz="3200" b="0" i="1" smtClean="0">
-                        <a:solidFill>
-                          <a:srgbClr val="C00000"/>
-                        </a:solidFill>
-                        <a:latin typeface="Cambria Math" panose="02040503050406030204" pitchFamily="18" charset="0"/>
-                      </a:rPr>
-                      <m:t>𝑞</m:t>
-                    </m:r>
-                  </m:oMath>
-                </a14:m>
-                <a:r>
-                  <a:rPr lang="en-US" sz="3200" dirty="0"/>
-                  <a:t> queries on a database </a:t>
-                </a:r>
-                <a14:m>
-                  <m:oMath xmlns:m="http://schemas.openxmlformats.org/officeDocument/2006/math">
-                    <m:r>
-                      <a:rPr lang="en-US" sz="3200" i="1">
-                        <a:solidFill>
-                          <a:srgbClr val="C00000"/>
-                        </a:solidFill>
-                        <a:latin typeface="Cambria Math" panose="02040503050406030204" pitchFamily="18" charset="0"/>
-                      </a:rPr>
-                      <m:t>𝐷</m:t>
-                    </m:r>
-                  </m:oMath>
-                </a14:m>
-                <a:endParaRPr lang="en-US" sz="3200" dirty="0"/>
-              </a:p>
-              <a:p>
-                <a:pPr>
-                  <a:buClr>
-                    <a:schemeClr val="tx1"/>
-                  </a:buClr>
-                </a:pPr>
-                <a:r>
-                  <a:rPr lang="en-US" sz="3200" dirty="0"/>
-                  <a:t>How do we privately answer the queries?</a:t>
-                </a:r>
-              </a:p>
-            </p:txBody>
-          </p:sp>
-        </mc:Choice>
-        <mc:Fallback>
-          <p:sp>
-            <p:nvSpPr>
-              <p:cNvPr id="5" name="Content Placeholder 3">
-                <a:extLst>
-                  <a:ext uri="{FF2B5EF4-FFF2-40B4-BE49-F238E27FC236}">
-                    <a16:creationId xmlns:a16="http://schemas.microsoft.com/office/drawing/2014/main" id="{46EDD9D9-1338-4BC5-9D28-964A84C143C2}"/>
-                  </a:ext>
-                </a:extLst>
-              </p:cNvPr>
-              <p:cNvSpPr>
-                <a:spLocks noGrp="1" noRot="1" noChangeAspect="1" noMove="1" noResize="1" noEditPoints="1" noAdjustHandles="1" noChangeArrowheads="1" noChangeShapeType="1" noTextEdit="1"/>
-              </p:cNvSpPr>
-              <p:nvPr>
-                <p:ph idx="1"/>
-              </p:nvPr>
-            </p:nvSpPr>
-            <p:spPr>
-              <a:xfrm>
-                <a:off x="838200" y="1825624"/>
-                <a:ext cx="10242755" cy="4342094"/>
-              </a:xfrm>
-              <a:blipFill>
-                <a:blip r:embed="rId3"/>
-                <a:stretch>
-                  <a:fillRect l="-1369" t="-2945"/>
-                </a:stretch>
-              </a:blipFill>
-            </p:spPr>
-            <p:txBody>
-              <a:bodyPr/>
-              <a:lstStyle/>
-              <a:p>
-                <a:r>
-                  <a:rPr lang="en-US">
-                    <a:noFill/>
-                  </a:rPr>
-                  <a:t> </a:t>
-                </a:r>
-              </a:p>
-            </p:txBody>
-          </p:sp>
-        </mc:Fallback>
-      </mc:AlternateContent>
-    </p:spTree>
-    <p:extLst>
-      <p:ext uri="{BB962C8B-B14F-4D97-AF65-F5344CB8AC3E}">
-        <p14:creationId xmlns:p14="http://schemas.microsoft.com/office/powerpoint/2010/main" val="1961927999"/>
-      </p:ext>
-    </p:extLst>
-  </p:cSld>
-  <p:clrMapOvr>
-    <a:masterClrMapping/>
-  </p:clrMapOvr>
-</p:sld>
-</file>
-
-<file path=ppt/slides/slide28.xml><?xml version="1.0" encoding="utf-8"?>
-<p:sld xmlns:a="http://schemas.openxmlformats.org/drawingml/2006/main" xmlns:r="http://schemas.openxmlformats.org/officeDocument/2006/relationships" xmlns:p="http://schemas.openxmlformats.org/presentationml/2006/main">
-  <p:cSld>
-    <p:spTree>
-      <p:nvGrpSpPr>
-        <p:cNvPr id="1" name=""/>
-        <p:cNvGrpSpPr/>
-        <p:nvPr/>
-      </p:nvGrpSpPr>
-      <p:grpSpPr>
-        <a:xfrm>
-          <a:off x="0" y="0"/>
-          <a:ext cx="0" cy="0"/>
-          <a:chOff x="0" y="0"/>
-          <a:chExt cx="0" cy="0"/>
-        </a:xfrm>
-      </p:grpSpPr>
-      <p:sp>
-        <p:nvSpPr>
-          <p:cNvPr id="2" name="Title 1">
-            <a:extLst>
-              <a:ext uri="{FF2B5EF4-FFF2-40B4-BE49-F238E27FC236}">
-                <a16:creationId xmlns:a16="http://schemas.microsoft.com/office/drawing/2014/main" id="{B17419AC-DCE6-4371-8DE2-D617E99D653D}"/>
-              </a:ext>
-            </a:extLst>
-          </p:cNvPr>
-          <p:cNvSpPr>
-            <a:spLocks noGrp="1"/>
-          </p:cNvSpPr>
-          <p:nvPr>
-            <p:ph type="title"/>
-          </p:nvPr>
-        </p:nvSpPr>
-        <p:spPr/>
-        <p:txBody>
-          <a:bodyPr/>
-          <a:lstStyle/>
-          <a:p>
-            <a:r>
-              <a:rPr lang="en-US" dirty="0">
-                <a:solidFill>
-                  <a:srgbClr val="C00000"/>
-                </a:solidFill>
-              </a:rPr>
-              <a:t>Linear Queries</a:t>
-            </a:r>
-          </a:p>
-        </p:txBody>
-      </p:sp>
-      <mc:AlternateContent xmlns:mc="http://schemas.openxmlformats.org/markup-compatibility/2006">
-        <mc:Choice xmlns:a14="http://schemas.microsoft.com/office/drawing/2010/main" Requires="a14">
-          <p:sp>
-            <p:nvSpPr>
-              <p:cNvPr id="5" name="Content Placeholder 3">
-                <a:extLst>
-                  <a:ext uri="{FF2B5EF4-FFF2-40B4-BE49-F238E27FC236}">
-                    <a16:creationId xmlns:a16="http://schemas.microsoft.com/office/drawing/2014/main" id="{46EDD9D9-1338-4BC5-9D28-964A84C143C2}"/>
-                  </a:ext>
-                </a:extLst>
-              </p:cNvPr>
-              <p:cNvSpPr>
-                <a:spLocks noGrp="1"/>
-              </p:cNvSpPr>
-              <p:nvPr>
-                <p:ph idx="1"/>
-              </p:nvPr>
-            </p:nvSpPr>
-            <p:spPr>
-              <a:xfrm>
-                <a:off x="838200" y="1825624"/>
-                <a:ext cx="10242755" cy="4342094"/>
-              </a:xfrm>
-            </p:spPr>
-            <p:txBody>
-              <a:bodyPr>
-                <a:noAutofit/>
-              </a:bodyPr>
-              <a:lstStyle/>
-              <a:p>
-                <a:pPr>
-                  <a:buClr>
-                    <a:schemeClr val="tx1"/>
-                  </a:buClr>
-                </a:pPr>
-                <a:r>
-                  <a:rPr lang="en-US" sz="3200" dirty="0"/>
-                  <a:t>Let </a:t>
-                </a:r>
-                <a14:m>
-                  <m:oMath xmlns:m="http://schemas.openxmlformats.org/officeDocument/2006/math">
-                    <m:r>
-                      <a:rPr lang="en-US" sz="3200" i="1">
-                        <a:solidFill>
-                          <a:srgbClr val="C00000"/>
-                        </a:solidFill>
-                        <a:latin typeface="Cambria Math" panose="02040503050406030204" pitchFamily="18" charset="0"/>
-                      </a:rPr>
-                      <m:t>𝐷</m:t>
-                    </m:r>
-                  </m:oMath>
-                </a14:m>
-                <a:r>
-                  <a:rPr lang="en-US" sz="3200" dirty="0"/>
-                  <a:t> be a database for </a:t>
-                </a:r>
-                <a14:m>
-                  <m:oMath xmlns:m="http://schemas.openxmlformats.org/officeDocument/2006/math">
-                    <m:r>
-                      <a:rPr lang="en-US" sz="3200" b="0" i="1" smtClean="0">
-                        <a:solidFill>
-                          <a:srgbClr val="C00000"/>
-                        </a:solidFill>
-                        <a:latin typeface="Cambria Math" panose="02040503050406030204" pitchFamily="18" charset="0"/>
-                      </a:rPr>
-                      <m:t>𝑑</m:t>
-                    </m:r>
-                  </m:oMath>
-                </a14:m>
-                <a:r>
-                  <a:rPr lang="en-US" sz="3200" dirty="0"/>
-                  <a:t> features on </a:t>
-                </a:r>
-                <a14:m>
-                  <m:oMath xmlns:m="http://schemas.openxmlformats.org/officeDocument/2006/math">
-                    <m:r>
-                      <a:rPr lang="en-US" sz="3200" b="0" i="1" smtClean="0">
-                        <a:solidFill>
-                          <a:srgbClr val="C00000"/>
-                        </a:solidFill>
-                        <a:latin typeface="Cambria Math" panose="02040503050406030204" pitchFamily="18" charset="0"/>
-                      </a:rPr>
-                      <m:t>𝑛</m:t>
-                    </m:r>
-                  </m:oMath>
-                </a14:m>
-                <a:r>
-                  <a:rPr lang="en-US" sz="3200" dirty="0"/>
-                  <a:t> users</a:t>
-                </a:r>
-              </a:p>
-              <a:p>
-                <a:pPr>
-                  <a:buClr>
-                    <a:schemeClr val="tx1"/>
-                  </a:buClr>
-                </a:pPr>
-                <a:r>
-                  <a:rPr lang="en-US" sz="3200" dirty="0"/>
-                  <a:t>Let </a:t>
-                </a:r>
-                <a14:m>
-                  <m:oMath xmlns:m="http://schemas.openxmlformats.org/officeDocument/2006/math">
-                    <m:r>
-                      <a:rPr lang="en-US" sz="3200" b="0" i="1" smtClean="0">
-                        <a:solidFill>
-                          <a:srgbClr val="C00000"/>
-                        </a:solidFill>
-                        <a:latin typeface="Cambria Math" panose="02040503050406030204" pitchFamily="18" charset="0"/>
-                      </a:rPr>
-                      <m:t>𝑓</m:t>
-                    </m:r>
-                    <m:r>
-                      <a:rPr lang="en-US" sz="3200" b="0" i="1" smtClean="0">
-                        <a:solidFill>
-                          <a:srgbClr val="C00000"/>
-                        </a:solidFill>
-                        <a:latin typeface="Cambria Math" panose="02040503050406030204" pitchFamily="18" charset="0"/>
-                      </a:rPr>
-                      <m:t>∈</m:t>
-                    </m:r>
-                    <m:sSup>
-                      <m:sSupPr>
-                        <m:ctrlPr>
-                          <a:rPr lang="en-US" sz="3200" b="0" i="1" smtClean="0">
-                            <a:solidFill>
-                              <a:srgbClr val="C00000"/>
-                            </a:solidFill>
-                            <a:latin typeface="Cambria Math" panose="02040503050406030204" pitchFamily="18" charset="0"/>
-                          </a:rPr>
-                        </m:ctrlPr>
-                      </m:sSupPr>
-                      <m:e>
-                        <m:r>
-                          <a:rPr lang="en-US" sz="3200" b="0" i="1" smtClean="0">
-                            <a:solidFill>
-                              <a:srgbClr val="C00000"/>
-                            </a:solidFill>
-                            <a:latin typeface="Cambria Math" panose="02040503050406030204" pitchFamily="18" charset="0"/>
-                          </a:rPr>
-                          <m:t>ℝ</m:t>
-                        </m:r>
-                      </m:e>
-                      <m:sup>
-                        <m:r>
-                          <a:rPr lang="en-US" sz="3200" b="0" i="1" smtClean="0">
-                            <a:solidFill>
-                              <a:srgbClr val="C00000"/>
-                            </a:solidFill>
-                            <a:latin typeface="Cambria Math" panose="02040503050406030204" pitchFamily="18" charset="0"/>
-                          </a:rPr>
-                          <m:t>𝑑</m:t>
-                        </m:r>
-                      </m:sup>
-                    </m:sSup>
-                  </m:oMath>
-                </a14:m>
-                <a:r>
-                  <a:rPr lang="en-US" sz="3200" dirty="0"/>
-                  <a:t> be the corresponding frequency vector, so that </a:t>
-                </a:r>
-                <a14:m>
-                  <m:oMath xmlns:m="http://schemas.openxmlformats.org/officeDocument/2006/math">
-                    <m:d>
-                      <m:dPr>
-                        <m:begChr m:val="|"/>
-                        <m:endChr m:val="|"/>
-                        <m:ctrlPr>
-                          <a:rPr lang="en-US" sz="3200" b="0" i="1" smtClean="0">
-                            <a:solidFill>
-                              <a:srgbClr val="C00000"/>
-                            </a:solidFill>
-                            <a:latin typeface="Cambria Math" panose="02040503050406030204" pitchFamily="18" charset="0"/>
-                          </a:rPr>
-                        </m:ctrlPr>
-                      </m:dPr>
-                      <m:e>
-                        <m:sSub>
-                          <m:sSubPr>
-                            <m:ctrlPr>
-                              <a:rPr lang="en-US" sz="3200" b="0" i="1" smtClean="0">
-                                <a:solidFill>
-                                  <a:srgbClr val="C00000"/>
-                                </a:solidFill>
-                                <a:latin typeface="Cambria Math" panose="02040503050406030204" pitchFamily="18" charset="0"/>
-                              </a:rPr>
-                            </m:ctrlPr>
-                          </m:sSubPr>
-                          <m:e>
-                            <m:r>
-                              <a:rPr lang="en-US" sz="3200" b="0" i="1" smtClean="0">
-                                <a:solidFill>
-                                  <a:srgbClr val="C00000"/>
-                                </a:solidFill>
-                                <a:latin typeface="Cambria Math" panose="02040503050406030204" pitchFamily="18" charset="0"/>
-                              </a:rPr>
-                              <m:t>𝑓</m:t>
-                            </m:r>
-                          </m:e>
-                          <m:sub>
-                            <m:r>
-                              <a:rPr lang="en-US" sz="3200" b="0" i="1" smtClean="0">
-                                <a:solidFill>
-                                  <a:srgbClr val="C00000"/>
-                                </a:solidFill>
-                                <a:latin typeface="Cambria Math" panose="02040503050406030204" pitchFamily="18" charset="0"/>
-                              </a:rPr>
-                              <m:t>𝑖</m:t>
-                            </m:r>
-                          </m:sub>
-                        </m:sSub>
-                      </m:e>
-                    </m:d>
-                    <m:r>
-                      <a:rPr lang="en-US" sz="3200" b="0" i="1" smtClean="0">
-                        <a:solidFill>
-                          <a:srgbClr val="C00000"/>
-                        </a:solidFill>
-                        <a:latin typeface="Cambria Math" panose="02040503050406030204" pitchFamily="18" charset="0"/>
-                      </a:rPr>
-                      <m:t>≤</m:t>
-                    </m:r>
-                    <m:r>
-                      <a:rPr lang="en-US" sz="3200" b="0" i="1" smtClean="0">
-                        <a:solidFill>
-                          <a:srgbClr val="C00000"/>
-                        </a:solidFill>
-                        <a:latin typeface="Cambria Math" panose="02040503050406030204" pitchFamily="18" charset="0"/>
-                      </a:rPr>
-                      <m:t>𝑛</m:t>
-                    </m:r>
-                  </m:oMath>
-                </a14:m>
-                <a:r>
-                  <a:rPr lang="en-US" sz="3200" dirty="0"/>
-                  <a:t> for all </a:t>
-                </a:r>
-                <a14:m>
-                  <m:oMath xmlns:m="http://schemas.openxmlformats.org/officeDocument/2006/math">
-                    <m:r>
-                      <a:rPr lang="en-US" sz="3200" b="0" i="1" smtClean="0">
-                        <a:solidFill>
-                          <a:srgbClr val="C00000"/>
-                        </a:solidFill>
-                        <a:latin typeface="Cambria Math" panose="02040503050406030204" pitchFamily="18" charset="0"/>
-                      </a:rPr>
-                      <m:t>𝑖</m:t>
-                    </m:r>
-                    <m:r>
-                      <a:rPr lang="en-US" sz="3200" b="0" i="1" smtClean="0">
-                        <a:solidFill>
-                          <a:srgbClr val="C00000"/>
-                        </a:solidFill>
-                        <a:latin typeface="Cambria Math" panose="02040503050406030204" pitchFamily="18" charset="0"/>
-                      </a:rPr>
-                      <m:t>∈[</m:t>
-                    </m:r>
-                    <m:r>
-                      <a:rPr lang="en-US" sz="3200" b="0" i="1" smtClean="0">
-                        <a:solidFill>
-                          <a:srgbClr val="C00000"/>
-                        </a:solidFill>
-                        <a:latin typeface="Cambria Math" panose="02040503050406030204" pitchFamily="18" charset="0"/>
-                      </a:rPr>
-                      <m:t>𝑑</m:t>
-                    </m:r>
-                    <m:r>
-                      <a:rPr lang="en-US" sz="3200" b="0" i="1" smtClean="0">
-                        <a:solidFill>
-                          <a:srgbClr val="C00000"/>
-                        </a:solidFill>
-                        <a:latin typeface="Cambria Math" panose="02040503050406030204" pitchFamily="18" charset="0"/>
-                      </a:rPr>
-                      <m:t>]</m:t>
-                    </m:r>
-                  </m:oMath>
-                </a14:m>
-                <a:endParaRPr lang="en-US" sz="3200" dirty="0"/>
-              </a:p>
-              <a:p>
-                <a:pPr>
-                  <a:buClr>
-                    <a:schemeClr val="tx1"/>
-                  </a:buClr>
-                </a:pPr>
-                <a:endParaRPr lang="en-US" sz="3200" dirty="0"/>
-              </a:p>
-              <a:p>
-                <a:pPr>
-                  <a:buClr>
-                    <a:schemeClr val="tx1"/>
-                  </a:buClr>
-                </a:pPr>
-                <a:r>
-                  <a:rPr lang="en-US" sz="3200" dirty="0"/>
-                  <a:t>A linear query is </a:t>
-                </a:r>
-                <a14:m>
-                  <m:oMath xmlns:m="http://schemas.openxmlformats.org/officeDocument/2006/math">
-                    <m:r>
-                      <a:rPr lang="en-US" sz="3200" b="0" i="1" smtClean="0">
-                        <a:solidFill>
-                          <a:srgbClr val="C00000"/>
-                        </a:solidFill>
-                        <a:latin typeface="Cambria Math" panose="02040503050406030204" pitchFamily="18" charset="0"/>
-                      </a:rPr>
-                      <m:t>ℓ</m:t>
-                    </m:r>
-                    <m:d>
-                      <m:dPr>
-                        <m:ctrlPr>
-                          <a:rPr lang="en-US" sz="3200" b="0" i="1" smtClean="0">
-                            <a:solidFill>
-                              <a:srgbClr val="C00000"/>
-                            </a:solidFill>
-                            <a:latin typeface="Cambria Math" panose="02040503050406030204" pitchFamily="18" charset="0"/>
-                          </a:rPr>
-                        </m:ctrlPr>
-                      </m:dPr>
-                      <m:e>
-                        <m:r>
-                          <a:rPr lang="en-US" sz="3200" b="0" i="1" smtClean="0">
-                            <a:solidFill>
-                              <a:srgbClr val="C00000"/>
-                            </a:solidFill>
-                            <a:latin typeface="Cambria Math" panose="02040503050406030204" pitchFamily="18" charset="0"/>
-                          </a:rPr>
-                          <m:t>𝑓</m:t>
-                        </m:r>
-                      </m:e>
-                    </m:d>
-                    <m:r>
-                      <a:rPr lang="en-US" sz="3200" b="0" i="1" smtClean="0">
-                        <a:solidFill>
-                          <a:srgbClr val="C00000"/>
-                        </a:solidFill>
-                        <a:latin typeface="Cambria Math" panose="02040503050406030204" pitchFamily="18" charset="0"/>
-                      </a:rPr>
-                      <m:t>=</m:t>
-                    </m:r>
-                    <m:f>
-                      <m:fPr>
-                        <m:ctrlPr>
-                          <a:rPr lang="en-US" sz="3200" b="0" i="1" smtClean="0">
-                            <a:solidFill>
-                              <a:srgbClr val="C00000"/>
-                            </a:solidFill>
-                            <a:latin typeface="Cambria Math" panose="02040503050406030204" pitchFamily="18" charset="0"/>
-                          </a:rPr>
-                        </m:ctrlPr>
-                      </m:fPr>
-                      <m:num>
-                        <m:r>
-                          <a:rPr lang="en-US" sz="3200" b="0" i="1" smtClean="0">
-                            <a:solidFill>
-                              <a:srgbClr val="C00000"/>
-                            </a:solidFill>
-                            <a:latin typeface="Cambria Math" panose="02040503050406030204" pitchFamily="18" charset="0"/>
-                          </a:rPr>
-                          <m:t>1</m:t>
-                        </m:r>
-                      </m:num>
-                      <m:den>
-                        <m:r>
-                          <a:rPr lang="en-US" sz="3200" b="0" i="1" smtClean="0">
-                            <a:solidFill>
-                              <a:srgbClr val="C00000"/>
-                            </a:solidFill>
-                            <a:latin typeface="Cambria Math" panose="02040503050406030204" pitchFamily="18" charset="0"/>
-                          </a:rPr>
-                          <m:t>𝑛</m:t>
-                        </m:r>
-                      </m:den>
-                    </m:f>
-                    <m:nary>
-                      <m:naryPr>
-                        <m:chr m:val="∑"/>
-                        <m:ctrlPr>
-                          <a:rPr lang="en-US" sz="3200" b="0" i="1" smtClean="0">
-                            <a:solidFill>
-                              <a:srgbClr val="C00000"/>
-                            </a:solidFill>
-                            <a:latin typeface="Cambria Math" panose="02040503050406030204" pitchFamily="18" charset="0"/>
-                          </a:rPr>
-                        </m:ctrlPr>
-                      </m:naryPr>
-                      <m:sub>
-                        <m:r>
-                          <m:rPr>
-                            <m:brk m:alnAt="23"/>
-                          </m:rPr>
-                          <a:rPr lang="en-US" sz="3200" b="0" i="1" smtClean="0">
-                            <a:solidFill>
-                              <a:srgbClr val="C00000"/>
-                            </a:solidFill>
-                            <a:latin typeface="Cambria Math" panose="02040503050406030204" pitchFamily="18" charset="0"/>
-                          </a:rPr>
-                          <m:t>𝑖</m:t>
-                        </m:r>
-                        <m:r>
-                          <a:rPr lang="en-US" sz="3200" b="0" i="1" smtClean="0">
-                            <a:solidFill>
-                              <a:srgbClr val="C00000"/>
-                            </a:solidFill>
-                            <a:latin typeface="Cambria Math" panose="02040503050406030204" pitchFamily="18" charset="0"/>
-                          </a:rPr>
-                          <m:t>=1</m:t>
-                        </m:r>
-                      </m:sub>
-                      <m:sup>
-                        <m:r>
-                          <a:rPr lang="en-US" sz="3200" b="0" i="1" smtClean="0">
-                            <a:solidFill>
-                              <a:srgbClr val="C00000"/>
-                            </a:solidFill>
-                            <a:latin typeface="Cambria Math" panose="02040503050406030204" pitchFamily="18" charset="0"/>
-                          </a:rPr>
-                          <m:t>𝑑</m:t>
-                        </m:r>
-                      </m:sup>
-                      <m:e>
-                        <m:sSub>
-                          <m:sSubPr>
-                            <m:ctrlPr>
-                              <a:rPr lang="en-US" sz="3200" b="0" i="1" smtClean="0">
-                                <a:solidFill>
-                                  <a:srgbClr val="C00000"/>
-                                </a:solidFill>
-                                <a:latin typeface="Cambria Math" panose="02040503050406030204" pitchFamily="18" charset="0"/>
-                              </a:rPr>
-                            </m:ctrlPr>
-                          </m:sSubPr>
-                          <m:e>
-                            <m:r>
-                              <a:rPr lang="en-US" sz="3200" b="0" i="1" smtClean="0">
-                                <a:solidFill>
-                                  <a:srgbClr val="C00000"/>
-                                </a:solidFill>
-                                <a:latin typeface="Cambria Math" panose="02040503050406030204" pitchFamily="18" charset="0"/>
-                              </a:rPr>
-                              <m:t>𝑎</m:t>
-                            </m:r>
-                          </m:e>
-                          <m:sub>
-                            <m:r>
-                              <a:rPr lang="en-US" sz="3200" b="0" i="1" smtClean="0">
-                                <a:solidFill>
-                                  <a:srgbClr val="C00000"/>
-                                </a:solidFill>
-                                <a:latin typeface="Cambria Math" panose="02040503050406030204" pitchFamily="18" charset="0"/>
-                              </a:rPr>
-                              <m:t>𝑖</m:t>
-                            </m:r>
-                          </m:sub>
-                        </m:sSub>
-                        <m:sSub>
-                          <m:sSubPr>
-                            <m:ctrlPr>
-                              <a:rPr lang="en-US" sz="3200" b="0" i="1" smtClean="0">
-                                <a:solidFill>
-                                  <a:srgbClr val="C00000"/>
-                                </a:solidFill>
-                                <a:latin typeface="Cambria Math" panose="02040503050406030204" pitchFamily="18" charset="0"/>
-                              </a:rPr>
-                            </m:ctrlPr>
-                          </m:sSubPr>
-                          <m:e>
-                            <m:r>
-                              <a:rPr lang="en-US" sz="3200" b="0" i="1" smtClean="0">
-                                <a:solidFill>
-                                  <a:srgbClr val="C00000"/>
-                                </a:solidFill>
-                                <a:latin typeface="Cambria Math" panose="02040503050406030204" pitchFamily="18" charset="0"/>
-                              </a:rPr>
-                              <m:t>𝑓</m:t>
-                            </m:r>
-                          </m:e>
-                          <m:sub>
-                            <m:r>
-                              <a:rPr lang="en-US" sz="3200" b="0" i="1" smtClean="0">
-                                <a:solidFill>
-                                  <a:srgbClr val="C00000"/>
-                                </a:solidFill>
-                                <a:latin typeface="Cambria Math" panose="02040503050406030204" pitchFamily="18" charset="0"/>
-                              </a:rPr>
-                              <m:t>𝑖</m:t>
-                            </m:r>
-                          </m:sub>
-                        </m:sSub>
-                      </m:e>
-                    </m:nary>
-                    <m:r>
-                      <a:rPr lang="en-US" sz="3200" b="0" i="1" smtClean="0">
-                        <a:solidFill>
-                          <a:srgbClr val="C00000"/>
-                        </a:solidFill>
-                        <a:latin typeface="Cambria Math" panose="02040503050406030204" pitchFamily="18" charset="0"/>
-                      </a:rPr>
-                      <m:t>=</m:t>
-                    </m:r>
-                    <m:f>
-                      <m:fPr>
-                        <m:ctrlPr>
-                          <a:rPr lang="en-US" sz="3200" b="0" i="1" smtClean="0">
-                            <a:solidFill>
-                              <a:srgbClr val="C00000"/>
-                            </a:solidFill>
-                            <a:latin typeface="Cambria Math" panose="02040503050406030204" pitchFamily="18" charset="0"/>
-                          </a:rPr>
-                        </m:ctrlPr>
-                      </m:fPr>
-                      <m:num>
-                        <m:r>
-                          <a:rPr lang="en-US" sz="3200" b="0" i="1" smtClean="0">
-                            <a:solidFill>
-                              <a:srgbClr val="C00000"/>
-                            </a:solidFill>
-                            <a:latin typeface="Cambria Math" panose="02040503050406030204" pitchFamily="18" charset="0"/>
-                          </a:rPr>
-                          <m:t>1</m:t>
-                        </m:r>
-                      </m:num>
-                      <m:den>
-                        <m:r>
-                          <a:rPr lang="en-US" sz="3200" b="0" i="1" smtClean="0">
-                            <a:solidFill>
-                              <a:srgbClr val="C00000"/>
-                            </a:solidFill>
-                            <a:latin typeface="Cambria Math" panose="02040503050406030204" pitchFamily="18" charset="0"/>
-                          </a:rPr>
-                          <m:t>𝑛</m:t>
-                        </m:r>
-                      </m:den>
-                    </m:f>
-                    <m:d>
-                      <m:dPr>
-                        <m:ctrlPr>
-                          <a:rPr lang="en-US" sz="3200" b="0" i="1" smtClean="0">
-                            <a:solidFill>
-                              <a:srgbClr val="C00000"/>
-                            </a:solidFill>
-                            <a:latin typeface="Cambria Math" panose="02040503050406030204" pitchFamily="18" charset="0"/>
-                          </a:rPr>
-                        </m:ctrlPr>
-                      </m:dPr>
-                      <m:e>
-                        <m:sSub>
-                          <m:sSubPr>
-                            <m:ctrlPr>
-                              <a:rPr lang="en-US" sz="3200" b="0" i="1" smtClean="0">
-                                <a:solidFill>
-                                  <a:srgbClr val="C00000"/>
-                                </a:solidFill>
-                                <a:latin typeface="Cambria Math" panose="02040503050406030204" pitchFamily="18" charset="0"/>
-                              </a:rPr>
-                            </m:ctrlPr>
-                          </m:sSubPr>
-                          <m:e>
-                            <m:r>
-                              <a:rPr lang="en-US" sz="3200" b="0" i="1" smtClean="0">
-                                <a:solidFill>
-                                  <a:srgbClr val="C00000"/>
-                                </a:solidFill>
-                                <a:latin typeface="Cambria Math" panose="02040503050406030204" pitchFamily="18" charset="0"/>
-                              </a:rPr>
-                              <m:t>𝑎</m:t>
-                            </m:r>
-                          </m:e>
-                          <m:sub>
-                            <m:r>
-                              <a:rPr lang="en-US" sz="3200" b="0" i="1" smtClean="0">
-                                <a:solidFill>
-                                  <a:srgbClr val="C00000"/>
-                                </a:solidFill>
-                                <a:latin typeface="Cambria Math" panose="02040503050406030204" pitchFamily="18" charset="0"/>
-                              </a:rPr>
-                              <m:t>1</m:t>
-                            </m:r>
-                          </m:sub>
-                        </m:sSub>
-                        <m:sSub>
-                          <m:sSubPr>
-                            <m:ctrlPr>
-                              <a:rPr lang="en-US" sz="3200" b="0" i="1" smtClean="0">
-                                <a:solidFill>
-                                  <a:srgbClr val="C00000"/>
-                                </a:solidFill>
-                                <a:latin typeface="Cambria Math" panose="02040503050406030204" pitchFamily="18" charset="0"/>
-                              </a:rPr>
-                            </m:ctrlPr>
-                          </m:sSubPr>
-                          <m:e>
-                            <m:r>
-                              <a:rPr lang="en-US" sz="3200" b="0" i="1" smtClean="0">
-                                <a:solidFill>
-                                  <a:srgbClr val="C00000"/>
-                                </a:solidFill>
-                                <a:latin typeface="Cambria Math" panose="02040503050406030204" pitchFamily="18" charset="0"/>
-                              </a:rPr>
-                              <m:t>𝑓</m:t>
-                            </m:r>
-                          </m:e>
-                          <m:sub>
-                            <m:r>
-                              <a:rPr lang="en-US" sz="3200" b="0" i="1" smtClean="0">
-                                <a:solidFill>
-                                  <a:srgbClr val="C00000"/>
-                                </a:solidFill>
-                                <a:latin typeface="Cambria Math" panose="02040503050406030204" pitchFamily="18" charset="0"/>
-                              </a:rPr>
-                              <m:t>1</m:t>
-                            </m:r>
-                          </m:sub>
-                        </m:sSub>
-                        <m:r>
-                          <a:rPr lang="en-US" sz="3200" b="0" i="1" smtClean="0">
-                            <a:solidFill>
-                              <a:srgbClr val="C00000"/>
-                            </a:solidFill>
-                            <a:latin typeface="Cambria Math" panose="02040503050406030204" pitchFamily="18" charset="0"/>
-                          </a:rPr>
-                          <m:t>+ …+</m:t>
-                        </m:r>
-                        <m:sSub>
-                          <m:sSubPr>
-                            <m:ctrlPr>
-                              <a:rPr lang="en-US" sz="3200" b="0" i="1" smtClean="0">
-                                <a:solidFill>
-                                  <a:srgbClr val="C00000"/>
-                                </a:solidFill>
-                                <a:latin typeface="Cambria Math" panose="02040503050406030204" pitchFamily="18" charset="0"/>
-                              </a:rPr>
-                            </m:ctrlPr>
-                          </m:sSubPr>
-                          <m:e>
-                            <m:r>
-                              <a:rPr lang="en-US" sz="3200" b="0" i="1" smtClean="0">
-                                <a:solidFill>
-                                  <a:srgbClr val="C00000"/>
-                                </a:solidFill>
-                                <a:latin typeface="Cambria Math" panose="02040503050406030204" pitchFamily="18" charset="0"/>
-                              </a:rPr>
-                              <m:t>𝑎</m:t>
-                            </m:r>
-                          </m:e>
-                          <m:sub>
-                            <m:r>
-                              <a:rPr lang="en-US" sz="3200" b="0" i="1" smtClean="0">
-                                <a:solidFill>
-                                  <a:srgbClr val="C00000"/>
-                                </a:solidFill>
-                                <a:latin typeface="Cambria Math" panose="02040503050406030204" pitchFamily="18" charset="0"/>
-                              </a:rPr>
-                              <m:t>𝑑</m:t>
-                            </m:r>
-                          </m:sub>
-                        </m:sSub>
-                        <m:sSub>
-                          <m:sSubPr>
-                            <m:ctrlPr>
-                              <a:rPr lang="en-US" sz="3200" b="0" i="1" smtClean="0">
-                                <a:solidFill>
-                                  <a:srgbClr val="C00000"/>
-                                </a:solidFill>
-                                <a:latin typeface="Cambria Math" panose="02040503050406030204" pitchFamily="18" charset="0"/>
-                              </a:rPr>
-                            </m:ctrlPr>
-                          </m:sSubPr>
-                          <m:e>
-                            <m:r>
-                              <a:rPr lang="en-US" sz="3200" b="0" i="1" smtClean="0">
-                                <a:solidFill>
-                                  <a:srgbClr val="C00000"/>
-                                </a:solidFill>
-                                <a:latin typeface="Cambria Math" panose="02040503050406030204" pitchFamily="18" charset="0"/>
-                              </a:rPr>
-                              <m:t>𝑓</m:t>
-                            </m:r>
-                          </m:e>
-                          <m:sub>
-                            <m:r>
-                              <a:rPr lang="en-US" sz="3200" b="0" i="1" smtClean="0">
-                                <a:solidFill>
-                                  <a:srgbClr val="C00000"/>
-                                </a:solidFill>
-                                <a:latin typeface="Cambria Math" panose="02040503050406030204" pitchFamily="18" charset="0"/>
-                              </a:rPr>
-                              <m:t>𝑑</m:t>
-                            </m:r>
-                          </m:sub>
-                        </m:sSub>
-                      </m:e>
-                    </m:d>
-                  </m:oMath>
-                </a14:m>
-                <a:endParaRPr lang="en-US" sz="3200" dirty="0"/>
-              </a:p>
-              <a:p>
-                <a:pPr>
-                  <a:buClr>
-                    <a:schemeClr val="tx1"/>
-                  </a:buClr>
-                </a:pPr>
-                <a:r>
-                  <a:rPr lang="en-US" sz="3200" dirty="0"/>
-                  <a:t>Suppose we have a set </a:t>
-                </a:r>
-                <a14:m>
-                  <m:oMath xmlns:m="http://schemas.openxmlformats.org/officeDocument/2006/math">
-                    <m:r>
-                      <a:rPr lang="en-US" sz="3200" b="0" i="1" smtClean="0">
-                        <a:solidFill>
-                          <a:srgbClr val="C00000"/>
-                        </a:solidFill>
-                        <a:latin typeface="Cambria Math" panose="02040503050406030204" pitchFamily="18" charset="0"/>
-                      </a:rPr>
-                      <m:t>𝑄</m:t>
-                    </m:r>
-                  </m:oMath>
-                </a14:m>
-                <a:r>
-                  <a:rPr lang="en-US" sz="3200" dirty="0"/>
-                  <a:t> of </a:t>
-                </a:r>
-                <a14:m>
-                  <m:oMath xmlns:m="http://schemas.openxmlformats.org/officeDocument/2006/math">
-                    <m:r>
-                      <a:rPr lang="en-US" sz="3200" b="0" i="1" smtClean="0">
-                        <a:solidFill>
-                          <a:srgbClr val="C00000"/>
-                        </a:solidFill>
-                        <a:latin typeface="Cambria Math" panose="02040503050406030204" pitchFamily="18" charset="0"/>
-                      </a:rPr>
-                      <m:t>𝑞</m:t>
-                    </m:r>
-                  </m:oMath>
-                </a14:m>
-                <a:r>
-                  <a:rPr lang="en-US" sz="3200" dirty="0"/>
-                  <a:t> queries on a database </a:t>
-                </a:r>
-                <a14:m>
-                  <m:oMath xmlns:m="http://schemas.openxmlformats.org/officeDocument/2006/math">
-                    <m:r>
-                      <a:rPr lang="en-US" sz="3200" i="1">
-                        <a:solidFill>
-                          <a:srgbClr val="C00000"/>
-                        </a:solidFill>
-                        <a:latin typeface="Cambria Math" panose="02040503050406030204" pitchFamily="18" charset="0"/>
-                      </a:rPr>
-                      <m:t>𝐷</m:t>
-                    </m:r>
-                  </m:oMath>
-                </a14:m>
-                <a:endParaRPr lang="en-US" sz="3200" dirty="0"/>
-              </a:p>
-              <a:p>
-                <a:pPr>
-                  <a:buClr>
-                    <a:schemeClr val="tx1"/>
-                  </a:buClr>
-                </a:pPr>
-                <a:r>
-                  <a:rPr lang="en-US" sz="3200" dirty="0"/>
-                  <a:t>How do we privately answer the queries?</a:t>
-                </a:r>
-              </a:p>
-            </p:txBody>
-          </p:sp>
-        </mc:Choice>
-        <mc:Fallback>
-          <p:sp>
-            <p:nvSpPr>
-              <p:cNvPr id="5" name="Content Placeholder 3">
-                <a:extLst>
-                  <a:ext uri="{FF2B5EF4-FFF2-40B4-BE49-F238E27FC236}">
-                    <a16:creationId xmlns:a16="http://schemas.microsoft.com/office/drawing/2014/main" id="{46EDD9D9-1338-4BC5-9D28-964A84C143C2}"/>
-                  </a:ext>
-                </a:extLst>
-              </p:cNvPr>
-              <p:cNvSpPr>
-                <a:spLocks noGrp="1" noRot="1" noChangeAspect="1" noMove="1" noResize="1" noEditPoints="1" noAdjustHandles="1" noChangeArrowheads="1" noChangeShapeType="1" noTextEdit="1"/>
-              </p:cNvSpPr>
-              <p:nvPr>
-                <p:ph idx="1"/>
-              </p:nvPr>
-            </p:nvSpPr>
-            <p:spPr>
-              <a:xfrm>
-                <a:off x="838200" y="1825624"/>
-                <a:ext cx="10242755" cy="4342094"/>
-              </a:xfrm>
-              <a:blipFill>
-                <a:blip r:embed="rId3"/>
-                <a:stretch>
-                  <a:fillRect l="-1369" t="-2805" r="-595" b="-6592"/>
-                </a:stretch>
-              </a:blipFill>
-            </p:spPr>
-            <p:txBody>
-              <a:bodyPr/>
-              <a:lstStyle/>
-              <a:p>
-                <a:r>
-                  <a:rPr lang="en-US">
-                    <a:noFill/>
-                  </a:rPr>
-                  <a:t> </a:t>
-                </a:r>
-              </a:p>
-            </p:txBody>
-          </p:sp>
-        </mc:Fallback>
-      </mc:AlternateContent>
-    </p:spTree>
-    <p:extLst>
-      <p:ext uri="{BB962C8B-B14F-4D97-AF65-F5344CB8AC3E}">
-        <p14:creationId xmlns:p14="http://schemas.microsoft.com/office/powerpoint/2010/main" val="475254735"/>
-      </p:ext>
-    </p:extLst>
-  </p:cSld>
-  <p:clrMapOvr>
-    <a:masterClrMapping/>
-  </p:clrMapOvr>
-</p:sld>
-</file>
-
-<file path=ppt/slides/slide29.xml><?xml version="1.0" encoding="utf-8"?>
-<p:sld xmlns:a="http://schemas.openxmlformats.org/drawingml/2006/main" xmlns:r="http://schemas.openxmlformats.org/officeDocument/2006/relationships" xmlns:p="http://schemas.openxmlformats.org/presentationml/2006/main">
-  <p:cSld>
-    <p:spTree>
-      <p:nvGrpSpPr>
-        <p:cNvPr id="1" name=""/>
-        <p:cNvGrpSpPr/>
-        <p:nvPr/>
-      </p:nvGrpSpPr>
-      <p:grpSpPr>
-        <a:xfrm>
-          <a:off x="0" y="0"/>
-          <a:ext cx="0" cy="0"/>
-          <a:chOff x="0" y="0"/>
-          <a:chExt cx="0" cy="0"/>
-        </a:xfrm>
-      </p:grpSpPr>
-      <p:sp>
-        <p:nvSpPr>
-          <p:cNvPr id="2" name="Title 1">
-            <a:extLst>
-              <a:ext uri="{FF2B5EF4-FFF2-40B4-BE49-F238E27FC236}">
-                <a16:creationId xmlns:a16="http://schemas.microsoft.com/office/drawing/2014/main" id="{B17419AC-DCE6-4371-8DE2-D617E99D653D}"/>
-              </a:ext>
-            </a:extLst>
-          </p:cNvPr>
-          <p:cNvSpPr>
-            <a:spLocks noGrp="1"/>
-          </p:cNvSpPr>
-          <p:nvPr>
-            <p:ph type="title"/>
-          </p:nvPr>
-        </p:nvSpPr>
-        <p:spPr/>
-        <p:txBody>
-          <a:bodyPr/>
-          <a:lstStyle/>
-          <a:p>
-            <a:r>
-              <a:rPr lang="en-US" dirty="0">
-                <a:solidFill>
-                  <a:srgbClr val="C00000"/>
-                </a:solidFill>
-              </a:rPr>
-              <a:t>Counting Queries</a:t>
-            </a:r>
-          </a:p>
-        </p:txBody>
-      </p:sp>
-      <p:sp>
-        <p:nvSpPr>
-          <p:cNvPr id="5" name="Content Placeholder 3">
-            <a:extLst>
-              <a:ext uri="{FF2B5EF4-FFF2-40B4-BE49-F238E27FC236}">
-                <a16:creationId xmlns:a16="http://schemas.microsoft.com/office/drawing/2014/main" id="{46EDD9D9-1338-4BC5-9D28-964A84C143C2}"/>
-              </a:ext>
-            </a:extLst>
-          </p:cNvPr>
-          <p:cNvSpPr>
-            <a:spLocks noGrp="1"/>
-          </p:cNvSpPr>
-          <p:nvPr>
-            <p:ph idx="1"/>
-          </p:nvPr>
-        </p:nvSpPr>
-        <p:spPr>
-          <a:xfrm>
-            <a:off x="838200" y="1825624"/>
-            <a:ext cx="10242755" cy="4342094"/>
-          </a:xfrm>
-        </p:spPr>
-        <p:txBody>
-          <a:bodyPr>
-            <a:noAutofit/>
-          </a:bodyPr>
-          <a:lstStyle/>
-          <a:p>
-            <a:pPr>
-              <a:buClr>
-                <a:schemeClr val="tx1"/>
-              </a:buClr>
-            </a:pPr>
-            <a:r>
-              <a:rPr lang="en-US" sz="3200" dirty="0"/>
-              <a:t>How many people in this class have pets?</a:t>
-            </a:r>
-          </a:p>
-          <a:p>
-            <a:pPr>
-              <a:buClr>
-                <a:schemeClr val="tx1"/>
-              </a:buClr>
-            </a:pPr>
-            <a:r>
-              <a:rPr lang="en-US" sz="3200" dirty="0"/>
-              <a:t>How many people in this class besides the instructor have pets?</a:t>
-            </a:r>
-          </a:p>
-          <a:p>
-            <a:pPr>
-              <a:buClr>
-                <a:schemeClr val="tx1"/>
-              </a:buClr>
-            </a:pPr>
-            <a:endParaRPr lang="en-US" sz="3200" dirty="0"/>
-          </a:p>
-          <a:p>
-            <a:pPr>
-              <a:buClr>
-                <a:schemeClr val="tx1"/>
-              </a:buClr>
-            </a:pPr>
-            <a:endParaRPr lang="en-US" sz="3200" dirty="0"/>
-          </a:p>
-          <a:p>
-            <a:pPr>
-              <a:buClr>
-                <a:schemeClr val="tx1"/>
-              </a:buClr>
-            </a:pPr>
-            <a:r>
-              <a:rPr lang="en-US" sz="3200" dirty="0">
-                <a:solidFill>
-                  <a:srgbClr val="00B050"/>
-                </a:solidFill>
-              </a:rPr>
-              <a:t>Intuition</a:t>
-            </a:r>
-            <a:r>
-              <a:rPr lang="en-US" sz="3200" dirty="0"/>
-              <a:t>: we do not need to use additional privacy budget to answer the second query</a:t>
-            </a:r>
-          </a:p>
-        </p:txBody>
-      </p:sp>
-    </p:spTree>
-    <p:extLst>
-      <p:ext uri="{BB962C8B-B14F-4D97-AF65-F5344CB8AC3E}">
-        <p14:creationId xmlns:p14="http://schemas.microsoft.com/office/powerpoint/2010/main" val="977995406"/>
-      </p:ext>
-    </p:extLst>
-  </p:cSld>
-  <p:clrMapOvr>
-    <a:masterClrMapping/>
-  </p:clrMapOvr>
-</p:sld>
-</file>
-
 <file path=ppt/slides/slide3.xml><?xml version="1.0" encoding="utf-8"?>
 <p:sld xmlns:a="http://schemas.openxmlformats.org/drawingml/2006/main" xmlns:r="http://schemas.openxmlformats.org/officeDocument/2006/relationships" xmlns:p="http://schemas.openxmlformats.org/presentationml/2006/main">
   <p:cSld>
@@ -17661,8 +15365,8 @@
           </a:p>
         </p:txBody>
       </p:sp>
-      <mc:AlternateContent xmlns:mc="http://schemas.openxmlformats.org/markup-compatibility/2006" xmlns:a14="http://schemas.microsoft.com/office/drawing/2010/main">
-        <mc:Choice Requires="a14">
+      <mc:AlternateContent xmlns:mc="http://schemas.openxmlformats.org/markup-compatibility/2006">
+        <mc:Choice xmlns:a14="http://schemas.microsoft.com/office/drawing/2010/main" Requires="a14">
           <p:sp>
             <p:nvSpPr>
               <p:cNvPr id="5" name="Content Placeholder 3">
@@ -17955,7 +15659,7 @@
                 </a14:m>
                 <a:r>
                   <a:rPr lang="en-US" sz="3200" dirty="0"/>
-                  <a:t> of dataset, and for all </a:t>
+                  <a:t> of datasets, and for all </a:t>
                 </a:r>
                 <a14:m>
                   <m:oMath xmlns:m="http://schemas.openxmlformats.org/officeDocument/2006/math">
@@ -17996,7 +15700,7 @@
             </p:txBody>
           </p:sp>
         </mc:Choice>
-        <mc:Fallback xmlns="">
+        <mc:Fallback>
           <p:sp>
             <p:nvSpPr>
               <p:cNvPr id="5" name="Content Placeholder 3">
@@ -18791,2816 +16495,6 @@
 </p:sld>
 </file>
 
-<file path=ppt/slides/slide30.xml><?xml version="1.0" encoding="utf-8"?>
-<p:sld xmlns:a="http://schemas.openxmlformats.org/drawingml/2006/main" xmlns:r="http://schemas.openxmlformats.org/officeDocument/2006/relationships" xmlns:p="http://schemas.openxmlformats.org/presentationml/2006/main">
-  <p:cSld>
-    <p:spTree>
-      <p:nvGrpSpPr>
-        <p:cNvPr id="1" name=""/>
-        <p:cNvGrpSpPr/>
-        <p:nvPr/>
-      </p:nvGrpSpPr>
-      <p:grpSpPr>
-        <a:xfrm>
-          <a:off x="0" y="0"/>
-          <a:ext cx="0" cy="0"/>
-          <a:chOff x="0" y="0"/>
-          <a:chExt cx="0" cy="0"/>
-        </a:xfrm>
-      </p:grpSpPr>
-      <p:sp>
-        <p:nvSpPr>
-          <p:cNvPr id="2" name="Title 1">
-            <a:extLst>
-              <a:ext uri="{FF2B5EF4-FFF2-40B4-BE49-F238E27FC236}">
-                <a16:creationId xmlns:a16="http://schemas.microsoft.com/office/drawing/2014/main" id="{B17419AC-DCE6-4371-8DE2-D617E99D653D}"/>
-              </a:ext>
-            </a:extLst>
-          </p:cNvPr>
-          <p:cNvSpPr>
-            <a:spLocks noGrp="1"/>
-          </p:cNvSpPr>
-          <p:nvPr>
-            <p:ph type="title"/>
-          </p:nvPr>
-        </p:nvSpPr>
-        <p:spPr/>
-        <p:txBody>
-          <a:bodyPr/>
-          <a:lstStyle/>
-          <a:p>
-            <a:r>
-              <a:rPr lang="en-US" dirty="0">
-                <a:solidFill>
-                  <a:srgbClr val="C00000"/>
-                </a:solidFill>
-              </a:rPr>
-              <a:t>Linear Queries</a:t>
-            </a:r>
-          </a:p>
-        </p:txBody>
-      </p:sp>
-      <mc:AlternateContent xmlns:mc="http://schemas.openxmlformats.org/markup-compatibility/2006">
-        <mc:Choice xmlns:a14="http://schemas.microsoft.com/office/drawing/2010/main" Requires="a14">
-          <p:sp>
-            <p:nvSpPr>
-              <p:cNvPr id="5" name="Content Placeholder 3">
-                <a:extLst>
-                  <a:ext uri="{FF2B5EF4-FFF2-40B4-BE49-F238E27FC236}">
-                    <a16:creationId xmlns:a16="http://schemas.microsoft.com/office/drawing/2014/main" id="{46EDD9D9-1338-4BC5-9D28-964A84C143C2}"/>
-                  </a:ext>
-                </a:extLst>
-              </p:cNvPr>
-              <p:cNvSpPr>
-                <a:spLocks noGrp="1"/>
-              </p:cNvSpPr>
-              <p:nvPr>
-                <p:ph idx="1"/>
-              </p:nvPr>
-            </p:nvSpPr>
-            <p:spPr>
-              <a:xfrm>
-                <a:off x="838200" y="1825624"/>
-                <a:ext cx="10242755" cy="4342094"/>
-              </a:xfrm>
-            </p:spPr>
-            <p:txBody>
-              <a:bodyPr>
-                <a:noAutofit/>
-              </a:bodyPr>
-              <a:lstStyle/>
-              <a:p>
-                <a:pPr>
-                  <a:buClr>
-                    <a:schemeClr val="tx1"/>
-                  </a:buClr>
-                </a:pPr>
-                <a:r>
-                  <a:rPr lang="en-US" sz="3200" dirty="0"/>
-                  <a:t>Let </a:t>
-                </a:r>
-                <a14:m>
-                  <m:oMath xmlns:m="http://schemas.openxmlformats.org/officeDocument/2006/math">
-                    <m:r>
-                      <a:rPr lang="en-US" sz="3200" i="1">
-                        <a:solidFill>
-                          <a:srgbClr val="C00000"/>
-                        </a:solidFill>
-                        <a:latin typeface="Cambria Math" panose="02040503050406030204" pitchFamily="18" charset="0"/>
-                      </a:rPr>
-                      <m:t>𝐷</m:t>
-                    </m:r>
-                  </m:oMath>
-                </a14:m>
-                <a:r>
-                  <a:rPr lang="en-US" sz="3200" dirty="0"/>
-                  <a:t> be a database for </a:t>
-                </a:r>
-                <a14:m>
-                  <m:oMath xmlns:m="http://schemas.openxmlformats.org/officeDocument/2006/math">
-                    <m:r>
-                      <a:rPr lang="en-US" sz="3200" b="0" i="1" smtClean="0">
-                        <a:solidFill>
-                          <a:srgbClr val="C00000"/>
-                        </a:solidFill>
-                        <a:latin typeface="Cambria Math" panose="02040503050406030204" pitchFamily="18" charset="0"/>
-                      </a:rPr>
-                      <m:t>𝑑</m:t>
-                    </m:r>
-                  </m:oMath>
-                </a14:m>
-                <a:r>
-                  <a:rPr lang="en-US" sz="3200" dirty="0"/>
-                  <a:t> features on </a:t>
-                </a:r>
-                <a14:m>
-                  <m:oMath xmlns:m="http://schemas.openxmlformats.org/officeDocument/2006/math">
-                    <m:r>
-                      <a:rPr lang="en-US" sz="3200" b="0" i="1" smtClean="0">
-                        <a:solidFill>
-                          <a:srgbClr val="C00000"/>
-                        </a:solidFill>
-                        <a:latin typeface="Cambria Math" panose="02040503050406030204" pitchFamily="18" charset="0"/>
-                      </a:rPr>
-                      <m:t>𝑛</m:t>
-                    </m:r>
-                  </m:oMath>
-                </a14:m>
-                <a:r>
-                  <a:rPr lang="en-US" sz="3200" dirty="0"/>
-                  <a:t> users</a:t>
-                </a:r>
-              </a:p>
-              <a:p>
-                <a:pPr>
-                  <a:buClr>
-                    <a:schemeClr val="tx1"/>
-                  </a:buClr>
-                </a:pPr>
-                <a:r>
-                  <a:rPr lang="en-US" sz="3200" dirty="0"/>
-                  <a:t>A linear query is </a:t>
-                </a:r>
-                <a14:m>
-                  <m:oMath xmlns:m="http://schemas.openxmlformats.org/officeDocument/2006/math">
-                    <m:r>
-                      <a:rPr lang="en-US" sz="3200" b="0" i="1" smtClean="0">
-                        <a:solidFill>
-                          <a:srgbClr val="C00000"/>
-                        </a:solidFill>
-                        <a:latin typeface="Cambria Math" panose="02040503050406030204" pitchFamily="18" charset="0"/>
-                      </a:rPr>
-                      <m:t>ℓ</m:t>
-                    </m:r>
-                    <m:d>
-                      <m:dPr>
-                        <m:ctrlPr>
-                          <a:rPr lang="en-US" sz="3200" b="0" i="1" smtClean="0">
-                            <a:solidFill>
-                              <a:srgbClr val="C00000"/>
-                            </a:solidFill>
-                            <a:latin typeface="Cambria Math" panose="02040503050406030204" pitchFamily="18" charset="0"/>
-                          </a:rPr>
-                        </m:ctrlPr>
-                      </m:dPr>
-                      <m:e>
-                        <m:r>
-                          <a:rPr lang="en-US" sz="3200" b="0" i="1" smtClean="0">
-                            <a:solidFill>
-                              <a:srgbClr val="C00000"/>
-                            </a:solidFill>
-                            <a:latin typeface="Cambria Math" panose="02040503050406030204" pitchFamily="18" charset="0"/>
-                          </a:rPr>
-                          <m:t>𝑓</m:t>
-                        </m:r>
-                      </m:e>
-                    </m:d>
-                    <m:r>
-                      <a:rPr lang="en-US" sz="3200" b="0" i="1" smtClean="0">
-                        <a:solidFill>
-                          <a:srgbClr val="C00000"/>
-                        </a:solidFill>
-                        <a:latin typeface="Cambria Math" panose="02040503050406030204" pitchFamily="18" charset="0"/>
-                      </a:rPr>
-                      <m:t>=</m:t>
-                    </m:r>
-                    <m:f>
-                      <m:fPr>
-                        <m:ctrlPr>
-                          <a:rPr lang="en-US" sz="3200" b="0" i="1" smtClean="0">
-                            <a:solidFill>
-                              <a:srgbClr val="C00000"/>
-                            </a:solidFill>
-                            <a:latin typeface="Cambria Math" panose="02040503050406030204" pitchFamily="18" charset="0"/>
-                          </a:rPr>
-                        </m:ctrlPr>
-                      </m:fPr>
-                      <m:num>
-                        <m:r>
-                          <a:rPr lang="en-US" sz="3200" b="0" i="1" smtClean="0">
-                            <a:solidFill>
-                              <a:srgbClr val="C00000"/>
-                            </a:solidFill>
-                            <a:latin typeface="Cambria Math" panose="02040503050406030204" pitchFamily="18" charset="0"/>
-                          </a:rPr>
-                          <m:t>1</m:t>
-                        </m:r>
-                      </m:num>
-                      <m:den>
-                        <m:r>
-                          <a:rPr lang="en-US" sz="3200" b="0" i="1" smtClean="0">
-                            <a:solidFill>
-                              <a:srgbClr val="C00000"/>
-                            </a:solidFill>
-                            <a:latin typeface="Cambria Math" panose="02040503050406030204" pitchFamily="18" charset="0"/>
-                          </a:rPr>
-                          <m:t>𝑛</m:t>
-                        </m:r>
-                      </m:den>
-                    </m:f>
-                    <m:nary>
-                      <m:naryPr>
-                        <m:chr m:val="∑"/>
-                        <m:ctrlPr>
-                          <a:rPr lang="en-US" sz="3200" b="0" i="1" smtClean="0">
-                            <a:solidFill>
-                              <a:srgbClr val="C00000"/>
-                            </a:solidFill>
-                            <a:latin typeface="Cambria Math" panose="02040503050406030204" pitchFamily="18" charset="0"/>
-                          </a:rPr>
-                        </m:ctrlPr>
-                      </m:naryPr>
-                      <m:sub>
-                        <m:r>
-                          <m:rPr>
-                            <m:brk m:alnAt="23"/>
-                          </m:rPr>
-                          <a:rPr lang="en-US" sz="3200" b="0" i="1" smtClean="0">
-                            <a:solidFill>
-                              <a:srgbClr val="C00000"/>
-                            </a:solidFill>
-                            <a:latin typeface="Cambria Math" panose="02040503050406030204" pitchFamily="18" charset="0"/>
-                          </a:rPr>
-                          <m:t>𝑖</m:t>
-                        </m:r>
-                        <m:r>
-                          <a:rPr lang="en-US" sz="3200" b="0" i="1" smtClean="0">
-                            <a:solidFill>
-                              <a:srgbClr val="C00000"/>
-                            </a:solidFill>
-                            <a:latin typeface="Cambria Math" panose="02040503050406030204" pitchFamily="18" charset="0"/>
-                          </a:rPr>
-                          <m:t>=1</m:t>
-                        </m:r>
-                      </m:sub>
-                      <m:sup>
-                        <m:r>
-                          <a:rPr lang="en-US" sz="3200" b="0" i="1" smtClean="0">
-                            <a:solidFill>
-                              <a:srgbClr val="C00000"/>
-                            </a:solidFill>
-                            <a:latin typeface="Cambria Math" panose="02040503050406030204" pitchFamily="18" charset="0"/>
-                          </a:rPr>
-                          <m:t>𝑑</m:t>
-                        </m:r>
-                      </m:sup>
-                      <m:e>
-                        <m:sSub>
-                          <m:sSubPr>
-                            <m:ctrlPr>
-                              <a:rPr lang="en-US" sz="3200" b="0" i="1" smtClean="0">
-                                <a:solidFill>
-                                  <a:srgbClr val="C00000"/>
-                                </a:solidFill>
-                                <a:latin typeface="Cambria Math" panose="02040503050406030204" pitchFamily="18" charset="0"/>
-                              </a:rPr>
-                            </m:ctrlPr>
-                          </m:sSubPr>
-                          <m:e>
-                            <m:r>
-                              <a:rPr lang="en-US" sz="3200" b="0" i="1" smtClean="0">
-                                <a:solidFill>
-                                  <a:srgbClr val="C00000"/>
-                                </a:solidFill>
-                                <a:latin typeface="Cambria Math" panose="02040503050406030204" pitchFamily="18" charset="0"/>
-                              </a:rPr>
-                              <m:t>𝑎</m:t>
-                            </m:r>
-                          </m:e>
-                          <m:sub>
-                            <m:r>
-                              <a:rPr lang="en-US" sz="3200" b="0" i="1" smtClean="0">
-                                <a:solidFill>
-                                  <a:srgbClr val="C00000"/>
-                                </a:solidFill>
-                                <a:latin typeface="Cambria Math" panose="02040503050406030204" pitchFamily="18" charset="0"/>
-                              </a:rPr>
-                              <m:t>𝑖</m:t>
-                            </m:r>
-                          </m:sub>
-                        </m:sSub>
-                        <m:sSub>
-                          <m:sSubPr>
-                            <m:ctrlPr>
-                              <a:rPr lang="en-US" sz="3200" b="0" i="1" smtClean="0">
-                                <a:solidFill>
-                                  <a:srgbClr val="C00000"/>
-                                </a:solidFill>
-                                <a:latin typeface="Cambria Math" panose="02040503050406030204" pitchFamily="18" charset="0"/>
-                              </a:rPr>
-                            </m:ctrlPr>
-                          </m:sSubPr>
-                          <m:e>
-                            <m:r>
-                              <a:rPr lang="en-US" sz="3200" b="0" i="1" smtClean="0">
-                                <a:solidFill>
-                                  <a:srgbClr val="C00000"/>
-                                </a:solidFill>
-                                <a:latin typeface="Cambria Math" panose="02040503050406030204" pitchFamily="18" charset="0"/>
-                              </a:rPr>
-                              <m:t>𝑓</m:t>
-                            </m:r>
-                          </m:e>
-                          <m:sub>
-                            <m:r>
-                              <a:rPr lang="en-US" sz="3200" b="0" i="1" smtClean="0">
-                                <a:solidFill>
-                                  <a:srgbClr val="C00000"/>
-                                </a:solidFill>
-                                <a:latin typeface="Cambria Math" panose="02040503050406030204" pitchFamily="18" charset="0"/>
-                              </a:rPr>
-                              <m:t>𝑖</m:t>
-                            </m:r>
-                          </m:sub>
-                        </m:sSub>
-                      </m:e>
-                    </m:nary>
-                    <m:r>
-                      <a:rPr lang="en-US" sz="3200" b="0" i="1" smtClean="0">
-                        <a:solidFill>
-                          <a:srgbClr val="C00000"/>
-                        </a:solidFill>
-                        <a:latin typeface="Cambria Math" panose="02040503050406030204" pitchFamily="18" charset="0"/>
-                      </a:rPr>
-                      <m:t>=</m:t>
-                    </m:r>
-                    <m:f>
-                      <m:fPr>
-                        <m:ctrlPr>
-                          <a:rPr lang="en-US" sz="3200" b="0" i="1" smtClean="0">
-                            <a:solidFill>
-                              <a:srgbClr val="C00000"/>
-                            </a:solidFill>
-                            <a:latin typeface="Cambria Math" panose="02040503050406030204" pitchFamily="18" charset="0"/>
-                          </a:rPr>
-                        </m:ctrlPr>
-                      </m:fPr>
-                      <m:num>
-                        <m:r>
-                          <a:rPr lang="en-US" sz="3200" b="0" i="1" smtClean="0">
-                            <a:solidFill>
-                              <a:srgbClr val="C00000"/>
-                            </a:solidFill>
-                            <a:latin typeface="Cambria Math" panose="02040503050406030204" pitchFamily="18" charset="0"/>
-                          </a:rPr>
-                          <m:t>1</m:t>
-                        </m:r>
-                      </m:num>
-                      <m:den>
-                        <m:r>
-                          <a:rPr lang="en-US" sz="3200" b="0" i="1" smtClean="0">
-                            <a:solidFill>
-                              <a:srgbClr val="C00000"/>
-                            </a:solidFill>
-                            <a:latin typeface="Cambria Math" panose="02040503050406030204" pitchFamily="18" charset="0"/>
-                          </a:rPr>
-                          <m:t>𝑛</m:t>
-                        </m:r>
-                      </m:den>
-                    </m:f>
-                    <m:d>
-                      <m:dPr>
-                        <m:ctrlPr>
-                          <a:rPr lang="en-US" sz="3200" b="0" i="1" smtClean="0">
-                            <a:solidFill>
-                              <a:srgbClr val="C00000"/>
-                            </a:solidFill>
-                            <a:latin typeface="Cambria Math" panose="02040503050406030204" pitchFamily="18" charset="0"/>
-                          </a:rPr>
-                        </m:ctrlPr>
-                      </m:dPr>
-                      <m:e>
-                        <m:sSub>
-                          <m:sSubPr>
-                            <m:ctrlPr>
-                              <a:rPr lang="en-US" sz="3200" b="0" i="1" smtClean="0">
-                                <a:solidFill>
-                                  <a:srgbClr val="C00000"/>
-                                </a:solidFill>
-                                <a:latin typeface="Cambria Math" panose="02040503050406030204" pitchFamily="18" charset="0"/>
-                              </a:rPr>
-                            </m:ctrlPr>
-                          </m:sSubPr>
-                          <m:e>
-                            <m:r>
-                              <a:rPr lang="en-US" sz="3200" b="0" i="1" smtClean="0">
-                                <a:solidFill>
-                                  <a:srgbClr val="C00000"/>
-                                </a:solidFill>
-                                <a:latin typeface="Cambria Math" panose="02040503050406030204" pitchFamily="18" charset="0"/>
-                              </a:rPr>
-                              <m:t>𝑎</m:t>
-                            </m:r>
-                          </m:e>
-                          <m:sub>
-                            <m:r>
-                              <a:rPr lang="en-US" sz="3200" b="0" i="1" smtClean="0">
-                                <a:solidFill>
-                                  <a:srgbClr val="C00000"/>
-                                </a:solidFill>
-                                <a:latin typeface="Cambria Math" panose="02040503050406030204" pitchFamily="18" charset="0"/>
-                              </a:rPr>
-                              <m:t>1</m:t>
-                            </m:r>
-                          </m:sub>
-                        </m:sSub>
-                        <m:sSub>
-                          <m:sSubPr>
-                            <m:ctrlPr>
-                              <a:rPr lang="en-US" sz="3200" b="0" i="1" smtClean="0">
-                                <a:solidFill>
-                                  <a:srgbClr val="C00000"/>
-                                </a:solidFill>
-                                <a:latin typeface="Cambria Math" panose="02040503050406030204" pitchFamily="18" charset="0"/>
-                              </a:rPr>
-                            </m:ctrlPr>
-                          </m:sSubPr>
-                          <m:e>
-                            <m:r>
-                              <a:rPr lang="en-US" sz="3200" b="0" i="1" smtClean="0">
-                                <a:solidFill>
-                                  <a:srgbClr val="C00000"/>
-                                </a:solidFill>
-                                <a:latin typeface="Cambria Math" panose="02040503050406030204" pitchFamily="18" charset="0"/>
-                              </a:rPr>
-                              <m:t>𝑓</m:t>
-                            </m:r>
-                          </m:e>
-                          <m:sub>
-                            <m:r>
-                              <a:rPr lang="en-US" sz="3200" b="0" i="1" smtClean="0">
-                                <a:solidFill>
-                                  <a:srgbClr val="C00000"/>
-                                </a:solidFill>
-                                <a:latin typeface="Cambria Math" panose="02040503050406030204" pitchFamily="18" charset="0"/>
-                              </a:rPr>
-                              <m:t>1</m:t>
-                            </m:r>
-                          </m:sub>
-                        </m:sSub>
-                        <m:r>
-                          <a:rPr lang="en-US" sz="3200" b="0" i="1" smtClean="0">
-                            <a:solidFill>
-                              <a:srgbClr val="C00000"/>
-                            </a:solidFill>
-                            <a:latin typeface="Cambria Math" panose="02040503050406030204" pitchFamily="18" charset="0"/>
-                          </a:rPr>
-                          <m:t>+ …+</m:t>
-                        </m:r>
-                        <m:sSub>
-                          <m:sSubPr>
-                            <m:ctrlPr>
-                              <a:rPr lang="en-US" sz="3200" b="0" i="1" smtClean="0">
-                                <a:solidFill>
-                                  <a:srgbClr val="C00000"/>
-                                </a:solidFill>
-                                <a:latin typeface="Cambria Math" panose="02040503050406030204" pitchFamily="18" charset="0"/>
-                              </a:rPr>
-                            </m:ctrlPr>
-                          </m:sSubPr>
-                          <m:e>
-                            <m:r>
-                              <a:rPr lang="en-US" sz="3200" b="0" i="1" smtClean="0">
-                                <a:solidFill>
-                                  <a:srgbClr val="C00000"/>
-                                </a:solidFill>
-                                <a:latin typeface="Cambria Math" panose="02040503050406030204" pitchFamily="18" charset="0"/>
-                              </a:rPr>
-                              <m:t>𝑎</m:t>
-                            </m:r>
-                          </m:e>
-                          <m:sub>
-                            <m:r>
-                              <a:rPr lang="en-US" sz="3200" b="0" i="1" smtClean="0">
-                                <a:solidFill>
-                                  <a:srgbClr val="C00000"/>
-                                </a:solidFill>
-                                <a:latin typeface="Cambria Math" panose="02040503050406030204" pitchFamily="18" charset="0"/>
-                              </a:rPr>
-                              <m:t>𝑑</m:t>
-                            </m:r>
-                          </m:sub>
-                        </m:sSub>
-                        <m:sSub>
-                          <m:sSubPr>
-                            <m:ctrlPr>
-                              <a:rPr lang="en-US" sz="3200" b="0" i="1" smtClean="0">
-                                <a:solidFill>
-                                  <a:srgbClr val="C00000"/>
-                                </a:solidFill>
-                                <a:latin typeface="Cambria Math" panose="02040503050406030204" pitchFamily="18" charset="0"/>
-                              </a:rPr>
-                            </m:ctrlPr>
-                          </m:sSubPr>
-                          <m:e>
-                            <m:r>
-                              <a:rPr lang="en-US" sz="3200" b="0" i="1" smtClean="0">
-                                <a:solidFill>
-                                  <a:srgbClr val="C00000"/>
-                                </a:solidFill>
-                                <a:latin typeface="Cambria Math" panose="02040503050406030204" pitchFamily="18" charset="0"/>
-                              </a:rPr>
-                              <m:t>𝑓</m:t>
-                            </m:r>
-                          </m:e>
-                          <m:sub>
-                            <m:r>
-                              <a:rPr lang="en-US" sz="3200" b="0" i="1" smtClean="0">
-                                <a:solidFill>
-                                  <a:srgbClr val="C00000"/>
-                                </a:solidFill>
-                                <a:latin typeface="Cambria Math" panose="02040503050406030204" pitchFamily="18" charset="0"/>
-                              </a:rPr>
-                              <m:t>𝑑</m:t>
-                            </m:r>
-                          </m:sub>
-                        </m:sSub>
-                      </m:e>
-                    </m:d>
-                  </m:oMath>
-                </a14:m>
-                <a:endParaRPr lang="en-US" sz="3200" dirty="0"/>
-              </a:p>
-              <a:p>
-                <a:pPr>
-                  <a:buClr>
-                    <a:schemeClr val="tx1"/>
-                  </a:buClr>
-                </a:pPr>
-                <a:r>
-                  <a:rPr lang="en-US" sz="3200" dirty="0"/>
-                  <a:t>Suppose we have a set </a:t>
-                </a:r>
-                <a14:m>
-                  <m:oMath xmlns:m="http://schemas.openxmlformats.org/officeDocument/2006/math">
-                    <m:r>
-                      <a:rPr lang="en-US" sz="3200" b="0" i="1" smtClean="0">
-                        <a:solidFill>
-                          <a:srgbClr val="C00000"/>
-                        </a:solidFill>
-                        <a:latin typeface="Cambria Math" panose="02040503050406030204" pitchFamily="18" charset="0"/>
-                      </a:rPr>
-                      <m:t>𝑄</m:t>
-                    </m:r>
-                  </m:oMath>
-                </a14:m>
-                <a:r>
-                  <a:rPr lang="en-US" sz="3200" dirty="0"/>
-                  <a:t> of </a:t>
-                </a:r>
-                <a14:m>
-                  <m:oMath xmlns:m="http://schemas.openxmlformats.org/officeDocument/2006/math">
-                    <m:r>
-                      <a:rPr lang="en-US" sz="3200" b="0" i="1" smtClean="0">
-                        <a:solidFill>
-                          <a:srgbClr val="C00000"/>
-                        </a:solidFill>
-                        <a:latin typeface="Cambria Math" panose="02040503050406030204" pitchFamily="18" charset="0"/>
-                      </a:rPr>
-                      <m:t>𝑞</m:t>
-                    </m:r>
-                  </m:oMath>
-                </a14:m>
-                <a:r>
-                  <a:rPr lang="en-US" sz="3200" dirty="0"/>
-                  <a:t> queries on a database </a:t>
-                </a:r>
-                <a14:m>
-                  <m:oMath xmlns:m="http://schemas.openxmlformats.org/officeDocument/2006/math">
-                    <m:r>
-                      <a:rPr lang="en-US" sz="3200" i="1">
-                        <a:solidFill>
-                          <a:srgbClr val="C00000"/>
-                        </a:solidFill>
-                        <a:latin typeface="Cambria Math" panose="02040503050406030204" pitchFamily="18" charset="0"/>
-                      </a:rPr>
-                      <m:t>𝐷</m:t>
-                    </m:r>
-                  </m:oMath>
-                </a14:m>
-                <a:endParaRPr lang="en-US" sz="3200" dirty="0"/>
-              </a:p>
-              <a:p>
-                <a:pPr>
-                  <a:buClr>
-                    <a:schemeClr val="tx1"/>
-                  </a:buClr>
-                </a:pPr>
-                <a:endParaRPr lang="en-US" sz="3200" dirty="0"/>
-              </a:p>
-              <a:p>
-                <a:pPr>
-                  <a:buClr>
-                    <a:schemeClr val="tx1"/>
-                  </a:buClr>
-                </a:pPr>
-                <a:r>
-                  <a:rPr lang="en-US" sz="3200" dirty="0"/>
-                  <a:t>How might we answer the queries </a:t>
-                </a:r>
-                <a:r>
-                  <a:rPr lang="en-US" sz="3200" i="1" dirty="0">
-                    <a:solidFill>
-                      <a:srgbClr val="00B050"/>
-                    </a:solidFill>
-                  </a:rPr>
-                  <a:t>non-privately</a:t>
-                </a:r>
-                <a:r>
-                  <a:rPr lang="en-US" sz="3200" dirty="0"/>
-                  <a:t>, say with target additive error </a:t>
-                </a:r>
-                <a14:m>
-                  <m:oMath xmlns:m="http://schemas.openxmlformats.org/officeDocument/2006/math">
-                    <m:r>
-                      <a:rPr lang="en-US" sz="3200" b="0" i="1" smtClean="0">
-                        <a:solidFill>
-                          <a:srgbClr val="C00000"/>
-                        </a:solidFill>
-                        <a:latin typeface="Cambria Math" panose="02040503050406030204" pitchFamily="18" charset="0"/>
-                      </a:rPr>
-                      <m:t>𝛼</m:t>
-                    </m:r>
-                  </m:oMath>
-                </a14:m>
-                <a:r>
-                  <a:rPr lang="en-US" sz="3200" dirty="0"/>
-                  <a:t>?</a:t>
-                </a:r>
-              </a:p>
-            </p:txBody>
-          </p:sp>
-        </mc:Choice>
-        <mc:Fallback>
-          <p:sp>
-            <p:nvSpPr>
-              <p:cNvPr id="5" name="Content Placeholder 3">
-                <a:extLst>
-                  <a:ext uri="{FF2B5EF4-FFF2-40B4-BE49-F238E27FC236}">
-                    <a16:creationId xmlns:a16="http://schemas.microsoft.com/office/drawing/2014/main" id="{46EDD9D9-1338-4BC5-9D28-964A84C143C2}"/>
-                  </a:ext>
-                </a:extLst>
-              </p:cNvPr>
-              <p:cNvSpPr>
-                <a:spLocks noGrp="1" noRot="1" noChangeAspect="1" noMove="1" noResize="1" noEditPoints="1" noAdjustHandles="1" noChangeArrowheads="1" noChangeShapeType="1" noTextEdit="1"/>
-              </p:cNvSpPr>
-              <p:nvPr>
-                <p:ph idx="1"/>
-              </p:nvPr>
-            </p:nvSpPr>
-            <p:spPr>
-              <a:xfrm>
-                <a:off x="838200" y="1825624"/>
-                <a:ext cx="10242755" cy="4342094"/>
-              </a:xfrm>
-              <a:blipFill>
-                <a:blip r:embed="rId3"/>
-                <a:stretch>
-                  <a:fillRect l="-1369" t="-2805"/>
-                </a:stretch>
-              </a:blipFill>
-            </p:spPr>
-            <p:txBody>
-              <a:bodyPr/>
-              <a:lstStyle/>
-              <a:p>
-                <a:r>
-                  <a:rPr lang="en-US">
-                    <a:noFill/>
-                  </a:rPr>
-                  <a:t> </a:t>
-                </a:r>
-              </a:p>
-            </p:txBody>
-          </p:sp>
-        </mc:Fallback>
-      </mc:AlternateContent>
-    </p:spTree>
-    <p:extLst>
-      <p:ext uri="{BB962C8B-B14F-4D97-AF65-F5344CB8AC3E}">
-        <p14:creationId xmlns:p14="http://schemas.microsoft.com/office/powerpoint/2010/main" val="3246753668"/>
-      </p:ext>
-    </p:extLst>
-  </p:cSld>
-  <p:clrMapOvr>
-    <a:masterClrMapping/>
-  </p:clrMapOvr>
-</p:sld>
-</file>
-
-<file path=ppt/slides/slide31.xml><?xml version="1.0" encoding="utf-8"?>
-<p:sld xmlns:a="http://schemas.openxmlformats.org/drawingml/2006/main" xmlns:r="http://schemas.openxmlformats.org/officeDocument/2006/relationships" xmlns:p="http://schemas.openxmlformats.org/presentationml/2006/main">
-  <p:cSld>
-    <p:spTree>
-      <p:nvGrpSpPr>
-        <p:cNvPr id="1" name=""/>
-        <p:cNvGrpSpPr/>
-        <p:nvPr/>
-      </p:nvGrpSpPr>
-      <p:grpSpPr>
-        <a:xfrm>
-          <a:off x="0" y="0"/>
-          <a:ext cx="0" cy="0"/>
-          <a:chOff x="0" y="0"/>
-          <a:chExt cx="0" cy="0"/>
-        </a:xfrm>
-      </p:grpSpPr>
-      <p:sp>
-        <p:nvSpPr>
-          <p:cNvPr id="2" name="Title 1">
-            <a:extLst>
-              <a:ext uri="{FF2B5EF4-FFF2-40B4-BE49-F238E27FC236}">
-                <a16:creationId xmlns:a16="http://schemas.microsoft.com/office/drawing/2014/main" id="{B17419AC-DCE6-4371-8DE2-D617E99D653D}"/>
-              </a:ext>
-            </a:extLst>
-          </p:cNvPr>
-          <p:cNvSpPr>
-            <a:spLocks noGrp="1"/>
-          </p:cNvSpPr>
-          <p:nvPr>
-            <p:ph type="title"/>
-          </p:nvPr>
-        </p:nvSpPr>
-        <p:spPr/>
-        <p:txBody>
-          <a:bodyPr/>
-          <a:lstStyle/>
-          <a:p>
-            <a:r>
-              <a:rPr lang="en-US" dirty="0">
-                <a:solidFill>
-                  <a:srgbClr val="C00000"/>
-                </a:solidFill>
-              </a:rPr>
-              <a:t>Linear Queries</a:t>
-            </a:r>
-          </a:p>
-        </p:txBody>
-      </p:sp>
-      <mc:AlternateContent xmlns:mc="http://schemas.openxmlformats.org/markup-compatibility/2006">
-        <mc:Choice xmlns:a14="http://schemas.microsoft.com/office/drawing/2010/main" Requires="a14">
-          <p:sp>
-            <p:nvSpPr>
-              <p:cNvPr id="5" name="Content Placeholder 3">
-                <a:extLst>
-                  <a:ext uri="{FF2B5EF4-FFF2-40B4-BE49-F238E27FC236}">
-                    <a16:creationId xmlns:a16="http://schemas.microsoft.com/office/drawing/2014/main" id="{46EDD9D9-1338-4BC5-9D28-964A84C143C2}"/>
-                  </a:ext>
-                </a:extLst>
-              </p:cNvPr>
-              <p:cNvSpPr>
-                <a:spLocks noGrp="1"/>
-              </p:cNvSpPr>
-              <p:nvPr>
-                <p:ph idx="1"/>
-              </p:nvPr>
-            </p:nvSpPr>
-            <p:spPr>
-              <a:xfrm>
-                <a:off x="838200" y="1825624"/>
-                <a:ext cx="10242755" cy="4342094"/>
-              </a:xfrm>
-            </p:spPr>
-            <p:txBody>
-              <a:bodyPr>
-                <a:noAutofit/>
-              </a:bodyPr>
-              <a:lstStyle/>
-              <a:p>
-                <a:pPr>
-                  <a:buClr>
-                    <a:schemeClr val="tx1"/>
-                  </a:buClr>
-                </a:pPr>
-                <a:r>
-                  <a:rPr lang="en-US" sz="3200" dirty="0"/>
-                  <a:t>Suppose </a:t>
-                </a:r>
-                <a14:m>
-                  <m:oMath xmlns:m="http://schemas.openxmlformats.org/officeDocument/2006/math">
-                    <m:sSub>
-                      <m:sSubPr>
-                        <m:ctrlPr>
-                          <a:rPr lang="en-US" sz="3200" b="0" i="1" smtClean="0">
-                            <a:solidFill>
-                              <a:srgbClr val="C00000"/>
-                            </a:solidFill>
-                            <a:latin typeface="Cambria Math" panose="02040503050406030204" pitchFamily="18" charset="0"/>
-                          </a:rPr>
-                        </m:ctrlPr>
-                      </m:sSubPr>
-                      <m:e>
-                        <m:r>
-                          <a:rPr lang="en-US" sz="3200" b="0" i="1" smtClean="0">
-                            <a:solidFill>
-                              <a:srgbClr val="C00000"/>
-                            </a:solidFill>
-                            <a:latin typeface="Cambria Math" panose="02040503050406030204" pitchFamily="18" charset="0"/>
-                          </a:rPr>
-                          <m:t>𝑎</m:t>
-                        </m:r>
-                      </m:e>
-                      <m:sub>
-                        <m:r>
-                          <a:rPr lang="en-US" sz="3200" b="0" i="1" smtClean="0">
-                            <a:solidFill>
-                              <a:srgbClr val="C00000"/>
-                            </a:solidFill>
-                            <a:latin typeface="Cambria Math" panose="02040503050406030204" pitchFamily="18" charset="0"/>
-                          </a:rPr>
-                          <m:t>1</m:t>
-                        </m:r>
-                      </m:sub>
-                    </m:sSub>
-                    <m:r>
-                      <a:rPr lang="en-US" sz="3200" b="0" i="1" smtClean="0">
-                        <a:solidFill>
-                          <a:srgbClr val="C00000"/>
-                        </a:solidFill>
-                        <a:latin typeface="Cambria Math" panose="02040503050406030204" pitchFamily="18" charset="0"/>
-                      </a:rPr>
-                      <m:t>=</m:t>
-                    </m:r>
-                    <m:sSub>
-                      <m:sSubPr>
-                        <m:ctrlPr>
-                          <a:rPr lang="en-US" sz="3200" b="0" i="1" smtClean="0">
-                            <a:solidFill>
-                              <a:srgbClr val="C00000"/>
-                            </a:solidFill>
-                            <a:latin typeface="Cambria Math" panose="02040503050406030204" pitchFamily="18" charset="0"/>
-                          </a:rPr>
-                        </m:ctrlPr>
-                      </m:sSubPr>
-                      <m:e>
-                        <m:r>
-                          <a:rPr lang="en-US" sz="3200" b="0" i="1" smtClean="0">
-                            <a:solidFill>
-                              <a:srgbClr val="C00000"/>
-                            </a:solidFill>
-                            <a:latin typeface="Cambria Math" panose="02040503050406030204" pitchFamily="18" charset="0"/>
-                          </a:rPr>
-                          <m:t>𝑎</m:t>
-                        </m:r>
-                      </m:e>
-                      <m:sub>
-                        <m:r>
-                          <a:rPr lang="en-US" sz="3200" b="0" i="1" smtClean="0">
-                            <a:solidFill>
-                              <a:srgbClr val="C00000"/>
-                            </a:solidFill>
-                            <a:latin typeface="Cambria Math" panose="02040503050406030204" pitchFamily="18" charset="0"/>
-                          </a:rPr>
-                          <m:t>2</m:t>
-                        </m:r>
-                      </m:sub>
-                    </m:sSub>
-                    <m:r>
-                      <a:rPr lang="en-US" sz="3200" b="0" i="1" smtClean="0">
-                        <a:solidFill>
-                          <a:srgbClr val="C00000"/>
-                        </a:solidFill>
-                        <a:latin typeface="Cambria Math" panose="02040503050406030204" pitchFamily="18" charset="0"/>
-                      </a:rPr>
-                      <m:t>=…=</m:t>
-                    </m:r>
-                    <m:sSub>
-                      <m:sSubPr>
-                        <m:ctrlPr>
-                          <a:rPr lang="en-US" sz="3200" b="0" i="1" smtClean="0">
-                            <a:solidFill>
-                              <a:srgbClr val="C00000"/>
-                            </a:solidFill>
-                            <a:latin typeface="Cambria Math" panose="02040503050406030204" pitchFamily="18" charset="0"/>
-                          </a:rPr>
-                        </m:ctrlPr>
-                      </m:sSubPr>
-                      <m:e>
-                        <m:r>
-                          <a:rPr lang="en-US" sz="3200" b="0" i="1" smtClean="0">
-                            <a:solidFill>
-                              <a:srgbClr val="C00000"/>
-                            </a:solidFill>
-                            <a:latin typeface="Cambria Math" panose="02040503050406030204" pitchFamily="18" charset="0"/>
-                          </a:rPr>
-                          <m:t>𝑎</m:t>
-                        </m:r>
-                      </m:e>
-                      <m:sub>
-                        <m:r>
-                          <a:rPr lang="en-US" sz="3200" b="0" i="1" smtClean="0">
-                            <a:solidFill>
-                              <a:srgbClr val="C00000"/>
-                            </a:solidFill>
-                            <a:latin typeface="Cambria Math" panose="02040503050406030204" pitchFamily="18" charset="0"/>
-                          </a:rPr>
-                          <m:t>𝑑</m:t>
-                        </m:r>
-                      </m:sub>
-                    </m:sSub>
-                    <m:r>
-                      <a:rPr lang="en-US" sz="3200" b="0" i="1" smtClean="0">
-                        <a:solidFill>
-                          <a:srgbClr val="C00000"/>
-                        </a:solidFill>
-                        <a:latin typeface="Cambria Math" panose="02040503050406030204" pitchFamily="18" charset="0"/>
-                      </a:rPr>
-                      <m:t>∈[0,1]</m:t>
-                    </m:r>
-                  </m:oMath>
-                </a14:m>
-                <a:endParaRPr lang="en-US" sz="3200" dirty="0"/>
-              </a:p>
-              <a:p>
-                <a:pPr>
-                  <a:buClr>
-                    <a:schemeClr val="tx1"/>
-                  </a:buClr>
-                </a:pPr>
-                <a:r>
-                  <a:rPr lang="en-US" sz="3200" dirty="0"/>
-                  <a:t>Suppose we sample </a:t>
-                </a:r>
-                <a14:m>
-                  <m:oMath xmlns:m="http://schemas.openxmlformats.org/officeDocument/2006/math">
-                    <m:r>
-                      <a:rPr lang="en-US" sz="3200" b="0" i="1" smtClean="0">
-                        <a:solidFill>
-                          <a:srgbClr val="C00000"/>
-                        </a:solidFill>
-                        <a:latin typeface="Cambria Math" panose="02040503050406030204" pitchFamily="18" charset="0"/>
-                      </a:rPr>
-                      <m:t>𝑂</m:t>
-                    </m:r>
-                    <m:d>
-                      <m:dPr>
-                        <m:ctrlPr>
-                          <a:rPr lang="en-US" sz="3200" b="0" i="0" smtClean="0">
-                            <a:solidFill>
-                              <a:srgbClr val="C00000"/>
-                            </a:solidFill>
-                            <a:latin typeface="Cambria Math" panose="02040503050406030204" pitchFamily="18" charset="0"/>
-                          </a:rPr>
-                        </m:ctrlPr>
-                      </m:dPr>
-                      <m:e>
-                        <m:f>
-                          <m:fPr>
-                            <m:ctrlPr>
-                              <a:rPr lang="en-US" sz="3200" i="1">
-                                <a:solidFill>
-                                  <a:srgbClr val="C00000"/>
-                                </a:solidFill>
-                                <a:latin typeface="Cambria Math" panose="02040503050406030204" pitchFamily="18" charset="0"/>
-                              </a:rPr>
-                            </m:ctrlPr>
-                          </m:fPr>
-                          <m:num>
-                            <m:r>
-                              <a:rPr lang="en-US" sz="3200" i="1">
-                                <a:solidFill>
-                                  <a:srgbClr val="C00000"/>
-                                </a:solidFill>
-                                <a:latin typeface="Cambria Math" panose="02040503050406030204" pitchFamily="18" charset="0"/>
-                              </a:rPr>
-                              <m:t>1</m:t>
-                            </m:r>
-                          </m:num>
-                          <m:den>
-                            <m:sSup>
-                              <m:sSupPr>
-                                <m:ctrlPr>
-                                  <a:rPr lang="en-US" sz="3200" i="1">
-                                    <a:solidFill>
-                                      <a:srgbClr val="C00000"/>
-                                    </a:solidFill>
-                                    <a:latin typeface="Cambria Math" panose="02040503050406030204" pitchFamily="18" charset="0"/>
-                                  </a:rPr>
-                                </m:ctrlPr>
-                              </m:sSupPr>
-                              <m:e>
-                                <m:r>
-                                  <a:rPr lang="en-US" sz="3200" i="1">
-                                    <a:solidFill>
-                                      <a:srgbClr val="C00000"/>
-                                    </a:solidFill>
-                                    <a:latin typeface="Cambria Math" panose="02040503050406030204" pitchFamily="18" charset="0"/>
-                                  </a:rPr>
-                                  <m:t>𝛼</m:t>
-                                </m:r>
-                              </m:e>
-                              <m:sup>
-                                <m:r>
-                                  <a:rPr lang="en-US" sz="3200" i="1">
-                                    <a:solidFill>
-                                      <a:srgbClr val="C00000"/>
-                                    </a:solidFill>
-                                    <a:latin typeface="Cambria Math" panose="02040503050406030204" pitchFamily="18" charset="0"/>
-                                  </a:rPr>
-                                  <m:t>2</m:t>
-                                </m:r>
-                              </m:sup>
-                            </m:sSup>
-                          </m:den>
-                        </m:f>
-                      </m:e>
-                    </m:d>
-                  </m:oMath>
-                </a14:m>
-                <a:r>
-                  <a:rPr lang="en-US" sz="3200" dirty="0"/>
-                  <a:t> items of the database</a:t>
-                </a:r>
-                <a:r>
-                  <a:rPr lang="en-US" sz="3200" dirty="0">
-                    <a:solidFill>
-                      <a:srgbClr val="C00000"/>
-                    </a:solidFill>
-                  </a:rPr>
-                  <a:t> </a:t>
-                </a:r>
-                <a14:m>
-                  <m:oMath xmlns:m="http://schemas.openxmlformats.org/officeDocument/2006/math">
-                    <m:r>
-                      <a:rPr lang="en-US" sz="3200" i="1">
-                        <a:solidFill>
-                          <a:srgbClr val="C00000"/>
-                        </a:solidFill>
-                        <a:latin typeface="Cambria Math" panose="02040503050406030204" pitchFamily="18" charset="0"/>
-                      </a:rPr>
-                      <m:t>𝐷</m:t>
-                    </m:r>
-                  </m:oMath>
-                </a14:m>
-                <a:r>
-                  <a:rPr lang="en-US" sz="3200" dirty="0"/>
-                  <a:t> into a database </a:t>
-                </a:r>
-                <a14:m>
-                  <m:oMath xmlns:m="http://schemas.openxmlformats.org/officeDocument/2006/math">
-                    <m:acc>
-                      <m:accPr>
-                        <m:chr m:val="̃"/>
-                        <m:ctrlPr>
-                          <a:rPr lang="en-US" sz="3200" b="0" i="1" dirty="0" smtClean="0">
-                            <a:solidFill>
-                              <a:srgbClr val="C00000"/>
-                            </a:solidFill>
-                            <a:latin typeface="Cambria Math" panose="02040503050406030204" pitchFamily="18" charset="0"/>
-                          </a:rPr>
-                        </m:ctrlPr>
-                      </m:accPr>
-                      <m:e>
-                        <m:r>
-                          <a:rPr lang="en-US" sz="3200" b="0" i="1" dirty="0" smtClean="0">
-                            <a:solidFill>
-                              <a:srgbClr val="C00000"/>
-                            </a:solidFill>
-                            <a:latin typeface="Cambria Math" panose="02040503050406030204" pitchFamily="18" charset="0"/>
-                          </a:rPr>
-                          <m:t>𝐷</m:t>
-                        </m:r>
-                      </m:e>
-                    </m:acc>
-                  </m:oMath>
-                </a14:m>
-                <a:r>
-                  <a:rPr lang="en-US" sz="3200" dirty="0"/>
-                  <a:t> and answer </a:t>
-                </a:r>
-                <a14:m>
-                  <m:oMath xmlns:m="http://schemas.openxmlformats.org/officeDocument/2006/math">
-                    <m:r>
-                      <a:rPr lang="en-US" sz="3200" i="1">
-                        <a:solidFill>
-                          <a:srgbClr val="C00000"/>
-                        </a:solidFill>
-                        <a:latin typeface="Cambria Math" panose="02040503050406030204" pitchFamily="18" charset="0"/>
-                      </a:rPr>
-                      <m:t>ℓ</m:t>
-                    </m:r>
-                    <m:d>
-                      <m:dPr>
-                        <m:ctrlPr>
-                          <a:rPr lang="en-US" sz="3200" i="1">
-                            <a:solidFill>
-                              <a:srgbClr val="C00000"/>
-                            </a:solidFill>
-                            <a:latin typeface="Cambria Math" panose="02040503050406030204" pitchFamily="18" charset="0"/>
-                          </a:rPr>
-                        </m:ctrlPr>
-                      </m:dPr>
-                      <m:e>
-                        <m:acc>
-                          <m:accPr>
-                            <m:chr m:val="̃"/>
-                            <m:ctrlPr>
-                              <a:rPr lang="en-US" sz="3200" i="1" dirty="0">
-                                <a:solidFill>
-                                  <a:srgbClr val="C00000"/>
-                                </a:solidFill>
-                                <a:latin typeface="Cambria Math" panose="02040503050406030204" pitchFamily="18" charset="0"/>
-                              </a:rPr>
-                            </m:ctrlPr>
-                          </m:accPr>
-                          <m:e>
-                            <m:r>
-                              <a:rPr lang="en-US" sz="3200" i="1" dirty="0">
-                                <a:solidFill>
-                                  <a:srgbClr val="C00000"/>
-                                </a:solidFill>
-                                <a:latin typeface="Cambria Math" panose="02040503050406030204" pitchFamily="18" charset="0"/>
-                              </a:rPr>
-                              <m:t>𝑓</m:t>
-                            </m:r>
-                          </m:e>
-                        </m:acc>
-                      </m:e>
-                    </m:d>
-                    <m:r>
-                      <a:rPr lang="en-US" sz="3200" i="1">
-                        <a:solidFill>
-                          <a:srgbClr val="C00000"/>
-                        </a:solidFill>
-                        <a:latin typeface="Cambria Math" panose="02040503050406030204" pitchFamily="18" charset="0"/>
-                      </a:rPr>
-                      <m:t>=</m:t>
-                    </m:r>
-                    <m:f>
-                      <m:fPr>
-                        <m:ctrlPr>
-                          <a:rPr lang="en-US" sz="3200" i="1">
-                            <a:solidFill>
-                              <a:srgbClr val="C00000"/>
-                            </a:solidFill>
-                            <a:latin typeface="Cambria Math" panose="02040503050406030204" pitchFamily="18" charset="0"/>
-                          </a:rPr>
-                        </m:ctrlPr>
-                      </m:fPr>
-                      <m:num>
-                        <m:r>
-                          <a:rPr lang="en-US" sz="3200" i="1">
-                            <a:solidFill>
-                              <a:srgbClr val="C00000"/>
-                            </a:solidFill>
-                            <a:latin typeface="Cambria Math" panose="02040503050406030204" pitchFamily="18" charset="0"/>
-                          </a:rPr>
-                          <m:t>1</m:t>
-                        </m:r>
-                      </m:num>
-                      <m:den>
-                        <m:r>
-                          <a:rPr lang="en-US" sz="3200" b="0" i="1" smtClean="0">
-                            <a:solidFill>
-                              <a:srgbClr val="C00000"/>
-                            </a:solidFill>
-                            <a:latin typeface="Cambria Math" panose="02040503050406030204" pitchFamily="18" charset="0"/>
-                          </a:rPr>
-                          <m:t>|</m:t>
-                        </m:r>
-                        <m:sSup>
-                          <m:sSupPr>
-                            <m:ctrlPr>
-                              <a:rPr lang="en-US" sz="3200" b="0" i="1" smtClean="0">
-                                <a:solidFill>
-                                  <a:srgbClr val="C00000"/>
-                                </a:solidFill>
-                                <a:latin typeface="Cambria Math" panose="02040503050406030204" pitchFamily="18" charset="0"/>
-                              </a:rPr>
-                            </m:ctrlPr>
-                          </m:sSupPr>
-                          <m:e>
-                            <m:r>
-                              <a:rPr lang="en-US" sz="3200" b="0" i="1" smtClean="0">
-                                <a:solidFill>
-                                  <a:srgbClr val="C00000"/>
-                                </a:solidFill>
-                                <a:latin typeface="Cambria Math" panose="02040503050406030204" pitchFamily="18" charset="0"/>
-                              </a:rPr>
-                              <m:t>𝐷</m:t>
-                            </m:r>
-                          </m:e>
-                          <m:sup>
-                            <m:r>
-                              <a:rPr lang="en-US" sz="3200" b="0" i="1" smtClean="0">
-                                <a:solidFill>
-                                  <a:srgbClr val="C00000"/>
-                                </a:solidFill>
-                                <a:latin typeface="Cambria Math" panose="02040503050406030204" pitchFamily="18" charset="0"/>
-                              </a:rPr>
-                              <m:t>′</m:t>
-                            </m:r>
-                          </m:sup>
-                        </m:sSup>
-                        <m:r>
-                          <a:rPr lang="en-US" sz="3200" b="0" i="1" smtClean="0">
-                            <a:solidFill>
-                              <a:srgbClr val="C00000"/>
-                            </a:solidFill>
-                            <a:latin typeface="Cambria Math" panose="02040503050406030204" pitchFamily="18" charset="0"/>
-                          </a:rPr>
-                          <m:t>|</m:t>
-                        </m:r>
-                      </m:den>
-                    </m:f>
-                    <m:nary>
-                      <m:naryPr>
-                        <m:chr m:val="∑"/>
-                        <m:ctrlPr>
-                          <a:rPr lang="en-US" sz="3200" i="1">
-                            <a:solidFill>
-                              <a:srgbClr val="C00000"/>
-                            </a:solidFill>
-                            <a:latin typeface="Cambria Math" panose="02040503050406030204" pitchFamily="18" charset="0"/>
-                          </a:rPr>
-                        </m:ctrlPr>
-                      </m:naryPr>
-                      <m:sub>
-                        <m:r>
-                          <m:rPr>
-                            <m:brk m:alnAt="23"/>
-                          </m:rPr>
-                          <a:rPr lang="en-US" sz="3200" i="1">
-                            <a:solidFill>
-                              <a:srgbClr val="C00000"/>
-                            </a:solidFill>
-                            <a:latin typeface="Cambria Math" panose="02040503050406030204" pitchFamily="18" charset="0"/>
-                          </a:rPr>
-                          <m:t>𝑖</m:t>
-                        </m:r>
-                        <m:r>
-                          <a:rPr lang="en-US" sz="3200" i="1">
-                            <a:solidFill>
-                              <a:srgbClr val="C00000"/>
-                            </a:solidFill>
-                            <a:latin typeface="Cambria Math" panose="02040503050406030204" pitchFamily="18" charset="0"/>
-                          </a:rPr>
-                          <m:t>=1</m:t>
-                        </m:r>
-                      </m:sub>
-                      <m:sup>
-                        <m:r>
-                          <a:rPr lang="en-US" sz="3200" i="1">
-                            <a:solidFill>
-                              <a:srgbClr val="C00000"/>
-                            </a:solidFill>
-                            <a:latin typeface="Cambria Math" panose="02040503050406030204" pitchFamily="18" charset="0"/>
-                          </a:rPr>
-                          <m:t>𝑑</m:t>
-                        </m:r>
-                      </m:sup>
-                      <m:e>
-                        <m:sSub>
-                          <m:sSubPr>
-                            <m:ctrlPr>
-                              <a:rPr lang="en-US" sz="3200" i="1">
-                                <a:solidFill>
-                                  <a:srgbClr val="C00000"/>
-                                </a:solidFill>
-                                <a:latin typeface="Cambria Math" panose="02040503050406030204" pitchFamily="18" charset="0"/>
-                              </a:rPr>
-                            </m:ctrlPr>
-                          </m:sSubPr>
-                          <m:e>
-                            <m:r>
-                              <a:rPr lang="en-US" sz="3200" i="1">
-                                <a:solidFill>
-                                  <a:srgbClr val="C00000"/>
-                                </a:solidFill>
-                                <a:latin typeface="Cambria Math" panose="02040503050406030204" pitchFamily="18" charset="0"/>
-                              </a:rPr>
-                              <m:t>𝑎</m:t>
-                            </m:r>
-                          </m:e>
-                          <m:sub>
-                            <m:r>
-                              <a:rPr lang="en-US" sz="3200" i="1">
-                                <a:solidFill>
-                                  <a:srgbClr val="C00000"/>
-                                </a:solidFill>
-                                <a:latin typeface="Cambria Math" panose="02040503050406030204" pitchFamily="18" charset="0"/>
-                              </a:rPr>
-                              <m:t>𝑖</m:t>
-                            </m:r>
-                          </m:sub>
-                        </m:sSub>
-                        <m:acc>
-                          <m:accPr>
-                            <m:chr m:val="̃"/>
-                            <m:ctrlPr>
-                              <a:rPr lang="en-US" sz="3200" b="0" i="1" smtClean="0">
-                                <a:solidFill>
-                                  <a:srgbClr val="C00000"/>
-                                </a:solidFill>
-                                <a:latin typeface="Cambria Math" panose="02040503050406030204" pitchFamily="18" charset="0"/>
-                              </a:rPr>
-                            </m:ctrlPr>
-                          </m:accPr>
-                          <m:e>
-                            <m:sSub>
-                              <m:sSubPr>
-                                <m:ctrlPr>
-                                  <a:rPr lang="en-US" sz="3200" b="0" i="1" smtClean="0">
-                                    <a:solidFill>
-                                      <a:srgbClr val="C00000"/>
-                                    </a:solidFill>
-                                    <a:latin typeface="Cambria Math" panose="02040503050406030204" pitchFamily="18" charset="0"/>
-                                  </a:rPr>
-                                </m:ctrlPr>
-                              </m:sSubPr>
-                              <m:e>
-                                <m:r>
-                                  <a:rPr lang="en-US" sz="3200" b="0" i="1" smtClean="0">
-                                    <a:solidFill>
-                                      <a:srgbClr val="C00000"/>
-                                    </a:solidFill>
-                                    <a:latin typeface="Cambria Math" panose="02040503050406030204" pitchFamily="18" charset="0"/>
-                                  </a:rPr>
-                                  <m:t>𝑓</m:t>
-                                </m:r>
-                              </m:e>
-                              <m:sub>
-                                <m:r>
-                                  <a:rPr lang="en-US" sz="3200" b="0" i="1" smtClean="0">
-                                    <a:solidFill>
-                                      <a:srgbClr val="C00000"/>
-                                    </a:solidFill>
-                                    <a:latin typeface="Cambria Math" panose="02040503050406030204" pitchFamily="18" charset="0"/>
-                                  </a:rPr>
-                                  <m:t>𝑖</m:t>
-                                </m:r>
-                              </m:sub>
-                            </m:sSub>
-                          </m:e>
-                        </m:acc>
-                      </m:e>
-                    </m:nary>
-                  </m:oMath>
-                </a14:m>
-                <a:r>
-                  <a:rPr lang="en-US" sz="3200" dirty="0"/>
-                  <a:t>, where </a:t>
-                </a:r>
-                <a14:m>
-                  <m:oMath xmlns:m="http://schemas.openxmlformats.org/officeDocument/2006/math">
-                    <m:acc>
-                      <m:accPr>
-                        <m:chr m:val="̃"/>
-                        <m:ctrlPr>
-                          <a:rPr lang="en-US" sz="3200" b="0" i="1" dirty="0" smtClean="0">
-                            <a:solidFill>
-                              <a:srgbClr val="C00000"/>
-                            </a:solidFill>
-                            <a:latin typeface="Cambria Math" panose="02040503050406030204" pitchFamily="18" charset="0"/>
-                          </a:rPr>
-                        </m:ctrlPr>
-                      </m:accPr>
-                      <m:e>
-                        <m:r>
-                          <a:rPr lang="en-US" sz="3200" b="0" i="1" dirty="0" smtClean="0">
-                            <a:solidFill>
-                              <a:srgbClr val="C00000"/>
-                            </a:solidFill>
-                            <a:latin typeface="Cambria Math" panose="02040503050406030204" pitchFamily="18" charset="0"/>
-                          </a:rPr>
-                          <m:t>𝑓</m:t>
-                        </m:r>
-                      </m:e>
-                    </m:acc>
-                  </m:oMath>
-                </a14:m>
-                <a:r>
-                  <a:rPr lang="en-US" sz="3200" dirty="0"/>
-                  <a:t> is the frequency vector for </a:t>
-                </a:r>
-                <a14:m>
-                  <m:oMath xmlns:m="http://schemas.openxmlformats.org/officeDocument/2006/math">
-                    <m:acc>
-                      <m:accPr>
-                        <m:chr m:val="̃"/>
-                        <m:ctrlPr>
-                          <a:rPr lang="en-US" sz="3200" i="1" dirty="0">
-                            <a:solidFill>
-                              <a:srgbClr val="C00000"/>
-                            </a:solidFill>
-                            <a:latin typeface="Cambria Math" panose="02040503050406030204" pitchFamily="18" charset="0"/>
-                          </a:rPr>
-                        </m:ctrlPr>
-                      </m:accPr>
-                      <m:e>
-                        <m:r>
-                          <a:rPr lang="en-US" sz="3200" i="1" dirty="0">
-                            <a:solidFill>
-                              <a:srgbClr val="C00000"/>
-                            </a:solidFill>
-                            <a:latin typeface="Cambria Math" panose="02040503050406030204" pitchFamily="18" charset="0"/>
-                          </a:rPr>
-                          <m:t>𝐷</m:t>
-                        </m:r>
-                      </m:e>
-                    </m:acc>
-                  </m:oMath>
-                </a14:m>
-                <a:endParaRPr lang="en-US" sz="3200" dirty="0"/>
-              </a:p>
-              <a:p>
-                <a:pPr>
-                  <a:buClr>
-                    <a:schemeClr val="tx1"/>
-                  </a:buClr>
-                </a:pPr>
-                <a:endParaRPr lang="en-US" sz="3200" dirty="0"/>
-              </a:p>
-              <a:p>
-                <a:pPr>
-                  <a:buClr>
-                    <a:schemeClr val="tx1"/>
-                  </a:buClr>
-                </a:pPr>
-                <a:r>
-                  <a:rPr lang="en-US" sz="3200" dirty="0"/>
-                  <a:t>We have </a:t>
-                </a:r>
-                <a14:m>
-                  <m:oMath xmlns:m="http://schemas.openxmlformats.org/officeDocument/2006/math">
-                    <m:r>
-                      <a:rPr lang="en-US" sz="3200" b="0" i="1" dirty="0" smtClean="0">
-                        <a:solidFill>
-                          <a:srgbClr val="C00000"/>
-                        </a:solidFill>
-                        <a:latin typeface="Cambria Math" panose="02040503050406030204" pitchFamily="18" charset="0"/>
-                      </a:rPr>
-                      <m:t>𝐸</m:t>
-                    </m:r>
-                    <m:d>
-                      <m:dPr>
-                        <m:begChr m:val="["/>
-                        <m:endChr m:val="]"/>
-                        <m:ctrlPr>
-                          <a:rPr lang="en-US" sz="3200" b="0" i="1" dirty="0" smtClean="0">
-                            <a:solidFill>
-                              <a:srgbClr val="C00000"/>
-                            </a:solidFill>
-                            <a:latin typeface="Cambria Math" panose="02040503050406030204" pitchFamily="18" charset="0"/>
-                          </a:rPr>
-                        </m:ctrlPr>
-                      </m:dPr>
-                      <m:e>
-                        <m:r>
-                          <a:rPr lang="en-US" sz="3200" i="1">
-                            <a:solidFill>
-                              <a:srgbClr val="C00000"/>
-                            </a:solidFill>
-                            <a:latin typeface="Cambria Math" panose="02040503050406030204" pitchFamily="18" charset="0"/>
-                          </a:rPr>
-                          <m:t>ℓ</m:t>
-                        </m:r>
-                        <m:d>
-                          <m:dPr>
-                            <m:ctrlPr>
-                              <a:rPr lang="en-US" sz="3200" i="1">
-                                <a:solidFill>
-                                  <a:srgbClr val="C00000"/>
-                                </a:solidFill>
-                                <a:latin typeface="Cambria Math" panose="02040503050406030204" pitchFamily="18" charset="0"/>
-                              </a:rPr>
-                            </m:ctrlPr>
-                          </m:dPr>
-                          <m:e>
-                            <m:acc>
-                              <m:accPr>
-                                <m:chr m:val="̃"/>
-                                <m:ctrlPr>
-                                  <a:rPr lang="en-US" sz="3200" i="1" dirty="0">
-                                    <a:solidFill>
-                                      <a:srgbClr val="C00000"/>
-                                    </a:solidFill>
-                                    <a:latin typeface="Cambria Math" panose="02040503050406030204" pitchFamily="18" charset="0"/>
-                                  </a:rPr>
-                                </m:ctrlPr>
-                              </m:accPr>
-                              <m:e>
-                                <m:r>
-                                  <a:rPr lang="en-US" sz="3200" i="1" dirty="0">
-                                    <a:solidFill>
-                                      <a:srgbClr val="C00000"/>
-                                    </a:solidFill>
-                                    <a:latin typeface="Cambria Math" panose="02040503050406030204" pitchFamily="18" charset="0"/>
-                                  </a:rPr>
-                                  <m:t>𝑓</m:t>
-                                </m:r>
-                              </m:e>
-                            </m:acc>
-                          </m:e>
-                        </m:d>
-                      </m:e>
-                    </m:d>
-                    <m:r>
-                      <a:rPr lang="en-US" sz="3200" b="0" i="1" dirty="0" smtClean="0">
-                        <a:solidFill>
-                          <a:srgbClr val="C00000"/>
-                        </a:solidFill>
-                        <a:latin typeface="Cambria Math" panose="02040503050406030204" pitchFamily="18" charset="0"/>
-                      </a:rPr>
-                      <m:t>=</m:t>
-                    </m:r>
-                    <m:r>
-                      <a:rPr lang="en-US" sz="3200" i="1">
-                        <a:solidFill>
-                          <a:srgbClr val="C00000"/>
-                        </a:solidFill>
-                        <a:latin typeface="Cambria Math" panose="02040503050406030204" pitchFamily="18" charset="0"/>
-                      </a:rPr>
-                      <m:t>ℓ</m:t>
-                    </m:r>
-                    <m:d>
-                      <m:dPr>
-                        <m:ctrlPr>
-                          <a:rPr lang="en-US" sz="3200" i="1">
-                            <a:solidFill>
-                              <a:srgbClr val="C00000"/>
-                            </a:solidFill>
-                            <a:latin typeface="Cambria Math" panose="02040503050406030204" pitchFamily="18" charset="0"/>
-                          </a:rPr>
-                        </m:ctrlPr>
-                      </m:dPr>
-                      <m:e>
-                        <m:r>
-                          <a:rPr lang="en-US" sz="3200" b="0" i="1" dirty="0" smtClean="0">
-                            <a:solidFill>
-                              <a:srgbClr val="C00000"/>
-                            </a:solidFill>
-                            <a:latin typeface="Cambria Math" panose="02040503050406030204" pitchFamily="18" charset="0"/>
-                          </a:rPr>
-                          <m:t>𝑓</m:t>
-                        </m:r>
-                      </m:e>
-                    </m:d>
-                  </m:oMath>
-                </a14:m>
-                <a:r>
-                  <a:rPr lang="en-US" sz="3200" dirty="0"/>
-                  <a:t> and thus by additive Chernoff bound, </a:t>
-                </a:r>
-                <a14:m>
-                  <m:oMath xmlns:m="http://schemas.openxmlformats.org/officeDocument/2006/math">
-                    <m:d>
-                      <m:dPr>
-                        <m:begChr m:val="|"/>
-                        <m:endChr m:val="|"/>
-                        <m:ctrlPr>
-                          <a:rPr lang="en-US" sz="3200" b="0" i="0" smtClean="0">
-                            <a:solidFill>
-                              <a:srgbClr val="C00000"/>
-                            </a:solidFill>
-                            <a:latin typeface="Cambria Math" panose="02040503050406030204" pitchFamily="18" charset="0"/>
-                          </a:rPr>
-                        </m:ctrlPr>
-                      </m:dPr>
-                      <m:e>
-                        <m:r>
-                          <a:rPr lang="en-US" sz="3200" i="1">
-                            <a:solidFill>
-                              <a:srgbClr val="C00000"/>
-                            </a:solidFill>
-                            <a:latin typeface="Cambria Math" panose="02040503050406030204" pitchFamily="18" charset="0"/>
-                          </a:rPr>
-                          <m:t>ℓ</m:t>
-                        </m:r>
-                        <m:d>
-                          <m:dPr>
-                            <m:ctrlPr>
-                              <a:rPr lang="en-US" sz="3200" i="1">
-                                <a:solidFill>
-                                  <a:srgbClr val="C00000"/>
-                                </a:solidFill>
-                                <a:latin typeface="Cambria Math" panose="02040503050406030204" pitchFamily="18" charset="0"/>
-                              </a:rPr>
-                            </m:ctrlPr>
-                          </m:dPr>
-                          <m:e>
-                            <m:acc>
-                              <m:accPr>
-                                <m:chr m:val="̃"/>
-                                <m:ctrlPr>
-                                  <a:rPr lang="en-US" sz="3200" i="1" dirty="0">
-                                    <a:solidFill>
-                                      <a:srgbClr val="C00000"/>
-                                    </a:solidFill>
-                                    <a:latin typeface="Cambria Math" panose="02040503050406030204" pitchFamily="18" charset="0"/>
-                                  </a:rPr>
-                                </m:ctrlPr>
-                              </m:accPr>
-                              <m:e>
-                                <m:r>
-                                  <a:rPr lang="en-US" sz="3200" i="1" dirty="0">
-                                    <a:solidFill>
-                                      <a:srgbClr val="C00000"/>
-                                    </a:solidFill>
-                                    <a:latin typeface="Cambria Math" panose="02040503050406030204" pitchFamily="18" charset="0"/>
-                                  </a:rPr>
-                                  <m:t>𝑓</m:t>
-                                </m:r>
-                              </m:e>
-                            </m:acc>
-                          </m:e>
-                        </m:d>
-                        <m:r>
-                          <a:rPr lang="en-US" sz="3200" b="0" i="1" dirty="0" smtClean="0">
-                            <a:solidFill>
-                              <a:srgbClr val="C00000"/>
-                            </a:solidFill>
-                            <a:latin typeface="Cambria Math" panose="02040503050406030204" pitchFamily="18" charset="0"/>
-                          </a:rPr>
-                          <m:t>−ℓ</m:t>
-                        </m:r>
-                        <m:d>
-                          <m:dPr>
-                            <m:ctrlPr>
-                              <a:rPr lang="en-US" sz="3200" b="0" i="1" dirty="0" smtClean="0">
-                                <a:solidFill>
-                                  <a:srgbClr val="C00000"/>
-                                </a:solidFill>
-                                <a:latin typeface="Cambria Math" panose="02040503050406030204" pitchFamily="18" charset="0"/>
-                              </a:rPr>
-                            </m:ctrlPr>
-                          </m:dPr>
-                          <m:e>
-                            <m:r>
-                              <a:rPr lang="en-US" sz="3200" b="0" i="1" dirty="0" smtClean="0">
-                                <a:solidFill>
-                                  <a:srgbClr val="C00000"/>
-                                </a:solidFill>
-                                <a:latin typeface="Cambria Math" panose="02040503050406030204" pitchFamily="18" charset="0"/>
-                              </a:rPr>
-                              <m:t>𝑓</m:t>
-                            </m:r>
-                          </m:e>
-                        </m:d>
-                      </m:e>
-                    </m:d>
-                    <m:r>
-                      <a:rPr lang="en-US" sz="3200" b="0" i="1" smtClean="0">
-                        <a:solidFill>
-                          <a:srgbClr val="C00000"/>
-                        </a:solidFill>
-                        <a:latin typeface="Cambria Math" panose="02040503050406030204" pitchFamily="18" charset="0"/>
-                      </a:rPr>
-                      <m:t>&lt;</m:t>
-                    </m:r>
-                    <m:r>
-                      <a:rPr lang="en-US" sz="3200" b="0" i="1" smtClean="0">
-                        <a:solidFill>
-                          <a:srgbClr val="C00000"/>
-                        </a:solidFill>
-                        <a:latin typeface="Cambria Math" panose="02040503050406030204" pitchFamily="18" charset="0"/>
-                      </a:rPr>
-                      <m:t>𝛼</m:t>
-                    </m:r>
-                  </m:oMath>
-                </a14:m>
-                <a:r>
-                  <a:rPr lang="en-US" sz="3200" dirty="0"/>
-                  <a:t> with probability </a:t>
-                </a:r>
-                <a14:m>
-                  <m:oMath xmlns:m="http://schemas.openxmlformats.org/officeDocument/2006/math">
-                    <m:r>
-                      <a:rPr lang="en-US" sz="3200" b="0" i="1" smtClean="0">
-                        <a:solidFill>
-                          <a:srgbClr val="C00000"/>
-                        </a:solidFill>
-                        <a:latin typeface="Cambria Math" panose="02040503050406030204" pitchFamily="18" charset="0"/>
-                      </a:rPr>
-                      <m:t>0.99</m:t>
-                    </m:r>
-                  </m:oMath>
-                </a14:m>
-                <a:endParaRPr lang="en-US" sz="3200" dirty="0"/>
-              </a:p>
-            </p:txBody>
-          </p:sp>
-        </mc:Choice>
-        <mc:Fallback>
-          <p:sp>
-            <p:nvSpPr>
-              <p:cNvPr id="5" name="Content Placeholder 3">
-                <a:extLst>
-                  <a:ext uri="{FF2B5EF4-FFF2-40B4-BE49-F238E27FC236}">
-                    <a16:creationId xmlns:a16="http://schemas.microsoft.com/office/drawing/2014/main" id="{46EDD9D9-1338-4BC5-9D28-964A84C143C2}"/>
-                  </a:ext>
-                </a:extLst>
-              </p:cNvPr>
-              <p:cNvSpPr>
-                <a:spLocks noGrp="1" noRot="1" noChangeAspect="1" noMove="1" noResize="1" noEditPoints="1" noAdjustHandles="1" noChangeArrowheads="1" noChangeShapeType="1" noTextEdit="1"/>
-              </p:cNvSpPr>
-              <p:nvPr>
-                <p:ph idx="1"/>
-              </p:nvPr>
-            </p:nvSpPr>
-            <p:spPr>
-              <a:xfrm>
-                <a:off x="838200" y="1825624"/>
-                <a:ext cx="10242755" cy="4342094"/>
-              </a:xfrm>
-              <a:blipFill>
-                <a:blip r:embed="rId3"/>
-                <a:stretch>
-                  <a:fillRect l="-1369" t="-2805"/>
-                </a:stretch>
-              </a:blipFill>
-            </p:spPr>
-            <p:txBody>
-              <a:bodyPr/>
-              <a:lstStyle/>
-              <a:p>
-                <a:r>
-                  <a:rPr lang="en-US">
-                    <a:noFill/>
-                  </a:rPr>
-                  <a:t> </a:t>
-                </a:r>
-              </a:p>
-            </p:txBody>
-          </p:sp>
-        </mc:Fallback>
-      </mc:AlternateContent>
-    </p:spTree>
-    <p:extLst>
-      <p:ext uri="{BB962C8B-B14F-4D97-AF65-F5344CB8AC3E}">
-        <p14:creationId xmlns:p14="http://schemas.microsoft.com/office/powerpoint/2010/main" val="593783092"/>
-      </p:ext>
-    </p:extLst>
-  </p:cSld>
-  <p:clrMapOvr>
-    <a:masterClrMapping/>
-  </p:clrMapOvr>
-</p:sld>
-</file>
-
-<file path=ppt/slides/slide32.xml><?xml version="1.0" encoding="utf-8"?>
-<p:sld xmlns:a="http://schemas.openxmlformats.org/drawingml/2006/main" xmlns:r="http://schemas.openxmlformats.org/officeDocument/2006/relationships" xmlns:p="http://schemas.openxmlformats.org/presentationml/2006/main">
-  <p:cSld>
-    <p:spTree>
-      <p:nvGrpSpPr>
-        <p:cNvPr id="1" name=""/>
-        <p:cNvGrpSpPr/>
-        <p:nvPr/>
-      </p:nvGrpSpPr>
-      <p:grpSpPr>
-        <a:xfrm>
-          <a:off x="0" y="0"/>
-          <a:ext cx="0" cy="0"/>
-          <a:chOff x="0" y="0"/>
-          <a:chExt cx="0" cy="0"/>
-        </a:xfrm>
-      </p:grpSpPr>
-      <p:sp>
-        <p:nvSpPr>
-          <p:cNvPr id="2" name="Title 1">
-            <a:extLst>
-              <a:ext uri="{FF2B5EF4-FFF2-40B4-BE49-F238E27FC236}">
-                <a16:creationId xmlns:a16="http://schemas.microsoft.com/office/drawing/2014/main" id="{B17419AC-DCE6-4371-8DE2-D617E99D653D}"/>
-              </a:ext>
-            </a:extLst>
-          </p:cNvPr>
-          <p:cNvSpPr>
-            <a:spLocks noGrp="1"/>
-          </p:cNvSpPr>
-          <p:nvPr>
-            <p:ph type="title"/>
-          </p:nvPr>
-        </p:nvSpPr>
-        <p:spPr/>
-        <p:txBody>
-          <a:bodyPr/>
-          <a:lstStyle/>
-          <a:p>
-            <a:r>
-              <a:rPr lang="en-US" dirty="0">
-                <a:solidFill>
-                  <a:srgbClr val="C00000"/>
-                </a:solidFill>
-              </a:rPr>
-              <a:t>Linear Queries</a:t>
-            </a:r>
-          </a:p>
-        </p:txBody>
-      </p:sp>
-      <mc:AlternateContent xmlns:mc="http://schemas.openxmlformats.org/markup-compatibility/2006">
-        <mc:Choice xmlns:a14="http://schemas.microsoft.com/office/drawing/2010/main" Requires="a14">
-          <p:sp>
-            <p:nvSpPr>
-              <p:cNvPr id="5" name="Content Placeholder 3">
-                <a:extLst>
-                  <a:ext uri="{FF2B5EF4-FFF2-40B4-BE49-F238E27FC236}">
-                    <a16:creationId xmlns:a16="http://schemas.microsoft.com/office/drawing/2014/main" id="{46EDD9D9-1338-4BC5-9D28-964A84C143C2}"/>
-                  </a:ext>
-                </a:extLst>
-              </p:cNvPr>
-              <p:cNvSpPr>
-                <a:spLocks noGrp="1"/>
-              </p:cNvSpPr>
-              <p:nvPr>
-                <p:ph idx="1"/>
-              </p:nvPr>
-            </p:nvSpPr>
-            <p:spPr>
-              <a:xfrm>
-                <a:off x="838200" y="1825624"/>
-                <a:ext cx="10242755" cy="4342094"/>
-              </a:xfrm>
-            </p:spPr>
-            <p:txBody>
-              <a:bodyPr>
-                <a:noAutofit/>
-              </a:bodyPr>
-              <a:lstStyle/>
-              <a:p>
-                <a:pPr>
-                  <a:buClr>
-                    <a:schemeClr val="tx1"/>
-                  </a:buClr>
-                </a:pPr>
-                <a:r>
-                  <a:rPr lang="en-US" sz="3200" dirty="0"/>
-                  <a:t>This gives correctness for a single query</a:t>
-                </a:r>
-              </a:p>
-              <a:p>
-                <a:pPr>
-                  <a:buClr>
-                    <a:schemeClr val="tx1"/>
-                  </a:buClr>
-                </a:pPr>
-                <a:endParaRPr lang="en-US" sz="3200" dirty="0"/>
-              </a:p>
-              <a:p>
-                <a:pPr>
-                  <a:buClr>
-                    <a:schemeClr val="tx1"/>
-                  </a:buClr>
-                </a:pPr>
-                <a:r>
-                  <a:rPr lang="en-US" sz="3200" dirty="0"/>
-                  <a:t>How to handle a set </a:t>
-                </a:r>
-                <a14:m>
-                  <m:oMath xmlns:m="http://schemas.openxmlformats.org/officeDocument/2006/math">
-                    <m:r>
-                      <a:rPr lang="en-US" sz="3200" b="0" i="1" smtClean="0">
-                        <a:solidFill>
-                          <a:srgbClr val="C00000"/>
-                        </a:solidFill>
-                        <a:latin typeface="Cambria Math" panose="02040503050406030204" pitchFamily="18" charset="0"/>
-                      </a:rPr>
-                      <m:t>𝑄</m:t>
-                    </m:r>
-                  </m:oMath>
-                </a14:m>
-                <a:r>
-                  <a:rPr lang="en-US" sz="3200" dirty="0"/>
-                  <a:t> of </a:t>
-                </a:r>
-                <a14:m>
-                  <m:oMath xmlns:m="http://schemas.openxmlformats.org/officeDocument/2006/math">
-                    <m:r>
-                      <a:rPr lang="en-US" sz="3200" b="0" i="1" smtClean="0">
-                        <a:solidFill>
-                          <a:srgbClr val="C00000"/>
-                        </a:solidFill>
-                        <a:latin typeface="Cambria Math" panose="02040503050406030204" pitchFamily="18" charset="0"/>
-                      </a:rPr>
-                      <m:t>𝑞</m:t>
-                    </m:r>
-                  </m:oMath>
-                </a14:m>
-                <a:r>
-                  <a:rPr lang="en-US" sz="3200" dirty="0"/>
-                  <a:t> queries?</a:t>
-                </a:r>
-              </a:p>
-              <a:p>
-                <a:pPr>
-                  <a:buClr>
-                    <a:schemeClr val="tx1"/>
-                  </a:buClr>
-                </a:pPr>
-                <a:endParaRPr lang="en-US" sz="3200" dirty="0"/>
-              </a:p>
-              <a:p>
-                <a:pPr>
-                  <a:buClr>
-                    <a:schemeClr val="tx1"/>
-                  </a:buClr>
-                </a:pPr>
-                <a:r>
-                  <a:rPr lang="en-US" sz="3200" dirty="0"/>
-                  <a:t>Sample </a:t>
-                </a:r>
-                <a14:m>
-                  <m:oMath xmlns:m="http://schemas.openxmlformats.org/officeDocument/2006/math">
-                    <m:r>
-                      <a:rPr lang="en-US" sz="3200" b="0" i="1" smtClean="0">
-                        <a:solidFill>
-                          <a:srgbClr val="C00000"/>
-                        </a:solidFill>
-                        <a:latin typeface="Cambria Math" panose="02040503050406030204" pitchFamily="18" charset="0"/>
-                      </a:rPr>
-                      <m:t>𝑂</m:t>
-                    </m:r>
-                    <m:d>
-                      <m:dPr>
-                        <m:ctrlPr>
-                          <a:rPr lang="en-US" sz="3200" b="0" i="1" smtClean="0">
-                            <a:solidFill>
-                              <a:srgbClr val="C00000"/>
-                            </a:solidFill>
-                            <a:latin typeface="Cambria Math" panose="02040503050406030204" pitchFamily="18" charset="0"/>
-                          </a:rPr>
-                        </m:ctrlPr>
-                      </m:dPr>
-                      <m:e>
-                        <m:f>
-                          <m:fPr>
-                            <m:ctrlPr>
-                              <a:rPr lang="en-US" sz="3200" i="1">
-                                <a:solidFill>
-                                  <a:srgbClr val="C00000"/>
-                                </a:solidFill>
-                                <a:latin typeface="Cambria Math" panose="02040503050406030204" pitchFamily="18" charset="0"/>
-                              </a:rPr>
-                            </m:ctrlPr>
-                          </m:fPr>
-                          <m:num>
-                            <m:func>
-                              <m:funcPr>
-                                <m:ctrlPr>
-                                  <a:rPr lang="en-US" sz="3200" b="0" i="1" smtClean="0">
-                                    <a:solidFill>
-                                      <a:srgbClr val="C00000"/>
-                                    </a:solidFill>
-                                    <a:latin typeface="Cambria Math" panose="02040503050406030204" pitchFamily="18" charset="0"/>
-                                  </a:rPr>
-                                </m:ctrlPr>
-                              </m:funcPr>
-                              <m:fName>
-                                <m:r>
-                                  <m:rPr>
-                                    <m:sty m:val="p"/>
-                                  </m:rPr>
-                                  <a:rPr lang="en-US" sz="3200" b="0" i="0" smtClean="0">
-                                    <a:solidFill>
-                                      <a:srgbClr val="C00000"/>
-                                    </a:solidFill>
-                                    <a:latin typeface="Cambria Math" panose="02040503050406030204" pitchFamily="18" charset="0"/>
-                                  </a:rPr>
-                                  <m:t>log</m:t>
-                                </m:r>
-                              </m:fName>
-                              <m:e>
-                                <m:r>
-                                  <a:rPr lang="en-US" sz="3200" b="0" i="1" smtClean="0">
-                                    <a:solidFill>
-                                      <a:srgbClr val="C00000"/>
-                                    </a:solidFill>
-                                    <a:latin typeface="Cambria Math" panose="02040503050406030204" pitchFamily="18" charset="0"/>
-                                  </a:rPr>
-                                  <m:t>𝑞</m:t>
-                                </m:r>
-                              </m:e>
-                            </m:func>
-                          </m:num>
-                          <m:den>
-                            <m:sSup>
-                              <m:sSupPr>
-                                <m:ctrlPr>
-                                  <a:rPr lang="en-US" sz="3200" i="1">
-                                    <a:solidFill>
-                                      <a:srgbClr val="C00000"/>
-                                    </a:solidFill>
-                                    <a:latin typeface="Cambria Math" panose="02040503050406030204" pitchFamily="18" charset="0"/>
-                                  </a:rPr>
-                                </m:ctrlPr>
-                              </m:sSupPr>
-                              <m:e>
-                                <m:r>
-                                  <a:rPr lang="en-US" sz="3200" i="1">
-                                    <a:solidFill>
-                                      <a:srgbClr val="C00000"/>
-                                    </a:solidFill>
-                                    <a:latin typeface="Cambria Math" panose="02040503050406030204" pitchFamily="18" charset="0"/>
-                                  </a:rPr>
-                                  <m:t>𝛼</m:t>
-                                </m:r>
-                              </m:e>
-                              <m:sup>
-                                <m:r>
-                                  <a:rPr lang="en-US" sz="3200" i="1">
-                                    <a:solidFill>
-                                      <a:srgbClr val="C00000"/>
-                                    </a:solidFill>
-                                    <a:latin typeface="Cambria Math" panose="02040503050406030204" pitchFamily="18" charset="0"/>
-                                  </a:rPr>
-                                  <m:t>2</m:t>
-                                </m:r>
-                              </m:sup>
-                            </m:sSup>
-                          </m:den>
-                        </m:f>
-                      </m:e>
-                    </m:d>
-                  </m:oMath>
-                </a14:m>
-                <a:r>
-                  <a:rPr lang="en-US" sz="3200" dirty="0"/>
-                  <a:t> items of the database and do median-of-means</a:t>
-                </a:r>
-              </a:p>
-            </p:txBody>
-          </p:sp>
-        </mc:Choice>
-        <mc:Fallback>
-          <p:sp>
-            <p:nvSpPr>
-              <p:cNvPr id="5" name="Content Placeholder 3">
-                <a:extLst>
-                  <a:ext uri="{FF2B5EF4-FFF2-40B4-BE49-F238E27FC236}">
-                    <a16:creationId xmlns:a16="http://schemas.microsoft.com/office/drawing/2014/main" id="{46EDD9D9-1338-4BC5-9D28-964A84C143C2}"/>
-                  </a:ext>
-                </a:extLst>
-              </p:cNvPr>
-              <p:cNvSpPr>
-                <a:spLocks noGrp="1" noRot="1" noChangeAspect="1" noMove="1" noResize="1" noEditPoints="1" noAdjustHandles="1" noChangeArrowheads="1" noChangeShapeType="1" noTextEdit="1"/>
-              </p:cNvSpPr>
-              <p:nvPr>
-                <p:ph idx="1"/>
-              </p:nvPr>
-            </p:nvSpPr>
-            <p:spPr>
-              <a:xfrm>
-                <a:off x="838200" y="1825624"/>
-                <a:ext cx="10242755" cy="4342094"/>
-              </a:xfrm>
-              <a:blipFill>
-                <a:blip r:embed="rId3"/>
-                <a:stretch>
-                  <a:fillRect l="-1369" t="-2945"/>
-                </a:stretch>
-              </a:blipFill>
-            </p:spPr>
-            <p:txBody>
-              <a:bodyPr/>
-              <a:lstStyle/>
-              <a:p>
-                <a:r>
-                  <a:rPr lang="en-US">
-                    <a:noFill/>
-                  </a:rPr>
-                  <a:t> </a:t>
-                </a:r>
-              </a:p>
-            </p:txBody>
-          </p:sp>
-        </mc:Fallback>
-      </mc:AlternateContent>
-    </p:spTree>
-    <p:extLst>
-      <p:ext uri="{BB962C8B-B14F-4D97-AF65-F5344CB8AC3E}">
-        <p14:creationId xmlns:p14="http://schemas.microsoft.com/office/powerpoint/2010/main" val="3651195227"/>
-      </p:ext>
-    </p:extLst>
-  </p:cSld>
-  <p:clrMapOvr>
-    <a:masterClrMapping/>
-  </p:clrMapOvr>
-</p:sld>
-</file>
-
-<file path=ppt/slides/slide33.xml><?xml version="1.0" encoding="utf-8"?>
-<p:sld xmlns:a="http://schemas.openxmlformats.org/drawingml/2006/main" xmlns:r="http://schemas.openxmlformats.org/officeDocument/2006/relationships" xmlns:p="http://schemas.openxmlformats.org/presentationml/2006/main">
-  <p:cSld>
-    <p:spTree>
-      <p:nvGrpSpPr>
-        <p:cNvPr id="1" name=""/>
-        <p:cNvGrpSpPr/>
-        <p:nvPr/>
-      </p:nvGrpSpPr>
-      <p:grpSpPr>
-        <a:xfrm>
-          <a:off x="0" y="0"/>
-          <a:ext cx="0" cy="0"/>
-          <a:chOff x="0" y="0"/>
-          <a:chExt cx="0" cy="0"/>
-        </a:xfrm>
-      </p:grpSpPr>
-      <p:sp>
-        <p:nvSpPr>
-          <p:cNvPr id="2" name="Title 1">
-            <a:extLst>
-              <a:ext uri="{FF2B5EF4-FFF2-40B4-BE49-F238E27FC236}">
-                <a16:creationId xmlns:a16="http://schemas.microsoft.com/office/drawing/2014/main" id="{B17419AC-DCE6-4371-8DE2-D617E99D653D}"/>
-              </a:ext>
-            </a:extLst>
-          </p:cNvPr>
-          <p:cNvSpPr>
-            <a:spLocks noGrp="1"/>
-          </p:cNvSpPr>
-          <p:nvPr>
-            <p:ph type="title"/>
-          </p:nvPr>
-        </p:nvSpPr>
-        <p:spPr/>
-        <p:txBody>
-          <a:bodyPr/>
-          <a:lstStyle/>
-          <a:p>
-            <a:r>
-              <a:rPr lang="en-US" dirty="0" err="1">
-                <a:solidFill>
-                  <a:srgbClr val="C00000"/>
-                </a:solidFill>
-              </a:rPr>
-              <a:t>SmallDB</a:t>
-            </a:r>
-            <a:r>
-              <a:rPr lang="en-US" dirty="0">
-                <a:solidFill>
-                  <a:srgbClr val="C00000"/>
-                </a:solidFill>
-              </a:rPr>
-              <a:t> Algorithm</a:t>
-            </a:r>
-          </a:p>
-        </p:txBody>
-      </p:sp>
-      <mc:AlternateContent xmlns:mc="http://schemas.openxmlformats.org/markup-compatibility/2006">
-        <mc:Choice xmlns:a14="http://schemas.microsoft.com/office/drawing/2010/main" Requires="a14">
-          <p:sp>
-            <p:nvSpPr>
-              <p:cNvPr id="5" name="Content Placeholder 3">
-                <a:extLst>
-                  <a:ext uri="{FF2B5EF4-FFF2-40B4-BE49-F238E27FC236}">
-                    <a16:creationId xmlns:a16="http://schemas.microsoft.com/office/drawing/2014/main" id="{46EDD9D9-1338-4BC5-9D28-964A84C143C2}"/>
-                  </a:ext>
-                </a:extLst>
-              </p:cNvPr>
-              <p:cNvSpPr>
-                <a:spLocks noGrp="1"/>
-              </p:cNvSpPr>
-              <p:nvPr>
-                <p:ph idx="1"/>
-              </p:nvPr>
-            </p:nvSpPr>
-            <p:spPr>
-              <a:xfrm>
-                <a:off x="838200" y="1825624"/>
-                <a:ext cx="10242755" cy="4342094"/>
-              </a:xfrm>
-            </p:spPr>
-            <p:txBody>
-              <a:bodyPr>
-                <a:noAutofit/>
-              </a:bodyPr>
-              <a:lstStyle/>
-              <a:p>
-                <a:pPr>
-                  <a:buClr>
-                    <a:schemeClr val="tx1"/>
-                  </a:buClr>
-                </a:pPr>
-                <a:r>
-                  <a:rPr lang="en-US" sz="3200" dirty="0"/>
-                  <a:t>Let </a:t>
-                </a:r>
-                <a14:m>
-                  <m:oMath xmlns:m="http://schemas.openxmlformats.org/officeDocument/2006/math">
-                    <m:r>
-                      <a:rPr lang="en-US" sz="3200" b="0" i="1" smtClean="0">
-                        <a:solidFill>
-                          <a:srgbClr val="C00000"/>
-                        </a:solidFill>
-                        <a:latin typeface="Cambria Math" panose="02040503050406030204" pitchFamily="18" charset="0"/>
-                      </a:rPr>
-                      <m:t>𝑉</m:t>
-                    </m:r>
-                  </m:oMath>
-                </a14:m>
-                <a:r>
-                  <a:rPr lang="en-US" sz="3200" dirty="0"/>
-                  <a:t> be the set of vectors </a:t>
-                </a:r>
-                <a14:m>
-                  <m:oMath xmlns:m="http://schemas.openxmlformats.org/officeDocument/2006/math">
-                    <m:r>
-                      <a:rPr lang="en-US" sz="3200" b="0" i="1" smtClean="0">
-                        <a:solidFill>
-                          <a:srgbClr val="C00000"/>
-                        </a:solidFill>
-                        <a:latin typeface="Cambria Math" panose="02040503050406030204" pitchFamily="18" charset="0"/>
-                      </a:rPr>
-                      <m:t>𝑣</m:t>
-                    </m:r>
-                    <m:r>
-                      <a:rPr lang="en-US" sz="3200" i="1">
-                        <a:solidFill>
-                          <a:srgbClr val="C00000"/>
-                        </a:solidFill>
-                        <a:latin typeface="Cambria Math" panose="02040503050406030204" pitchFamily="18" charset="0"/>
-                      </a:rPr>
-                      <m:t> </m:t>
-                    </m:r>
-                  </m:oMath>
-                </a14:m>
-                <a:r>
-                  <a:rPr lang="en-US" sz="3200" dirty="0"/>
-                  <a:t>with </a:t>
-                </a:r>
-                <a14:m>
-                  <m:oMath xmlns:m="http://schemas.openxmlformats.org/officeDocument/2006/math">
-                    <m:sSub>
-                      <m:sSubPr>
-                        <m:ctrlPr>
-                          <a:rPr lang="en-US" sz="3200" b="0" i="1" smtClean="0">
-                            <a:solidFill>
-                              <a:srgbClr val="C00000"/>
-                            </a:solidFill>
-                            <a:latin typeface="Cambria Math" panose="02040503050406030204" pitchFamily="18" charset="0"/>
-                          </a:rPr>
-                        </m:ctrlPr>
-                      </m:sSubPr>
-                      <m:e>
-                        <m:d>
-                          <m:dPr>
-                            <m:begChr m:val="‖"/>
-                            <m:endChr m:val="‖"/>
-                            <m:ctrlPr>
-                              <a:rPr lang="en-US" sz="3200" i="1" smtClean="0">
-                                <a:solidFill>
-                                  <a:srgbClr val="C00000"/>
-                                </a:solidFill>
-                                <a:latin typeface="Cambria Math" panose="02040503050406030204" pitchFamily="18" charset="0"/>
-                              </a:rPr>
-                            </m:ctrlPr>
-                          </m:dPr>
-                          <m:e>
-                            <m:r>
-                              <a:rPr lang="en-US" sz="3200" b="0" i="1" smtClean="0">
-                                <a:solidFill>
-                                  <a:srgbClr val="C00000"/>
-                                </a:solidFill>
-                                <a:latin typeface="Cambria Math" panose="02040503050406030204" pitchFamily="18" charset="0"/>
-                              </a:rPr>
-                              <m:t>𝑣</m:t>
-                            </m:r>
-                          </m:e>
-                        </m:d>
-                      </m:e>
-                      <m:sub>
-                        <m:r>
-                          <a:rPr lang="en-US" sz="3200" b="0" i="1" smtClean="0">
-                            <a:solidFill>
-                              <a:srgbClr val="C00000"/>
-                            </a:solidFill>
-                            <a:latin typeface="Cambria Math" panose="02040503050406030204" pitchFamily="18" charset="0"/>
-                          </a:rPr>
-                          <m:t>1</m:t>
-                        </m:r>
-                      </m:sub>
-                    </m:sSub>
-                    <m:r>
-                      <a:rPr lang="en-US" sz="3200" b="0" i="1" smtClean="0">
-                        <a:solidFill>
-                          <a:srgbClr val="C00000"/>
-                        </a:solidFill>
-                        <a:latin typeface="Cambria Math" panose="02040503050406030204" pitchFamily="18" charset="0"/>
-                      </a:rPr>
-                      <m:t>=</m:t>
-                    </m:r>
-                    <m:r>
-                      <a:rPr lang="en-US" sz="3200" i="1">
-                        <a:solidFill>
-                          <a:srgbClr val="C00000"/>
-                        </a:solidFill>
-                        <a:latin typeface="Cambria Math" panose="02040503050406030204" pitchFamily="18" charset="0"/>
-                      </a:rPr>
-                      <m:t>𝑂</m:t>
-                    </m:r>
-                    <m:d>
-                      <m:dPr>
-                        <m:ctrlPr>
-                          <a:rPr lang="en-US" sz="3200" i="1">
-                            <a:solidFill>
-                              <a:srgbClr val="C00000"/>
-                            </a:solidFill>
-                            <a:latin typeface="Cambria Math" panose="02040503050406030204" pitchFamily="18" charset="0"/>
-                          </a:rPr>
-                        </m:ctrlPr>
-                      </m:dPr>
-                      <m:e>
-                        <m:f>
-                          <m:fPr>
-                            <m:ctrlPr>
-                              <a:rPr lang="en-US" sz="3200" i="1">
-                                <a:solidFill>
-                                  <a:srgbClr val="C00000"/>
-                                </a:solidFill>
-                                <a:latin typeface="Cambria Math" panose="02040503050406030204" pitchFamily="18" charset="0"/>
-                              </a:rPr>
-                            </m:ctrlPr>
-                          </m:fPr>
-                          <m:num>
-                            <m:func>
-                              <m:funcPr>
-                                <m:ctrlPr>
-                                  <a:rPr lang="en-US" sz="3200" i="1">
-                                    <a:solidFill>
-                                      <a:srgbClr val="C00000"/>
-                                    </a:solidFill>
-                                    <a:latin typeface="Cambria Math" panose="02040503050406030204" pitchFamily="18" charset="0"/>
-                                  </a:rPr>
-                                </m:ctrlPr>
-                              </m:funcPr>
-                              <m:fName>
-                                <m:r>
-                                  <m:rPr>
-                                    <m:sty m:val="p"/>
-                                  </m:rPr>
-                                  <a:rPr lang="en-US" sz="3200">
-                                    <a:solidFill>
-                                      <a:srgbClr val="C00000"/>
-                                    </a:solidFill>
-                                    <a:latin typeface="Cambria Math" panose="02040503050406030204" pitchFamily="18" charset="0"/>
-                                  </a:rPr>
-                                  <m:t>log</m:t>
-                                </m:r>
-                              </m:fName>
-                              <m:e>
-                                <m:r>
-                                  <a:rPr lang="en-US" sz="3200" i="1">
-                                    <a:solidFill>
-                                      <a:srgbClr val="C00000"/>
-                                    </a:solidFill>
-                                    <a:latin typeface="Cambria Math" panose="02040503050406030204" pitchFamily="18" charset="0"/>
-                                  </a:rPr>
-                                  <m:t>𝑞</m:t>
-                                </m:r>
-                              </m:e>
-                            </m:func>
-                          </m:num>
-                          <m:den>
-                            <m:sSup>
-                              <m:sSupPr>
-                                <m:ctrlPr>
-                                  <a:rPr lang="en-US" sz="3200" i="1">
-                                    <a:solidFill>
-                                      <a:srgbClr val="C00000"/>
-                                    </a:solidFill>
-                                    <a:latin typeface="Cambria Math" panose="02040503050406030204" pitchFamily="18" charset="0"/>
-                                  </a:rPr>
-                                </m:ctrlPr>
-                              </m:sSupPr>
-                              <m:e>
-                                <m:r>
-                                  <a:rPr lang="en-US" sz="3200" i="1">
-                                    <a:solidFill>
-                                      <a:srgbClr val="C00000"/>
-                                    </a:solidFill>
-                                    <a:latin typeface="Cambria Math" panose="02040503050406030204" pitchFamily="18" charset="0"/>
-                                  </a:rPr>
-                                  <m:t>𝛼</m:t>
-                                </m:r>
-                              </m:e>
-                              <m:sup>
-                                <m:r>
-                                  <a:rPr lang="en-US" sz="3200" i="1">
-                                    <a:solidFill>
-                                      <a:srgbClr val="C00000"/>
-                                    </a:solidFill>
-                                    <a:latin typeface="Cambria Math" panose="02040503050406030204" pitchFamily="18" charset="0"/>
-                                  </a:rPr>
-                                  <m:t>2</m:t>
-                                </m:r>
-                              </m:sup>
-                            </m:sSup>
-                          </m:den>
-                        </m:f>
-                      </m:e>
-                    </m:d>
-                  </m:oMath>
-                </a14:m>
-                <a:endParaRPr lang="en-US" sz="3200" dirty="0"/>
-              </a:p>
-              <a:p>
-                <a:pPr>
-                  <a:buClr>
-                    <a:schemeClr val="tx1"/>
-                  </a:buClr>
-                </a:pPr>
-                <a:r>
-                  <a:rPr lang="en-US" sz="3200" dirty="0"/>
-                  <a:t>Define </a:t>
-                </a:r>
-                <a14:m>
-                  <m:oMath xmlns:m="http://schemas.openxmlformats.org/officeDocument/2006/math">
-                    <m:r>
-                      <a:rPr lang="en-US" sz="3200" b="0" i="1" smtClean="0">
-                        <a:solidFill>
-                          <a:srgbClr val="C00000"/>
-                        </a:solidFill>
-                        <a:latin typeface="Cambria Math" panose="02040503050406030204" pitchFamily="18" charset="0"/>
-                      </a:rPr>
-                      <m:t>𝑆</m:t>
-                    </m:r>
-                    <m:d>
-                      <m:dPr>
-                        <m:ctrlPr>
-                          <a:rPr lang="en-US" sz="3200" b="0" i="1" smtClean="0">
-                            <a:solidFill>
-                              <a:srgbClr val="C00000"/>
-                            </a:solidFill>
-                            <a:latin typeface="Cambria Math" panose="02040503050406030204" pitchFamily="18" charset="0"/>
-                          </a:rPr>
-                        </m:ctrlPr>
-                      </m:dPr>
-                      <m:e>
-                        <m:r>
-                          <a:rPr lang="en-US" sz="3200" b="0" i="1" smtClean="0">
-                            <a:solidFill>
-                              <a:srgbClr val="C00000"/>
-                            </a:solidFill>
-                            <a:latin typeface="Cambria Math" panose="02040503050406030204" pitchFamily="18" charset="0"/>
-                          </a:rPr>
-                          <m:t>𝑓</m:t>
-                        </m:r>
-                        <m:r>
-                          <a:rPr lang="en-US" sz="3200" b="0" i="1" smtClean="0">
-                            <a:solidFill>
-                              <a:srgbClr val="C00000"/>
-                            </a:solidFill>
-                            <a:latin typeface="Cambria Math" panose="02040503050406030204" pitchFamily="18" charset="0"/>
-                          </a:rPr>
-                          <m:t>,</m:t>
-                        </m:r>
-                        <m:r>
-                          <a:rPr lang="en-US" sz="3200" b="0" i="1" smtClean="0">
-                            <a:solidFill>
-                              <a:srgbClr val="C00000"/>
-                            </a:solidFill>
-                            <a:latin typeface="Cambria Math" panose="02040503050406030204" pitchFamily="18" charset="0"/>
-                          </a:rPr>
-                          <m:t>𝑣</m:t>
-                        </m:r>
-                      </m:e>
-                    </m:d>
-                    <m:r>
-                      <a:rPr lang="en-US" sz="3200" b="0" i="1" smtClean="0">
-                        <a:solidFill>
-                          <a:srgbClr val="C00000"/>
-                        </a:solidFill>
-                        <a:latin typeface="Cambria Math" panose="02040503050406030204" pitchFamily="18" charset="0"/>
-                      </a:rPr>
-                      <m:t>=−</m:t>
-                    </m:r>
-                    <m:func>
-                      <m:funcPr>
-                        <m:ctrlPr>
-                          <a:rPr lang="en-US" sz="3200" b="0" i="1" smtClean="0">
-                            <a:solidFill>
-                              <a:srgbClr val="C00000"/>
-                            </a:solidFill>
-                            <a:latin typeface="Cambria Math" panose="02040503050406030204" pitchFamily="18" charset="0"/>
-                          </a:rPr>
-                        </m:ctrlPr>
-                      </m:funcPr>
-                      <m:fName>
-                        <m:limLow>
-                          <m:limLowPr>
-                            <m:ctrlPr>
-                              <a:rPr lang="en-US" sz="3200" b="0" i="1" smtClean="0">
-                                <a:solidFill>
-                                  <a:srgbClr val="C00000"/>
-                                </a:solidFill>
-                                <a:latin typeface="Cambria Math" panose="02040503050406030204" pitchFamily="18" charset="0"/>
-                              </a:rPr>
-                            </m:ctrlPr>
-                          </m:limLowPr>
-                          <m:e>
-                            <m:r>
-                              <m:rPr>
-                                <m:sty m:val="p"/>
-                              </m:rPr>
-                              <a:rPr lang="en-US" sz="3200" b="0" i="0" smtClean="0">
-                                <a:solidFill>
-                                  <a:srgbClr val="C00000"/>
-                                </a:solidFill>
-                                <a:latin typeface="Cambria Math" panose="02040503050406030204" pitchFamily="18" charset="0"/>
-                              </a:rPr>
-                              <m:t>max</m:t>
-                            </m:r>
-                          </m:e>
-                          <m:lim>
-                            <m:r>
-                              <a:rPr lang="en-US" sz="3200" b="0" i="1" smtClean="0">
-                                <a:solidFill>
-                                  <a:srgbClr val="C00000"/>
-                                </a:solidFill>
-                                <a:latin typeface="Cambria Math" panose="02040503050406030204" pitchFamily="18" charset="0"/>
-                              </a:rPr>
-                              <m:t>ℓ∈</m:t>
-                            </m:r>
-                            <m:r>
-                              <a:rPr lang="en-US" sz="3200" b="0" i="1" smtClean="0">
-                                <a:solidFill>
-                                  <a:srgbClr val="C00000"/>
-                                </a:solidFill>
-                                <a:latin typeface="Cambria Math" panose="02040503050406030204" pitchFamily="18" charset="0"/>
-                              </a:rPr>
-                              <m:t>𝑄</m:t>
-                            </m:r>
-                          </m:lim>
-                        </m:limLow>
-                      </m:fName>
-                      <m:e>
-                        <m:d>
-                          <m:dPr>
-                            <m:begChr m:val="|"/>
-                            <m:endChr m:val="|"/>
-                            <m:ctrlPr>
-                              <a:rPr lang="en-US" sz="3200" b="0" i="1" smtClean="0">
-                                <a:solidFill>
-                                  <a:srgbClr val="C00000"/>
-                                </a:solidFill>
-                                <a:latin typeface="Cambria Math" panose="02040503050406030204" pitchFamily="18" charset="0"/>
-                              </a:rPr>
-                            </m:ctrlPr>
-                          </m:dPr>
-                          <m:e>
-                            <m:r>
-                              <a:rPr lang="en-US" sz="3200" b="0" i="1" smtClean="0">
-                                <a:solidFill>
-                                  <a:srgbClr val="C00000"/>
-                                </a:solidFill>
-                                <a:latin typeface="Cambria Math" panose="02040503050406030204" pitchFamily="18" charset="0"/>
-                              </a:rPr>
-                              <m:t>ℓ</m:t>
-                            </m:r>
-                            <m:d>
-                              <m:dPr>
-                                <m:ctrlPr>
-                                  <a:rPr lang="en-US" sz="3200" b="0" i="1" smtClean="0">
-                                    <a:solidFill>
-                                      <a:srgbClr val="C00000"/>
-                                    </a:solidFill>
-                                    <a:latin typeface="Cambria Math" panose="02040503050406030204" pitchFamily="18" charset="0"/>
-                                  </a:rPr>
-                                </m:ctrlPr>
-                              </m:dPr>
-                              <m:e>
-                                <m:r>
-                                  <a:rPr lang="en-US" sz="3200" b="0" i="1" smtClean="0">
-                                    <a:solidFill>
-                                      <a:srgbClr val="C00000"/>
-                                    </a:solidFill>
-                                    <a:latin typeface="Cambria Math" panose="02040503050406030204" pitchFamily="18" charset="0"/>
-                                  </a:rPr>
-                                  <m:t>𝑓</m:t>
-                                </m:r>
-                              </m:e>
-                            </m:d>
-                            <m:r>
-                              <a:rPr lang="en-US" sz="3200" b="0" i="1" smtClean="0">
-                                <a:solidFill>
-                                  <a:srgbClr val="C00000"/>
-                                </a:solidFill>
-                                <a:latin typeface="Cambria Math" panose="02040503050406030204" pitchFamily="18" charset="0"/>
-                              </a:rPr>
-                              <m:t>−ℓ</m:t>
-                            </m:r>
-                            <m:d>
-                              <m:dPr>
-                                <m:ctrlPr>
-                                  <a:rPr lang="en-US" sz="3200" b="0" i="1" smtClean="0">
-                                    <a:solidFill>
-                                      <a:srgbClr val="C00000"/>
-                                    </a:solidFill>
-                                    <a:latin typeface="Cambria Math" panose="02040503050406030204" pitchFamily="18" charset="0"/>
-                                  </a:rPr>
-                                </m:ctrlPr>
-                              </m:dPr>
-                              <m:e>
-                                <m:r>
-                                  <a:rPr lang="en-US" sz="3200" b="0" i="1" smtClean="0">
-                                    <a:solidFill>
-                                      <a:srgbClr val="C00000"/>
-                                    </a:solidFill>
-                                    <a:latin typeface="Cambria Math" panose="02040503050406030204" pitchFamily="18" charset="0"/>
-                                  </a:rPr>
-                                  <m:t>𝑣</m:t>
-                                </m:r>
-                              </m:e>
-                            </m:d>
-                          </m:e>
-                        </m:d>
-                      </m:e>
-                    </m:func>
-                  </m:oMath>
-                </a14:m>
-                <a:endParaRPr lang="en-US" sz="3200" b="0" dirty="0">
-                  <a:solidFill>
-                    <a:srgbClr val="C00000"/>
-                  </a:solidFill>
-                </a:endParaRPr>
-              </a:p>
-              <a:p>
-                <a:pPr>
-                  <a:buClr>
-                    <a:schemeClr val="tx1"/>
-                  </a:buClr>
-                </a:pPr>
-                <a:endParaRPr lang="en-US" sz="3200" dirty="0"/>
-              </a:p>
-              <a:p>
-                <a:pPr>
-                  <a:buClr>
-                    <a:schemeClr val="tx1"/>
-                  </a:buClr>
-                </a:pPr>
-                <a:r>
-                  <a:rPr lang="en-US" sz="3200" dirty="0"/>
-                  <a:t>Sample and output </a:t>
-                </a:r>
-                <a14:m>
-                  <m:oMath xmlns:m="http://schemas.openxmlformats.org/officeDocument/2006/math">
-                    <m:r>
-                      <a:rPr lang="en-US" sz="3200" b="0" i="1" smtClean="0">
-                        <a:solidFill>
-                          <a:srgbClr val="C00000"/>
-                        </a:solidFill>
-                        <a:latin typeface="Cambria Math" panose="02040503050406030204" pitchFamily="18" charset="0"/>
-                      </a:rPr>
-                      <m:t>𝑣</m:t>
-                    </m:r>
-                    <m:r>
-                      <a:rPr lang="en-US" sz="3200" b="0" i="1" smtClean="0">
-                        <a:solidFill>
-                          <a:srgbClr val="C00000"/>
-                        </a:solidFill>
-                        <a:latin typeface="Cambria Math" panose="02040503050406030204" pitchFamily="18" charset="0"/>
-                      </a:rPr>
-                      <m:t>∈</m:t>
-                    </m:r>
-                    <m:r>
-                      <a:rPr lang="en-US" sz="3200" b="0" i="1" smtClean="0">
-                        <a:solidFill>
-                          <a:srgbClr val="C00000"/>
-                        </a:solidFill>
-                        <a:latin typeface="Cambria Math" panose="02040503050406030204" pitchFamily="18" charset="0"/>
-                      </a:rPr>
-                      <m:t>𝑉</m:t>
-                    </m:r>
-                  </m:oMath>
-                </a14:m>
-                <a:r>
-                  <a:rPr lang="en-US" sz="3200" dirty="0"/>
-                  <a:t> with the exponential mechanism with score function </a:t>
-                </a:r>
-                <a14:m>
-                  <m:oMath xmlns:m="http://schemas.openxmlformats.org/officeDocument/2006/math">
-                    <m:r>
-                      <a:rPr lang="en-US" sz="3200" b="0" i="1" smtClean="0">
-                        <a:solidFill>
-                          <a:srgbClr val="C00000"/>
-                        </a:solidFill>
-                        <a:latin typeface="Cambria Math" panose="02040503050406030204" pitchFamily="18" charset="0"/>
-                      </a:rPr>
-                      <m:t>𝑆</m:t>
-                    </m:r>
-                    <m:d>
-                      <m:dPr>
-                        <m:ctrlPr>
-                          <a:rPr lang="en-US" sz="3200" b="0" i="1" smtClean="0">
-                            <a:solidFill>
-                              <a:srgbClr val="C00000"/>
-                            </a:solidFill>
-                            <a:latin typeface="Cambria Math" panose="02040503050406030204" pitchFamily="18" charset="0"/>
-                          </a:rPr>
-                        </m:ctrlPr>
-                      </m:dPr>
-                      <m:e>
-                        <m:r>
-                          <a:rPr lang="en-US" sz="3200" b="0" i="1" smtClean="0">
-                            <a:solidFill>
-                              <a:srgbClr val="C00000"/>
-                            </a:solidFill>
-                            <a:latin typeface="Cambria Math" panose="02040503050406030204" pitchFamily="18" charset="0"/>
-                          </a:rPr>
-                          <m:t>𝑓</m:t>
-                        </m:r>
-                        <m:r>
-                          <a:rPr lang="en-US" sz="3200" b="0" i="1" smtClean="0">
-                            <a:solidFill>
-                              <a:srgbClr val="C00000"/>
-                            </a:solidFill>
-                            <a:latin typeface="Cambria Math" panose="02040503050406030204" pitchFamily="18" charset="0"/>
-                          </a:rPr>
-                          <m:t>,</m:t>
-                        </m:r>
-                        <m:r>
-                          <a:rPr lang="en-US" sz="3200" b="0" i="1" smtClean="0">
-                            <a:solidFill>
-                              <a:srgbClr val="C00000"/>
-                            </a:solidFill>
-                            <a:latin typeface="Cambria Math" panose="02040503050406030204" pitchFamily="18" charset="0"/>
-                          </a:rPr>
-                          <m:t>𝑣</m:t>
-                        </m:r>
-                      </m:e>
-                    </m:d>
-                  </m:oMath>
-                </a14:m>
-                <a:endParaRPr lang="en-US" sz="3200" dirty="0"/>
-              </a:p>
-            </p:txBody>
-          </p:sp>
-        </mc:Choice>
-        <mc:Fallback>
-          <p:sp>
-            <p:nvSpPr>
-              <p:cNvPr id="5" name="Content Placeholder 3">
-                <a:extLst>
-                  <a:ext uri="{FF2B5EF4-FFF2-40B4-BE49-F238E27FC236}">
-                    <a16:creationId xmlns:a16="http://schemas.microsoft.com/office/drawing/2014/main" id="{46EDD9D9-1338-4BC5-9D28-964A84C143C2}"/>
-                  </a:ext>
-                </a:extLst>
-              </p:cNvPr>
-              <p:cNvSpPr>
-                <a:spLocks noGrp="1" noRot="1" noChangeAspect="1" noMove="1" noResize="1" noEditPoints="1" noAdjustHandles="1" noChangeArrowheads="1" noChangeShapeType="1" noTextEdit="1"/>
-              </p:cNvSpPr>
-              <p:nvPr>
-                <p:ph idx="1"/>
-              </p:nvPr>
-            </p:nvSpPr>
-            <p:spPr>
-              <a:xfrm>
-                <a:off x="838200" y="1825624"/>
-                <a:ext cx="10242755" cy="4342094"/>
-              </a:xfrm>
-              <a:blipFill>
-                <a:blip r:embed="rId3"/>
-                <a:stretch>
-                  <a:fillRect l="-1369" r="-1429"/>
-                </a:stretch>
-              </a:blipFill>
-            </p:spPr>
-            <p:txBody>
-              <a:bodyPr/>
-              <a:lstStyle/>
-              <a:p>
-                <a:r>
-                  <a:rPr lang="en-US">
-                    <a:noFill/>
-                  </a:rPr>
-                  <a:t> </a:t>
-                </a:r>
-              </a:p>
-            </p:txBody>
-          </p:sp>
-        </mc:Fallback>
-      </mc:AlternateContent>
-    </p:spTree>
-    <p:extLst>
-      <p:ext uri="{BB962C8B-B14F-4D97-AF65-F5344CB8AC3E}">
-        <p14:creationId xmlns:p14="http://schemas.microsoft.com/office/powerpoint/2010/main" val="498842623"/>
-      </p:ext>
-    </p:extLst>
-  </p:cSld>
-  <p:clrMapOvr>
-    <a:masterClrMapping/>
-  </p:clrMapOvr>
-</p:sld>
-</file>
-
 <file path=ppt/slides/slide4.xml><?xml version="1.0" encoding="utf-8"?>
 <p:sld xmlns:a="http://schemas.openxmlformats.org/drawingml/2006/main" xmlns:r="http://schemas.openxmlformats.org/officeDocument/2006/relationships" xmlns:p="http://schemas.openxmlformats.org/presentationml/2006/main">
   <p:cSld>
@@ -21686,8 +16580,8 @@
           </a:p>
         </p:txBody>
       </p:sp>
-      <mc:AlternateContent xmlns:mc="http://schemas.openxmlformats.org/markup-compatibility/2006" xmlns:a14="http://schemas.microsoft.com/office/drawing/2010/main">
-        <mc:Choice Requires="a14">
+      <mc:AlternateContent xmlns:mc="http://schemas.openxmlformats.org/markup-compatibility/2006">
+        <mc:Choice xmlns:a14="http://schemas.microsoft.com/office/drawing/2010/main" Requires="a14">
           <p:sp>
             <p:nvSpPr>
               <p:cNvPr id="5" name="Content Placeholder 3">
@@ -21980,7 +16874,7 @@
                 </a14:m>
                 <a:r>
                   <a:rPr lang="en-US" sz="3200" dirty="0"/>
-                  <a:t> of dataset, and for all </a:t>
+                  <a:t> of datasets, and for all </a:t>
                 </a:r>
                 <a14:m>
                   <m:oMath xmlns:m="http://schemas.openxmlformats.org/officeDocument/2006/math">
@@ -22021,7 +16915,7 @@
             </p:txBody>
           </p:sp>
         </mc:Choice>
-        <mc:Fallback xmlns="">
+        <mc:Fallback>
           <p:sp>
             <p:nvSpPr>
               <p:cNvPr id="5" name="Content Placeholder 3">
@@ -22929,8 +17823,8 @@
           </a:p>
         </p:txBody>
       </p:sp>
-      <mc:AlternateContent xmlns:mc="http://schemas.openxmlformats.org/markup-compatibility/2006" xmlns:a14="http://schemas.microsoft.com/office/drawing/2010/main">
-        <mc:Choice Requires="a14">
+      <mc:AlternateContent xmlns:mc="http://schemas.openxmlformats.org/markup-compatibility/2006">
+        <mc:Choice xmlns:a14="http://schemas.microsoft.com/office/drawing/2010/main" Requires="a14">
           <p:sp>
             <p:nvSpPr>
               <p:cNvPr id="5" name="Content Placeholder 3">
@@ -23223,7 +18117,7 @@
                 </a14:m>
                 <a:r>
                   <a:rPr lang="en-US" sz="3200" dirty="0"/>
-                  <a:t> of dataset, and for all </a:t>
+                  <a:t> of datasets, and for all </a:t>
                 </a:r>
                 <a14:m>
                   <m:oMath xmlns:m="http://schemas.openxmlformats.org/officeDocument/2006/math">
@@ -23299,7 +18193,7 @@
             </p:txBody>
           </p:sp>
         </mc:Choice>
-        <mc:Fallback xmlns="">
+        <mc:Fallback>
           <p:sp>
             <p:nvSpPr>
               <p:cNvPr id="5" name="Content Placeholder 3">
